--- a/Documents, diagrams etc/Page Prototypes.pptx
+++ b/Documents, diagrams etc/Page Prototypes.pptx
@@ -269,7 +269,7 @@
           <a:p>
             <a:fld id="{29280845-F45E-4A40-8CF1-2721DCDD6907}" type="datetimeFigureOut">
               <a:rPr lang="en-GB" smtClean="0"/>
-              <a:t>20/10/2022</a:t>
+              <a:t>24/10/2022</a:t>
             </a:fld>
             <a:endParaRPr lang="en-GB"/>
           </a:p>
@@ -469,7 +469,7 @@
           <a:p>
             <a:fld id="{29280845-F45E-4A40-8CF1-2721DCDD6907}" type="datetimeFigureOut">
               <a:rPr lang="en-GB" smtClean="0"/>
-              <a:t>20/10/2022</a:t>
+              <a:t>24/10/2022</a:t>
             </a:fld>
             <a:endParaRPr lang="en-GB"/>
           </a:p>
@@ -679,7 +679,7 @@
           <a:p>
             <a:fld id="{29280845-F45E-4A40-8CF1-2721DCDD6907}" type="datetimeFigureOut">
               <a:rPr lang="en-GB" smtClean="0"/>
-              <a:t>20/10/2022</a:t>
+              <a:t>24/10/2022</a:t>
             </a:fld>
             <a:endParaRPr lang="en-GB"/>
           </a:p>
@@ -879,7 +879,7 @@
           <a:p>
             <a:fld id="{29280845-F45E-4A40-8CF1-2721DCDD6907}" type="datetimeFigureOut">
               <a:rPr lang="en-GB" smtClean="0"/>
-              <a:t>20/10/2022</a:t>
+              <a:t>24/10/2022</a:t>
             </a:fld>
             <a:endParaRPr lang="en-GB"/>
           </a:p>
@@ -1155,7 +1155,7 @@
           <a:p>
             <a:fld id="{29280845-F45E-4A40-8CF1-2721DCDD6907}" type="datetimeFigureOut">
               <a:rPr lang="en-GB" smtClean="0"/>
-              <a:t>20/10/2022</a:t>
+              <a:t>24/10/2022</a:t>
             </a:fld>
             <a:endParaRPr lang="en-GB"/>
           </a:p>
@@ -1423,7 +1423,7 @@
           <a:p>
             <a:fld id="{29280845-F45E-4A40-8CF1-2721DCDD6907}" type="datetimeFigureOut">
               <a:rPr lang="en-GB" smtClean="0"/>
-              <a:t>20/10/2022</a:t>
+              <a:t>24/10/2022</a:t>
             </a:fld>
             <a:endParaRPr lang="en-GB"/>
           </a:p>
@@ -1838,7 +1838,7 @@
           <a:p>
             <a:fld id="{29280845-F45E-4A40-8CF1-2721DCDD6907}" type="datetimeFigureOut">
               <a:rPr lang="en-GB" smtClean="0"/>
-              <a:t>20/10/2022</a:t>
+              <a:t>24/10/2022</a:t>
             </a:fld>
             <a:endParaRPr lang="en-GB"/>
           </a:p>
@@ -1980,7 +1980,7 @@
           <a:p>
             <a:fld id="{29280845-F45E-4A40-8CF1-2721DCDD6907}" type="datetimeFigureOut">
               <a:rPr lang="en-GB" smtClean="0"/>
-              <a:t>20/10/2022</a:t>
+              <a:t>24/10/2022</a:t>
             </a:fld>
             <a:endParaRPr lang="en-GB"/>
           </a:p>
@@ -2093,7 +2093,7 @@
           <a:p>
             <a:fld id="{29280845-F45E-4A40-8CF1-2721DCDD6907}" type="datetimeFigureOut">
               <a:rPr lang="en-GB" smtClean="0"/>
-              <a:t>20/10/2022</a:t>
+              <a:t>24/10/2022</a:t>
             </a:fld>
             <a:endParaRPr lang="en-GB"/>
           </a:p>
@@ -2406,7 +2406,7 @@
           <a:p>
             <a:fld id="{29280845-F45E-4A40-8CF1-2721DCDD6907}" type="datetimeFigureOut">
               <a:rPr lang="en-GB" smtClean="0"/>
-              <a:t>20/10/2022</a:t>
+              <a:t>24/10/2022</a:t>
             </a:fld>
             <a:endParaRPr lang="en-GB"/>
           </a:p>
@@ -2695,7 +2695,7 @@
           <a:p>
             <a:fld id="{29280845-F45E-4A40-8CF1-2721DCDD6907}" type="datetimeFigureOut">
               <a:rPr lang="en-GB" smtClean="0"/>
-              <a:t>20/10/2022</a:t>
+              <a:t>24/10/2022</a:t>
             </a:fld>
             <a:endParaRPr lang="en-GB"/>
           </a:p>
@@ -2938,7 +2938,7 @@
           <a:p>
             <a:fld id="{29280845-F45E-4A40-8CF1-2721DCDD6907}" type="datetimeFigureOut">
               <a:rPr lang="en-GB" smtClean="0"/>
-              <a:t>20/10/2022</a:t>
+              <a:t>24/10/2022</a:t>
             </a:fld>
             <a:endParaRPr lang="en-GB"/>
           </a:p>
@@ -18693,7 +18693,7 @@
         </p:blipFill>
         <p:spPr>
           <a:xfrm>
-            <a:off x="152541" y="439101"/>
+            <a:off x="147923" y="474134"/>
             <a:ext cx="1956725" cy="1869759"/>
           </a:xfrm>
           <a:prstGeom prst="rect">
@@ -19334,6 +19334,87 @@
           <a:bodyPr rtlCol="0" anchor="ctr"/>
           <a:lstStyle/>
           <a:p>
+            <a:pPr marL="0" marR="0" lvl="0" indent="0" defTabSz="914400" rtl="0" eaLnBrk="1" fontAlgn="auto" latinLnBrk="0" hangingPunct="1">
+              <a:lnSpc>
+                <a:spcPct val="100000"/>
+              </a:lnSpc>
+              <a:spcBef>
+                <a:spcPts val="0"/>
+              </a:spcBef>
+              <a:spcAft>
+                <a:spcPts val="0"/>
+              </a:spcAft>
+              <a:buClrTx/>
+              <a:buSzTx/>
+              <a:buFontTx/>
+              <a:buNone/>
+              <a:tabLst/>
+              <a:defRPr/>
+            </a:pPr>
+            <a:endParaRPr kumimoji="0" lang="en-GB" sz="1800" b="0" i="0" u="none" strike="noStrike" kern="1200" cap="none" spc="0" normalizeH="0" baseline="0" noProof="0" dirty="0">
+              <a:ln>
+                <a:noFill/>
+              </a:ln>
+              <a:solidFill>
+                <a:prstClr val="white"/>
+              </a:solidFill>
+              <a:effectLst/>
+              <a:uLnTx/>
+              <a:uFillTx/>
+              <a:latin typeface="Calibri" panose="020F0502020204030204"/>
+              <a:ea typeface="+mn-ea"/>
+              <a:cs typeface="+mn-cs"/>
+            </a:endParaRPr>
+          </a:p>
+        </p:txBody>
+      </p:sp>
+      <p:sp>
+        <p:nvSpPr>
+          <p:cNvPr id="28" name="Rectangle 27">
+            <a:extLst>
+              <a:ext uri="{FF2B5EF4-FFF2-40B4-BE49-F238E27FC236}">
+                <a16:creationId xmlns:a16="http://schemas.microsoft.com/office/drawing/2014/main" id="{6D163510-778B-4944-A182-7BCAFD02A5C0}"/>
+              </a:ext>
+            </a:extLst>
+          </p:cNvPr>
+          <p:cNvSpPr/>
+          <p:nvPr/>
+        </p:nvSpPr>
+        <p:spPr>
+          <a:xfrm>
+            <a:off x="488816" y="1598505"/>
+            <a:ext cx="1209404" cy="282516"/>
+          </a:xfrm>
+          <a:prstGeom prst="rect">
+            <a:avLst/>
+          </a:prstGeom>
+          <a:solidFill>
+            <a:srgbClr val="364652"/>
+          </a:solidFill>
+          <a:ln>
+            <a:noFill/>
+          </a:ln>
+        </p:spPr>
+        <p:style>
+          <a:lnRef idx="2">
+            <a:schemeClr val="accent1">
+              <a:shade val="50000"/>
+            </a:schemeClr>
+          </a:lnRef>
+          <a:fillRef idx="1">
+            <a:schemeClr val="accent1"/>
+          </a:fillRef>
+          <a:effectRef idx="0">
+            <a:schemeClr val="accent1"/>
+          </a:effectRef>
+          <a:fontRef idx="minor">
+            <a:schemeClr val="lt1"/>
+          </a:fontRef>
+        </p:style>
+        <p:txBody>
+          <a:bodyPr rtlCol="0" anchor="ctr"/>
+          <a:lstStyle/>
+          <a:p>
             <a:pPr marL="0" marR="0" lvl="0" indent="0" algn="ctr" defTabSz="914400" rtl="0" eaLnBrk="1" fontAlgn="auto" latinLnBrk="0" hangingPunct="1">
               <a:lnSpc>
                 <a:spcPct val="100000"/>
@@ -19352,7 +19433,7 @@
               <a:defRPr/>
             </a:pPr>
             <a:r>
-              <a:rPr kumimoji="0" lang="en-GB" sz="1800" b="0" i="0" u="none" strike="noStrike" kern="1200" cap="none" spc="0" normalizeH="0" baseline="0" noProof="0" dirty="0">
+              <a:rPr kumimoji="0" lang="en-GB" sz="1200" b="0" i="0" u="none" strike="noStrike" kern="1200" cap="none" spc="0" normalizeH="0" baseline="0" noProof="0" dirty="0">
                 <a:ln>
                   <a:noFill/>
                 </a:ln>
@@ -19366,18 +19447,18 @@
                 <a:ea typeface="+mn-ea"/>
                 <a:cs typeface="+mn-cs"/>
               </a:rPr>
-              <a:t>ideas</a:t>
+              <a:t>Edit Profile</a:t>
             </a:r>
           </a:p>
         </p:txBody>
       </p:sp>
       <p:sp>
         <p:nvSpPr>
-          <p:cNvPr id="27" name="Rectangle 26">
+          <p:cNvPr id="4" name="Rectangle 3">
             <a:hlinkClick r:id="rId5" action="ppaction://hlinksldjump"/>
             <a:extLst>
               <a:ext uri="{FF2B5EF4-FFF2-40B4-BE49-F238E27FC236}">
-                <a16:creationId xmlns:a16="http://schemas.microsoft.com/office/drawing/2014/main" id="{E75F5B9D-B5C4-492A-A06D-D70FA12A74D7}"/>
+                <a16:creationId xmlns:a16="http://schemas.microsoft.com/office/drawing/2014/main" id="{2F3A0665-113E-F21C-98B5-04EC4AE009DC}"/>
               </a:ext>
             </a:extLst>
           </p:cNvPr>
@@ -19458,6 +19539,4655 @@
       </p:sp>
       <p:sp>
         <p:nvSpPr>
+          <p:cNvPr id="9" name="Rectangle 8">
+            <a:extLst>
+              <a:ext uri="{FF2B5EF4-FFF2-40B4-BE49-F238E27FC236}">
+                <a16:creationId xmlns:a16="http://schemas.microsoft.com/office/drawing/2014/main" id="{9CDD7318-544D-B83E-92CA-449705A7BC41}"/>
+              </a:ext>
+            </a:extLst>
+          </p:cNvPr>
+          <p:cNvSpPr/>
+          <p:nvPr/>
+        </p:nvSpPr>
+        <p:spPr>
+          <a:xfrm>
+            <a:off x="718850" y="1845879"/>
+            <a:ext cx="728460" cy="223158"/>
+          </a:xfrm>
+          <a:prstGeom prst="rect">
+            <a:avLst/>
+          </a:prstGeom>
+          <a:solidFill>
+            <a:srgbClr val="364652"/>
+          </a:solidFill>
+          <a:ln>
+            <a:solidFill>
+              <a:srgbClr val="364652"/>
+            </a:solidFill>
+          </a:ln>
+        </p:spPr>
+        <p:style>
+          <a:lnRef idx="2">
+            <a:schemeClr val="accent1">
+              <a:shade val="50000"/>
+            </a:schemeClr>
+          </a:lnRef>
+          <a:fillRef idx="1">
+            <a:schemeClr val="accent1"/>
+          </a:fillRef>
+          <a:effectRef idx="0">
+            <a:schemeClr val="accent1"/>
+          </a:effectRef>
+          <a:fontRef idx="minor">
+            <a:schemeClr val="lt1"/>
+          </a:fontRef>
+        </p:style>
+        <p:txBody>
+          <a:bodyPr rtlCol="0" anchor="ctr"/>
+          <a:lstStyle/>
+          <a:p>
+            <a:pPr marL="0" marR="0" lvl="0" indent="0" algn="ctr" defTabSz="914400" rtl="0" eaLnBrk="1" fontAlgn="auto" latinLnBrk="0" hangingPunct="1">
+              <a:lnSpc>
+                <a:spcPct val="100000"/>
+              </a:lnSpc>
+              <a:spcBef>
+                <a:spcPts val="0"/>
+              </a:spcBef>
+              <a:spcAft>
+                <a:spcPts val="0"/>
+              </a:spcAft>
+              <a:buClrTx/>
+              <a:buSzTx/>
+              <a:buFontTx/>
+              <a:buNone/>
+              <a:tabLst/>
+              <a:defRPr/>
+            </a:pPr>
+            <a:endParaRPr kumimoji="0" lang="en-GB" sz="1800" b="0" i="0" u="none" strike="noStrike" kern="1200" cap="none" spc="0" normalizeH="0" baseline="0" noProof="0">
+              <a:ln>
+                <a:noFill/>
+              </a:ln>
+              <a:solidFill>
+                <a:prstClr val="white"/>
+              </a:solidFill>
+              <a:effectLst/>
+              <a:uLnTx/>
+              <a:uFillTx/>
+              <a:latin typeface="Calibri" panose="020F0502020204030204"/>
+              <a:ea typeface="+mn-ea"/>
+              <a:cs typeface="+mn-cs"/>
+            </a:endParaRPr>
+          </a:p>
+        </p:txBody>
+      </p:sp>
+      <p:sp>
+        <p:nvSpPr>
+          <p:cNvPr id="10" name="Rectangle 9">
+            <a:hlinkClick r:id="rId6" action="ppaction://hlinksldjump"/>
+            <a:extLst>
+              <a:ext uri="{FF2B5EF4-FFF2-40B4-BE49-F238E27FC236}">
+                <a16:creationId xmlns:a16="http://schemas.microsoft.com/office/drawing/2014/main" id="{E4B1CAB3-5DF1-2831-EE5A-E62BE2D6581F}"/>
+              </a:ext>
+            </a:extLst>
+          </p:cNvPr>
+          <p:cNvSpPr/>
+          <p:nvPr/>
+        </p:nvSpPr>
+        <p:spPr>
+          <a:xfrm>
+            <a:off x="68580" y="2367233"/>
+            <a:ext cx="2125980" cy="282516"/>
+          </a:xfrm>
+          <a:prstGeom prst="rect">
+            <a:avLst/>
+          </a:prstGeom>
+          <a:solidFill>
+            <a:srgbClr val="364652"/>
+          </a:solidFill>
+          <a:ln>
+            <a:noFill/>
+          </a:ln>
+        </p:spPr>
+        <p:style>
+          <a:lnRef idx="2">
+            <a:schemeClr val="accent1">
+              <a:shade val="50000"/>
+            </a:schemeClr>
+          </a:lnRef>
+          <a:fillRef idx="1">
+            <a:schemeClr val="accent1"/>
+          </a:fillRef>
+          <a:effectRef idx="0">
+            <a:schemeClr val="accent1"/>
+          </a:effectRef>
+          <a:fontRef idx="minor">
+            <a:schemeClr val="lt1"/>
+          </a:fontRef>
+        </p:style>
+        <p:txBody>
+          <a:bodyPr rtlCol="0" anchor="ctr"/>
+          <a:lstStyle/>
+          <a:p>
+            <a:pPr marL="0" marR="0" lvl="0" indent="0" algn="ctr" defTabSz="914400" rtl="0" eaLnBrk="1" fontAlgn="auto" latinLnBrk="0" hangingPunct="1">
+              <a:lnSpc>
+                <a:spcPct val="100000"/>
+              </a:lnSpc>
+              <a:spcBef>
+                <a:spcPts val="0"/>
+              </a:spcBef>
+              <a:spcAft>
+                <a:spcPts val="0"/>
+              </a:spcAft>
+              <a:buClrTx/>
+              <a:buSzTx/>
+              <a:buFontTx/>
+              <a:buNone/>
+              <a:tabLst/>
+              <a:defRPr/>
+            </a:pPr>
+            <a:r>
+              <a:rPr kumimoji="0" lang="en-GB" sz="1600" b="0" i="0" u="none" strike="noStrike" kern="1200" cap="none" spc="0" normalizeH="0" baseline="0" noProof="0" dirty="0">
+                <a:ln>
+                  <a:noFill/>
+                </a:ln>
+                <a:solidFill>
+                  <a:prstClr val="white"/>
+                </a:solidFill>
+                <a:effectLst/>
+                <a:uLnTx/>
+                <a:uFillTx/>
+                <a:latin typeface="Calibri" panose="020F0502020204030204"/>
+                <a:ea typeface="+mn-ea"/>
+                <a:cs typeface="+mn-cs"/>
+              </a:rPr>
+              <a:t>View Ideas</a:t>
+            </a:r>
+          </a:p>
+        </p:txBody>
+      </p:sp>
+      <p:sp>
+        <p:nvSpPr>
+          <p:cNvPr id="11" name="Rectangle 10">
+            <a:hlinkClick r:id="rId7" action="ppaction://hlinksldjump"/>
+            <a:extLst>
+              <a:ext uri="{FF2B5EF4-FFF2-40B4-BE49-F238E27FC236}">
+                <a16:creationId xmlns:a16="http://schemas.microsoft.com/office/drawing/2014/main" id="{87963BE9-065A-E5D2-FF88-1D81357EF24B}"/>
+              </a:ext>
+            </a:extLst>
+          </p:cNvPr>
+          <p:cNvSpPr/>
+          <p:nvPr/>
+        </p:nvSpPr>
+        <p:spPr>
+          <a:xfrm>
+            <a:off x="68580" y="2649749"/>
+            <a:ext cx="2125980" cy="282516"/>
+          </a:xfrm>
+          <a:prstGeom prst="rect">
+            <a:avLst/>
+          </a:prstGeom>
+          <a:solidFill>
+            <a:srgbClr val="364652"/>
+          </a:solidFill>
+          <a:ln>
+            <a:noFill/>
+          </a:ln>
+        </p:spPr>
+        <p:style>
+          <a:lnRef idx="2">
+            <a:schemeClr val="accent1">
+              <a:shade val="50000"/>
+            </a:schemeClr>
+          </a:lnRef>
+          <a:fillRef idx="1">
+            <a:schemeClr val="accent1"/>
+          </a:fillRef>
+          <a:effectRef idx="0">
+            <a:schemeClr val="accent1"/>
+          </a:effectRef>
+          <a:fontRef idx="minor">
+            <a:schemeClr val="lt1"/>
+          </a:fontRef>
+        </p:style>
+        <p:txBody>
+          <a:bodyPr rtlCol="0" anchor="ctr"/>
+          <a:lstStyle/>
+          <a:p>
+            <a:pPr marL="0" marR="0" lvl="0" indent="0" algn="ctr" defTabSz="914400" rtl="0" eaLnBrk="1" fontAlgn="auto" latinLnBrk="0" hangingPunct="1">
+              <a:lnSpc>
+                <a:spcPct val="100000"/>
+              </a:lnSpc>
+              <a:spcBef>
+                <a:spcPts val="0"/>
+              </a:spcBef>
+              <a:spcAft>
+                <a:spcPts val="0"/>
+              </a:spcAft>
+              <a:buClrTx/>
+              <a:buSzTx/>
+              <a:buFontTx/>
+              <a:buNone/>
+              <a:tabLst/>
+              <a:defRPr/>
+            </a:pPr>
+            <a:r>
+              <a:rPr kumimoji="0" lang="en-GB" sz="1600" b="0" i="0" u="none" strike="noStrike" kern="1200" cap="none" spc="0" normalizeH="0" baseline="0" noProof="0" dirty="0">
+                <a:ln>
+                  <a:noFill/>
+                </a:ln>
+                <a:solidFill>
+                  <a:prstClr val="white"/>
+                </a:solidFill>
+                <a:effectLst/>
+                <a:uLnTx/>
+                <a:uFillTx/>
+                <a:latin typeface="Calibri" panose="020F0502020204030204"/>
+                <a:ea typeface="+mn-ea"/>
+                <a:cs typeface="+mn-cs"/>
+              </a:rPr>
+              <a:t>View Clients</a:t>
+            </a:r>
+          </a:p>
+        </p:txBody>
+      </p:sp>
+      <p:sp>
+        <p:nvSpPr>
+          <p:cNvPr id="15" name="Rectangle 14">
+            <a:hlinkClick r:id="rId8" action="ppaction://hlinksldjump"/>
+            <a:extLst>
+              <a:ext uri="{FF2B5EF4-FFF2-40B4-BE49-F238E27FC236}">
+                <a16:creationId xmlns:a16="http://schemas.microsoft.com/office/drawing/2014/main" id="{D32E7034-0879-2AD9-B019-4B0D3BDF1D71}"/>
+              </a:ext>
+            </a:extLst>
+          </p:cNvPr>
+          <p:cNvSpPr/>
+          <p:nvPr/>
+        </p:nvSpPr>
+        <p:spPr>
+          <a:xfrm>
+            <a:off x="63296" y="2932265"/>
+            <a:ext cx="2125980" cy="282516"/>
+          </a:xfrm>
+          <a:prstGeom prst="rect">
+            <a:avLst/>
+          </a:prstGeom>
+          <a:solidFill>
+            <a:srgbClr val="364652"/>
+          </a:solidFill>
+          <a:ln>
+            <a:noFill/>
+          </a:ln>
+        </p:spPr>
+        <p:style>
+          <a:lnRef idx="2">
+            <a:schemeClr val="accent1">
+              <a:shade val="50000"/>
+            </a:schemeClr>
+          </a:lnRef>
+          <a:fillRef idx="1">
+            <a:schemeClr val="accent1"/>
+          </a:fillRef>
+          <a:effectRef idx="0">
+            <a:schemeClr val="accent1"/>
+          </a:effectRef>
+          <a:fontRef idx="minor">
+            <a:schemeClr val="lt1"/>
+          </a:fontRef>
+        </p:style>
+        <p:txBody>
+          <a:bodyPr rtlCol="0" anchor="ctr"/>
+          <a:lstStyle/>
+          <a:p>
+            <a:pPr marL="0" marR="0" lvl="0" indent="0" algn="ctr" defTabSz="914400" rtl="0" eaLnBrk="1" fontAlgn="auto" latinLnBrk="0" hangingPunct="1">
+              <a:lnSpc>
+                <a:spcPct val="100000"/>
+              </a:lnSpc>
+              <a:spcBef>
+                <a:spcPts val="0"/>
+              </a:spcBef>
+              <a:spcAft>
+                <a:spcPts val="0"/>
+              </a:spcAft>
+              <a:buClrTx/>
+              <a:buSzTx/>
+              <a:buFontTx/>
+              <a:buNone/>
+              <a:tabLst/>
+              <a:defRPr/>
+            </a:pPr>
+            <a:r>
+              <a:rPr kumimoji="0" lang="en-GB" sz="1600" b="0" i="0" u="none" strike="noStrike" kern="1200" cap="none" spc="0" normalizeH="0" baseline="0" noProof="0" dirty="0">
+                <a:ln>
+                  <a:noFill/>
+                </a:ln>
+                <a:solidFill>
+                  <a:prstClr val="white"/>
+                </a:solidFill>
+                <a:effectLst/>
+                <a:uLnTx/>
+                <a:uFillTx/>
+                <a:latin typeface="Calibri" panose="020F0502020204030204"/>
+                <a:ea typeface="+mn-ea"/>
+                <a:cs typeface="+mn-cs"/>
+              </a:rPr>
+              <a:t>Create User</a:t>
+            </a:r>
+          </a:p>
+        </p:txBody>
+      </p:sp>
+      <p:sp>
+        <p:nvSpPr>
+          <p:cNvPr id="21" name="Rectangle 20">
+            <a:extLst>
+              <a:ext uri="{FF2B5EF4-FFF2-40B4-BE49-F238E27FC236}">
+                <a16:creationId xmlns:a16="http://schemas.microsoft.com/office/drawing/2014/main" id="{CBFD39DD-377E-EDB4-3398-6C6961C3A303}"/>
+              </a:ext>
+            </a:extLst>
+          </p:cNvPr>
+          <p:cNvSpPr/>
+          <p:nvPr/>
+        </p:nvSpPr>
+        <p:spPr>
+          <a:xfrm>
+            <a:off x="63296" y="3214781"/>
+            <a:ext cx="2125980" cy="282516"/>
+          </a:xfrm>
+          <a:prstGeom prst="rect">
+            <a:avLst/>
+          </a:prstGeom>
+          <a:solidFill>
+            <a:srgbClr val="364652"/>
+          </a:solidFill>
+          <a:ln>
+            <a:noFill/>
+          </a:ln>
+        </p:spPr>
+        <p:style>
+          <a:lnRef idx="2">
+            <a:schemeClr val="accent1">
+              <a:shade val="50000"/>
+            </a:schemeClr>
+          </a:lnRef>
+          <a:fillRef idx="1">
+            <a:schemeClr val="accent1"/>
+          </a:fillRef>
+          <a:effectRef idx="0">
+            <a:schemeClr val="accent1"/>
+          </a:effectRef>
+          <a:fontRef idx="minor">
+            <a:schemeClr val="lt1"/>
+          </a:fontRef>
+        </p:style>
+        <p:txBody>
+          <a:bodyPr rtlCol="0" anchor="ctr"/>
+          <a:lstStyle/>
+          <a:p>
+            <a:pPr marL="0" marR="0" lvl="0" indent="0" algn="ctr" defTabSz="914400" rtl="0" eaLnBrk="1" fontAlgn="auto" latinLnBrk="0" hangingPunct="1">
+              <a:lnSpc>
+                <a:spcPct val="100000"/>
+              </a:lnSpc>
+              <a:spcBef>
+                <a:spcPts val="0"/>
+              </a:spcBef>
+              <a:spcAft>
+                <a:spcPts val="0"/>
+              </a:spcAft>
+              <a:buClrTx/>
+              <a:buSzTx/>
+              <a:buFontTx/>
+              <a:buNone/>
+              <a:tabLst/>
+              <a:defRPr/>
+            </a:pPr>
+            <a:r>
+              <a:rPr lang="en-GB" sz="1600" dirty="0">
+                <a:solidFill>
+                  <a:prstClr val="white"/>
+                </a:solidFill>
+                <a:latin typeface="Calibri" panose="020F0502020204030204"/>
+              </a:rPr>
+              <a:t>Logout</a:t>
+            </a:r>
+            <a:endParaRPr kumimoji="0" lang="en-GB" sz="1600" b="0" i="0" u="none" strike="noStrike" kern="1200" cap="none" spc="0" normalizeH="0" baseline="0" noProof="0" dirty="0">
+              <a:ln>
+                <a:noFill/>
+              </a:ln>
+              <a:solidFill>
+                <a:prstClr val="white"/>
+              </a:solidFill>
+              <a:effectLst/>
+              <a:uLnTx/>
+              <a:uFillTx/>
+              <a:latin typeface="Calibri" panose="020F0502020204030204"/>
+              <a:ea typeface="+mn-ea"/>
+              <a:cs typeface="+mn-cs"/>
+            </a:endParaRPr>
+          </a:p>
+        </p:txBody>
+      </p:sp>
+      <p:sp>
+        <p:nvSpPr>
+          <p:cNvPr id="22" name="Rectangle 21">
+            <a:extLst>
+              <a:ext uri="{FF2B5EF4-FFF2-40B4-BE49-F238E27FC236}">
+                <a16:creationId xmlns:a16="http://schemas.microsoft.com/office/drawing/2014/main" id="{30E3336E-8E97-9A2A-0BF6-21FAC9EA0464}"/>
+              </a:ext>
+            </a:extLst>
+          </p:cNvPr>
+          <p:cNvSpPr/>
+          <p:nvPr/>
+        </p:nvSpPr>
+        <p:spPr>
+          <a:xfrm>
+            <a:off x="3470652" y="994764"/>
+            <a:ext cx="7291312" cy="664174"/>
+          </a:xfrm>
+          <a:prstGeom prst="rect">
+            <a:avLst/>
+          </a:prstGeom>
+          <a:solidFill>
+            <a:schemeClr val="bg1"/>
+          </a:solidFill>
+          <a:ln>
+            <a:noFill/>
+          </a:ln>
+        </p:spPr>
+        <p:style>
+          <a:lnRef idx="2">
+            <a:schemeClr val="accent1">
+              <a:shade val="50000"/>
+            </a:schemeClr>
+          </a:lnRef>
+          <a:fillRef idx="1">
+            <a:schemeClr val="accent1"/>
+          </a:fillRef>
+          <a:effectRef idx="0">
+            <a:schemeClr val="accent1"/>
+          </a:effectRef>
+          <a:fontRef idx="minor">
+            <a:schemeClr val="lt1"/>
+          </a:fontRef>
+        </p:style>
+        <p:txBody>
+          <a:bodyPr rtlCol="0" anchor="ctr"/>
+          <a:lstStyle/>
+          <a:p>
+            <a:pPr algn="ctr"/>
+            <a:r>
+              <a:rPr lang="en-GB" sz="1400" dirty="0">
+                <a:solidFill>
+                  <a:schemeClr val="tx1"/>
+                </a:solidFill>
+              </a:rPr>
+              <a:t>Ecologically sound construction investments in the UK and Western Europe</a:t>
+            </a:r>
+          </a:p>
+          <a:p>
+            <a:pPr algn="ctr"/>
+            <a:r>
+              <a:rPr lang="en-GB" sz="1400" dirty="0">
+                <a:solidFill>
+                  <a:schemeClr val="tx1"/>
+                </a:solidFill>
+              </a:rPr>
+              <a:t>Precious metals of Eurasia</a:t>
+            </a:r>
+          </a:p>
+          <a:p>
+            <a:pPr algn="ctr"/>
+            <a:r>
+              <a:rPr lang="en-GB" sz="1400" dirty="0">
+                <a:solidFill>
+                  <a:schemeClr val="tx1"/>
+                </a:solidFill>
+              </a:rPr>
+              <a:t>Emerging Cryptocurrencies of the Americas</a:t>
+            </a:r>
+          </a:p>
+        </p:txBody>
+      </p:sp>
+      <p:sp>
+        <p:nvSpPr>
+          <p:cNvPr id="23" name="Rectangle 22">
+            <a:extLst>
+              <a:ext uri="{FF2B5EF4-FFF2-40B4-BE49-F238E27FC236}">
+                <a16:creationId xmlns:a16="http://schemas.microsoft.com/office/drawing/2014/main" id="{2397947F-D051-0C85-32C4-E5315D685CC8}"/>
+              </a:ext>
+            </a:extLst>
+          </p:cNvPr>
+          <p:cNvSpPr/>
+          <p:nvPr/>
+        </p:nvSpPr>
+        <p:spPr>
+          <a:xfrm>
+            <a:off x="10528377" y="998553"/>
+            <a:ext cx="230636" cy="664174"/>
+          </a:xfrm>
+          <a:prstGeom prst="rect">
+            <a:avLst/>
+          </a:prstGeom>
+          <a:solidFill>
+            <a:schemeClr val="bg1">
+              <a:lumMod val="95000"/>
+            </a:schemeClr>
+          </a:solidFill>
+          <a:ln>
+            <a:noFill/>
+          </a:ln>
+        </p:spPr>
+        <p:style>
+          <a:lnRef idx="2">
+            <a:schemeClr val="accent1">
+              <a:shade val="50000"/>
+            </a:schemeClr>
+          </a:lnRef>
+          <a:fillRef idx="1">
+            <a:schemeClr val="accent1"/>
+          </a:fillRef>
+          <a:effectRef idx="0">
+            <a:schemeClr val="accent1"/>
+          </a:effectRef>
+          <a:fontRef idx="minor">
+            <a:schemeClr val="lt1"/>
+          </a:fontRef>
+        </p:style>
+        <p:txBody>
+          <a:bodyPr rtlCol="0" anchor="ctr"/>
+          <a:lstStyle/>
+          <a:p>
+            <a:pPr marL="0" marR="0" lvl="0" indent="0" algn="ctr" defTabSz="914400" rtl="0" eaLnBrk="1" fontAlgn="auto" latinLnBrk="0" hangingPunct="1">
+              <a:lnSpc>
+                <a:spcPct val="100000"/>
+              </a:lnSpc>
+              <a:spcBef>
+                <a:spcPts val="0"/>
+              </a:spcBef>
+              <a:spcAft>
+                <a:spcPts val="0"/>
+              </a:spcAft>
+              <a:buClrTx/>
+              <a:buSzTx/>
+              <a:buFontTx/>
+              <a:buNone/>
+              <a:tabLst/>
+              <a:defRPr/>
+            </a:pPr>
+            <a:endParaRPr kumimoji="0" lang="en-GB" sz="1800" b="0" i="0" u="none" strike="noStrike" kern="1200" cap="none" spc="0" normalizeH="0" baseline="0" noProof="0">
+              <a:ln>
+                <a:noFill/>
+              </a:ln>
+              <a:solidFill>
+                <a:prstClr val="white"/>
+              </a:solidFill>
+              <a:effectLst/>
+              <a:uLnTx/>
+              <a:uFillTx/>
+              <a:latin typeface="Calibri" panose="020F0502020204030204"/>
+              <a:ea typeface="+mn-ea"/>
+              <a:cs typeface="+mn-cs"/>
+            </a:endParaRPr>
+          </a:p>
+        </p:txBody>
+      </p:sp>
+      <p:sp>
+        <p:nvSpPr>
+          <p:cNvPr id="24" name="Rectangle 23">
+            <a:extLst>
+              <a:ext uri="{FF2B5EF4-FFF2-40B4-BE49-F238E27FC236}">
+                <a16:creationId xmlns:a16="http://schemas.microsoft.com/office/drawing/2014/main" id="{F14E22DE-AA92-0785-E41C-AB91041CD0DA}"/>
+              </a:ext>
+            </a:extLst>
+          </p:cNvPr>
+          <p:cNvSpPr/>
+          <p:nvPr/>
+        </p:nvSpPr>
+        <p:spPr>
+          <a:xfrm>
+            <a:off x="10529360" y="992082"/>
+            <a:ext cx="230636" cy="223157"/>
+          </a:xfrm>
+          <a:prstGeom prst="rect">
+            <a:avLst/>
+          </a:prstGeom>
+          <a:solidFill>
+            <a:schemeClr val="bg1">
+              <a:lumMod val="95000"/>
+            </a:schemeClr>
+          </a:solidFill>
+          <a:ln>
+            <a:solidFill>
+              <a:schemeClr val="bg2">
+                <a:lumMod val="90000"/>
+              </a:schemeClr>
+            </a:solidFill>
+          </a:ln>
+        </p:spPr>
+        <p:style>
+          <a:lnRef idx="2">
+            <a:schemeClr val="accent1">
+              <a:shade val="50000"/>
+            </a:schemeClr>
+          </a:lnRef>
+          <a:fillRef idx="1">
+            <a:schemeClr val="accent1"/>
+          </a:fillRef>
+          <a:effectRef idx="0">
+            <a:schemeClr val="accent1"/>
+          </a:effectRef>
+          <a:fontRef idx="minor">
+            <a:schemeClr val="lt1"/>
+          </a:fontRef>
+        </p:style>
+        <p:txBody>
+          <a:bodyPr rtlCol="0" anchor="ctr"/>
+          <a:lstStyle/>
+          <a:p>
+            <a:pPr marL="0" marR="0" lvl="0" indent="0" algn="ctr" defTabSz="914400" rtl="0" eaLnBrk="1" fontAlgn="auto" latinLnBrk="0" hangingPunct="1">
+              <a:lnSpc>
+                <a:spcPct val="100000"/>
+              </a:lnSpc>
+              <a:spcBef>
+                <a:spcPts val="0"/>
+              </a:spcBef>
+              <a:spcAft>
+                <a:spcPts val="0"/>
+              </a:spcAft>
+              <a:buClrTx/>
+              <a:buSzTx/>
+              <a:buFontTx/>
+              <a:buNone/>
+              <a:tabLst/>
+              <a:defRPr/>
+            </a:pPr>
+            <a:endParaRPr kumimoji="0" lang="en-GB" sz="1800" b="0" i="0" u="none" strike="noStrike" kern="1200" cap="none" spc="0" normalizeH="0" baseline="0" noProof="0">
+              <a:ln>
+                <a:noFill/>
+              </a:ln>
+              <a:solidFill>
+                <a:prstClr val="white"/>
+              </a:solidFill>
+              <a:effectLst/>
+              <a:uLnTx/>
+              <a:uFillTx/>
+              <a:latin typeface="Calibri" panose="020F0502020204030204"/>
+              <a:ea typeface="+mn-ea"/>
+              <a:cs typeface="+mn-cs"/>
+            </a:endParaRPr>
+          </a:p>
+        </p:txBody>
+      </p:sp>
+      <p:sp>
+        <p:nvSpPr>
+          <p:cNvPr id="25" name="Arrow: Chevron 24">
+            <a:extLst>
+              <a:ext uri="{FF2B5EF4-FFF2-40B4-BE49-F238E27FC236}">
+                <a16:creationId xmlns:a16="http://schemas.microsoft.com/office/drawing/2014/main" id="{A983B9A5-218F-6B38-B35F-996409F3DE4A}"/>
+              </a:ext>
+            </a:extLst>
+          </p:cNvPr>
+          <p:cNvSpPr/>
+          <p:nvPr/>
+        </p:nvSpPr>
+        <p:spPr>
+          <a:xfrm rot="16200000">
+            <a:off x="10588719" y="1036439"/>
+            <a:ext cx="111919" cy="126206"/>
+          </a:xfrm>
+          <a:prstGeom prst="chevron">
+            <a:avLst/>
+          </a:prstGeom>
+          <a:solidFill>
+            <a:schemeClr val="bg1">
+              <a:lumMod val="50000"/>
+            </a:schemeClr>
+          </a:solidFill>
+          <a:ln>
+            <a:noFill/>
+          </a:ln>
+        </p:spPr>
+        <p:style>
+          <a:lnRef idx="2">
+            <a:schemeClr val="accent1">
+              <a:shade val="50000"/>
+            </a:schemeClr>
+          </a:lnRef>
+          <a:fillRef idx="1">
+            <a:schemeClr val="accent1"/>
+          </a:fillRef>
+          <a:effectRef idx="0">
+            <a:schemeClr val="accent1"/>
+          </a:effectRef>
+          <a:fontRef idx="minor">
+            <a:schemeClr val="lt1"/>
+          </a:fontRef>
+        </p:style>
+        <p:txBody>
+          <a:bodyPr rtlCol="0" anchor="ctr"/>
+          <a:lstStyle/>
+          <a:p>
+            <a:pPr marL="0" marR="0" lvl="0" indent="0" algn="ctr" defTabSz="914400" rtl="0" eaLnBrk="1" fontAlgn="auto" latinLnBrk="0" hangingPunct="1">
+              <a:lnSpc>
+                <a:spcPct val="100000"/>
+              </a:lnSpc>
+              <a:spcBef>
+                <a:spcPts val="0"/>
+              </a:spcBef>
+              <a:spcAft>
+                <a:spcPts val="0"/>
+              </a:spcAft>
+              <a:buClrTx/>
+              <a:buSzTx/>
+              <a:buFontTx/>
+              <a:buNone/>
+              <a:tabLst/>
+              <a:defRPr/>
+            </a:pPr>
+            <a:endParaRPr kumimoji="0" lang="en-GB" sz="1800" b="0" i="0" u="none" strike="noStrike" kern="1200" cap="none" spc="0" normalizeH="0" baseline="0" noProof="0">
+              <a:ln>
+                <a:noFill/>
+              </a:ln>
+              <a:solidFill>
+                <a:prstClr val="black"/>
+              </a:solidFill>
+              <a:effectLst/>
+              <a:uLnTx/>
+              <a:uFillTx/>
+              <a:latin typeface="Calibri" panose="020F0502020204030204"/>
+              <a:ea typeface="+mn-ea"/>
+              <a:cs typeface="+mn-cs"/>
+            </a:endParaRPr>
+          </a:p>
+        </p:txBody>
+      </p:sp>
+      <p:sp>
+        <p:nvSpPr>
+          <p:cNvPr id="26" name="Rectangle 25">
+            <a:extLst>
+              <a:ext uri="{FF2B5EF4-FFF2-40B4-BE49-F238E27FC236}">
+                <a16:creationId xmlns:a16="http://schemas.microsoft.com/office/drawing/2014/main" id="{695AB3A8-2C9B-BEBE-E1F1-543E14394107}"/>
+              </a:ext>
+            </a:extLst>
+          </p:cNvPr>
+          <p:cNvSpPr/>
+          <p:nvPr/>
+        </p:nvSpPr>
+        <p:spPr>
+          <a:xfrm rot="10800000">
+            <a:off x="10530344" y="1427480"/>
+            <a:ext cx="230636" cy="223157"/>
+          </a:xfrm>
+          <a:prstGeom prst="rect">
+            <a:avLst/>
+          </a:prstGeom>
+          <a:solidFill>
+            <a:schemeClr val="bg1">
+              <a:lumMod val="95000"/>
+            </a:schemeClr>
+          </a:solidFill>
+          <a:ln>
+            <a:solidFill>
+              <a:schemeClr val="bg2">
+                <a:lumMod val="90000"/>
+              </a:schemeClr>
+            </a:solidFill>
+          </a:ln>
+        </p:spPr>
+        <p:style>
+          <a:lnRef idx="2">
+            <a:schemeClr val="accent1">
+              <a:shade val="50000"/>
+            </a:schemeClr>
+          </a:lnRef>
+          <a:fillRef idx="1">
+            <a:schemeClr val="accent1"/>
+          </a:fillRef>
+          <a:effectRef idx="0">
+            <a:schemeClr val="accent1"/>
+          </a:effectRef>
+          <a:fontRef idx="minor">
+            <a:schemeClr val="lt1"/>
+          </a:fontRef>
+        </p:style>
+        <p:txBody>
+          <a:bodyPr rtlCol="0" anchor="ctr"/>
+          <a:lstStyle/>
+          <a:p>
+            <a:pPr marL="0" marR="0" lvl="0" indent="0" algn="ctr" defTabSz="914400" rtl="0" eaLnBrk="1" fontAlgn="auto" latinLnBrk="0" hangingPunct="1">
+              <a:lnSpc>
+                <a:spcPct val="100000"/>
+              </a:lnSpc>
+              <a:spcBef>
+                <a:spcPts val="0"/>
+              </a:spcBef>
+              <a:spcAft>
+                <a:spcPts val="0"/>
+              </a:spcAft>
+              <a:buClrTx/>
+              <a:buSzTx/>
+              <a:buFontTx/>
+              <a:buNone/>
+              <a:tabLst/>
+              <a:defRPr/>
+            </a:pPr>
+            <a:endParaRPr kumimoji="0" lang="en-GB" sz="1800" b="0" i="0" u="none" strike="noStrike" kern="1200" cap="none" spc="0" normalizeH="0" baseline="0" noProof="0">
+              <a:ln>
+                <a:noFill/>
+              </a:ln>
+              <a:solidFill>
+                <a:prstClr val="white"/>
+              </a:solidFill>
+              <a:effectLst/>
+              <a:uLnTx/>
+              <a:uFillTx/>
+              <a:latin typeface="Calibri" panose="020F0502020204030204"/>
+              <a:ea typeface="+mn-ea"/>
+              <a:cs typeface="+mn-cs"/>
+            </a:endParaRPr>
+          </a:p>
+        </p:txBody>
+      </p:sp>
+      <p:sp>
+        <p:nvSpPr>
+          <p:cNvPr id="29" name="Arrow: Chevron 28">
+            <a:extLst>
+              <a:ext uri="{FF2B5EF4-FFF2-40B4-BE49-F238E27FC236}">
+                <a16:creationId xmlns:a16="http://schemas.microsoft.com/office/drawing/2014/main" id="{8B6726CA-B82F-EB97-EA26-BC9805D8ABCF}"/>
+              </a:ext>
+            </a:extLst>
+          </p:cNvPr>
+          <p:cNvSpPr/>
+          <p:nvPr/>
+        </p:nvSpPr>
+        <p:spPr>
+          <a:xfrm rot="5400000">
+            <a:off x="10589703" y="1471837"/>
+            <a:ext cx="111919" cy="126206"/>
+          </a:xfrm>
+          <a:prstGeom prst="chevron">
+            <a:avLst/>
+          </a:prstGeom>
+          <a:solidFill>
+            <a:schemeClr val="bg1">
+              <a:lumMod val="50000"/>
+            </a:schemeClr>
+          </a:solidFill>
+          <a:ln>
+            <a:noFill/>
+          </a:ln>
+        </p:spPr>
+        <p:style>
+          <a:lnRef idx="2">
+            <a:schemeClr val="accent1">
+              <a:shade val="50000"/>
+            </a:schemeClr>
+          </a:lnRef>
+          <a:fillRef idx="1">
+            <a:schemeClr val="accent1"/>
+          </a:fillRef>
+          <a:effectRef idx="0">
+            <a:schemeClr val="accent1"/>
+          </a:effectRef>
+          <a:fontRef idx="minor">
+            <a:schemeClr val="lt1"/>
+          </a:fontRef>
+        </p:style>
+        <p:txBody>
+          <a:bodyPr rtlCol="0" anchor="ctr"/>
+          <a:lstStyle/>
+          <a:p>
+            <a:pPr marL="0" marR="0" lvl="0" indent="0" algn="ctr" defTabSz="914400" rtl="0" eaLnBrk="1" fontAlgn="auto" latinLnBrk="0" hangingPunct="1">
+              <a:lnSpc>
+                <a:spcPct val="100000"/>
+              </a:lnSpc>
+              <a:spcBef>
+                <a:spcPts val="0"/>
+              </a:spcBef>
+              <a:spcAft>
+                <a:spcPts val="0"/>
+              </a:spcAft>
+              <a:buClrTx/>
+              <a:buSzTx/>
+              <a:buFontTx/>
+              <a:buNone/>
+              <a:tabLst/>
+              <a:defRPr/>
+            </a:pPr>
+            <a:endParaRPr kumimoji="0" lang="en-GB" sz="1800" b="0" i="0" u="none" strike="noStrike" kern="1200" cap="none" spc="0" normalizeH="0" baseline="0" noProof="0">
+              <a:ln>
+                <a:noFill/>
+              </a:ln>
+              <a:solidFill>
+                <a:prstClr val="black"/>
+              </a:solidFill>
+              <a:effectLst/>
+              <a:uLnTx/>
+              <a:uFillTx/>
+              <a:latin typeface="Calibri" panose="020F0502020204030204"/>
+              <a:ea typeface="+mn-ea"/>
+              <a:cs typeface="+mn-cs"/>
+            </a:endParaRPr>
+          </a:p>
+        </p:txBody>
+      </p:sp>
+      <p:grpSp>
+        <p:nvGrpSpPr>
+          <p:cNvPr id="53" name="ToAppearOnSelection">
+            <a:extLst>
+              <a:ext uri="{FF2B5EF4-FFF2-40B4-BE49-F238E27FC236}">
+                <a16:creationId xmlns:a16="http://schemas.microsoft.com/office/drawing/2014/main" id="{2C54F1C0-8FD2-EA2E-BCE5-ACFC583EB18C}"/>
+              </a:ext>
+            </a:extLst>
+          </p:cNvPr>
+          <p:cNvGrpSpPr/>
+          <p:nvPr/>
+        </p:nvGrpSpPr>
+        <p:grpSpPr>
+          <a:xfrm>
+            <a:off x="3464043" y="996232"/>
+            <a:ext cx="7293986" cy="5076157"/>
+            <a:chOff x="3464043" y="996232"/>
+            <a:chExt cx="7293986" cy="5076157"/>
+          </a:xfrm>
+        </p:grpSpPr>
+        <p:sp>
+          <p:nvSpPr>
+            <p:cNvPr id="34" name="RectSelected">
+              <a:extLst>
+                <a:ext uri="{FF2B5EF4-FFF2-40B4-BE49-F238E27FC236}">
+                  <a16:creationId xmlns:a16="http://schemas.microsoft.com/office/drawing/2014/main" id="{3E5F7313-BD5C-7860-5007-0447B4D30BBD}"/>
+                </a:ext>
+              </a:extLst>
+            </p:cNvPr>
+            <p:cNvSpPr/>
+            <p:nvPr/>
+          </p:nvSpPr>
+          <p:spPr>
+            <a:xfrm>
+              <a:off x="3478736" y="996232"/>
+              <a:ext cx="7041065" cy="223157"/>
+            </a:xfrm>
+            <a:prstGeom prst="rect">
+              <a:avLst/>
+            </a:prstGeom>
+            <a:solidFill>
+              <a:srgbClr val="364652"/>
+            </a:solidFill>
+            <a:ln>
+              <a:noFill/>
+            </a:ln>
+          </p:spPr>
+          <p:style>
+            <a:lnRef idx="2">
+              <a:schemeClr val="accent1">
+                <a:shade val="50000"/>
+              </a:schemeClr>
+            </a:lnRef>
+            <a:fillRef idx="1">
+              <a:schemeClr val="accent1"/>
+            </a:fillRef>
+            <a:effectRef idx="0">
+              <a:schemeClr val="accent1"/>
+            </a:effectRef>
+            <a:fontRef idx="minor">
+              <a:schemeClr val="lt1"/>
+            </a:fontRef>
+          </p:style>
+          <p:txBody>
+            <a:bodyPr rtlCol="0" anchor="ctr"/>
+            <a:lstStyle/>
+            <a:p>
+              <a:pPr algn="ctr"/>
+              <a:r>
+                <a:rPr lang="en-GB" sz="1400" dirty="0">
+                  <a:solidFill>
+                    <a:schemeClr val="bg1"/>
+                  </a:solidFill>
+                </a:rPr>
+                <a:t>Ecologically sound construction investments in the UK and Western Europe</a:t>
+              </a:r>
+            </a:p>
+          </p:txBody>
+        </p:sp>
+        <p:grpSp>
+          <p:nvGrpSpPr>
+            <p:cNvPr id="52" name="ToAppearOnSelection">
+              <a:extLst>
+                <a:ext uri="{FF2B5EF4-FFF2-40B4-BE49-F238E27FC236}">
+                  <a16:creationId xmlns:a16="http://schemas.microsoft.com/office/drawing/2014/main" id="{F1AAE5A9-97B3-6F49-D6B7-97DD57553513}"/>
+                </a:ext>
+              </a:extLst>
+            </p:cNvPr>
+            <p:cNvGrpSpPr/>
+            <p:nvPr/>
+          </p:nvGrpSpPr>
+          <p:grpSpPr>
+            <a:xfrm>
+              <a:off x="3464043" y="1853181"/>
+              <a:ext cx="7293986" cy="4219208"/>
+              <a:chOff x="3464043" y="1853181"/>
+              <a:chExt cx="7293986" cy="4219208"/>
+            </a:xfrm>
+          </p:grpSpPr>
+          <p:sp>
+            <p:nvSpPr>
+              <p:cNvPr id="32" name="Rectangle 31">
+                <a:extLst>
+                  <a:ext uri="{FF2B5EF4-FFF2-40B4-BE49-F238E27FC236}">
+                    <a16:creationId xmlns:a16="http://schemas.microsoft.com/office/drawing/2014/main" id="{4C232812-4FD1-A84A-0246-34E29DD83657}"/>
+                  </a:ext>
+                </a:extLst>
+              </p:cNvPr>
+              <p:cNvSpPr/>
+              <p:nvPr/>
+            </p:nvSpPr>
+            <p:spPr>
+              <a:xfrm>
+                <a:off x="3470652" y="1853181"/>
+                <a:ext cx="7055758" cy="1644116"/>
+              </a:xfrm>
+              <a:prstGeom prst="rect">
+                <a:avLst/>
+              </a:prstGeom>
+              <a:solidFill>
+                <a:schemeClr val="bg1"/>
+              </a:solidFill>
+              <a:ln>
+                <a:noFill/>
+              </a:ln>
+            </p:spPr>
+            <p:style>
+              <a:lnRef idx="2">
+                <a:schemeClr val="accent1">
+                  <a:shade val="50000"/>
+                </a:schemeClr>
+              </a:lnRef>
+              <a:fillRef idx="1">
+                <a:schemeClr val="accent1"/>
+              </a:fillRef>
+              <a:effectRef idx="0">
+                <a:schemeClr val="accent1"/>
+              </a:effectRef>
+              <a:fontRef idx="minor">
+                <a:schemeClr val="lt1"/>
+              </a:fontRef>
+            </p:style>
+            <p:txBody>
+              <a:bodyPr rtlCol="0" anchor="ctr"/>
+              <a:lstStyle/>
+              <a:p>
+                <a:r>
+                  <a:rPr lang="en-GB" sz="1400" b="1" dirty="0">
+                    <a:solidFill>
+                      <a:schemeClr val="tx1"/>
+                    </a:solidFill>
+                    <a:latin typeface="Mercury SSm A"/>
+                  </a:rPr>
+                  <a:t>Content</a:t>
+                </a:r>
+                <a:endParaRPr lang="en-GB" sz="1400" dirty="0">
+                  <a:solidFill>
+                    <a:schemeClr val="tx1"/>
+                  </a:solidFill>
+                  <a:latin typeface="Mercury SSm A"/>
+                </a:endParaRPr>
+              </a:p>
+              <a:p>
+                <a:r>
+                  <a:rPr lang="en-GB" sz="1400" b="0" i="0" dirty="0">
+                    <a:solidFill>
+                      <a:schemeClr val="tx1"/>
+                    </a:solidFill>
+                    <a:effectLst/>
+                    <a:latin typeface="Mercury SSm A"/>
+                  </a:rPr>
+                  <a:t>Cras </a:t>
+                </a:r>
+                <a:r>
+                  <a:rPr lang="en-GB" sz="1400" b="0" i="0" dirty="0" err="1">
+                    <a:solidFill>
+                      <a:schemeClr val="tx1"/>
+                    </a:solidFill>
+                    <a:effectLst/>
+                    <a:latin typeface="Mercury SSm A"/>
+                  </a:rPr>
+                  <a:t>adipiscing</a:t>
+                </a:r>
+                <a:r>
+                  <a:rPr lang="en-GB" sz="1400" b="0" i="0" dirty="0">
+                    <a:solidFill>
+                      <a:schemeClr val="tx1"/>
+                    </a:solidFill>
+                    <a:effectLst/>
+                    <a:latin typeface="Mercury SSm A"/>
+                  </a:rPr>
+                  <a:t> </a:t>
+                </a:r>
+                <a:r>
+                  <a:rPr lang="en-GB" sz="1400" b="0" i="0" dirty="0" err="1">
+                    <a:solidFill>
+                      <a:schemeClr val="tx1"/>
+                    </a:solidFill>
+                    <a:effectLst/>
+                    <a:latin typeface="Mercury SSm A"/>
+                  </a:rPr>
+                  <a:t>enim</a:t>
+                </a:r>
+                <a:r>
+                  <a:rPr lang="en-GB" sz="1400" b="0" i="0" dirty="0">
+                    <a:solidFill>
+                      <a:schemeClr val="tx1"/>
+                    </a:solidFill>
+                    <a:effectLst/>
+                    <a:latin typeface="Mercury SSm A"/>
+                  </a:rPr>
+                  <a:t> </a:t>
+                </a:r>
+                <a:r>
+                  <a:rPr lang="en-GB" sz="1400" b="0" i="0" dirty="0" err="1">
+                    <a:solidFill>
+                      <a:schemeClr val="tx1"/>
+                    </a:solidFill>
+                    <a:effectLst/>
+                    <a:latin typeface="Mercury SSm A"/>
+                  </a:rPr>
+                  <a:t>eu</a:t>
+                </a:r>
+                <a:r>
+                  <a:rPr lang="en-GB" sz="1400" b="0" i="0" dirty="0">
+                    <a:solidFill>
+                      <a:schemeClr val="tx1"/>
+                    </a:solidFill>
+                    <a:effectLst/>
+                    <a:latin typeface="Mercury SSm A"/>
+                  </a:rPr>
+                  <a:t> </a:t>
+                </a:r>
+                <a:r>
+                  <a:rPr lang="en-GB" sz="1400" b="0" i="0" dirty="0" err="1">
+                    <a:solidFill>
+                      <a:schemeClr val="tx1"/>
+                    </a:solidFill>
+                    <a:effectLst/>
+                    <a:latin typeface="Mercury SSm A"/>
+                  </a:rPr>
+                  <a:t>turpis</a:t>
+                </a:r>
+                <a:r>
+                  <a:rPr lang="en-GB" sz="1400" b="0" i="0" dirty="0">
+                    <a:solidFill>
+                      <a:schemeClr val="tx1"/>
+                    </a:solidFill>
+                    <a:effectLst/>
+                    <a:latin typeface="Mercury SSm A"/>
+                  </a:rPr>
+                  <a:t> </a:t>
+                </a:r>
+                <a:r>
+                  <a:rPr lang="en-GB" sz="1400" b="0" i="0" dirty="0" err="1">
+                    <a:solidFill>
+                      <a:schemeClr val="tx1"/>
+                    </a:solidFill>
+                    <a:effectLst/>
+                    <a:latin typeface="Mercury SSm A"/>
+                  </a:rPr>
+                  <a:t>egestas</a:t>
+                </a:r>
+                <a:r>
+                  <a:rPr lang="en-GB" sz="1400" b="0" i="0" dirty="0">
+                    <a:solidFill>
+                      <a:schemeClr val="tx1"/>
+                    </a:solidFill>
+                    <a:effectLst/>
+                    <a:latin typeface="Mercury SSm A"/>
+                  </a:rPr>
+                  <a:t>. </a:t>
+                </a:r>
+                <a:r>
+                  <a:rPr lang="en-GB" sz="1400" b="0" i="0" dirty="0" err="1">
+                    <a:solidFill>
+                      <a:schemeClr val="tx1"/>
+                    </a:solidFill>
+                    <a:effectLst/>
+                    <a:latin typeface="Mercury SSm A"/>
+                  </a:rPr>
+                  <a:t>Commodo</a:t>
+                </a:r>
+                <a:r>
+                  <a:rPr lang="en-GB" sz="1400" b="0" i="0" dirty="0">
+                    <a:solidFill>
+                      <a:schemeClr val="tx1"/>
+                    </a:solidFill>
+                    <a:effectLst/>
+                    <a:latin typeface="Mercury SSm A"/>
+                  </a:rPr>
+                  <a:t> </a:t>
+                </a:r>
+                <a:r>
+                  <a:rPr lang="en-GB" sz="1400" b="0" i="0" dirty="0" err="1">
+                    <a:solidFill>
+                      <a:schemeClr val="tx1"/>
+                    </a:solidFill>
+                    <a:effectLst/>
+                    <a:latin typeface="Mercury SSm A"/>
+                  </a:rPr>
+                  <a:t>ullamcorper</a:t>
+                </a:r>
+                <a:r>
+                  <a:rPr lang="en-GB" sz="1400" b="0" i="0" dirty="0">
+                    <a:solidFill>
+                      <a:schemeClr val="tx1"/>
+                    </a:solidFill>
+                    <a:effectLst/>
+                    <a:latin typeface="Mercury SSm A"/>
+                  </a:rPr>
+                  <a:t> a </a:t>
+                </a:r>
+                <a:r>
+                  <a:rPr lang="en-GB" sz="1400" b="0" i="0" dirty="0" err="1">
+                    <a:solidFill>
+                      <a:schemeClr val="tx1"/>
+                    </a:solidFill>
+                    <a:effectLst/>
+                    <a:latin typeface="Mercury SSm A"/>
+                  </a:rPr>
+                  <a:t>lacus</a:t>
+                </a:r>
+                <a:r>
+                  <a:rPr lang="en-GB" sz="1400" b="0" i="0" dirty="0">
+                    <a:solidFill>
+                      <a:schemeClr val="tx1"/>
+                    </a:solidFill>
+                    <a:effectLst/>
+                    <a:latin typeface="Mercury SSm A"/>
+                  </a:rPr>
+                  <a:t> vestibulum sed. Eu </a:t>
+                </a:r>
+                <a:r>
+                  <a:rPr lang="en-GB" sz="1400" b="0" i="0" dirty="0" err="1">
+                    <a:solidFill>
+                      <a:schemeClr val="tx1"/>
+                    </a:solidFill>
+                    <a:effectLst/>
+                    <a:latin typeface="Mercury SSm A"/>
+                  </a:rPr>
+                  <a:t>facilisis</a:t>
+                </a:r>
+                <a:r>
+                  <a:rPr lang="en-GB" sz="1400" b="0" i="0" dirty="0">
+                    <a:solidFill>
+                      <a:schemeClr val="tx1"/>
+                    </a:solidFill>
+                    <a:effectLst/>
+                    <a:latin typeface="Mercury SSm A"/>
+                  </a:rPr>
+                  <a:t> </a:t>
+                </a:r>
+                <a:r>
+                  <a:rPr lang="en-GB" sz="1400" b="0" i="0" dirty="0" err="1">
+                    <a:solidFill>
+                      <a:schemeClr val="tx1"/>
+                    </a:solidFill>
+                    <a:effectLst/>
+                    <a:latin typeface="Mercury SSm A"/>
+                  </a:rPr>
+                  <a:t>sed</a:t>
+                </a:r>
+                <a:r>
+                  <a:rPr lang="en-GB" sz="1400" b="0" i="0" dirty="0">
+                    <a:solidFill>
+                      <a:schemeClr val="tx1"/>
+                    </a:solidFill>
+                    <a:effectLst/>
+                    <a:latin typeface="Mercury SSm A"/>
+                  </a:rPr>
+                  <a:t> </a:t>
+                </a:r>
+                <a:r>
+                  <a:rPr lang="en-GB" sz="1400" b="0" i="0" dirty="0" err="1">
+                    <a:solidFill>
+                      <a:schemeClr val="tx1"/>
+                    </a:solidFill>
+                    <a:effectLst/>
+                    <a:latin typeface="Mercury SSm A"/>
+                  </a:rPr>
+                  <a:t>odio</a:t>
+                </a:r>
+                <a:r>
+                  <a:rPr lang="en-GB" sz="1400" b="0" i="0" dirty="0">
+                    <a:solidFill>
+                      <a:schemeClr val="tx1"/>
+                    </a:solidFill>
+                    <a:effectLst/>
+                    <a:latin typeface="Mercury SSm A"/>
+                  </a:rPr>
+                  <a:t> </a:t>
+                </a:r>
+                <a:r>
+                  <a:rPr lang="en-GB" sz="1400" b="0" i="0" dirty="0" err="1">
+                    <a:solidFill>
+                      <a:schemeClr val="tx1"/>
+                    </a:solidFill>
+                    <a:effectLst/>
+                    <a:latin typeface="Mercury SSm A"/>
+                  </a:rPr>
+                  <a:t>morbi</a:t>
+                </a:r>
+                <a:r>
+                  <a:rPr lang="en-GB" sz="1400" b="0" i="0" dirty="0">
+                    <a:solidFill>
+                      <a:schemeClr val="tx1"/>
+                    </a:solidFill>
+                    <a:effectLst/>
+                    <a:latin typeface="Mercury SSm A"/>
+                  </a:rPr>
+                  <a:t> </a:t>
+                </a:r>
+                <a:r>
+                  <a:rPr lang="en-GB" sz="1400" b="0" i="0" dirty="0" err="1">
+                    <a:solidFill>
+                      <a:schemeClr val="tx1"/>
+                    </a:solidFill>
+                    <a:effectLst/>
+                    <a:latin typeface="Mercury SSm A"/>
+                  </a:rPr>
+                  <a:t>quis</a:t>
+                </a:r>
+                <a:r>
+                  <a:rPr lang="en-GB" sz="1400" b="0" i="0" dirty="0">
+                    <a:solidFill>
+                      <a:schemeClr val="tx1"/>
+                    </a:solidFill>
+                    <a:effectLst/>
+                    <a:latin typeface="Mercury SSm A"/>
+                  </a:rPr>
+                  <a:t>. </a:t>
+                </a:r>
+                <a:r>
+                  <a:rPr lang="en-GB" sz="1400" b="0" i="0" dirty="0" err="1">
+                    <a:solidFill>
+                      <a:schemeClr val="tx1"/>
+                    </a:solidFill>
+                    <a:effectLst/>
+                    <a:latin typeface="Mercury SSm A"/>
+                  </a:rPr>
+                  <a:t>Nibh</a:t>
+                </a:r>
+                <a:r>
+                  <a:rPr lang="en-GB" sz="1400" b="0" i="0" dirty="0">
+                    <a:solidFill>
+                      <a:schemeClr val="tx1"/>
+                    </a:solidFill>
+                    <a:effectLst/>
+                    <a:latin typeface="Mercury SSm A"/>
+                  </a:rPr>
+                  <a:t> </a:t>
+                </a:r>
+                <a:r>
+                  <a:rPr lang="en-GB" sz="1400" b="0" i="0" dirty="0" err="1">
+                    <a:solidFill>
+                      <a:schemeClr val="tx1"/>
+                    </a:solidFill>
+                    <a:effectLst/>
+                    <a:latin typeface="Mercury SSm A"/>
+                  </a:rPr>
+                  <a:t>praesent</a:t>
+                </a:r>
+                <a:r>
+                  <a:rPr lang="en-GB" sz="1400" b="0" i="0" dirty="0">
+                    <a:solidFill>
+                      <a:schemeClr val="tx1"/>
+                    </a:solidFill>
+                    <a:effectLst/>
+                    <a:latin typeface="Mercury SSm A"/>
+                  </a:rPr>
+                  <a:t> </a:t>
+                </a:r>
+                <a:r>
+                  <a:rPr lang="en-GB" sz="1400" b="0" i="0" dirty="0" err="1">
+                    <a:solidFill>
+                      <a:schemeClr val="tx1"/>
+                    </a:solidFill>
+                    <a:effectLst/>
+                    <a:latin typeface="Mercury SSm A"/>
+                  </a:rPr>
+                  <a:t>tristique</a:t>
+                </a:r>
+                <a:r>
+                  <a:rPr lang="en-GB" sz="1400" b="0" i="0" dirty="0">
+                    <a:solidFill>
+                      <a:schemeClr val="tx1"/>
+                    </a:solidFill>
+                    <a:effectLst/>
+                    <a:latin typeface="Mercury SSm A"/>
+                  </a:rPr>
+                  <a:t> magna sit </a:t>
+                </a:r>
+                <a:r>
+                  <a:rPr lang="en-GB" sz="1400" b="0" i="0" dirty="0" err="1">
+                    <a:solidFill>
+                      <a:schemeClr val="tx1"/>
+                    </a:solidFill>
+                    <a:effectLst/>
+                    <a:latin typeface="Mercury SSm A"/>
+                  </a:rPr>
+                  <a:t>amet</a:t>
+                </a:r>
+                <a:r>
+                  <a:rPr lang="en-GB" sz="1400" b="0" i="0" dirty="0">
+                    <a:solidFill>
+                      <a:schemeClr val="tx1"/>
+                    </a:solidFill>
+                    <a:effectLst/>
+                    <a:latin typeface="Mercury SSm A"/>
+                  </a:rPr>
+                  <a:t> </a:t>
+                </a:r>
+                <a:r>
+                  <a:rPr lang="en-GB" sz="1400" b="0" i="0" dirty="0" err="1">
+                    <a:solidFill>
+                      <a:schemeClr val="tx1"/>
+                    </a:solidFill>
+                    <a:effectLst/>
+                    <a:latin typeface="Mercury SSm A"/>
+                  </a:rPr>
+                  <a:t>purus</a:t>
+                </a:r>
+                <a:r>
+                  <a:rPr lang="en-GB" sz="1400" b="0" i="0" dirty="0">
+                    <a:solidFill>
+                      <a:schemeClr val="tx1"/>
+                    </a:solidFill>
+                    <a:effectLst/>
+                    <a:latin typeface="Mercury SSm A"/>
+                  </a:rPr>
+                  <a:t> gravida. Habitant </a:t>
+                </a:r>
+                <a:r>
+                  <a:rPr lang="en-GB" sz="1400" b="0" i="0" dirty="0" err="1">
+                    <a:solidFill>
+                      <a:schemeClr val="tx1"/>
+                    </a:solidFill>
+                    <a:effectLst/>
+                    <a:latin typeface="Mercury SSm A"/>
+                  </a:rPr>
+                  <a:t>morbi</a:t>
+                </a:r>
+                <a:r>
+                  <a:rPr lang="en-GB" sz="1400" b="0" i="0" dirty="0">
+                    <a:solidFill>
+                      <a:schemeClr val="tx1"/>
+                    </a:solidFill>
+                    <a:effectLst/>
+                    <a:latin typeface="Mercury SSm A"/>
+                  </a:rPr>
+                  <a:t> </a:t>
+                </a:r>
+                <a:r>
+                  <a:rPr lang="en-GB" sz="1400" b="0" i="0" dirty="0" err="1">
+                    <a:solidFill>
+                      <a:schemeClr val="tx1"/>
+                    </a:solidFill>
+                    <a:effectLst/>
+                    <a:latin typeface="Mercury SSm A"/>
+                  </a:rPr>
+                  <a:t>tristique</a:t>
+                </a:r>
+                <a:r>
+                  <a:rPr lang="en-GB" sz="1400" b="0" i="0" dirty="0">
+                    <a:solidFill>
+                      <a:schemeClr val="tx1"/>
+                    </a:solidFill>
+                    <a:effectLst/>
+                    <a:latin typeface="Mercury SSm A"/>
+                  </a:rPr>
+                  <a:t> </a:t>
+                </a:r>
+                <a:r>
+                  <a:rPr lang="en-GB" sz="1400" b="0" i="0" dirty="0" err="1">
+                    <a:solidFill>
+                      <a:schemeClr val="tx1"/>
+                    </a:solidFill>
+                    <a:effectLst/>
+                    <a:latin typeface="Mercury SSm A"/>
+                  </a:rPr>
+                  <a:t>senectus</a:t>
+                </a:r>
+                <a:r>
+                  <a:rPr lang="en-GB" sz="1400" b="0" i="0" dirty="0">
+                    <a:solidFill>
+                      <a:schemeClr val="tx1"/>
+                    </a:solidFill>
+                    <a:effectLst/>
+                    <a:latin typeface="Mercury SSm A"/>
+                  </a:rPr>
+                  <a:t> et </a:t>
+                </a:r>
+                <a:r>
+                  <a:rPr lang="en-GB" sz="1400" b="0" i="0" dirty="0" err="1">
+                    <a:solidFill>
+                      <a:schemeClr val="tx1"/>
+                    </a:solidFill>
+                    <a:effectLst/>
+                    <a:latin typeface="Mercury SSm A"/>
+                  </a:rPr>
+                  <a:t>netus</a:t>
+                </a:r>
+                <a:r>
+                  <a:rPr lang="en-GB" sz="1400" b="0" i="0" dirty="0">
+                    <a:solidFill>
+                      <a:schemeClr val="tx1"/>
+                    </a:solidFill>
+                    <a:effectLst/>
+                    <a:latin typeface="Mercury SSm A"/>
+                  </a:rPr>
+                  <a:t> et </a:t>
+                </a:r>
+                <a:r>
+                  <a:rPr lang="en-GB" sz="1400" b="0" i="0" dirty="0" err="1">
+                    <a:solidFill>
+                      <a:schemeClr val="tx1"/>
+                    </a:solidFill>
+                    <a:effectLst/>
+                    <a:latin typeface="Mercury SSm A"/>
+                  </a:rPr>
+                  <a:t>malesuada</a:t>
+                </a:r>
+                <a:r>
+                  <a:rPr lang="en-GB" sz="1400" b="0" i="0" dirty="0">
+                    <a:solidFill>
+                      <a:schemeClr val="tx1"/>
+                    </a:solidFill>
+                    <a:effectLst/>
+                    <a:latin typeface="Mercury SSm A"/>
+                  </a:rPr>
+                  <a:t>. </a:t>
+                </a:r>
+                <a:r>
+                  <a:rPr lang="en-GB" sz="1400" b="0" i="0" dirty="0" err="1">
+                    <a:solidFill>
+                      <a:schemeClr val="tx1"/>
+                    </a:solidFill>
+                    <a:effectLst/>
+                    <a:latin typeface="Mercury SSm A"/>
+                  </a:rPr>
+                  <a:t>Ultrices</a:t>
+                </a:r>
+                <a:r>
+                  <a:rPr lang="en-GB" sz="1400" b="0" i="0" dirty="0">
+                    <a:solidFill>
+                      <a:schemeClr val="tx1"/>
+                    </a:solidFill>
+                    <a:effectLst/>
+                    <a:latin typeface="Mercury SSm A"/>
+                  </a:rPr>
+                  <a:t> in </a:t>
+                </a:r>
+                <a:r>
+                  <a:rPr lang="en-GB" sz="1400" b="0" i="0" dirty="0" err="1">
+                    <a:solidFill>
+                      <a:schemeClr val="tx1"/>
+                    </a:solidFill>
+                    <a:effectLst/>
+                    <a:latin typeface="Mercury SSm A"/>
+                  </a:rPr>
+                  <a:t>iaculis</a:t>
+                </a:r>
+                <a:r>
+                  <a:rPr lang="en-GB" sz="1400" b="0" i="0" dirty="0">
+                    <a:solidFill>
+                      <a:schemeClr val="tx1"/>
+                    </a:solidFill>
+                    <a:effectLst/>
+                    <a:latin typeface="Mercury SSm A"/>
+                  </a:rPr>
+                  <a:t> </a:t>
+                </a:r>
+                <a:r>
+                  <a:rPr lang="en-GB" sz="1400" b="0" i="0" dirty="0" err="1">
+                    <a:solidFill>
+                      <a:schemeClr val="tx1"/>
+                    </a:solidFill>
+                    <a:effectLst/>
+                    <a:latin typeface="Mercury SSm A"/>
+                  </a:rPr>
+                  <a:t>nunc</a:t>
+                </a:r>
+                <a:r>
+                  <a:rPr lang="en-GB" sz="1400" b="0" i="0" dirty="0">
+                    <a:solidFill>
+                      <a:schemeClr val="tx1"/>
+                    </a:solidFill>
+                    <a:effectLst/>
+                    <a:latin typeface="Mercury SSm A"/>
+                  </a:rPr>
+                  <a:t> sed. Gravida in fermentum et </a:t>
+                </a:r>
+                <a:r>
+                  <a:rPr lang="en-GB" sz="1400" b="0" i="0" dirty="0" err="1">
+                    <a:solidFill>
+                      <a:schemeClr val="tx1"/>
+                    </a:solidFill>
+                    <a:effectLst/>
+                    <a:latin typeface="Mercury SSm A"/>
+                  </a:rPr>
+                  <a:t>sollicitudin</a:t>
+                </a:r>
+                <a:r>
+                  <a:rPr lang="en-GB" sz="1400" b="0" i="0" dirty="0">
+                    <a:solidFill>
+                      <a:schemeClr val="tx1"/>
+                    </a:solidFill>
+                    <a:effectLst/>
+                    <a:latin typeface="Mercury SSm A"/>
+                  </a:rPr>
+                  <a:t> ac </a:t>
+                </a:r>
+                <a:r>
+                  <a:rPr lang="en-GB" sz="1400" b="0" i="0" dirty="0" err="1">
+                    <a:solidFill>
+                      <a:schemeClr val="tx1"/>
+                    </a:solidFill>
+                    <a:effectLst/>
+                    <a:latin typeface="Mercury SSm A"/>
+                  </a:rPr>
+                  <a:t>orci</a:t>
+                </a:r>
+                <a:r>
+                  <a:rPr lang="en-GB" sz="1400" b="0" i="0" dirty="0">
+                    <a:solidFill>
+                      <a:schemeClr val="tx1"/>
+                    </a:solidFill>
+                    <a:effectLst/>
+                    <a:latin typeface="Mercury SSm A"/>
+                  </a:rPr>
+                  <a:t> </a:t>
+                </a:r>
+                <a:r>
+                  <a:rPr lang="en-GB" sz="1400" b="0" i="0" dirty="0" err="1">
+                    <a:solidFill>
+                      <a:schemeClr val="tx1"/>
+                    </a:solidFill>
+                    <a:effectLst/>
+                    <a:latin typeface="Mercury SSm A"/>
+                  </a:rPr>
+                  <a:t>phasellus</a:t>
+                </a:r>
+                <a:r>
+                  <a:rPr lang="en-GB" sz="1400" b="0" i="0" dirty="0">
+                    <a:solidFill>
+                      <a:schemeClr val="tx1"/>
+                    </a:solidFill>
+                    <a:effectLst/>
+                    <a:latin typeface="Mercury SSm A"/>
+                  </a:rPr>
+                  <a:t> </a:t>
+                </a:r>
+                <a:r>
+                  <a:rPr lang="en-GB" sz="1400" b="0" i="0" dirty="0" err="1">
+                    <a:solidFill>
+                      <a:schemeClr val="tx1"/>
+                    </a:solidFill>
+                    <a:effectLst/>
+                    <a:latin typeface="Mercury SSm A"/>
+                  </a:rPr>
+                  <a:t>egestas</a:t>
+                </a:r>
+                <a:r>
+                  <a:rPr lang="en-GB" sz="1400" b="0" i="0" dirty="0">
+                    <a:solidFill>
+                      <a:schemeClr val="tx1"/>
+                    </a:solidFill>
+                    <a:effectLst/>
+                    <a:latin typeface="Mercury SSm A"/>
+                  </a:rPr>
+                  <a:t> </a:t>
+                </a:r>
+                <a:r>
+                  <a:rPr lang="en-GB" sz="1400" b="0" i="0" dirty="0" err="1">
+                    <a:solidFill>
+                      <a:schemeClr val="tx1"/>
+                    </a:solidFill>
+                    <a:effectLst/>
+                    <a:latin typeface="Mercury SSm A"/>
+                  </a:rPr>
+                  <a:t>tellus</a:t>
+                </a:r>
+                <a:r>
+                  <a:rPr lang="en-GB" sz="1400" b="0" i="0" dirty="0">
+                    <a:solidFill>
+                      <a:schemeClr val="tx1"/>
+                    </a:solidFill>
+                    <a:effectLst/>
+                    <a:latin typeface="Mercury SSm A"/>
+                  </a:rPr>
+                  <a:t>.</a:t>
+                </a:r>
+              </a:p>
+              <a:p>
+                <a:r>
+                  <a:rPr lang="en-GB" sz="1400" b="0" i="0" dirty="0" err="1">
+                    <a:solidFill>
+                      <a:schemeClr val="tx1"/>
+                    </a:solidFill>
+                    <a:effectLst/>
+                    <a:latin typeface="Mercury SSm A"/>
+                  </a:rPr>
+                  <a:t>Enim</a:t>
+                </a:r>
+                <a:r>
+                  <a:rPr lang="en-GB" sz="1400" b="0" i="0" dirty="0">
+                    <a:solidFill>
+                      <a:schemeClr val="tx1"/>
+                    </a:solidFill>
+                    <a:effectLst/>
+                    <a:latin typeface="Mercury SSm A"/>
+                  </a:rPr>
+                  <a:t> </a:t>
+                </a:r>
+                <a:r>
+                  <a:rPr lang="en-GB" sz="1400" b="0" i="0" dirty="0" err="1">
+                    <a:solidFill>
+                      <a:schemeClr val="tx1"/>
+                    </a:solidFill>
+                    <a:effectLst/>
+                    <a:latin typeface="Mercury SSm A"/>
+                  </a:rPr>
+                  <a:t>ut</a:t>
+                </a:r>
+                <a:r>
+                  <a:rPr lang="en-GB" sz="1400" b="0" i="0" dirty="0">
+                    <a:solidFill>
+                      <a:schemeClr val="tx1"/>
+                    </a:solidFill>
+                    <a:effectLst/>
+                    <a:latin typeface="Mercury SSm A"/>
+                  </a:rPr>
+                  <a:t> </a:t>
+                </a:r>
+                <a:r>
+                  <a:rPr lang="en-GB" sz="1400" b="0" i="0" dirty="0" err="1">
+                    <a:solidFill>
+                      <a:schemeClr val="tx1"/>
+                    </a:solidFill>
+                    <a:effectLst/>
+                    <a:latin typeface="Mercury SSm A"/>
+                  </a:rPr>
+                  <a:t>sem</a:t>
+                </a:r>
+                <a:r>
+                  <a:rPr lang="en-GB" sz="1400" b="0" i="0" dirty="0">
+                    <a:solidFill>
+                      <a:schemeClr val="tx1"/>
+                    </a:solidFill>
+                    <a:effectLst/>
+                    <a:latin typeface="Mercury SSm A"/>
+                  </a:rPr>
+                  <a:t> </a:t>
+                </a:r>
+                <a:r>
+                  <a:rPr lang="en-GB" sz="1400" b="0" i="0" dirty="0" err="1">
+                    <a:solidFill>
+                      <a:schemeClr val="tx1"/>
+                    </a:solidFill>
+                    <a:effectLst/>
+                    <a:latin typeface="Mercury SSm A"/>
+                  </a:rPr>
+                  <a:t>viverra</a:t>
+                </a:r>
+                <a:r>
+                  <a:rPr lang="en-GB" sz="1400" b="0" i="0" dirty="0">
+                    <a:solidFill>
+                      <a:schemeClr val="tx1"/>
+                    </a:solidFill>
+                    <a:effectLst/>
+                    <a:latin typeface="Mercury SSm A"/>
+                  </a:rPr>
+                  <a:t> </a:t>
+                </a:r>
+                <a:r>
+                  <a:rPr lang="en-GB" sz="1400" b="0" i="0" dirty="0" err="1">
+                    <a:solidFill>
+                      <a:schemeClr val="tx1"/>
+                    </a:solidFill>
+                    <a:effectLst/>
+                    <a:latin typeface="Mercury SSm A"/>
+                  </a:rPr>
+                  <a:t>aliquet</a:t>
+                </a:r>
+                <a:r>
+                  <a:rPr lang="en-GB" sz="1400" b="0" i="0" dirty="0">
+                    <a:solidFill>
+                      <a:schemeClr val="tx1"/>
+                    </a:solidFill>
+                    <a:effectLst/>
+                    <a:latin typeface="Mercury SSm A"/>
+                  </a:rPr>
+                  <a:t> </a:t>
+                </a:r>
+                <a:r>
+                  <a:rPr lang="en-GB" sz="1400" b="0" i="0" dirty="0" err="1">
+                    <a:solidFill>
+                      <a:schemeClr val="tx1"/>
+                    </a:solidFill>
+                    <a:effectLst/>
+                    <a:latin typeface="Mercury SSm A"/>
+                  </a:rPr>
+                  <a:t>eget</a:t>
+                </a:r>
+                <a:r>
+                  <a:rPr lang="en-GB" sz="1400" b="0" i="0" dirty="0">
+                    <a:solidFill>
+                      <a:schemeClr val="tx1"/>
+                    </a:solidFill>
+                    <a:effectLst/>
+                    <a:latin typeface="Mercury SSm A"/>
+                  </a:rPr>
+                  <a:t>. </a:t>
+                </a:r>
+                <a:r>
+                  <a:rPr lang="en-GB" sz="1400" b="0" i="0" dirty="0" err="1">
+                    <a:solidFill>
+                      <a:schemeClr val="tx1"/>
+                    </a:solidFill>
+                    <a:effectLst/>
+                    <a:latin typeface="Mercury SSm A"/>
+                  </a:rPr>
+                  <a:t>Aliquam</a:t>
+                </a:r>
+                <a:r>
+                  <a:rPr lang="en-GB" sz="1400" b="0" i="0" dirty="0">
+                    <a:solidFill>
+                      <a:schemeClr val="tx1"/>
+                    </a:solidFill>
+                    <a:effectLst/>
+                    <a:latin typeface="Mercury SSm A"/>
+                  </a:rPr>
+                  <a:t> vestibulum </a:t>
+                </a:r>
+                <a:r>
+                  <a:rPr lang="en-GB" sz="1400" b="0" i="0" dirty="0" err="1">
+                    <a:solidFill>
+                      <a:schemeClr val="tx1"/>
+                    </a:solidFill>
+                    <a:effectLst/>
+                    <a:latin typeface="Mercury SSm A"/>
+                  </a:rPr>
+                  <a:t>morbi</a:t>
+                </a:r>
+                <a:r>
+                  <a:rPr lang="en-GB" sz="1400" b="0" i="0" dirty="0">
+                    <a:solidFill>
+                      <a:schemeClr val="tx1"/>
+                    </a:solidFill>
+                    <a:effectLst/>
+                    <a:latin typeface="Mercury SSm A"/>
+                  </a:rPr>
+                  <a:t> </a:t>
+                </a:r>
+                <a:r>
+                  <a:rPr lang="en-GB" sz="1400" b="0" i="0" dirty="0" err="1">
+                    <a:solidFill>
+                      <a:schemeClr val="tx1"/>
+                    </a:solidFill>
+                    <a:effectLst/>
+                    <a:latin typeface="Mercury SSm A"/>
+                  </a:rPr>
+                  <a:t>blandit</a:t>
+                </a:r>
+                <a:r>
+                  <a:rPr lang="en-GB" sz="1400" b="0" i="0" dirty="0">
+                    <a:solidFill>
+                      <a:schemeClr val="tx1"/>
+                    </a:solidFill>
+                    <a:effectLst/>
+                    <a:latin typeface="Mercury SSm A"/>
+                  </a:rPr>
+                  <a:t> cursus </a:t>
+                </a:r>
+                <a:r>
+                  <a:rPr lang="en-GB" sz="1400" b="0" i="0" dirty="0" err="1">
+                    <a:solidFill>
+                      <a:schemeClr val="tx1"/>
+                    </a:solidFill>
+                    <a:effectLst/>
+                    <a:latin typeface="Mercury SSm A"/>
+                  </a:rPr>
+                  <a:t>risus</a:t>
+                </a:r>
+                <a:r>
+                  <a:rPr lang="en-GB" sz="1400" b="0" i="0" dirty="0">
+                    <a:solidFill>
+                      <a:schemeClr val="tx1"/>
+                    </a:solidFill>
+                    <a:effectLst/>
+                    <a:latin typeface="Mercury SSm A"/>
+                  </a:rPr>
+                  <a:t> at </a:t>
+                </a:r>
+                <a:r>
+                  <a:rPr lang="en-GB" sz="1400" b="0" i="0" dirty="0" err="1">
+                    <a:solidFill>
+                      <a:schemeClr val="tx1"/>
+                    </a:solidFill>
+                    <a:effectLst/>
+                    <a:latin typeface="Mercury SSm A"/>
+                  </a:rPr>
+                  <a:t>ultrices</a:t>
+                </a:r>
+                <a:r>
+                  <a:rPr lang="en-GB" sz="1400" b="0" i="0" dirty="0">
+                    <a:solidFill>
+                      <a:schemeClr val="tx1"/>
+                    </a:solidFill>
+                    <a:effectLst/>
+                    <a:latin typeface="Mercury SSm A"/>
+                  </a:rPr>
+                  <a:t> mi tempus. </a:t>
+                </a:r>
+                <a:r>
+                  <a:rPr lang="en-GB" sz="1400" b="0" i="0" dirty="0" err="1">
+                    <a:solidFill>
+                      <a:schemeClr val="tx1"/>
+                    </a:solidFill>
+                    <a:effectLst/>
+                    <a:latin typeface="Mercury SSm A"/>
+                  </a:rPr>
+                  <a:t>Risus</a:t>
+                </a:r>
+                <a:r>
+                  <a:rPr lang="en-GB" sz="1400" b="0" i="0" dirty="0">
+                    <a:solidFill>
+                      <a:schemeClr val="tx1"/>
+                    </a:solidFill>
+                    <a:effectLst/>
+                    <a:latin typeface="Mercury SSm A"/>
+                  </a:rPr>
+                  <a:t> at </a:t>
+                </a:r>
+                <a:r>
+                  <a:rPr lang="en-GB" sz="1400" b="0" i="0" dirty="0" err="1">
+                    <a:solidFill>
+                      <a:schemeClr val="tx1"/>
+                    </a:solidFill>
+                    <a:effectLst/>
+                    <a:latin typeface="Mercury SSm A"/>
+                  </a:rPr>
+                  <a:t>ultrices</a:t>
+                </a:r>
+                <a:r>
+                  <a:rPr lang="en-GB" sz="1400" b="0" i="0" dirty="0">
+                    <a:solidFill>
+                      <a:schemeClr val="tx1"/>
+                    </a:solidFill>
+                    <a:effectLst/>
+                    <a:latin typeface="Mercury SSm A"/>
+                  </a:rPr>
+                  <a:t> mi tempus </a:t>
+                </a:r>
+                <a:r>
+                  <a:rPr lang="en-GB" sz="1400" b="0" i="0" dirty="0" err="1">
+                    <a:solidFill>
+                      <a:schemeClr val="tx1"/>
+                    </a:solidFill>
+                    <a:effectLst/>
+                    <a:latin typeface="Mercury SSm A"/>
+                  </a:rPr>
+                  <a:t>imperdiet</a:t>
+                </a:r>
+                <a:r>
+                  <a:rPr lang="en-GB" sz="1400" b="0" i="0" dirty="0">
+                    <a:solidFill>
+                      <a:schemeClr val="tx1"/>
+                    </a:solidFill>
+                    <a:effectLst/>
+                    <a:latin typeface="Mercury SSm A"/>
+                  </a:rPr>
+                  <a:t>. </a:t>
+                </a:r>
+                <a:r>
+                  <a:rPr lang="en-GB" sz="1400" b="0" i="0" dirty="0" err="1">
+                    <a:solidFill>
+                      <a:schemeClr val="tx1"/>
+                    </a:solidFill>
+                    <a:effectLst/>
+                    <a:latin typeface="Mercury SSm A"/>
+                  </a:rPr>
+                  <a:t>Interdum</a:t>
+                </a:r>
+                <a:r>
+                  <a:rPr lang="en-GB" sz="1400" b="0" i="0" dirty="0">
+                    <a:solidFill>
+                      <a:schemeClr val="tx1"/>
+                    </a:solidFill>
+                    <a:effectLst/>
+                    <a:latin typeface="Mercury SSm A"/>
+                  </a:rPr>
+                  <a:t> </a:t>
+                </a:r>
+                <a:r>
+                  <a:rPr lang="en-GB" sz="1400" b="0" i="0" dirty="0" err="1">
+                    <a:solidFill>
+                      <a:schemeClr val="tx1"/>
+                    </a:solidFill>
+                    <a:effectLst/>
+                    <a:latin typeface="Mercury SSm A"/>
+                  </a:rPr>
+                  <a:t>consectetur</a:t>
+                </a:r>
+                <a:r>
+                  <a:rPr lang="en-GB" sz="1400" b="0" i="0" dirty="0">
+                    <a:solidFill>
+                      <a:schemeClr val="tx1"/>
+                    </a:solidFill>
+                    <a:effectLst/>
+                    <a:latin typeface="Mercury SSm A"/>
+                  </a:rPr>
+                  <a:t> libero id </a:t>
+                </a:r>
+                <a:r>
+                  <a:rPr lang="en-GB" sz="1400" b="0" i="0" dirty="0" err="1">
+                    <a:solidFill>
+                      <a:schemeClr val="tx1"/>
+                    </a:solidFill>
+                    <a:effectLst/>
+                    <a:latin typeface="Mercury SSm A"/>
+                  </a:rPr>
+                  <a:t>faucibus</a:t>
+                </a:r>
+                <a:r>
+                  <a:rPr lang="en-GB" sz="1400" b="0" i="0" dirty="0">
+                    <a:solidFill>
+                      <a:schemeClr val="tx1"/>
+                    </a:solidFill>
+                    <a:effectLst/>
+                    <a:latin typeface="Mercury SSm A"/>
+                  </a:rPr>
+                  <a:t> </a:t>
+                </a:r>
+                <a:r>
+                  <a:rPr lang="en-GB" sz="1400" b="0" i="0" dirty="0" err="1">
+                    <a:solidFill>
+                      <a:schemeClr val="tx1"/>
+                    </a:solidFill>
+                    <a:effectLst/>
+                    <a:latin typeface="Mercury SSm A"/>
+                  </a:rPr>
+                  <a:t>nisl</a:t>
+                </a:r>
+                <a:r>
+                  <a:rPr lang="en-GB" sz="1400" b="0" i="0" dirty="0">
+                    <a:solidFill>
+                      <a:schemeClr val="tx1"/>
+                    </a:solidFill>
+                    <a:effectLst/>
+                    <a:latin typeface="Mercury SSm A"/>
+                  </a:rPr>
+                  <a:t> </a:t>
+                </a:r>
+                <a:r>
+                  <a:rPr lang="en-GB" sz="1400" b="0" i="0" dirty="0" err="1">
+                    <a:solidFill>
+                      <a:schemeClr val="tx1"/>
+                    </a:solidFill>
+                    <a:effectLst/>
+                    <a:latin typeface="Mercury SSm A"/>
+                  </a:rPr>
+                  <a:t>tincidunt</a:t>
+                </a:r>
+                <a:r>
+                  <a:rPr lang="en-GB" sz="1400" b="0" i="0" dirty="0">
+                    <a:solidFill>
+                      <a:schemeClr val="tx1"/>
+                    </a:solidFill>
+                    <a:effectLst/>
+                    <a:latin typeface="Mercury SSm A"/>
+                  </a:rPr>
+                  <a:t>. </a:t>
+                </a:r>
+                <a:r>
+                  <a:rPr lang="en-GB" sz="1400" b="0" i="0" dirty="0" err="1">
+                    <a:solidFill>
+                      <a:schemeClr val="tx1"/>
+                    </a:solidFill>
+                    <a:effectLst/>
+                    <a:latin typeface="Mercury SSm A"/>
+                  </a:rPr>
+                  <a:t>Ornare</a:t>
+                </a:r>
+                <a:r>
+                  <a:rPr lang="en-GB" sz="1400" b="0" i="0" dirty="0">
+                    <a:solidFill>
+                      <a:schemeClr val="tx1"/>
+                    </a:solidFill>
+                    <a:effectLst/>
+                    <a:latin typeface="Mercury SSm A"/>
+                  </a:rPr>
+                  <a:t> </a:t>
+                </a:r>
+                <a:r>
+                  <a:rPr lang="en-GB" sz="1400" b="0" i="0" dirty="0" err="1">
+                    <a:solidFill>
+                      <a:schemeClr val="tx1"/>
+                    </a:solidFill>
+                    <a:effectLst/>
+                    <a:latin typeface="Mercury SSm A"/>
+                  </a:rPr>
+                  <a:t>arcu</a:t>
+                </a:r>
+                <a:r>
+                  <a:rPr lang="en-GB" sz="1400" b="0" i="0" dirty="0">
+                    <a:solidFill>
+                      <a:schemeClr val="tx1"/>
+                    </a:solidFill>
+                    <a:effectLst/>
+                    <a:latin typeface="Mercury SSm A"/>
+                  </a:rPr>
+                  <a:t> dui </a:t>
+                </a:r>
+                <a:r>
+                  <a:rPr lang="en-GB" sz="1400" b="0" i="0" dirty="0" err="1">
+                    <a:solidFill>
+                      <a:schemeClr val="tx1"/>
+                    </a:solidFill>
+                    <a:effectLst/>
+                    <a:latin typeface="Mercury SSm A"/>
+                  </a:rPr>
+                  <a:t>vivamus</a:t>
+                </a:r>
+                <a:r>
+                  <a:rPr lang="en-GB" sz="1400" b="0" i="0" dirty="0">
+                    <a:solidFill>
+                      <a:schemeClr val="tx1"/>
+                    </a:solidFill>
+                    <a:effectLst/>
+                    <a:latin typeface="Mercury SSm A"/>
+                  </a:rPr>
+                  <a:t> </a:t>
+                </a:r>
+                <a:r>
+                  <a:rPr lang="en-GB" sz="1400" b="0" i="0" dirty="0" err="1">
+                    <a:solidFill>
+                      <a:schemeClr val="tx1"/>
+                    </a:solidFill>
+                    <a:effectLst/>
+                    <a:latin typeface="Mercury SSm A"/>
+                  </a:rPr>
+                  <a:t>arcu</a:t>
+                </a:r>
+                <a:r>
+                  <a:rPr lang="en-GB" sz="1400" b="0" i="0" dirty="0">
+                    <a:solidFill>
+                      <a:schemeClr val="tx1"/>
+                    </a:solidFill>
+                    <a:effectLst/>
+                    <a:latin typeface="Mercury SSm A"/>
+                  </a:rPr>
+                  <a:t> </a:t>
+                </a:r>
+                <a:r>
+                  <a:rPr lang="en-GB" sz="1400" b="0" i="0" dirty="0" err="1">
+                    <a:solidFill>
+                      <a:schemeClr val="tx1"/>
+                    </a:solidFill>
+                    <a:effectLst/>
+                    <a:latin typeface="Mercury SSm A"/>
+                  </a:rPr>
+                  <a:t>felis</a:t>
+                </a:r>
+                <a:r>
+                  <a:rPr lang="en-GB" sz="1400" b="0" i="0" dirty="0">
+                    <a:solidFill>
+                      <a:schemeClr val="tx1"/>
+                    </a:solidFill>
+                    <a:effectLst/>
+                    <a:latin typeface="Mercury SSm A"/>
+                  </a:rPr>
+                  <a:t> </a:t>
+                </a:r>
+                <a:r>
+                  <a:rPr lang="en-GB" sz="1400" b="0" i="0" dirty="0" err="1">
+                    <a:solidFill>
+                      <a:schemeClr val="tx1"/>
+                    </a:solidFill>
+                    <a:effectLst/>
+                    <a:latin typeface="Mercury SSm A"/>
+                  </a:rPr>
+                  <a:t>bibendum</a:t>
+                </a:r>
+                <a:r>
+                  <a:rPr lang="en-GB" sz="1400" b="0" i="0" dirty="0">
+                    <a:solidFill>
+                      <a:schemeClr val="tx1"/>
+                    </a:solidFill>
+                    <a:effectLst/>
+                    <a:latin typeface="Mercury SSm A"/>
+                  </a:rPr>
+                  <a:t> </a:t>
+                </a:r>
+                <a:r>
+                  <a:rPr lang="en-GB" sz="1400" b="0" i="0" dirty="0" err="1">
+                    <a:solidFill>
+                      <a:schemeClr val="tx1"/>
+                    </a:solidFill>
+                    <a:effectLst/>
+                    <a:latin typeface="Mercury SSm A"/>
+                  </a:rPr>
+                  <a:t>ut.</a:t>
+                </a:r>
+                <a:r>
+                  <a:rPr lang="en-GB" sz="1400" b="0" i="0" dirty="0">
+                    <a:solidFill>
+                      <a:schemeClr val="tx1"/>
+                    </a:solidFill>
+                    <a:effectLst/>
+                    <a:latin typeface="Mercury SSm A"/>
+                  </a:rPr>
+                  <a:t> Sit </a:t>
+                </a:r>
+                <a:r>
+                  <a:rPr lang="en-GB" sz="1400" b="0" i="0" dirty="0" err="1">
+                    <a:solidFill>
+                      <a:schemeClr val="tx1"/>
+                    </a:solidFill>
+                    <a:effectLst/>
+                    <a:latin typeface="Mercury SSm A"/>
+                  </a:rPr>
+                  <a:t>amet</a:t>
+                </a:r>
+                <a:r>
+                  <a:rPr lang="en-GB" sz="1400" b="0" i="0" dirty="0">
+                    <a:solidFill>
+                      <a:schemeClr val="tx1"/>
+                    </a:solidFill>
+                    <a:effectLst/>
+                    <a:latin typeface="Mercury SSm A"/>
+                  </a:rPr>
+                  <a:t> dictum sit </a:t>
+                </a:r>
+                <a:r>
+                  <a:rPr lang="en-GB" sz="1400" b="0" i="0" dirty="0" err="1">
+                    <a:solidFill>
+                      <a:schemeClr val="tx1"/>
+                    </a:solidFill>
+                    <a:effectLst/>
+                    <a:latin typeface="Mercury SSm A"/>
+                  </a:rPr>
+                  <a:t>amet</a:t>
+                </a:r>
+                <a:r>
+                  <a:rPr lang="en-GB" sz="1400" b="0" i="0" dirty="0">
+                    <a:solidFill>
+                      <a:schemeClr val="tx1"/>
+                    </a:solidFill>
+                    <a:effectLst/>
+                    <a:latin typeface="Mercury SSm A"/>
+                  </a:rPr>
+                  <a:t>. Nisi vitae </a:t>
+                </a:r>
+              </a:p>
+            </p:txBody>
+          </p:sp>
+          <p:sp>
+            <p:nvSpPr>
+              <p:cNvPr id="35" name="Rectangle 34">
+                <a:extLst>
+                  <a:ext uri="{FF2B5EF4-FFF2-40B4-BE49-F238E27FC236}">
+                    <a16:creationId xmlns:a16="http://schemas.microsoft.com/office/drawing/2014/main" id="{76AD569A-67C0-539F-9F5F-5C67E47C5790}"/>
+                  </a:ext>
+                </a:extLst>
+              </p:cNvPr>
+              <p:cNvSpPr/>
+              <p:nvPr/>
+            </p:nvSpPr>
+            <p:spPr>
+              <a:xfrm>
+                <a:off x="6270718" y="3687751"/>
+                <a:ext cx="1449016" cy="287027"/>
+              </a:xfrm>
+              <a:prstGeom prst="rect">
+                <a:avLst/>
+              </a:prstGeom>
+              <a:solidFill>
+                <a:srgbClr val="364652"/>
+              </a:solidFill>
+              <a:ln>
+                <a:noFill/>
+              </a:ln>
+            </p:spPr>
+            <p:style>
+              <a:lnRef idx="2">
+                <a:schemeClr val="accent1">
+                  <a:shade val="50000"/>
+                </a:schemeClr>
+              </a:lnRef>
+              <a:fillRef idx="1">
+                <a:schemeClr val="accent1"/>
+              </a:fillRef>
+              <a:effectRef idx="0">
+                <a:schemeClr val="accent1"/>
+              </a:effectRef>
+              <a:fontRef idx="minor">
+                <a:schemeClr val="lt1"/>
+              </a:fontRef>
+            </p:style>
+            <p:txBody>
+              <a:bodyPr rtlCol="0" anchor="ctr"/>
+              <a:lstStyle/>
+              <a:p>
+                <a:pPr algn="ctr"/>
+                <a:r>
+                  <a:rPr lang="en-GB" sz="1400" dirty="0"/>
+                  <a:t>See full details</a:t>
+                </a:r>
+              </a:p>
+            </p:txBody>
+          </p:sp>
+          <p:sp>
+            <p:nvSpPr>
+              <p:cNvPr id="36" name="Rectangle 35">
+                <a:extLst>
+                  <a:ext uri="{FF2B5EF4-FFF2-40B4-BE49-F238E27FC236}">
+                    <a16:creationId xmlns:a16="http://schemas.microsoft.com/office/drawing/2014/main" id="{FC79174E-F6E1-D4B6-DFA1-2E5EF8AF5DC6}"/>
+                  </a:ext>
+                </a:extLst>
+              </p:cNvPr>
+              <p:cNvSpPr/>
+              <p:nvPr/>
+            </p:nvSpPr>
+            <p:spPr>
+              <a:xfrm>
+                <a:off x="10526410" y="1861350"/>
+                <a:ext cx="230636" cy="1408605"/>
+              </a:xfrm>
+              <a:prstGeom prst="rect">
+                <a:avLst/>
+              </a:prstGeom>
+              <a:solidFill>
+                <a:schemeClr val="bg1">
+                  <a:lumMod val="95000"/>
+                </a:schemeClr>
+              </a:solidFill>
+              <a:ln>
+                <a:noFill/>
+              </a:ln>
+            </p:spPr>
+            <p:style>
+              <a:lnRef idx="2">
+                <a:schemeClr val="accent1">
+                  <a:shade val="50000"/>
+                </a:schemeClr>
+              </a:lnRef>
+              <a:fillRef idx="1">
+                <a:schemeClr val="accent1"/>
+              </a:fillRef>
+              <a:effectRef idx="0">
+                <a:schemeClr val="accent1"/>
+              </a:effectRef>
+              <a:fontRef idx="minor">
+                <a:schemeClr val="lt1"/>
+              </a:fontRef>
+            </p:style>
+            <p:txBody>
+              <a:bodyPr rtlCol="0" anchor="ctr"/>
+              <a:lstStyle/>
+              <a:p>
+                <a:pPr marL="0" marR="0" lvl="0" indent="0" algn="ctr" defTabSz="914400" rtl="0" eaLnBrk="1" fontAlgn="auto" latinLnBrk="0" hangingPunct="1">
+                  <a:lnSpc>
+                    <a:spcPct val="100000"/>
+                  </a:lnSpc>
+                  <a:spcBef>
+                    <a:spcPts val="0"/>
+                  </a:spcBef>
+                  <a:spcAft>
+                    <a:spcPts val="0"/>
+                  </a:spcAft>
+                  <a:buClrTx/>
+                  <a:buSzTx/>
+                  <a:buFontTx/>
+                  <a:buNone/>
+                  <a:tabLst/>
+                  <a:defRPr/>
+                </a:pPr>
+                <a:endParaRPr kumimoji="0" lang="en-GB" sz="1800" b="0" i="0" u="none" strike="noStrike" kern="1200" cap="none" spc="0" normalizeH="0" baseline="0" noProof="0">
+                  <a:ln>
+                    <a:noFill/>
+                  </a:ln>
+                  <a:solidFill>
+                    <a:prstClr val="white"/>
+                  </a:solidFill>
+                  <a:effectLst/>
+                  <a:uLnTx/>
+                  <a:uFillTx/>
+                  <a:latin typeface="Calibri" panose="020F0502020204030204"/>
+                  <a:ea typeface="+mn-ea"/>
+                  <a:cs typeface="+mn-cs"/>
+                </a:endParaRPr>
+              </a:p>
+            </p:txBody>
+          </p:sp>
+          <p:sp>
+            <p:nvSpPr>
+              <p:cNvPr id="37" name="Rectangle 36">
+                <a:extLst>
+                  <a:ext uri="{FF2B5EF4-FFF2-40B4-BE49-F238E27FC236}">
+                    <a16:creationId xmlns:a16="http://schemas.microsoft.com/office/drawing/2014/main" id="{D548B814-EF88-6269-74A3-ECCF0D66B40D}"/>
+                  </a:ext>
+                </a:extLst>
+              </p:cNvPr>
+              <p:cNvSpPr/>
+              <p:nvPr/>
+            </p:nvSpPr>
+            <p:spPr>
+              <a:xfrm>
+                <a:off x="10527393" y="1854880"/>
+                <a:ext cx="230636" cy="223157"/>
+              </a:xfrm>
+              <a:prstGeom prst="rect">
+                <a:avLst/>
+              </a:prstGeom>
+              <a:solidFill>
+                <a:schemeClr val="bg1">
+                  <a:lumMod val="95000"/>
+                </a:schemeClr>
+              </a:solidFill>
+              <a:ln>
+                <a:solidFill>
+                  <a:schemeClr val="bg2">
+                    <a:lumMod val="90000"/>
+                  </a:schemeClr>
+                </a:solidFill>
+              </a:ln>
+            </p:spPr>
+            <p:style>
+              <a:lnRef idx="2">
+                <a:schemeClr val="accent1">
+                  <a:shade val="50000"/>
+                </a:schemeClr>
+              </a:lnRef>
+              <a:fillRef idx="1">
+                <a:schemeClr val="accent1"/>
+              </a:fillRef>
+              <a:effectRef idx="0">
+                <a:schemeClr val="accent1"/>
+              </a:effectRef>
+              <a:fontRef idx="minor">
+                <a:schemeClr val="lt1"/>
+              </a:fontRef>
+            </p:style>
+            <p:txBody>
+              <a:bodyPr rtlCol="0" anchor="ctr"/>
+              <a:lstStyle/>
+              <a:p>
+                <a:pPr marL="0" marR="0" lvl="0" indent="0" algn="ctr" defTabSz="914400" rtl="0" eaLnBrk="1" fontAlgn="auto" latinLnBrk="0" hangingPunct="1">
+                  <a:lnSpc>
+                    <a:spcPct val="100000"/>
+                  </a:lnSpc>
+                  <a:spcBef>
+                    <a:spcPts val="0"/>
+                  </a:spcBef>
+                  <a:spcAft>
+                    <a:spcPts val="0"/>
+                  </a:spcAft>
+                  <a:buClrTx/>
+                  <a:buSzTx/>
+                  <a:buFontTx/>
+                  <a:buNone/>
+                  <a:tabLst/>
+                  <a:defRPr/>
+                </a:pPr>
+                <a:endParaRPr kumimoji="0" lang="en-GB" sz="1800" b="0" i="0" u="none" strike="noStrike" kern="1200" cap="none" spc="0" normalizeH="0" baseline="0" noProof="0">
+                  <a:ln>
+                    <a:noFill/>
+                  </a:ln>
+                  <a:solidFill>
+                    <a:prstClr val="white"/>
+                  </a:solidFill>
+                  <a:effectLst/>
+                  <a:uLnTx/>
+                  <a:uFillTx/>
+                  <a:latin typeface="Calibri" panose="020F0502020204030204"/>
+                  <a:ea typeface="+mn-ea"/>
+                  <a:cs typeface="+mn-cs"/>
+                </a:endParaRPr>
+              </a:p>
+            </p:txBody>
+          </p:sp>
+          <p:sp>
+            <p:nvSpPr>
+              <p:cNvPr id="38" name="Arrow: Chevron 37">
+                <a:extLst>
+                  <a:ext uri="{FF2B5EF4-FFF2-40B4-BE49-F238E27FC236}">
+                    <a16:creationId xmlns:a16="http://schemas.microsoft.com/office/drawing/2014/main" id="{93F6A0C5-FE76-4F6E-04B7-B5EE6C03B95B}"/>
+                  </a:ext>
+                </a:extLst>
+              </p:cNvPr>
+              <p:cNvSpPr/>
+              <p:nvPr/>
+            </p:nvSpPr>
+            <p:spPr>
+              <a:xfrm rot="16200000">
+                <a:off x="10586752" y="1899237"/>
+                <a:ext cx="111919" cy="126206"/>
+              </a:xfrm>
+              <a:prstGeom prst="chevron">
+                <a:avLst/>
+              </a:prstGeom>
+              <a:solidFill>
+                <a:schemeClr val="bg1">
+                  <a:lumMod val="50000"/>
+                </a:schemeClr>
+              </a:solidFill>
+              <a:ln>
+                <a:noFill/>
+              </a:ln>
+            </p:spPr>
+            <p:style>
+              <a:lnRef idx="2">
+                <a:schemeClr val="accent1">
+                  <a:shade val="50000"/>
+                </a:schemeClr>
+              </a:lnRef>
+              <a:fillRef idx="1">
+                <a:schemeClr val="accent1"/>
+              </a:fillRef>
+              <a:effectRef idx="0">
+                <a:schemeClr val="accent1"/>
+              </a:effectRef>
+              <a:fontRef idx="minor">
+                <a:schemeClr val="lt1"/>
+              </a:fontRef>
+            </p:style>
+            <p:txBody>
+              <a:bodyPr rtlCol="0" anchor="ctr"/>
+              <a:lstStyle/>
+              <a:p>
+                <a:pPr marL="0" marR="0" lvl="0" indent="0" algn="ctr" defTabSz="914400" rtl="0" eaLnBrk="1" fontAlgn="auto" latinLnBrk="0" hangingPunct="1">
+                  <a:lnSpc>
+                    <a:spcPct val="100000"/>
+                  </a:lnSpc>
+                  <a:spcBef>
+                    <a:spcPts val="0"/>
+                  </a:spcBef>
+                  <a:spcAft>
+                    <a:spcPts val="0"/>
+                  </a:spcAft>
+                  <a:buClrTx/>
+                  <a:buSzTx/>
+                  <a:buFontTx/>
+                  <a:buNone/>
+                  <a:tabLst/>
+                  <a:defRPr/>
+                </a:pPr>
+                <a:endParaRPr kumimoji="0" lang="en-GB" sz="1800" b="0" i="0" u="none" strike="noStrike" kern="1200" cap="none" spc="0" normalizeH="0" baseline="0" noProof="0">
+                  <a:ln>
+                    <a:noFill/>
+                  </a:ln>
+                  <a:solidFill>
+                    <a:prstClr val="black"/>
+                  </a:solidFill>
+                  <a:effectLst/>
+                  <a:uLnTx/>
+                  <a:uFillTx/>
+                  <a:latin typeface="Calibri" panose="020F0502020204030204"/>
+                  <a:ea typeface="+mn-ea"/>
+                  <a:cs typeface="+mn-cs"/>
+                </a:endParaRPr>
+              </a:p>
+            </p:txBody>
+          </p:sp>
+          <p:sp>
+            <p:nvSpPr>
+              <p:cNvPr id="39" name="Rectangle 38">
+                <a:extLst>
+                  <a:ext uri="{FF2B5EF4-FFF2-40B4-BE49-F238E27FC236}">
+                    <a16:creationId xmlns:a16="http://schemas.microsoft.com/office/drawing/2014/main" id="{DBC99116-32EB-8A2F-6A42-DDA85323B646}"/>
+                  </a:ext>
+                </a:extLst>
+              </p:cNvPr>
+              <p:cNvSpPr/>
+              <p:nvPr/>
+            </p:nvSpPr>
+            <p:spPr>
+              <a:xfrm rot="10800000">
+                <a:off x="10527393" y="3278259"/>
+                <a:ext cx="230636" cy="223157"/>
+              </a:xfrm>
+              <a:prstGeom prst="rect">
+                <a:avLst/>
+              </a:prstGeom>
+              <a:solidFill>
+                <a:schemeClr val="bg1">
+                  <a:lumMod val="95000"/>
+                </a:schemeClr>
+              </a:solidFill>
+              <a:ln>
+                <a:solidFill>
+                  <a:schemeClr val="bg2">
+                    <a:lumMod val="90000"/>
+                  </a:schemeClr>
+                </a:solidFill>
+              </a:ln>
+            </p:spPr>
+            <p:style>
+              <a:lnRef idx="2">
+                <a:schemeClr val="accent1">
+                  <a:shade val="50000"/>
+                </a:schemeClr>
+              </a:lnRef>
+              <a:fillRef idx="1">
+                <a:schemeClr val="accent1"/>
+              </a:fillRef>
+              <a:effectRef idx="0">
+                <a:schemeClr val="accent1"/>
+              </a:effectRef>
+              <a:fontRef idx="minor">
+                <a:schemeClr val="lt1"/>
+              </a:fontRef>
+            </p:style>
+            <p:txBody>
+              <a:bodyPr rtlCol="0" anchor="ctr"/>
+              <a:lstStyle/>
+              <a:p>
+                <a:pPr marL="0" marR="0" lvl="0" indent="0" algn="ctr" defTabSz="914400" rtl="0" eaLnBrk="1" fontAlgn="auto" latinLnBrk="0" hangingPunct="1">
+                  <a:lnSpc>
+                    <a:spcPct val="100000"/>
+                  </a:lnSpc>
+                  <a:spcBef>
+                    <a:spcPts val="0"/>
+                  </a:spcBef>
+                  <a:spcAft>
+                    <a:spcPts val="0"/>
+                  </a:spcAft>
+                  <a:buClrTx/>
+                  <a:buSzTx/>
+                  <a:buFontTx/>
+                  <a:buNone/>
+                  <a:tabLst/>
+                  <a:defRPr/>
+                </a:pPr>
+                <a:endParaRPr kumimoji="0" lang="en-GB" sz="1800" b="0" i="0" u="none" strike="noStrike" kern="1200" cap="none" spc="0" normalizeH="0" baseline="0" noProof="0">
+                  <a:ln>
+                    <a:noFill/>
+                  </a:ln>
+                  <a:solidFill>
+                    <a:prstClr val="white"/>
+                  </a:solidFill>
+                  <a:effectLst/>
+                  <a:uLnTx/>
+                  <a:uFillTx/>
+                  <a:latin typeface="Calibri" panose="020F0502020204030204"/>
+                  <a:ea typeface="+mn-ea"/>
+                  <a:cs typeface="+mn-cs"/>
+                </a:endParaRPr>
+              </a:p>
+            </p:txBody>
+          </p:sp>
+          <p:sp>
+            <p:nvSpPr>
+              <p:cNvPr id="40" name="Arrow: Chevron 39">
+                <a:extLst>
+                  <a:ext uri="{FF2B5EF4-FFF2-40B4-BE49-F238E27FC236}">
+                    <a16:creationId xmlns:a16="http://schemas.microsoft.com/office/drawing/2014/main" id="{21BD422C-2A18-1356-C7EA-AE49CD69B853}"/>
+                  </a:ext>
+                </a:extLst>
+              </p:cNvPr>
+              <p:cNvSpPr/>
+              <p:nvPr/>
+            </p:nvSpPr>
+            <p:spPr>
+              <a:xfrm rot="5400000">
+                <a:off x="10586752" y="3322616"/>
+                <a:ext cx="111919" cy="126206"/>
+              </a:xfrm>
+              <a:prstGeom prst="chevron">
+                <a:avLst/>
+              </a:prstGeom>
+              <a:solidFill>
+                <a:schemeClr val="bg1">
+                  <a:lumMod val="50000"/>
+                </a:schemeClr>
+              </a:solidFill>
+              <a:ln>
+                <a:noFill/>
+              </a:ln>
+            </p:spPr>
+            <p:style>
+              <a:lnRef idx="2">
+                <a:schemeClr val="accent1">
+                  <a:shade val="50000"/>
+                </a:schemeClr>
+              </a:lnRef>
+              <a:fillRef idx="1">
+                <a:schemeClr val="accent1"/>
+              </a:fillRef>
+              <a:effectRef idx="0">
+                <a:schemeClr val="accent1"/>
+              </a:effectRef>
+              <a:fontRef idx="minor">
+                <a:schemeClr val="lt1"/>
+              </a:fontRef>
+            </p:style>
+            <p:txBody>
+              <a:bodyPr rtlCol="0" anchor="ctr"/>
+              <a:lstStyle/>
+              <a:p>
+                <a:pPr marL="0" marR="0" lvl="0" indent="0" algn="ctr" defTabSz="914400" rtl="0" eaLnBrk="1" fontAlgn="auto" latinLnBrk="0" hangingPunct="1">
+                  <a:lnSpc>
+                    <a:spcPct val="100000"/>
+                  </a:lnSpc>
+                  <a:spcBef>
+                    <a:spcPts val="0"/>
+                  </a:spcBef>
+                  <a:spcAft>
+                    <a:spcPts val="0"/>
+                  </a:spcAft>
+                  <a:buClrTx/>
+                  <a:buSzTx/>
+                  <a:buFontTx/>
+                  <a:buNone/>
+                  <a:tabLst/>
+                  <a:defRPr/>
+                </a:pPr>
+                <a:endParaRPr kumimoji="0" lang="en-GB" sz="1800" b="0" i="0" u="none" strike="noStrike" kern="1200" cap="none" spc="0" normalizeH="0" baseline="0" noProof="0">
+                  <a:ln>
+                    <a:noFill/>
+                  </a:ln>
+                  <a:solidFill>
+                    <a:prstClr val="black"/>
+                  </a:solidFill>
+                  <a:effectLst/>
+                  <a:uLnTx/>
+                  <a:uFillTx/>
+                  <a:latin typeface="Calibri" panose="020F0502020204030204"/>
+                  <a:ea typeface="+mn-ea"/>
+                  <a:cs typeface="+mn-cs"/>
+                </a:endParaRPr>
+              </a:p>
+            </p:txBody>
+          </p:sp>
+          <p:sp>
+            <p:nvSpPr>
+              <p:cNvPr id="42" name="TextBox 41">
+                <a:extLst>
+                  <a:ext uri="{FF2B5EF4-FFF2-40B4-BE49-F238E27FC236}">
+                    <a16:creationId xmlns:a16="http://schemas.microsoft.com/office/drawing/2014/main" id="{DB680082-8B53-CD59-FBE2-FFE67AAAA19D}"/>
+                  </a:ext>
+                </a:extLst>
+              </p:cNvPr>
+              <p:cNvSpPr txBox="1"/>
+              <p:nvPr/>
+            </p:nvSpPr>
+            <p:spPr>
+              <a:xfrm>
+                <a:off x="3478736" y="4171293"/>
+                <a:ext cx="2290999" cy="369332"/>
+              </a:xfrm>
+              <a:prstGeom prst="rect">
+                <a:avLst/>
+              </a:prstGeom>
+              <a:noFill/>
+            </p:spPr>
+            <p:txBody>
+              <a:bodyPr wrap="square" rtlCol="0">
+                <a:spAutoFit/>
+              </a:bodyPr>
+              <a:lstStyle/>
+              <a:p>
+                <a:r>
+                  <a:rPr lang="en-GB" dirty="0">
+                    <a:solidFill>
+                      <a:schemeClr val="bg1"/>
+                    </a:solidFill>
+                  </a:rPr>
+                  <a:t>Clients</a:t>
+                </a:r>
+              </a:p>
+            </p:txBody>
+          </p:sp>
+          <p:sp>
+            <p:nvSpPr>
+              <p:cNvPr id="43" name="Rectangle 42">
+                <a:extLst>
+                  <a:ext uri="{FF2B5EF4-FFF2-40B4-BE49-F238E27FC236}">
+                    <a16:creationId xmlns:a16="http://schemas.microsoft.com/office/drawing/2014/main" id="{E92210EB-5044-FBD3-F0D3-9B218CF47915}"/>
+                  </a:ext>
+                </a:extLst>
+              </p:cNvPr>
+              <p:cNvSpPr/>
+              <p:nvPr/>
+            </p:nvSpPr>
+            <p:spPr>
+              <a:xfrm>
+                <a:off x="3464043" y="4540625"/>
+                <a:ext cx="7055758" cy="1531764"/>
+              </a:xfrm>
+              <a:prstGeom prst="rect">
+                <a:avLst/>
+              </a:prstGeom>
+              <a:solidFill>
+                <a:schemeClr val="bg1"/>
+              </a:solidFill>
+              <a:ln>
+                <a:noFill/>
+              </a:ln>
+            </p:spPr>
+            <p:style>
+              <a:lnRef idx="2">
+                <a:schemeClr val="accent1">
+                  <a:shade val="50000"/>
+                </a:schemeClr>
+              </a:lnRef>
+              <a:fillRef idx="1">
+                <a:schemeClr val="accent1"/>
+              </a:fillRef>
+              <a:effectRef idx="0">
+                <a:schemeClr val="accent1"/>
+              </a:effectRef>
+              <a:fontRef idx="minor">
+                <a:schemeClr val="lt1"/>
+              </a:fontRef>
+            </p:style>
+            <p:txBody>
+              <a:bodyPr rtlCol="0" anchor="ctr"/>
+              <a:lstStyle/>
+              <a:p>
+                <a:pPr algn="ctr"/>
+                <a:r>
+                  <a:rPr lang="en-GB" sz="1400" b="0" i="0" dirty="0">
+                    <a:solidFill>
+                      <a:schemeClr val="tx1"/>
+                    </a:solidFill>
+                    <a:effectLst/>
+                    <a:latin typeface="Mercury SSm A"/>
+                  </a:rPr>
+                  <a:t>Donald McLaughlin – 100% match</a:t>
+                </a:r>
+              </a:p>
+              <a:p>
+                <a:pPr algn="ctr"/>
+                <a:r>
+                  <a:rPr lang="en-GB" sz="1400" dirty="0">
+                    <a:solidFill>
+                      <a:schemeClr val="tx1"/>
+                    </a:solidFill>
+                    <a:latin typeface="Mercury SSm A"/>
+                  </a:rPr>
+                  <a:t>Gerry Adams – 100% match</a:t>
+                </a:r>
+              </a:p>
+              <a:p>
+                <a:pPr algn="ctr"/>
+                <a:r>
+                  <a:rPr lang="en-GB" sz="1400" b="0" i="0" dirty="0">
+                    <a:solidFill>
+                      <a:schemeClr val="tx1"/>
+                    </a:solidFill>
+                    <a:effectLst/>
+                    <a:latin typeface="Mercury SSm A"/>
+                  </a:rPr>
+                  <a:t>Peter Molyneu</a:t>
+                </a:r>
+                <a:r>
+                  <a:rPr lang="en-GB" sz="1400" dirty="0">
+                    <a:solidFill>
+                      <a:schemeClr val="tx1"/>
+                    </a:solidFill>
+                    <a:latin typeface="Mercury SSm A"/>
+                  </a:rPr>
+                  <a:t>x – 84% match</a:t>
+                </a:r>
+              </a:p>
+              <a:p>
+                <a:pPr algn="ctr"/>
+                <a:r>
+                  <a:rPr lang="en-GB" sz="1400" b="0" i="0" dirty="0">
+                    <a:solidFill>
+                      <a:schemeClr val="tx1"/>
+                    </a:solidFill>
+                    <a:effectLst/>
+                    <a:latin typeface="Mercury SSm A"/>
+                  </a:rPr>
+                  <a:t>Janice Framingham – 80% match</a:t>
+                </a:r>
+              </a:p>
+              <a:p>
+                <a:pPr algn="ctr"/>
+                <a:r>
+                  <a:rPr lang="en-GB" sz="1400" dirty="0">
+                    <a:solidFill>
+                      <a:schemeClr val="tx1"/>
+                    </a:solidFill>
+                    <a:latin typeface="Mercury SSm A"/>
+                  </a:rPr>
+                  <a:t>Beverley Hyacinth – 72% match </a:t>
+                </a:r>
+              </a:p>
+              <a:p>
+                <a:pPr algn="ctr"/>
+                <a:r>
+                  <a:rPr lang="en-GB" sz="1400" b="0" i="0" dirty="0">
+                    <a:solidFill>
+                      <a:schemeClr val="tx1"/>
+                    </a:solidFill>
+                    <a:effectLst/>
+                    <a:latin typeface="Mercury SSm A"/>
+                  </a:rPr>
+                  <a:t>John </a:t>
+                </a:r>
+                <a:r>
+                  <a:rPr lang="en-GB" sz="1400" b="0" i="0" dirty="0" err="1">
+                    <a:solidFill>
+                      <a:schemeClr val="tx1"/>
+                    </a:solidFill>
+                    <a:effectLst/>
+                    <a:latin typeface="Mercury SSm A"/>
+                  </a:rPr>
+                  <a:t>Omutwanga</a:t>
+                </a:r>
+                <a:r>
+                  <a:rPr lang="en-GB" sz="1400" b="0" i="0" dirty="0">
+                    <a:solidFill>
+                      <a:schemeClr val="tx1"/>
+                    </a:solidFill>
+                    <a:effectLst/>
+                    <a:latin typeface="Mercury SSm A"/>
+                  </a:rPr>
+                  <a:t> – 66% match</a:t>
+                </a:r>
+                <a:endParaRPr lang="en-GB" sz="1400" dirty="0">
+                  <a:solidFill>
+                    <a:schemeClr val="tx1"/>
+                  </a:solidFill>
+                  <a:latin typeface="Mercury SSm A"/>
+                </a:endParaRPr>
+              </a:p>
+              <a:p>
+                <a:pPr algn="ctr"/>
+                <a:r>
+                  <a:rPr lang="en-GB" sz="1400" dirty="0">
+                    <a:solidFill>
+                      <a:schemeClr val="tx1"/>
+                    </a:solidFill>
+                    <a:latin typeface="Mercury SSm A"/>
+                  </a:rPr>
+                  <a:t>Sarah Donaghy – 65% match</a:t>
+                </a:r>
+                <a:endParaRPr lang="en-GB" sz="1400" b="0" i="0" dirty="0">
+                  <a:solidFill>
+                    <a:schemeClr val="tx1"/>
+                  </a:solidFill>
+                  <a:effectLst/>
+                  <a:latin typeface="Mercury SSm A"/>
+                </a:endParaRPr>
+              </a:p>
+            </p:txBody>
+          </p:sp>
+          <p:sp>
+            <p:nvSpPr>
+              <p:cNvPr id="44" name="Rectangle 43">
+                <a:extLst>
+                  <a:ext uri="{FF2B5EF4-FFF2-40B4-BE49-F238E27FC236}">
+                    <a16:creationId xmlns:a16="http://schemas.microsoft.com/office/drawing/2014/main" id="{961C382C-7EED-6E0D-3204-368E71B3B6D6}"/>
+                  </a:ext>
+                </a:extLst>
+              </p:cNvPr>
+              <p:cNvSpPr/>
+              <p:nvPr/>
+            </p:nvSpPr>
+            <p:spPr>
+              <a:xfrm>
+                <a:off x="10519801" y="4548794"/>
+                <a:ext cx="230636" cy="1408605"/>
+              </a:xfrm>
+              <a:prstGeom prst="rect">
+                <a:avLst/>
+              </a:prstGeom>
+              <a:solidFill>
+                <a:schemeClr val="bg1">
+                  <a:lumMod val="95000"/>
+                </a:schemeClr>
+              </a:solidFill>
+              <a:ln>
+                <a:noFill/>
+              </a:ln>
+            </p:spPr>
+            <p:style>
+              <a:lnRef idx="2">
+                <a:schemeClr val="accent1">
+                  <a:shade val="50000"/>
+                </a:schemeClr>
+              </a:lnRef>
+              <a:fillRef idx="1">
+                <a:schemeClr val="accent1"/>
+              </a:fillRef>
+              <a:effectRef idx="0">
+                <a:schemeClr val="accent1"/>
+              </a:effectRef>
+              <a:fontRef idx="minor">
+                <a:schemeClr val="lt1"/>
+              </a:fontRef>
+            </p:style>
+            <p:txBody>
+              <a:bodyPr rtlCol="0" anchor="ctr"/>
+              <a:lstStyle/>
+              <a:p>
+                <a:pPr marL="0" marR="0" lvl="0" indent="0" algn="ctr" defTabSz="914400" rtl="0" eaLnBrk="1" fontAlgn="auto" latinLnBrk="0" hangingPunct="1">
+                  <a:lnSpc>
+                    <a:spcPct val="100000"/>
+                  </a:lnSpc>
+                  <a:spcBef>
+                    <a:spcPts val="0"/>
+                  </a:spcBef>
+                  <a:spcAft>
+                    <a:spcPts val="0"/>
+                  </a:spcAft>
+                  <a:buClrTx/>
+                  <a:buSzTx/>
+                  <a:buFontTx/>
+                  <a:buNone/>
+                  <a:tabLst/>
+                  <a:defRPr/>
+                </a:pPr>
+                <a:endParaRPr kumimoji="0" lang="en-GB" sz="1800" b="0" i="0" u="none" strike="noStrike" kern="1200" cap="none" spc="0" normalizeH="0" baseline="0" noProof="0">
+                  <a:ln>
+                    <a:noFill/>
+                  </a:ln>
+                  <a:solidFill>
+                    <a:prstClr val="white"/>
+                  </a:solidFill>
+                  <a:effectLst/>
+                  <a:uLnTx/>
+                  <a:uFillTx/>
+                  <a:latin typeface="Calibri" panose="020F0502020204030204"/>
+                  <a:ea typeface="+mn-ea"/>
+                  <a:cs typeface="+mn-cs"/>
+                </a:endParaRPr>
+              </a:p>
+            </p:txBody>
+          </p:sp>
+          <p:sp>
+            <p:nvSpPr>
+              <p:cNvPr id="45" name="Rectangle 44">
+                <a:extLst>
+                  <a:ext uri="{FF2B5EF4-FFF2-40B4-BE49-F238E27FC236}">
+                    <a16:creationId xmlns:a16="http://schemas.microsoft.com/office/drawing/2014/main" id="{0B290405-2D78-6484-8C91-20C05933A12D}"/>
+                  </a:ext>
+                </a:extLst>
+              </p:cNvPr>
+              <p:cNvSpPr/>
+              <p:nvPr/>
+            </p:nvSpPr>
+            <p:spPr>
+              <a:xfrm>
+                <a:off x="10520784" y="4542324"/>
+                <a:ext cx="230636" cy="223157"/>
+              </a:xfrm>
+              <a:prstGeom prst="rect">
+                <a:avLst/>
+              </a:prstGeom>
+              <a:solidFill>
+                <a:schemeClr val="bg1">
+                  <a:lumMod val="95000"/>
+                </a:schemeClr>
+              </a:solidFill>
+              <a:ln>
+                <a:solidFill>
+                  <a:schemeClr val="bg2">
+                    <a:lumMod val="90000"/>
+                  </a:schemeClr>
+                </a:solidFill>
+              </a:ln>
+            </p:spPr>
+            <p:style>
+              <a:lnRef idx="2">
+                <a:schemeClr val="accent1">
+                  <a:shade val="50000"/>
+                </a:schemeClr>
+              </a:lnRef>
+              <a:fillRef idx="1">
+                <a:schemeClr val="accent1"/>
+              </a:fillRef>
+              <a:effectRef idx="0">
+                <a:schemeClr val="accent1"/>
+              </a:effectRef>
+              <a:fontRef idx="minor">
+                <a:schemeClr val="lt1"/>
+              </a:fontRef>
+            </p:style>
+            <p:txBody>
+              <a:bodyPr rtlCol="0" anchor="ctr"/>
+              <a:lstStyle/>
+              <a:p>
+                <a:pPr marL="0" marR="0" lvl="0" indent="0" algn="ctr" defTabSz="914400" rtl="0" eaLnBrk="1" fontAlgn="auto" latinLnBrk="0" hangingPunct="1">
+                  <a:lnSpc>
+                    <a:spcPct val="100000"/>
+                  </a:lnSpc>
+                  <a:spcBef>
+                    <a:spcPts val="0"/>
+                  </a:spcBef>
+                  <a:spcAft>
+                    <a:spcPts val="0"/>
+                  </a:spcAft>
+                  <a:buClrTx/>
+                  <a:buSzTx/>
+                  <a:buFontTx/>
+                  <a:buNone/>
+                  <a:tabLst/>
+                  <a:defRPr/>
+                </a:pPr>
+                <a:endParaRPr kumimoji="0" lang="en-GB" sz="1800" b="0" i="0" u="none" strike="noStrike" kern="1200" cap="none" spc="0" normalizeH="0" baseline="0" noProof="0">
+                  <a:ln>
+                    <a:noFill/>
+                  </a:ln>
+                  <a:solidFill>
+                    <a:prstClr val="white"/>
+                  </a:solidFill>
+                  <a:effectLst/>
+                  <a:uLnTx/>
+                  <a:uFillTx/>
+                  <a:latin typeface="Calibri" panose="020F0502020204030204"/>
+                  <a:ea typeface="+mn-ea"/>
+                  <a:cs typeface="+mn-cs"/>
+                </a:endParaRPr>
+              </a:p>
+            </p:txBody>
+          </p:sp>
+          <p:sp>
+            <p:nvSpPr>
+              <p:cNvPr id="46" name="Arrow: Chevron 45">
+                <a:extLst>
+                  <a:ext uri="{FF2B5EF4-FFF2-40B4-BE49-F238E27FC236}">
+                    <a16:creationId xmlns:a16="http://schemas.microsoft.com/office/drawing/2014/main" id="{48068C7F-3E5B-CF72-10CC-A5A4802CE311}"/>
+                  </a:ext>
+                </a:extLst>
+              </p:cNvPr>
+              <p:cNvSpPr/>
+              <p:nvPr/>
+            </p:nvSpPr>
+            <p:spPr>
+              <a:xfrm rot="16200000">
+                <a:off x="10580143" y="4586681"/>
+                <a:ext cx="111919" cy="126206"/>
+              </a:xfrm>
+              <a:prstGeom prst="chevron">
+                <a:avLst/>
+              </a:prstGeom>
+              <a:solidFill>
+                <a:schemeClr val="bg1">
+                  <a:lumMod val="50000"/>
+                </a:schemeClr>
+              </a:solidFill>
+              <a:ln>
+                <a:noFill/>
+              </a:ln>
+            </p:spPr>
+            <p:style>
+              <a:lnRef idx="2">
+                <a:schemeClr val="accent1">
+                  <a:shade val="50000"/>
+                </a:schemeClr>
+              </a:lnRef>
+              <a:fillRef idx="1">
+                <a:schemeClr val="accent1"/>
+              </a:fillRef>
+              <a:effectRef idx="0">
+                <a:schemeClr val="accent1"/>
+              </a:effectRef>
+              <a:fontRef idx="minor">
+                <a:schemeClr val="lt1"/>
+              </a:fontRef>
+            </p:style>
+            <p:txBody>
+              <a:bodyPr rtlCol="0" anchor="ctr"/>
+              <a:lstStyle/>
+              <a:p>
+                <a:pPr marL="0" marR="0" lvl="0" indent="0" algn="ctr" defTabSz="914400" rtl="0" eaLnBrk="1" fontAlgn="auto" latinLnBrk="0" hangingPunct="1">
+                  <a:lnSpc>
+                    <a:spcPct val="100000"/>
+                  </a:lnSpc>
+                  <a:spcBef>
+                    <a:spcPts val="0"/>
+                  </a:spcBef>
+                  <a:spcAft>
+                    <a:spcPts val="0"/>
+                  </a:spcAft>
+                  <a:buClrTx/>
+                  <a:buSzTx/>
+                  <a:buFontTx/>
+                  <a:buNone/>
+                  <a:tabLst/>
+                  <a:defRPr/>
+                </a:pPr>
+                <a:endParaRPr kumimoji="0" lang="en-GB" sz="1800" b="0" i="0" u="none" strike="noStrike" kern="1200" cap="none" spc="0" normalizeH="0" baseline="0" noProof="0">
+                  <a:ln>
+                    <a:noFill/>
+                  </a:ln>
+                  <a:solidFill>
+                    <a:prstClr val="black"/>
+                  </a:solidFill>
+                  <a:effectLst/>
+                  <a:uLnTx/>
+                  <a:uFillTx/>
+                  <a:latin typeface="Calibri" panose="020F0502020204030204"/>
+                  <a:ea typeface="+mn-ea"/>
+                  <a:cs typeface="+mn-cs"/>
+                </a:endParaRPr>
+              </a:p>
+            </p:txBody>
+          </p:sp>
+          <p:sp>
+            <p:nvSpPr>
+              <p:cNvPr id="47" name="Rectangle 46">
+                <a:extLst>
+                  <a:ext uri="{FF2B5EF4-FFF2-40B4-BE49-F238E27FC236}">
+                    <a16:creationId xmlns:a16="http://schemas.microsoft.com/office/drawing/2014/main" id="{B7E1FAE1-4FFF-ADB7-69EF-3BFF5DC8B1AF}"/>
+                  </a:ext>
+                </a:extLst>
+              </p:cNvPr>
+              <p:cNvSpPr/>
+              <p:nvPr/>
+            </p:nvSpPr>
+            <p:spPr>
+              <a:xfrm rot="10800000">
+                <a:off x="10527392" y="5845822"/>
+                <a:ext cx="230636" cy="223157"/>
+              </a:xfrm>
+              <a:prstGeom prst="rect">
+                <a:avLst/>
+              </a:prstGeom>
+              <a:solidFill>
+                <a:schemeClr val="bg1">
+                  <a:lumMod val="95000"/>
+                </a:schemeClr>
+              </a:solidFill>
+              <a:ln>
+                <a:solidFill>
+                  <a:schemeClr val="bg2">
+                    <a:lumMod val="90000"/>
+                  </a:schemeClr>
+                </a:solidFill>
+              </a:ln>
+            </p:spPr>
+            <p:style>
+              <a:lnRef idx="2">
+                <a:schemeClr val="accent1">
+                  <a:shade val="50000"/>
+                </a:schemeClr>
+              </a:lnRef>
+              <a:fillRef idx="1">
+                <a:schemeClr val="accent1"/>
+              </a:fillRef>
+              <a:effectRef idx="0">
+                <a:schemeClr val="accent1"/>
+              </a:effectRef>
+              <a:fontRef idx="minor">
+                <a:schemeClr val="lt1"/>
+              </a:fontRef>
+            </p:style>
+            <p:txBody>
+              <a:bodyPr rtlCol="0" anchor="ctr"/>
+              <a:lstStyle/>
+              <a:p>
+                <a:pPr marL="0" marR="0" lvl="0" indent="0" algn="ctr" defTabSz="914400" rtl="0" eaLnBrk="1" fontAlgn="auto" latinLnBrk="0" hangingPunct="1">
+                  <a:lnSpc>
+                    <a:spcPct val="100000"/>
+                  </a:lnSpc>
+                  <a:spcBef>
+                    <a:spcPts val="0"/>
+                  </a:spcBef>
+                  <a:spcAft>
+                    <a:spcPts val="0"/>
+                  </a:spcAft>
+                  <a:buClrTx/>
+                  <a:buSzTx/>
+                  <a:buFontTx/>
+                  <a:buNone/>
+                  <a:tabLst/>
+                  <a:defRPr/>
+                </a:pPr>
+                <a:endParaRPr kumimoji="0" lang="en-GB" sz="1800" b="0" i="0" u="none" strike="noStrike" kern="1200" cap="none" spc="0" normalizeH="0" baseline="0" noProof="0">
+                  <a:ln>
+                    <a:noFill/>
+                  </a:ln>
+                  <a:solidFill>
+                    <a:prstClr val="white"/>
+                  </a:solidFill>
+                  <a:effectLst/>
+                  <a:uLnTx/>
+                  <a:uFillTx/>
+                  <a:latin typeface="Calibri" panose="020F0502020204030204"/>
+                  <a:ea typeface="+mn-ea"/>
+                  <a:cs typeface="+mn-cs"/>
+                </a:endParaRPr>
+              </a:p>
+            </p:txBody>
+          </p:sp>
+          <p:sp>
+            <p:nvSpPr>
+              <p:cNvPr id="48" name="Arrow: Chevron 47">
+                <a:extLst>
+                  <a:ext uri="{FF2B5EF4-FFF2-40B4-BE49-F238E27FC236}">
+                    <a16:creationId xmlns:a16="http://schemas.microsoft.com/office/drawing/2014/main" id="{3F83510B-0127-66AC-F17B-990BE8087730}"/>
+                  </a:ext>
+                </a:extLst>
+              </p:cNvPr>
+              <p:cNvSpPr/>
+              <p:nvPr/>
+            </p:nvSpPr>
+            <p:spPr>
+              <a:xfrm rot="5400000">
+                <a:off x="10586751" y="5890179"/>
+                <a:ext cx="111919" cy="126206"/>
+              </a:xfrm>
+              <a:prstGeom prst="chevron">
+                <a:avLst/>
+              </a:prstGeom>
+              <a:solidFill>
+                <a:schemeClr val="bg1">
+                  <a:lumMod val="50000"/>
+                </a:schemeClr>
+              </a:solidFill>
+              <a:ln>
+                <a:noFill/>
+              </a:ln>
+            </p:spPr>
+            <p:style>
+              <a:lnRef idx="2">
+                <a:schemeClr val="accent1">
+                  <a:shade val="50000"/>
+                </a:schemeClr>
+              </a:lnRef>
+              <a:fillRef idx="1">
+                <a:schemeClr val="accent1"/>
+              </a:fillRef>
+              <a:effectRef idx="0">
+                <a:schemeClr val="accent1"/>
+              </a:effectRef>
+              <a:fontRef idx="minor">
+                <a:schemeClr val="lt1"/>
+              </a:fontRef>
+            </p:style>
+            <p:txBody>
+              <a:bodyPr rtlCol="0" anchor="ctr"/>
+              <a:lstStyle/>
+              <a:p>
+                <a:pPr marL="0" marR="0" lvl="0" indent="0" algn="ctr" defTabSz="914400" rtl="0" eaLnBrk="1" fontAlgn="auto" latinLnBrk="0" hangingPunct="1">
+                  <a:lnSpc>
+                    <a:spcPct val="100000"/>
+                  </a:lnSpc>
+                  <a:spcBef>
+                    <a:spcPts val="0"/>
+                  </a:spcBef>
+                  <a:spcAft>
+                    <a:spcPts val="0"/>
+                  </a:spcAft>
+                  <a:buClrTx/>
+                  <a:buSzTx/>
+                  <a:buFontTx/>
+                  <a:buNone/>
+                  <a:tabLst/>
+                  <a:defRPr/>
+                </a:pPr>
+                <a:endParaRPr kumimoji="0" lang="en-GB" sz="1800" b="0" i="0" u="none" strike="noStrike" kern="1200" cap="none" spc="0" normalizeH="0" baseline="0" noProof="0">
+                  <a:ln>
+                    <a:noFill/>
+                  </a:ln>
+                  <a:solidFill>
+                    <a:prstClr val="black"/>
+                  </a:solidFill>
+                  <a:effectLst/>
+                  <a:uLnTx/>
+                  <a:uFillTx/>
+                  <a:latin typeface="Calibri" panose="020F0502020204030204"/>
+                  <a:ea typeface="+mn-ea"/>
+                  <a:cs typeface="+mn-cs"/>
+                </a:endParaRPr>
+              </a:p>
+            </p:txBody>
+          </p:sp>
+        </p:grpSp>
+      </p:grpSp>
+      <p:sp>
+        <p:nvSpPr>
+          <p:cNvPr id="33" name="InvisibleButton">
+            <a:extLst>
+              <a:ext uri="{FF2B5EF4-FFF2-40B4-BE49-F238E27FC236}">
+                <a16:creationId xmlns:a16="http://schemas.microsoft.com/office/drawing/2014/main" id="{706FB650-C6CC-0C36-1ED3-E90F712B4203}"/>
+              </a:ext>
+            </a:extLst>
+          </p:cNvPr>
+          <p:cNvSpPr/>
+          <p:nvPr/>
+        </p:nvSpPr>
+        <p:spPr>
+          <a:xfrm>
+            <a:off x="3470652" y="992082"/>
+            <a:ext cx="7049149" cy="223157"/>
+          </a:xfrm>
+          <a:prstGeom prst="rect">
+            <a:avLst/>
+          </a:prstGeom>
+          <a:noFill/>
+          <a:ln>
+            <a:noFill/>
+          </a:ln>
+        </p:spPr>
+        <p:style>
+          <a:lnRef idx="2">
+            <a:schemeClr val="accent1">
+              <a:shade val="50000"/>
+            </a:schemeClr>
+          </a:lnRef>
+          <a:fillRef idx="1">
+            <a:schemeClr val="accent1"/>
+          </a:fillRef>
+          <a:effectRef idx="0">
+            <a:schemeClr val="accent1"/>
+          </a:effectRef>
+          <a:fontRef idx="minor">
+            <a:schemeClr val="lt1"/>
+          </a:fontRef>
+        </p:style>
+        <p:txBody>
+          <a:bodyPr rtlCol="0" anchor="ctr"/>
+          <a:lstStyle/>
+          <a:p>
+            <a:pPr algn="ctr"/>
+            <a:endParaRPr lang="en-GB"/>
+          </a:p>
+        </p:txBody>
+      </p:sp>
+      <p:sp>
+        <p:nvSpPr>
+          <p:cNvPr id="41" name="TextBox 40">
+            <a:extLst>
+              <a:ext uri="{FF2B5EF4-FFF2-40B4-BE49-F238E27FC236}">
+                <a16:creationId xmlns:a16="http://schemas.microsoft.com/office/drawing/2014/main" id="{2E2429F8-D98D-01B3-DFBA-722F01ADB6EB}"/>
+              </a:ext>
+            </a:extLst>
+          </p:cNvPr>
+          <p:cNvSpPr txBox="1"/>
+          <p:nvPr/>
+        </p:nvSpPr>
+        <p:spPr>
+          <a:xfrm>
+            <a:off x="3468684" y="612431"/>
+            <a:ext cx="2290999" cy="369332"/>
+          </a:xfrm>
+          <a:prstGeom prst="rect">
+            <a:avLst/>
+          </a:prstGeom>
+          <a:noFill/>
+        </p:spPr>
+        <p:txBody>
+          <a:bodyPr wrap="square" rtlCol="0">
+            <a:spAutoFit/>
+          </a:bodyPr>
+          <a:lstStyle/>
+          <a:p>
+            <a:r>
+              <a:rPr lang="en-GB" dirty="0">
+                <a:solidFill>
+                  <a:schemeClr val="bg1"/>
+                </a:solidFill>
+              </a:rPr>
+              <a:t>Ideas</a:t>
+            </a:r>
+          </a:p>
+        </p:txBody>
+      </p:sp>
+      <p:grpSp>
+        <p:nvGrpSpPr>
+          <p:cNvPr id="55" name="ToAppearOnSelection2">
+            <a:extLst>
+              <a:ext uri="{FF2B5EF4-FFF2-40B4-BE49-F238E27FC236}">
+                <a16:creationId xmlns:a16="http://schemas.microsoft.com/office/drawing/2014/main" id="{77AFBCC8-FE00-C5C2-0A8C-DF6A113CE605}"/>
+              </a:ext>
+            </a:extLst>
+          </p:cNvPr>
+          <p:cNvGrpSpPr/>
+          <p:nvPr/>
+        </p:nvGrpSpPr>
+        <p:grpSpPr>
+          <a:xfrm>
+            <a:off x="3470652" y="4550944"/>
+            <a:ext cx="7041065" cy="1993312"/>
+            <a:chOff x="3470652" y="4550944"/>
+            <a:chExt cx="7041065" cy="1993312"/>
+          </a:xfrm>
+        </p:grpSpPr>
+        <p:sp>
+          <p:nvSpPr>
+            <p:cNvPr id="49" name="Rectangle 48">
+              <a:extLst>
+                <a:ext uri="{FF2B5EF4-FFF2-40B4-BE49-F238E27FC236}">
+                  <a16:creationId xmlns:a16="http://schemas.microsoft.com/office/drawing/2014/main" id="{355A8D7F-6395-6BB9-948E-F76AAF64EA29}"/>
+                </a:ext>
+              </a:extLst>
+            </p:cNvPr>
+            <p:cNvSpPr/>
+            <p:nvPr/>
+          </p:nvSpPr>
+          <p:spPr>
+            <a:xfrm>
+              <a:off x="5251145" y="6257229"/>
+              <a:ext cx="3494772" cy="287027"/>
+            </a:xfrm>
+            <a:prstGeom prst="rect">
+              <a:avLst/>
+            </a:prstGeom>
+            <a:solidFill>
+              <a:srgbClr val="364652"/>
+            </a:solidFill>
+            <a:ln>
+              <a:noFill/>
+            </a:ln>
+          </p:spPr>
+          <p:style>
+            <a:lnRef idx="2">
+              <a:schemeClr val="accent1">
+                <a:shade val="50000"/>
+              </a:schemeClr>
+            </a:lnRef>
+            <a:fillRef idx="1">
+              <a:schemeClr val="accent1"/>
+            </a:fillRef>
+            <a:effectRef idx="0">
+              <a:schemeClr val="accent1"/>
+            </a:effectRef>
+            <a:fontRef idx="minor">
+              <a:schemeClr val="lt1"/>
+            </a:fontRef>
+          </p:style>
+          <p:txBody>
+            <a:bodyPr rtlCol="0" anchor="ctr"/>
+            <a:lstStyle/>
+            <a:p>
+              <a:pPr algn="ctr"/>
+              <a:r>
+                <a:rPr lang="en-GB" sz="1400" dirty="0"/>
+                <a:t>Suggest idea – Donald McLaughlin</a:t>
+              </a:r>
+            </a:p>
+          </p:txBody>
+        </p:sp>
+        <p:sp>
+          <p:nvSpPr>
+            <p:cNvPr id="54" name="RectSelected2">
+              <a:extLst>
+                <a:ext uri="{FF2B5EF4-FFF2-40B4-BE49-F238E27FC236}">
+                  <a16:creationId xmlns:a16="http://schemas.microsoft.com/office/drawing/2014/main" id="{7C819481-EAB2-4C56-0BB7-97328F0C068C}"/>
+                </a:ext>
+              </a:extLst>
+            </p:cNvPr>
+            <p:cNvSpPr/>
+            <p:nvPr/>
+          </p:nvSpPr>
+          <p:spPr>
+            <a:xfrm>
+              <a:off x="3470652" y="4550944"/>
+              <a:ext cx="7041065" cy="223157"/>
+            </a:xfrm>
+            <a:prstGeom prst="rect">
+              <a:avLst/>
+            </a:prstGeom>
+            <a:solidFill>
+              <a:srgbClr val="364652"/>
+            </a:solidFill>
+            <a:ln>
+              <a:noFill/>
+            </a:ln>
+          </p:spPr>
+          <p:style>
+            <a:lnRef idx="2">
+              <a:schemeClr val="accent1">
+                <a:shade val="50000"/>
+              </a:schemeClr>
+            </a:lnRef>
+            <a:fillRef idx="1">
+              <a:schemeClr val="accent1"/>
+            </a:fillRef>
+            <a:effectRef idx="0">
+              <a:schemeClr val="accent1"/>
+            </a:effectRef>
+            <a:fontRef idx="minor">
+              <a:schemeClr val="lt1"/>
+            </a:fontRef>
+          </p:style>
+          <p:txBody>
+            <a:bodyPr rtlCol="0" anchor="ctr"/>
+            <a:lstStyle/>
+            <a:p>
+              <a:pPr algn="ctr"/>
+              <a:r>
+                <a:rPr lang="en-GB" sz="1400" dirty="0">
+                  <a:solidFill>
+                    <a:schemeClr val="bg1"/>
+                  </a:solidFill>
+                </a:rPr>
+                <a:t>Donald McLaughlin – 100% match</a:t>
+              </a:r>
+            </a:p>
+          </p:txBody>
+        </p:sp>
+      </p:grpSp>
+      <p:sp>
+        <p:nvSpPr>
+          <p:cNvPr id="56" name="InvisibleButton2">
+            <a:extLst>
+              <a:ext uri="{FF2B5EF4-FFF2-40B4-BE49-F238E27FC236}">
+                <a16:creationId xmlns:a16="http://schemas.microsoft.com/office/drawing/2014/main" id="{69C2AED4-5366-E8EE-A0B5-0368608E87DC}"/>
+              </a:ext>
+            </a:extLst>
+          </p:cNvPr>
+          <p:cNvSpPr/>
+          <p:nvPr/>
+        </p:nvSpPr>
+        <p:spPr>
+          <a:xfrm>
+            <a:off x="3456452" y="4550944"/>
+            <a:ext cx="7049149" cy="223157"/>
+          </a:xfrm>
+          <a:prstGeom prst="rect">
+            <a:avLst/>
+          </a:prstGeom>
+          <a:noFill/>
+          <a:ln>
+            <a:noFill/>
+          </a:ln>
+        </p:spPr>
+        <p:style>
+          <a:lnRef idx="2">
+            <a:schemeClr val="accent1">
+              <a:shade val="50000"/>
+            </a:schemeClr>
+          </a:lnRef>
+          <a:fillRef idx="1">
+            <a:schemeClr val="accent1"/>
+          </a:fillRef>
+          <a:effectRef idx="0">
+            <a:schemeClr val="accent1"/>
+          </a:effectRef>
+          <a:fontRef idx="minor">
+            <a:schemeClr val="lt1"/>
+          </a:fontRef>
+        </p:style>
+        <p:txBody>
+          <a:bodyPr rtlCol="0" anchor="ctr"/>
+          <a:lstStyle/>
+          <a:p>
+            <a:pPr algn="ctr"/>
+            <a:endParaRPr lang="en-GB"/>
+          </a:p>
+        </p:txBody>
+      </p:sp>
+    </p:spTree>
+    <p:extLst>
+      <p:ext uri="{BB962C8B-B14F-4D97-AF65-F5344CB8AC3E}">
+        <p14:creationId xmlns:p14="http://schemas.microsoft.com/office/powerpoint/2010/main" val="916833950"/>
+      </p:ext>
+    </p:extLst>
+  </p:cSld>
+  <p:clrMapOvr>
+    <a:masterClrMapping/>
+  </p:clrMapOvr>
+  <p:timing>
+    <p:tnLst>
+      <p:par>
+        <p:cTn id="1" dur="indefinite" restart="never" nodeType="tmRoot">
+          <p:childTnLst>
+            <p:seq concurrent="1" nextAc="seek">
+              <p:cTn id="2" restart="whenNotActive" fill="hold" evtFilter="cancelBubble" nodeType="interactiveSeq">
+                <p:stCondLst>
+                  <p:cond evt="onClick" delay="0">
+                    <p:tgtEl>
+                      <p:spTgt spid="33"/>
+                    </p:tgtEl>
+                  </p:cond>
+                </p:stCondLst>
+                <p:endSync evt="end" delay="0">
+                  <p:rtn val="all"/>
+                </p:endSync>
+                <p:childTnLst>
+                  <p:par>
+                    <p:cTn id="3" fill="hold">
+                      <p:stCondLst>
+                        <p:cond delay="0"/>
+                      </p:stCondLst>
+                      <p:childTnLst>
+                        <p:par>
+                          <p:cTn id="4" fill="hold">
+                            <p:stCondLst>
+                              <p:cond delay="0"/>
+                            </p:stCondLst>
+                            <p:childTnLst>
+                              <p:par>
+                                <p:cTn id="5" presetID="1" presetClass="entr" presetSubtype="0" fill="hold" nodeType="clickEffect">
+                                  <p:stCondLst>
+                                    <p:cond delay="0"/>
+                                  </p:stCondLst>
+                                  <p:childTnLst>
+                                    <p:set>
+                                      <p:cBhvr>
+                                        <p:cTn id="6" dur="1" fill="hold">
+                                          <p:stCondLst>
+                                            <p:cond delay="0"/>
+                                          </p:stCondLst>
+                                        </p:cTn>
+                                        <p:tgtEl>
+                                          <p:spTgt spid="53"/>
+                                        </p:tgtEl>
+                                        <p:attrNameLst>
+                                          <p:attrName>style.visibility</p:attrName>
+                                        </p:attrNameLst>
+                                      </p:cBhvr>
+                                      <p:to>
+                                        <p:strVal val="visible"/>
+                                      </p:to>
+                                    </p:set>
+                                  </p:childTnLst>
+                                </p:cTn>
+                              </p:par>
+                            </p:childTnLst>
+                          </p:cTn>
+                        </p:par>
+                      </p:childTnLst>
+                    </p:cTn>
+                  </p:par>
+                </p:childTnLst>
+              </p:cTn>
+              <p:nextCondLst>
+                <p:cond evt="onClick" delay="0">
+                  <p:tgtEl>
+                    <p:spTgt spid="33"/>
+                  </p:tgtEl>
+                </p:cond>
+              </p:nextCondLst>
+            </p:seq>
+            <p:seq concurrent="1" nextAc="seek">
+              <p:cTn id="7" restart="whenNotActive" fill="hold" evtFilter="cancelBubble" nodeType="interactiveSeq">
+                <p:stCondLst>
+                  <p:cond evt="onClick" delay="0">
+                    <p:tgtEl>
+                      <p:spTgt spid="56"/>
+                    </p:tgtEl>
+                  </p:cond>
+                </p:stCondLst>
+                <p:endSync evt="end" delay="0">
+                  <p:rtn val="all"/>
+                </p:endSync>
+                <p:childTnLst>
+                  <p:par>
+                    <p:cTn id="8" fill="hold">
+                      <p:stCondLst>
+                        <p:cond delay="0"/>
+                      </p:stCondLst>
+                      <p:childTnLst>
+                        <p:par>
+                          <p:cTn id="9" fill="hold">
+                            <p:stCondLst>
+                              <p:cond delay="0"/>
+                            </p:stCondLst>
+                            <p:childTnLst>
+                              <p:par>
+                                <p:cTn id="10" presetID="1" presetClass="entr" presetSubtype="0" fill="hold" nodeType="clickEffect">
+                                  <p:stCondLst>
+                                    <p:cond delay="0"/>
+                                  </p:stCondLst>
+                                  <p:childTnLst>
+                                    <p:set>
+                                      <p:cBhvr>
+                                        <p:cTn id="11" dur="1" fill="hold">
+                                          <p:stCondLst>
+                                            <p:cond delay="0"/>
+                                          </p:stCondLst>
+                                        </p:cTn>
+                                        <p:tgtEl>
+                                          <p:spTgt spid="55"/>
+                                        </p:tgtEl>
+                                        <p:attrNameLst>
+                                          <p:attrName>style.visibility</p:attrName>
+                                        </p:attrNameLst>
+                                      </p:cBhvr>
+                                      <p:to>
+                                        <p:strVal val="visible"/>
+                                      </p:to>
+                                    </p:set>
+                                  </p:childTnLst>
+                                </p:cTn>
+                              </p:par>
+                            </p:childTnLst>
+                          </p:cTn>
+                        </p:par>
+                      </p:childTnLst>
+                    </p:cTn>
+                  </p:par>
+                </p:childTnLst>
+              </p:cTn>
+              <p:nextCondLst>
+                <p:cond evt="onClick" delay="0">
+                  <p:tgtEl>
+                    <p:spTgt spid="56"/>
+                  </p:tgtEl>
+                </p:cond>
+              </p:nextCondLst>
+            </p:seq>
+          </p:childTnLst>
+        </p:cTn>
+      </p:par>
+    </p:tnLst>
+  </p:timing>
+</p:sld>
+</file>
+
+<file path=ppt/slides/slide8.xml><?xml version="1.0" encoding="utf-8"?>
+<p:sld xmlns:a="http://schemas.openxmlformats.org/drawingml/2006/main" xmlns:r="http://schemas.openxmlformats.org/officeDocument/2006/relationships" xmlns:p="http://schemas.openxmlformats.org/presentationml/2006/main">
+  <p:cSld>
+    <p:bg>
+      <p:bgPr>
+        <a:solidFill>
+          <a:srgbClr val="364652"/>
+        </a:solidFill>
+        <a:effectLst/>
+      </p:bgPr>
+    </p:bg>
+    <p:spTree>
+      <p:nvGrpSpPr>
+        <p:cNvPr id="1" name=""/>
+        <p:cNvGrpSpPr/>
+        <p:nvPr/>
+      </p:nvGrpSpPr>
+      <p:grpSpPr>
+        <a:xfrm>
+          <a:off x="0" y="0"/>
+          <a:ext cx="0" cy="0"/>
+          <a:chOff x="0" y="0"/>
+          <a:chExt cx="0" cy="0"/>
+        </a:xfrm>
+      </p:grpSpPr>
+      <p:sp>
+        <p:nvSpPr>
+          <p:cNvPr id="19" name="Rectangle 18">
+            <a:extLst>
+              <a:ext uri="{FF2B5EF4-FFF2-40B4-BE49-F238E27FC236}">
+                <a16:creationId xmlns:a16="http://schemas.microsoft.com/office/drawing/2014/main" id="{D0EE6039-72EE-474F-B94F-55E76738F738}"/>
+              </a:ext>
+            </a:extLst>
+          </p:cNvPr>
+          <p:cNvSpPr/>
+          <p:nvPr/>
+        </p:nvSpPr>
+        <p:spPr>
+          <a:xfrm>
+            <a:off x="0" y="0"/>
+            <a:ext cx="12192000" cy="430799"/>
+          </a:xfrm>
+          <a:prstGeom prst="rect">
+            <a:avLst/>
+          </a:prstGeom>
+          <a:solidFill>
+            <a:srgbClr val="364652"/>
+          </a:solidFill>
+          <a:ln>
+            <a:noFill/>
+          </a:ln>
+        </p:spPr>
+        <p:style>
+          <a:lnRef idx="2">
+            <a:schemeClr val="accent1">
+              <a:shade val="50000"/>
+            </a:schemeClr>
+          </a:lnRef>
+          <a:fillRef idx="1">
+            <a:schemeClr val="accent1"/>
+          </a:fillRef>
+          <a:effectRef idx="0">
+            <a:schemeClr val="accent1"/>
+          </a:effectRef>
+          <a:fontRef idx="minor">
+            <a:schemeClr val="lt1"/>
+          </a:fontRef>
+        </p:style>
+        <p:txBody>
+          <a:bodyPr rtlCol="0" anchor="ctr"/>
+          <a:lstStyle/>
+          <a:p>
+            <a:pPr marL="0" marR="0" lvl="0" indent="0" algn="ctr" defTabSz="914400" rtl="0" eaLnBrk="1" fontAlgn="auto" latinLnBrk="0" hangingPunct="1">
+              <a:lnSpc>
+                <a:spcPct val="100000"/>
+              </a:lnSpc>
+              <a:spcBef>
+                <a:spcPts val="0"/>
+              </a:spcBef>
+              <a:spcAft>
+                <a:spcPts val="0"/>
+              </a:spcAft>
+              <a:buClrTx/>
+              <a:buSzTx/>
+              <a:buFontTx/>
+              <a:buNone/>
+              <a:tabLst/>
+              <a:defRPr/>
+            </a:pPr>
+            <a:endParaRPr kumimoji="0" lang="en-GB" sz="1800" b="0" i="0" u="none" strike="noStrike" kern="1200" cap="none" spc="0" normalizeH="0" baseline="0" noProof="0">
+              <a:ln>
+                <a:noFill/>
+              </a:ln>
+              <a:solidFill>
+                <a:prstClr val="white"/>
+              </a:solidFill>
+              <a:effectLst/>
+              <a:uLnTx/>
+              <a:uFillTx/>
+              <a:latin typeface="Calibri" panose="020F0502020204030204"/>
+              <a:ea typeface="+mn-ea"/>
+              <a:cs typeface="+mn-cs"/>
+            </a:endParaRPr>
+          </a:p>
+        </p:txBody>
+      </p:sp>
+      <p:pic>
+        <p:nvPicPr>
+          <p:cNvPr id="7" name="Picture 6">
+            <a:extLst>
+              <a:ext uri="{FF2B5EF4-FFF2-40B4-BE49-F238E27FC236}">
+                <a16:creationId xmlns:a16="http://schemas.microsoft.com/office/drawing/2014/main" id="{F14986D8-1E11-4652-A865-63405AE7728A}"/>
+              </a:ext>
+            </a:extLst>
+          </p:cNvPr>
+          <p:cNvPicPr>
+            <a:picLocks noChangeAspect="1"/>
+          </p:cNvPicPr>
+          <p:nvPr/>
+        </p:nvPicPr>
+        <p:blipFill>
+          <a:blip r:embed="rId2"/>
+          <a:stretch>
+            <a:fillRect/>
+          </a:stretch>
+        </p:blipFill>
+        <p:spPr>
+          <a:xfrm>
+            <a:off x="152541" y="439101"/>
+            <a:ext cx="1956725" cy="1869759"/>
+          </a:xfrm>
+          <a:prstGeom prst="rect">
+            <a:avLst/>
+          </a:prstGeom>
+        </p:spPr>
+      </p:pic>
+      <p:pic>
+        <p:nvPicPr>
+          <p:cNvPr id="12" name="Picture 11">
+            <a:extLst>
+              <a:ext uri="{FF2B5EF4-FFF2-40B4-BE49-F238E27FC236}">
+                <a16:creationId xmlns:a16="http://schemas.microsoft.com/office/drawing/2014/main" id="{A0D10930-67DD-49AA-8D98-899DD948BF6E}"/>
+              </a:ext>
+            </a:extLst>
+          </p:cNvPr>
+          <p:cNvPicPr>
+            <a:picLocks noChangeAspect="1"/>
+          </p:cNvPicPr>
+          <p:nvPr/>
+        </p:nvPicPr>
+        <p:blipFill rotWithShape="1">
+          <a:blip r:embed="rId3"/>
+          <a:srcRect b="10059"/>
+          <a:stretch/>
+        </p:blipFill>
+        <p:spPr>
+          <a:xfrm>
+            <a:off x="10927080" y="0"/>
+            <a:ext cx="1264920" cy="439101"/>
+          </a:xfrm>
+          <a:prstGeom prst="rect">
+            <a:avLst/>
+          </a:prstGeom>
+        </p:spPr>
+      </p:pic>
+      <p:sp>
+        <p:nvSpPr>
+          <p:cNvPr id="13" name="Rectangle 12">
+            <a:extLst>
+              <a:ext uri="{FF2B5EF4-FFF2-40B4-BE49-F238E27FC236}">
+                <a16:creationId xmlns:a16="http://schemas.microsoft.com/office/drawing/2014/main" id="{6313B829-38E1-4FBE-8BAD-07BAA5950D09}"/>
+              </a:ext>
+            </a:extLst>
+          </p:cNvPr>
+          <p:cNvSpPr/>
+          <p:nvPr/>
+        </p:nvSpPr>
+        <p:spPr>
+          <a:xfrm>
+            <a:off x="11963330" y="447403"/>
+            <a:ext cx="230636" cy="6418899"/>
+          </a:xfrm>
+          <a:prstGeom prst="rect">
+            <a:avLst/>
+          </a:prstGeom>
+          <a:solidFill>
+            <a:schemeClr val="bg1">
+              <a:lumMod val="95000"/>
+            </a:schemeClr>
+          </a:solidFill>
+          <a:ln>
+            <a:noFill/>
+          </a:ln>
+        </p:spPr>
+        <p:style>
+          <a:lnRef idx="2">
+            <a:schemeClr val="accent1">
+              <a:shade val="50000"/>
+            </a:schemeClr>
+          </a:lnRef>
+          <a:fillRef idx="1">
+            <a:schemeClr val="accent1"/>
+          </a:fillRef>
+          <a:effectRef idx="0">
+            <a:schemeClr val="accent1"/>
+          </a:effectRef>
+          <a:fontRef idx="minor">
+            <a:schemeClr val="lt1"/>
+          </a:fontRef>
+        </p:style>
+        <p:txBody>
+          <a:bodyPr rtlCol="0" anchor="ctr"/>
+          <a:lstStyle/>
+          <a:p>
+            <a:pPr marL="0" marR="0" lvl="0" indent="0" algn="ctr" defTabSz="914400" rtl="0" eaLnBrk="1" fontAlgn="auto" latinLnBrk="0" hangingPunct="1">
+              <a:lnSpc>
+                <a:spcPct val="100000"/>
+              </a:lnSpc>
+              <a:spcBef>
+                <a:spcPts val="0"/>
+              </a:spcBef>
+              <a:spcAft>
+                <a:spcPts val="0"/>
+              </a:spcAft>
+              <a:buClrTx/>
+              <a:buSzTx/>
+              <a:buFontTx/>
+              <a:buNone/>
+              <a:tabLst/>
+              <a:defRPr/>
+            </a:pPr>
+            <a:endParaRPr kumimoji="0" lang="en-GB" sz="1800" b="0" i="0" u="none" strike="noStrike" kern="1200" cap="none" spc="0" normalizeH="0" baseline="0" noProof="0">
+              <a:ln>
+                <a:noFill/>
+              </a:ln>
+              <a:solidFill>
+                <a:prstClr val="white"/>
+              </a:solidFill>
+              <a:effectLst/>
+              <a:uLnTx/>
+              <a:uFillTx/>
+              <a:latin typeface="Calibri" panose="020F0502020204030204"/>
+              <a:ea typeface="+mn-ea"/>
+              <a:cs typeface="+mn-cs"/>
+            </a:endParaRPr>
+          </a:p>
+        </p:txBody>
+      </p:sp>
+      <p:sp>
+        <p:nvSpPr>
+          <p:cNvPr id="14" name="Rectangle 13">
+            <a:extLst>
+              <a:ext uri="{FF2B5EF4-FFF2-40B4-BE49-F238E27FC236}">
+                <a16:creationId xmlns:a16="http://schemas.microsoft.com/office/drawing/2014/main" id="{2CA5651D-7CCC-4D32-8E62-F59D8097C25A}"/>
+              </a:ext>
+            </a:extLst>
+          </p:cNvPr>
+          <p:cNvSpPr/>
+          <p:nvPr/>
+        </p:nvSpPr>
+        <p:spPr>
+          <a:xfrm>
+            <a:off x="11963330" y="447403"/>
+            <a:ext cx="230636" cy="223157"/>
+          </a:xfrm>
+          <a:prstGeom prst="rect">
+            <a:avLst/>
+          </a:prstGeom>
+          <a:solidFill>
+            <a:schemeClr val="bg1">
+              <a:lumMod val="95000"/>
+            </a:schemeClr>
+          </a:solidFill>
+          <a:ln>
+            <a:solidFill>
+              <a:schemeClr val="bg2">
+                <a:lumMod val="90000"/>
+              </a:schemeClr>
+            </a:solidFill>
+          </a:ln>
+        </p:spPr>
+        <p:style>
+          <a:lnRef idx="2">
+            <a:schemeClr val="accent1">
+              <a:shade val="50000"/>
+            </a:schemeClr>
+          </a:lnRef>
+          <a:fillRef idx="1">
+            <a:schemeClr val="accent1"/>
+          </a:fillRef>
+          <a:effectRef idx="0">
+            <a:schemeClr val="accent1"/>
+          </a:effectRef>
+          <a:fontRef idx="minor">
+            <a:schemeClr val="lt1"/>
+          </a:fontRef>
+        </p:style>
+        <p:txBody>
+          <a:bodyPr rtlCol="0" anchor="ctr"/>
+          <a:lstStyle/>
+          <a:p>
+            <a:pPr marL="0" marR="0" lvl="0" indent="0" algn="ctr" defTabSz="914400" rtl="0" eaLnBrk="1" fontAlgn="auto" latinLnBrk="0" hangingPunct="1">
+              <a:lnSpc>
+                <a:spcPct val="100000"/>
+              </a:lnSpc>
+              <a:spcBef>
+                <a:spcPts val="0"/>
+              </a:spcBef>
+              <a:spcAft>
+                <a:spcPts val="0"/>
+              </a:spcAft>
+              <a:buClrTx/>
+              <a:buSzTx/>
+              <a:buFontTx/>
+              <a:buNone/>
+              <a:tabLst/>
+              <a:defRPr/>
+            </a:pPr>
+            <a:endParaRPr kumimoji="0" lang="en-GB" sz="1800" b="0" i="0" u="none" strike="noStrike" kern="1200" cap="none" spc="0" normalizeH="0" baseline="0" noProof="0">
+              <a:ln>
+                <a:noFill/>
+              </a:ln>
+              <a:solidFill>
+                <a:prstClr val="white"/>
+              </a:solidFill>
+              <a:effectLst/>
+              <a:uLnTx/>
+              <a:uFillTx/>
+              <a:latin typeface="Calibri" panose="020F0502020204030204"/>
+              <a:ea typeface="+mn-ea"/>
+              <a:cs typeface="+mn-cs"/>
+            </a:endParaRPr>
+          </a:p>
+        </p:txBody>
+      </p:sp>
+      <p:sp>
+        <p:nvSpPr>
+          <p:cNvPr id="16" name="Arrow: Chevron 15">
+            <a:extLst>
+              <a:ext uri="{FF2B5EF4-FFF2-40B4-BE49-F238E27FC236}">
+                <a16:creationId xmlns:a16="http://schemas.microsoft.com/office/drawing/2014/main" id="{7ECBA8CA-39D2-477D-AE6E-52304C86C65D}"/>
+              </a:ext>
+            </a:extLst>
+          </p:cNvPr>
+          <p:cNvSpPr/>
+          <p:nvPr/>
+        </p:nvSpPr>
+        <p:spPr>
+          <a:xfrm rot="16200000">
+            <a:off x="12022689" y="491760"/>
+            <a:ext cx="111919" cy="126206"/>
+          </a:xfrm>
+          <a:prstGeom prst="chevron">
+            <a:avLst/>
+          </a:prstGeom>
+          <a:solidFill>
+            <a:schemeClr val="bg1">
+              <a:lumMod val="50000"/>
+            </a:schemeClr>
+          </a:solidFill>
+          <a:ln>
+            <a:noFill/>
+          </a:ln>
+        </p:spPr>
+        <p:style>
+          <a:lnRef idx="2">
+            <a:schemeClr val="accent1">
+              <a:shade val="50000"/>
+            </a:schemeClr>
+          </a:lnRef>
+          <a:fillRef idx="1">
+            <a:schemeClr val="accent1"/>
+          </a:fillRef>
+          <a:effectRef idx="0">
+            <a:schemeClr val="accent1"/>
+          </a:effectRef>
+          <a:fontRef idx="minor">
+            <a:schemeClr val="lt1"/>
+          </a:fontRef>
+        </p:style>
+        <p:txBody>
+          <a:bodyPr rtlCol="0" anchor="ctr"/>
+          <a:lstStyle/>
+          <a:p>
+            <a:pPr marL="0" marR="0" lvl="0" indent="0" algn="ctr" defTabSz="914400" rtl="0" eaLnBrk="1" fontAlgn="auto" latinLnBrk="0" hangingPunct="1">
+              <a:lnSpc>
+                <a:spcPct val="100000"/>
+              </a:lnSpc>
+              <a:spcBef>
+                <a:spcPts val="0"/>
+              </a:spcBef>
+              <a:spcAft>
+                <a:spcPts val="0"/>
+              </a:spcAft>
+              <a:buClrTx/>
+              <a:buSzTx/>
+              <a:buFontTx/>
+              <a:buNone/>
+              <a:tabLst/>
+              <a:defRPr/>
+            </a:pPr>
+            <a:endParaRPr kumimoji="0" lang="en-GB" sz="1800" b="0" i="0" u="none" strike="noStrike" kern="1200" cap="none" spc="0" normalizeH="0" baseline="0" noProof="0">
+              <a:ln>
+                <a:noFill/>
+              </a:ln>
+              <a:solidFill>
+                <a:prstClr val="black"/>
+              </a:solidFill>
+              <a:effectLst/>
+              <a:uLnTx/>
+              <a:uFillTx/>
+              <a:latin typeface="Calibri" panose="020F0502020204030204"/>
+              <a:ea typeface="+mn-ea"/>
+              <a:cs typeface="+mn-cs"/>
+            </a:endParaRPr>
+          </a:p>
+        </p:txBody>
+      </p:sp>
+      <p:sp>
+        <p:nvSpPr>
+          <p:cNvPr id="17" name="Rectangle 16">
+            <a:extLst>
+              <a:ext uri="{FF2B5EF4-FFF2-40B4-BE49-F238E27FC236}">
+                <a16:creationId xmlns:a16="http://schemas.microsoft.com/office/drawing/2014/main" id="{40897313-8914-4B73-9CA5-1AB3D531F280}"/>
+              </a:ext>
+            </a:extLst>
+          </p:cNvPr>
+          <p:cNvSpPr/>
+          <p:nvPr/>
+        </p:nvSpPr>
+        <p:spPr>
+          <a:xfrm rot="10800000">
+            <a:off x="11963330" y="6634844"/>
+            <a:ext cx="230636" cy="223157"/>
+          </a:xfrm>
+          <a:prstGeom prst="rect">
+            <a:avLst/>
+          </a:prstGeom>
+          <a:solidFill>
+            <a:schemeClr val="bg1">
+              <a:lumMod val="95000"/>
+            </a:schemeClr>
+          </a:solidFill>
+          <a:ln>
+            <a:solidFill>
+              <a:schemeClr val="bg2">
+                <a:lumMod val="90000"/>
+              </a:schemeClr>
+            </a:solidFill>
+          </a:ln>
+        </p:spPr>
+        <p:style>
+          <a:lnRef idx="2">
+            <a:schemeClr val="accent1">
+              <a:shade val="50000"/>
+            </a:schemeClr>
+          </a:lnRef>
+          <a:fillRef idx="1">
+            <a:schemeClr val="accent1"/>
+          </a:fillRef>
+          <a:effectRef idx="0">
+            <a:schemeClr val="accent1"/>
+          </a:effectRef>
+          <a:fontRef idx="minor">
+            <a:schemeClr val="lt1"/>
+          </a:fontRef>
+        </p:style>
+        <p:txBody>
+          <a:bodyPr rtlCol="0" anchor="ctr"/>
+          <a:lstStyle/>
+          <a:p>
+            <a:pPr marL="0" marR="0" lvl="0" indent="0" algn="ctr" defTabSz="914400" rtl="0" eaLnBrk="1" fontAlgn="auto" latinLnBrk="0" hangingPunct="1">
+              <a:lnSpc>
+                <a:spcPct val="100000"/>
+              </a:lnSpc>
+              <a:spcBef>
+                <a:spcPts val="0"/>
+              </a:spcBef>
+              <a:spcAft>
+                <a:spcPts val="0"/>
+              </a:spcAft>
+              <a:buClrTx/>
+              <a:buSzTx/>
+              <a:buFontTx/>
+              <a:buNone/>
+              <a:tabLst/>
+              <a:defRPr/>
+            </a:pPr>
+            <a:endParaRPr kumimoji="0" lang="en-GB" sz="1800" b="0" i="0" u="none" strike="noStrike" kern="1200" cap="none" spc="0" normalizeH="0" baseline="0" noProof="0">
+              <a:ln>
+                <a:noFill/>
+              </a:ln>
+              <a:solidFill>
+                <a:prstClr val="white"/>
+              </a:solidFill>
+              <a:effectLst/>
+              <a:uLnTx/>
+              <a:uFillTx/>
+              <a:latin typeface="Calibri" panose="020F0502020204030204"/>
+              <a:ea typeface="+mn-ea"/>
+              <a:cs typeface="+mn-cs"/>
+            </a:endParaRPr>
+          </a:p>
+        </p:txBody>
+      </p:sp>
+      <p:sp>
+        <p:nvSpPr>
+          <p:cNvPr id="18" name="Arrow: Chevron 17">
+            <a:extLst>
+              <a:ext uri="{FF2B5EF4-FFF2-40B4-BE49-F238E27FC236}">
+                <a16:creationId xmlns:a16="http://schemas.microsoft.com/office/drawing/2014/main" id="{C0DEFF07-BB05-40C5-96A1-51F0E20C8121}"/>
+              </a:ext>
+            </a:extLst>
+          </p:cNvPr>
+          <p:cNvSpPr/>
+          <p:nvPr/>
+        </p:nvSpPr>
+        <p:spPr>
+          <a:xfrm rot="5400000">
+            <a:off x="12022689" y="6679201"/>
+            <a:ext cx="111919" cy="126206"/>
+          </a:xfrm>
+          <a:prstGeom prst="chevron">
+            <a:avLst/>
+          </a:prstGeom>
+          <a:solidFill>
+            <a:schemeClr val="bg1">
+              <a:lumMod val="50000"/>
+            </a:schemeClr>
+          </a:solidFill>
+          <a:ln>
+            <a:noFill/>
+          </a:ln>
+        </p:spPr>
+        <p:style>
+          <a:lnRef idx="2">
+            <a:schemeClr val="accent1">
+              <a:shade val="50000"/>
+            </a:schemeClr>
+          </a:lnRef>
+          <a:fillRef idx="1">
+            <a:schemeClr val="accent1"/>
+          </a:fillRef>
+          <a:effectRef idx="0">
+            <a:schemeClr val="accent1"/>
+          </a:effectRef>
+          <a:fontRef idx="minor">
+            <a:schemeClr val="lt1"/>
+          </a:fontRef>
+        </p:style>
+        <p:txBody>
+          <a:bodyPr rtlCol="0" anchor="ctr"/>
+          <a:lstStyle/>
+          <a:p>
+            <a:pPr marL="0" marR="0" lvl="0" indent="0" algn="ctr" defTabSz="914400" rtl="0" eaLnBrk="1" fontAlgn="auto" latinLnBrk="0" hangingPunct="1">
+              <a:lnSpc>
+                <a:spcPct val="100000"/>
+              </a:lnSpc>
+              <a:spcBef>
+                <a:spcPts val="0"/>
+              </a:spcBef>
+              <a:spcAft>
+                <a:spcPts val="0"/>
+              </a:spcAft>
+              <a:buClrTx/>
+              <a:buSzTx/>
+              <a:buFontTx/>
+              <a:buNone/>
+              <a:tabLst/>
+              <a:defRPr/>
+            </a:pPr>
+            <a:endParaRPr kumimoji="0" lang="en-GB" sz="1800" b="0" i="0" u="none" strike="noStrike" kern="1200" cap="none" spc="0" normalizeH="0" baseline="0" noProof="0">
+              <a:ln>
+                <a:noFill/>
+              </a:ln>
+              <a:solidFill>
+                <a:prstClr val="black"/>
+              </a:solidFill>
+              <a:effectLst/>
+              <a:uLnTx/>
+              <a:uFillTx/>
+              <a:latin typeface="Calibri" panose="020F0502020204030204"/>
+              <a:ea typeface="+mn-ea"/>
+              <a:cs typeface="+mn-cs"/>
+            </a:endParaRPr>
+          </a:p>
+        </p:txBody>
+      </p:sp>
+      <p:sp>
+        <p:nvSpPr>
+          <p:cNvPr id="2" name="Rectangle 1">
+            <a:extLst>
+              <a:ext uri="{FF2B5EF4-FFF2-40B4-BE49-F238E27FC236}">
+                <a16:creationId xmlns:a16="http://schemas.microsoft.com/office/drawing/2014/main" id="{1059A50E-E796-4CAA-AC05-D467C62DB967}"/>
+              </a:ext>
+            </a:extLst>
+          </p:cNvPr>
+          <p:cNvSpPr/>
+          <p:nvPr/>
+        </p:nvSpPr>
+        <p:spPr>
+          <a:xfrm>
+            <a:off x="237906" y="1280671"/>
+            <a:ext cx="1711225" cy="412335"/>
+          </a:xfrm>
+          <a:prstGeom prst="rect">
+            <a:avLst/>
+          </a:prstGeom>
+          <a:solidFill>
+            <a:srgbClr val="364652"/>
+          </a:solidFill>
+          <a:ln>
+            <a:noFill/>
+          </a:ln>
+        </p:spPr>
+        <p:style>
+          <a:lnRef idx="2">
+            <a:schemeClr val="accent1">
+              <a:shade val="50000"/>
+            </a:schemeClr>
+          </a:lnRef>
+          <a:fillRef idx="1">
+            <a:schemeClr val="accent1"/>
+          </a:fillRef>
+          <a:effectRef idx="0">
+            <a:schemeClr val="accent1"/>
+          </a:effectRef>
+          <a:fontRef idx="minor">
+            <a:schemeClr val="lt1"/>
+          </a:fontRef>
+        </p:style>
+        <p:txBody>
+          <a:bodyPr rtlCol="0" anchor="ctr"/>
+          <a:lstStyle/>
+          <a:p>
+            <a:pPr marL="0" marR="0" lvl="0" indent="0" algn="ctr" defTabSz="914400" rtl="0" eaLnBrk="1" fontAlgn="auto" latinLnBrk="0" hangingPunct="1">
+              <a:lnSpc>
+                <a:spcPct val="100000"/>
+              </a:lnSpc>
+              <a:spcBef>
+                <a:spcPts val="0"/>
+              </a:spcBef>
+              <a:spcAft>
+                <a:spcPts val="0"/>
+              </a:spcAft>
+              <a:buClrTx/>
+              <a:buSzTx/>
+              <a:buFontTx/>
+              <a:buNone/>
+              <a:tabLst/>
+              <a:defRPr/>
+            </a:pPr>
+            <a:r>
+              <a:rPr kumimoji="0" lang="en-GB" sz="2400" b="0" i="0" u="none" strike="noStrike" kern="1200" cap="none" spc="0" normalizeH="0" baseline="0" noProof="0" dirty="0">
+                <a:ln>
+                  <a:noFill/>
+                </a:ln>
+                <a:solidFill>
+                  <a:prstClr val="white"/>
+                </a:solidFill>
+                <a:effectLst/>
+                <a:uLnTx/>
+                <a:uFillTx/>
+                <a:latin typeface="Calibri" panose="020F0502020204030204"/>
+                <a:ea typeface="+mn-ea"/>
+                <a:cs typeface="+mn-cs"/>
+              </a:rPr>
+              <a:t>RM</a:t>
+            </a:r>
+          </a:p>
+        </p:txBody>
+      </p:sp>
+      <p:pic>
+        <p:nvPicPr>
+          <p:cNvPr id="1026" name="Picture 2">
+            <a:extLst>
+              <a:ext uri="{FF2B5EF4-FFF2-40B4-BE49-F238E27FC236}">
+                <a16:creationId xmlns:a16="http://schemas.microsoft.com/office/drawing/2014/main" id="{C7D4E3A5-12FA-422D-A55E-AB9E840AABD3}"/>
+              </a:ext>
+            </a:extLst>
+          </p:cNvPr>
+          <p:cNvPicPr>
+            <a:picLocks noChangeAspect="1" noChangeArrowheads="1"/>
+          </p:cNvPicPr>
+          <p:nvPr/>
+        </p:nvPicPr>
+        <p:blipFill>
+          <a:blip r:embed="rId4">
+            <a:extLst>
+              <a:ext uri="{28A0092B-C50C-407E-A947-70E740481C1C}">
+                <a14:useLocalDpi xmlns:a14="http://schemas.microsoft.com/office/drawing/2010/main" val="0"/>
+              </a:ext>
+            </a:extLst>
+          </a:blip>
+          <a:srcRect l="16650" r="16650"/>
+          <a:stretch/>
+        </p:blipFill>
+        <p:spPr bwMode="auto">
+          <a:xfrm>
+            <a:off x="718850" y="595990"/>
+            <a:ext cx="730861" cy="730861"/>
+          </a:xfrm>
+          <a:prstGeom prst="ellipse">
+            <a:avLst/>
+          </a:prstGeom>
+          <a:ln>
+            <a:noFill/>
+          </a:ln>
+          <a:effectLst>
+            <a:softEdge rad="0"/>
+          </a:effectLst>
+          <a:extLst>
+            <a:ext uri="{909E8E84-426E-40DD-AFC4-6F175D3DCCD1}">
+              <a14:hiddenFill xmlns:a14="http://schemas.microsoft.com/office/drawing/2010/main">
+                <a:solidFill>
+                  <a:srgbClr val="FFFFFF"/>
+                </a:solidFill>
+              </a14:hiddenFill>
+            </a:ext>
+          </a:extLst>
+        </p:spPr>
+      </p:pic>
+      <p:sp>
+        <p:nvSpPr>
+          <p:cNvPr id="20" name="Rectangle 19">
+            <a:extLst>
+              <a:ext uri="{FF2B5EF4-FFF2-40B4-BE49-F238E27FC236}">
+                <a16:creationId xmlns:a16="http://schemas.microsoft.com/office/drawing/2014/main" id="{C782098D-5E63-4185-BB33-D28771A91B12}"/>
+              </a:ext>
+            </a:extLst>
+          </p:cNvPr>
+          <p:cNvSpPr/>
+          <p:nvPr/>
+        </p:nvSpPr>
+        <p:spPr>
+          <a:xfrm>
+            <a:off x="2269286" y="439101"/>
+            <a:ext cx="9694044" cy="6418899"/>
+          </a:xfrm>
+          <a:prstGeom prst="rect">
+            <a:avLst/>
+          </a:prstGeom>
+          <a:solidFill>
+            <a:srgbClr val="B5BEC6"/>
+          </a:solidFill>
+          <a:ln>
+            <a:noFill/>
+          </a:ln>
+        </p:spPr>
+        <p:style>
+          <a:lnRef idx="2">
+            <a:schemeClr val="accent1">
+              <a:shade val="50000"/>
+            </a:schemeClr>
+          </a:lnRef>
+          <a:fillRef idx="1">
+            <a:schemeClr val="accent1"/>
+          </a:fillRef>
+          <a:effectRef idx="0">
+            <a:schemeClr val="accent1"/>
+          </a:effectRef>
+          <a:fontRef idx="minor">
+            <a:schemeClr val="lt1"/>
+          </a:fontRef>
+        </p:style>
+        <p:txBody>
+          <a:bodyPr rtlCol="0" anchor="ctr"/>
+          <a:lstStyle/>
+          <a:p>
+            <a:pPr marL="0" marR="0" lvl="0" indent="0" algn="ctr" defTabSz="914400" rtl="0" eaLnBrk="1" fontAlgn="auto" latinLnBrk="0" hangingPunct="1">
+              <a:lnSpc>
+                <a:spcPct val="100000"/>
+              </a:lnSpc>
+              <a:spcBef>
+                <a:spcPts val="0"/>
+              </a:spcBef>
+              <a:spcAft>
+                <a:spcPts val="0"/>
+              </a:spcAft>
+              <a:buClrTx/>
+              <a:buSzTx/>
+              <a:buFontTx/>
+              <a:buNone/>
+              <a:tabLst/>
+              <a:defRPr/>
+            </a:pPr>
+            <a:r>
+              <a:rPr kumimoji="0" lang="en-GB" sz="1800" b="0" i="0" u="none" strike="noStrike" kern="1200" cap="none" spc="0" normalizeH="0" baseline="0" noProof="0" dirty="0">
+                <a:ln>
+                  <a:noFill/>
+                </a:ln>
+                <a:solidFill>
+                  <a:prstClr val="white"/>
+                </a:solidFill>
+                <a:effectLst/>
+                <a:uLnTx/>
+                <a:uFillTx/>
+                <a:latin typeface="Calibri" panose="020F0502020204030204"/>
+                <a:ea typeface="+mn-ea"/>
+                <a:cs typeface="+mn-cs"/>
+              </a:rPr>
+              <a:t>clients</a:t>
+            </a:r>
+          </a:p>
+        </p:txBody>
+      </p:sp>
+      <p:sp>
+        <p:nvSpPr>
           <p:cNvPr id="28" name="Rectangle 27">
             <a:extLst>
               <a:ext uri="{FF2B5EF4-FFF2-40B4-BE49-F238E27FC236}">
@@ -19542,10 +24272,95 @@
       </p:sp>
       <p:sp>
         <p:nvSpPr>
-          <p:cNvPr id="31" name="Rectangle 30">
+          <p:cNvPr id="4" name="Rectangle 3">
+            <a:hlinkClick r:id="rId5" action="ppaction://hlinksldjump"/>
             <a:extLst>
               <a:ext uri="{FF2B5EF4-FFF2-40B4-BE49-F238E27FC236}">
-                <a16:creationId xmlns:a16="http://schemas.microsoft.com/office/drawing/2014/main" id="{04416776-04C4-42EC-9B6C-07807633D858}"/>
+                <a16:creationId xmlns:a16="http://schemas.microsoft.com/office/drawing/2014/main" id="{5D82BAB3-C247-0D9E-E630-E295E8AFA6ED}"/>
+              </a:ext>
+            </a:extLst>
+          </p:cNvPr>
+          <p:cNvSpPr/>
+          <p:nvPr/>
+        </p:nvSpPr>
+        <p:spPr>
+          <a:xfrm>
+            <a:off x="771909" y="2080652"/>
+            <a:ext cx="728460" cy="282516"/>
+          </a:xfrm>
+          <a:prstGeom prst="rect">
+            <a:avLst/>
+          </a:prstGeom>
+          <a:solidFill>
+            <a:srgbClr val="364652"/>
+          </a:solidFill>
+          <a:ln>
+            <a:noFill/>
+          </a:ln>
+        </p:spPr>
+        <p:style>
+          <a:lnRef idx="2">
+            <a:schemeClr val="accent1">
+              <a:shade val="50000"/>
+            </a:schemeClr>
+          </a:lnRef>
+          <a:fillRef idx="1">
+            <a:schemeClr val="accent1"/>
+          </a:fillRef>
+          <a:effectRef idx="0">
+            <a:schemeClr val="accent1"/>
+          </a:effectRef>
+          <a:fontRef idx="minor">
+            <a:schemeClr val="lt1"/>
+          </a:fontRef>
+        </p:style>
+        <p:txBody>
+          <a:bodyPr rtlCol="0" anchor="ctr"/>
+          <a:lstStyle/>
+          <a:p>
+            <a:pPr marL="0" marR="0" lvl="0" indent="0" algn="ctr" defTabSz="914400" rtl="0" eaLnBrk="1" fontAlgn="auto" latinLnBrk="0" hangingPunct="1">
+              <a:lnSpc>
+                <a:spcPct val="100000"/>
+              </a:lnSpc>
+              <a:spcBef>
+                <a:spcPts val="0"/>
+              </a:spcBef>
+              <a:spcAft>
+                <a:spcPts val="0"/>
+              </a:spcAft>
+              <a:buClrTx/>
+              <a:buSzTx/>
+              <a:buFontTx/>
+              <a:buNone/>
+              <a:tabLst/>
+              <a:defRPr/>
+            </a:pPr>
+            <a:r>
+              <a:rPr kumimoji="0" lang="en-GB" sz="1600" b="0" i="0" u="none" strike="noStrike" kern="1200" cap="none" spc="0" normalizeH="0" baseline="0" noProof="0" dirty="0">
+                <a:ln>
+                  <a:noFill/>
+                </a:ln>
+                <a:solidFill>
+                  <a:prstClr val="white"/>
+                </a:solidFill>
+                <a:effectLst/>
+                <a:uLnTx/>
+                <a:uFillTx/>
+                <a:latin typeface="Calibri" panose="020F0502020204030204"/>
+                <a:ea typeface="+mn-ea"/>
+                <a:cs typeface="+mn-cs"/>
+              </a:rPr>
+              <a:t>Home</a:t>
+            </a:r>
+          </a:p>
+        </p:txBody>
+      </p:sp>
+      <p:sp>
+        <p:nvSpPr>
+          <p:cNvPr id="9" name="Rectangle 8">
+            <a:extLst>
+              <a:ext uri="{FF2B5EF4-FFF2-40B4-BE49-F238E27FC236}">
+                <a16:creationId xmlns:a16="http://schemas.microsoft.com/office/drawing/2014/main" id="{1681998A-45E1-8D1F-4EEC-64CA66FA0028}"/>
               </a:ext>
             </a:extLst>
           </p:cNvPr>
@@ -19625,10 +24440,11 @@
       </p:sp>
       <p:sp>
         <p:nvSpPr>
-          <p:cNvPr id="3" name="Rectangle 2">
+          <p:cNvPr id="10" name="Rectangle 9">
+            <a:hlinkClick r:id="rId6" action="ppaction://hlinksldjump"/>
             <a:extLst>
               <a:ext uri="{FF2B5EF4-FFF2-40B4-BE49-F238E27FC236}">
-                <a16:creationId xmlns:a16="http://schemas.microsoft.com/office/drawing/2014/main" id="{D981FEF5-9904-2FAE-8494-F95696A9E629}"/>
+                <a16:creationId xmlns:a16="http://schemas.microsoft.com/office/drawing/2014/main" id="{FC9693D2-EB63-84B1-91F6-92EB3361C2F4}"/>
               </a:ext>
             </a:extLst>
           </p:cNvPr>
@@ -19709,10 +24525,11 @@
       </p:sp>
       <p:sp>
         <p:nvSpPr>
-          <p:cNvPr id="5" name="Rectangle 4">
+          <p:cNvPr id="11" name="Rectangle 10">
+            <a:hlinkClick r:id="rId7" action="ppaction://hlinksldjump"/>
             <a:extLst>
               <a:ext uri="{FF2B5EF4-FFF2-40B4-BE49-F238E27FC236}">
-                <a16:creationId xmlns:a16="http://schemas.microsoft.com/office/drawing/2014/main" id="{B631C60A-AC05-69F6-DB6B-2C40A5444143}"/>
+                <a16:creationId xmlns:a16="http://schemas.microsoft.com/office/drawing/2014/main" id="{91E010F8-CD84-91FD-25EE-24AABEDAE7AF}"/>
               </a:ext>
             </a:extLst>
           </p:cNvPr>
@@ -19793,10 +24610,11 @@
       </p:sp>
       <p:sp>
         <p:nvSpPr>
-          <p:cNvPr id="6" name="Rectangle 5">
+          <p:cNvPr id="15" name="Rectangle 14">
+            <a:hlinkClick r:id="rId8" action="ppaction://hlinksldjump"/>
             <a:extLst>
               <a:ext uri="{FF2B5EF4-FFF2-40B4-BE49-F238E27FC236}">
-                <a16:creationId xmlns:a16="http://schemas.microsoft.com/office/drawing/2014/main" id="{77ACF959-6D3C-2059-05E9-37F69A528675}"/>
+                <a16:creationId xmlns:a16="http://schemas.microsoft.com/office/drawing/2014/main" id="{D50F888D-72E8-81DD-E579-539286696354}"/>
               </a:ext>
             </a:extLst>
           </p:cNvPr>
@@ -19877,10 +24695,10 @@
       </p:sp>
       <p:sp>
         <p:nvSpPr>
-          <p:cNvPr id="8" name="Rectangle 7">
+          <p:cNvPr id="21" name="Rectangle 20">
             <a:extLst>
               <a:ext uri="{FF2B5EF4-FFF2-40B4-BE49-F238E27FC236}">
-                <a16:creationId xmlns:a16="http://schemas.microsoft.com/office/drawing/2014/main" id="{0EA966F5-8091-06FF-3330-7DB3948FDDCE}"/>
+                <a16:creationId xmlns:a16="http://schemas.microsoft.com/office/drawing/2014/main" id="{6E6CD74F-72EA-1B02-A4A5-82B6DF4F4292}"/>
               </a:ext>
             </a:extLst>
           </p:cNvPr>
@@ -19940,128 +24758,15 @@
               <a:defRPr/>
             </a:pPr>
             <a:r>
-              <a:rPr kumimoji="0" lang="en-GB" sz="1600" b="0" i="0" u="none" strike="noStrike" kern="1200" cap="none" spc="0" normalizeH="0" baseline="0" noProof="0" dirty="0">
-                <a:ln>
-                  <a:noFill/>
-                </a:ln>
+              <a:rPr lang="en-GB" sz="1600" dirty="0">
                 <a:solidFill>
                   <a:prstClr val="white"/>
                 </a:solidFill>
-                <a:effectLst/>
-                <a:uLnTx/>
-                <a:uFillTx/>
                 <a:latin typeface="Calibri" panose="020F0502020204030204"/>
-                <a:ea typeface="+mn-ea"/>
-                <a:cs typeface="+mn-cs"/>
               </a:rPr>
               <a:t>Logout</a:t>
             </a:r>
-          </a:p>
-        </p:txBody>
-      </p:sp>
-    </p:spTree>
-    <p:extLst>
-      <p:ext uri="{BB962C8B-B14F-4D97-AF65-F5344CB8AC3E}">
-        <p14:creationId xmlns:p14="http://schemas.microsoft.com/office/powerpoint/2010/main" val="916833950"/>
-      </p:ext>
-    </p:extLst>
-  </p:cSld>
-  <p:clrMapOvr>
-    <a:masterClrMapping/>
-  </p:clrMapOvr>
-</p:sld>
-</file>
-
-<file path=ppt/slides/slide8.xml><?xml version="1.0" encoding="utf-8"?>
-<p:sld xmlns:a="http://schemas.openxmlformats.org/drawingml/2006/main" xmlns:r="http://schemas.openxmlformats.org/officeDocument/2006/relationships" xmlns:p="http://schemas.openxmlformats.org/presentationml/2006/main">
-  <p:cSld>
-    <p:bg>
-      <p:bgPr>
-        <a:solidFill>
-          <a:srgbClr val="364652"/>
-        </a:solidFill>
-        <a:effectLst/>
-      </p:bgPr>
-    </p:bg>
-    <p:spTree>
-      <p:nvGrpSpPr>
-        <p:cNvPr id="1" name=""/>
-        <p:cNvGrpSpPr/>
-        <p:nvPr/>
-      </p:nvGrpSpPr>
-      <p:grpSpPr>
-        <a:xfrm>
-          <a:off x="0" y="0"/>
-          <a:ext cx="0" cy="0"/>
-          <a:chOff x="0" y="0"/>
-          <a:chExt cx="0" cy="0"/>
-        </a:xfrm>
-      </p:grpSpPr>
-      <p:sp>
-        <p:nvSpPr>
-          <p:cNvPr id="19" name="Rectangle 18">
-            <a:extLst>
-              <a:ext uri="{FF2B5EF4-FFF2-40B4-BE49-F238E27FC236}">
-                <a16:creationId xmlns:a16="http://schemas.microsoft.com/office/drawing/2014/main" id="{D0EE6039-72EE-474F-B94F-55E76738F738}"/>
-              </a:ext>
-            </a:extLst>
-          </p:cNvPr>
-          <p:cNvSpPr/>
-          <p:nvPr/>
-        </p:nvSpPr>
-        <p:spPr>
-          <a:xfrm>
-            <a:off x="0" y="0"/>
-            <a:ext cx="12192000" cy="430799"/>
-          </a:xfrm>
-          <a:prstGeom prst="rect">
-            <a:avLst/>
-          </a:prstGeom>
-          <a:solidFill>
-            <a:srgbClr val="364652"/>
-          </a:solidFill>
-          <a:ln>
-            <a:noFill/>
-          </a:ln>
-        </p:spPr>
-        <p:style>
-          <a:lnRef idx="2">
-            <a:schemeClr val="accent1">
-              <a:shade val="50000"/>
-            </a:schemeClr>
-          </a:lnRef>
-          <a:fillRef idx="1">
-            <a:schemeClr val="accent1"/>
-          </a:fillRef>
-          <a:effectRef idx="0">
-            <a:schemeClr val="accent1"/>
-          </a:effectRef>
-          <a:fontRef idx="minor">
-            <a:schemeClr val="lt1"/>
-          </a:fontRef>
-        </p:style>
-        <p:txBody>
-          <a:bodyPr rtlCol="0" anchor="ctr"/>
-          <a:lstStyle/>
-          <a:p>
-            <a:pPr marL="0" marR="0" lvl="0" indent="0" algn="ctr" defTabSz="914400" rtl="0" eaLnBrk="1" fontAlgn="auto" latinLnBrk="0" hangingPunct="1">
-              <a:lnSpc>
-                <a:spcPct val="100000"/>
-              </a:lnSpc>
-              <a:spcBef>
-                <a:spcPts val="0"/>
-              </a:spcBef>
-              <a:spcAft>
-                <a:spcPts val="0"/>
-              </a:spcAft>
-              <a:buClrTx/>
-              <a:buSzTx/>
-              <a:buFontTx/>
-              <a:buNone/>
-              <a:tabLst/>
-              <a:defRPr/>
-            </a:pPr>
-            <a:endParaRPr kumimoji="0" lang="en-GB" sz="1800" b="0" i="0" u="none" strike="noStrike" kern="1200" cap="none" spc="0" normalizeH="0" baseline="0" noProof="0">
+            <a:endParaRPr kumimoji="0" lang="en-GB" sz="1600" b="0" i="0" u="none" strike="noStrike" kern="1200" cap="none" spc="0" normalizeH="0" baseline="0" noProof="0" dirty="0">
               <a:ln>
                 <a:noFill/>
               </a:ln>
@@ -20075,1294 +24780,6 @@
               <a:ea typeface="+mn-ea"/>
               <a:cs typeface="+mn-cs"/>
             </a:endParaRPr>
-          </a:p>
-        </p:txBody>
-      </p:sp>
-      <p:pic>
-        <p:nvPicPr>
-          <p:cNvPr id="7" name="Picture 6">
-            <a:extLst>
-              <a:ext uri="{FF2B5EF4-FFF2-40B4-BE49-F238E27FC236}">
-                <a16:creationId xmlns:a16="http://schemas.microsoft.com/office/drawing/2014/main" id="{F14986D8-1E11-4652-A865-63405AE7728A}"/>
-              </a:ext>
-            </a:extLst>
-          </p:cNvPr>
-          <p:cNvPicPr>
-            <a:picLocks noChangeAspect="1"/>
-          </p:cNvPicPr>
-          <p:nvPr/>
-        </p:nvPicPr>
-        <p:blipFill>
-          <a:blip r:embed="rId2"/>
-          <a:stretch>
-            <a:fillRect/>
-          </a:stretch>
-        </p:blipFill>
-        <p:spPr>
-          <a:xfrm>
-            <a:off x="152541" y="439101"/>
-            <a:ext cx="1956725" cy="1869759"/>
-          </a:xfrm>
-          <a:prstGeom prst="rect">
-            <a:avLst/>
-          </a:prstGeom>
-        </p:spPr>
-      </p:pic>
-      <p:pic>
-        <p:nvPicPr>
-          <p:cNvPr id="12" name="Picture 11">
-            <a:extLst>
-              <a:ext uri="{FF2B5EF4-FFF2-40B4-BE49-F238E27FC236}">
-                <a16:creationId xmlns:a16="http://schemas.microsoft.com/office/drawing/2014/main" id="{A0D10930-67DD-49AA-8D98-899DD948BF6E}"/>
-              </a:ext>
-            </a:extLst>
-          </p:cNvPr>
-          <p:cNvPicPr>
-            <a:picLocks noChangeAspect="1"/>
-          </p:cNvPicPr>
-          <p:nvPr/>
-        </p:nvPicPr>
-        <p:blipFill rotWithShape="1">
-          <a:blip r:embed="rId3"/>
-          <a:srcRect b="10059"/>
-          <a:stretch/>
-        </p:blipFill>
-        <p:spPr>
-          <a:xfrm>
-            <a:off x="10927080" y="0"/>
-            <a:ext cx="1264920" cy="439101"/>
-          </a:xfrm>
-          <a:prstGeom prst="rect">
-            <a:avLst/>
-          </a:prstGeom>
-        </p:spPr>
-      </p:pic>
-      <p:sp>
-        <p:nvSpPr>
-          <p:cNvPr id="13" name="Rectangle 12">
-            <a:extLst>
-              <a:ext uri="{FF2B5EF4-FFF2-40B4-BE49-F238E27FC236}">
-                <a16:creationId xmlns:a16="http://schemas.microsoft.com/office/drawing/2014/main" id="{6313B829-38E1-4FBE-8BAD-07BAA5950D09}"/>
-              </a:ext>
-            </a:extLst>
-          </p:cNvPr>
-          <p:cNvSpPr/>
-          <p:nvPr/>
-        </p:nvSpPr>
-        <p:spPr>
-          <a:xfrm>
-            <a:off x="11963330" y="447403"/>
-            <a:ext cx="230636" cy="6418899"/>
-          </a:xfrm>
-          <a:prstGeom prst="rect">
-            <a:avLst/>
-          </a:prstGeom>
-          <a:solidFill>
-            <a:schemeClr val="bg1">
-              <a:lumMod val="95000"/>
-            </a:schemeClr>
-          </a:solidFill>
-          <a:ln>
-            <a:noFill/>
-          </a:ln>
-        </p:spPr>
-        <p:style>
-          <a:lnRef idx="2">
-            <a:schemeClr val="accent1">
-              <a:shade val="50000"/>
-            </a:schemeClr>
-          </a:lnRef>
-          <a:fillRef idx="1">
-            <a:schemeClr val="accent1"/>
-          </a:fillRef>
-          <a:effectRef idx="0">
-            <a:schemeClr val="accent1"/>
-          </a:effectRef>
-          <a:fontRef idx="minor">
-            <a:schemeClr val="lt1"/>
-          </a:fontRef>
-        </p:style>
-        <p:txBody>
-          <a:bodyPr rtlCol="0" anchor="ctr"/>
-          <a:lstStyle/>
-          <a:p>
-            <a:pPr marL="0" marR="0" lvl="0" indent="0" algn="ctr" defTabSz="914400" rtl="0" eaLnBrk="1" fontAlgn="auto" latinLnBrk="0" hangingPunct="1">
-              <a:lnSpc>
-                <a:spcPct val="100000"/>
-              </a:lnSpc>
-              <a:spcBef>
-                <a:spcPts val="0"/>
-              </a:spcBef>
-              <a:spcAft>
-                <a:spcPts val="0"/>
-              </a:spcAft>
-              <a:buClrTx/>
-              <a:buSzTx/>
-              <a:buFontTx/>
-              <a:buNone/>
-              <a:tabLst/>
-              <a:defRPr/>
-            </a:pPr>
-            <a:endParaRPr kumimoji="0" lang="en-GB" sz="1800" b="0" i="0" u="none" strike="noStrike" kern="1200" cap="none" spc="0" normalizeH="0" baseline="0" noProof="0">
-              <a:ln>
-                <a:noFill/>
-              </a:ln>
-              <a:solidFill>
-                <a:prstClr val="white"/>
-              </a:solidFill>
-              <a:effectLst/>
-              <a:uLnTx/>
-              <a:uFillTx/>
-              <a:latin typeface="Calibri" panose="020F0502020204030204"/>
-              <a:ea typeface="+mn-ea"/>
-              <a:cs typeface="+mn-cs"/>
-            </a:endParaRPr>
-          </a:p>
-        </p:txBody>
-      </p:sp>
-      <p:sp>
-        <p:nvSpPr>
-          <p:cNvPr id="14" name="Rectangle 13">
-            <a:extLst>
-              <a:ext uri="{FF2B5EF4-FFF2-40B4-BE49-F238E27FC236}">
-                <a16:creationId xmlns:a16="http://schemas.microsoft.com/office/drawing/2014/main" id="{2CA5651D-7CCC-4D32-8E62-F59D8097C25A}"/>
-              </a:ext>
-            </a:extLst>
-          </p:cNvPr>
-          <p:cNvSpPr/>
-          <p:nvPr/>
-        </p:nvSpPr>
-        <p:spPr>
-          <a:xfrm>
-            <a:off x="11963330" y="447403"/>
-            <a:ext cx="230636" cy="223157"/>
-          </a:xfrm>
-          <a:prstGeom prst="rect">
-            <a:avLst/>
-          </a:prstGeom>
-          <a:solidFill>
-            <a:schemeClr val="bg1">
-              <a:lumMod val="95000"/>
-            </a:schemeClr>
-          </a:solidFill>
-          <a:ln>
-            <a:solidFill>
-              <a:schemeClr val="bg2">
-                <a:lumMod val="90000"/>
-              </a:schemeClr>
-            </a:solidFill>
-          </a:ln>
-        </p:spPr>
-        <p:style>
-          <a:lnRef idx="2">
-            <a:schemeClr val="accent1">
-              <a:shade val="50000"/>
-            </a:schemeClr>
-          </a:lnRef>
-          <a:fillRef idx="1">
-            <a:schemeClr val="accent1"/>
-          </a:fillRef>
-          <a:effectRef idx="0">
-            <a:schemeClr val="accent1"/>
-          </a:effectRef>
-          <a:fontRef idx="minor">
-            <a:schemeClr val="lt1"/>
-          </a:fontRef>
-        </p:style>
-        <p:txBody>
-          <a:bodyPr rtlCol="0" anchor="ctr"/>
-          <a:lstStyle/>
-          <a:p>
-            <a:pPr marL="0" marR="0" lvl="0" indent="0" algn="ctr" defTabSz="914400" rtl="0" eaLnBrk="1" fontAlgn="auto" latinLnBrk="0" hangingPunct="1">
-              <a:lnSpc>
-                <a:spcPct val="100000"/>
-              </a:lnSpc>
-              <a:spcBef>
-                <a:spcPts val="0"/>
-              </a:spcBef>
-              <a:spcAft>
-                <a:spcPts val="0"/>
-              </a:spcAft>
-              <a:buClrTx/>
-              <a:buSzTx/>
-              <a:buFontTx/>
-              <a:buNone/>
-              <a:tabLst/>
-              <a:defRPr/>
-            </a:pPr>
-            <a:endParaRPr kumimoji="0" lang="en-GB" sz="1800" b="0" i="0" u="none" strike="noStrike" kern="1200" cap="none" spc="0" normalizeH="0" baseline="0" noProof="0">
-              <a:ln>
-                <a:noFill/>
-              </a:ln>
-              <a:solidFill>
-                <a:prstClr val="white"/>
-              </a:solidFill>
-              <a:effectLst/>
-              <a:uLnTx/>
-              <a:uFillTx/>
-              <a:latin typeface="Calibri" panose="020F0502020204030204"/>
-              <a:ea typeface="+mn-ea"/>
-              <a:cs typeface="+mn-cs"/>
-            </a:endParaRPr>
-          </a:p>
-        </p:txBody>
-      </p:sp>
-      <p:sp>
-        <p:nvSpPr>
-          <p:cNvPr id="16" name="Arrow: Chevron 15">
-            <a:extLst>
-              <a:ext uri="{FF2B5EF4-FFF2-40B4-BE49-F238E27FC236}">
-                <a16:creationId xmlns:a16="http://schemas.microsoft.com/office/drawing/2014/main" id="{7ECBA8CA-39D2-477D-AE6E-52304C86C65D}"/>
-              </a:ext>
-            </a:extLst>
-          </p:cNvPr>
-          <p:cNvSpPr/>
-          <p:nvPr/>
-        </p:nvSpPr>
-        <p:spPr>
-          <a:xfrm rot="16200000">
-            <a:off x="12022689" y="491760"/>
-            <a:ext cx="111919" cy="126206"/>
-          </a:xfrm>
-          <a:prstGeom prst="chevron">
-            <a:avLst/>
-          </a:prstGeom>
-          <a:solidFill>
-            <a:schemeClr val="bg1">
-              <a:lumMod val="50000"/>
-            </a:schemeClr>
-          </a:solidFill>
-          <a:ln>
-            <a:noFill/>
-          </a:ln>
-        </p:spPr>
-        <p:style>
-          <a:lnRef idx="2">
-            <a:schemeClr val="accent1">
-              <a:shade val="50000"/>
-            </a:schemeClr>
-          </a:lnRef>
-          <a:fillRef idx="1">
-            <a:schemeClr val="accent1"/>
-          </a:fillRef>
-          <a:effectRef idx="0">
-            <a:schemeClr val="accent1"/>
-          </a:effectRef>
-          <a:fontRef idx="minor">
-            <a:schemeClr val="lt1"/>
-          </a:fontRef>
-        </p:style>
-        <p:txBody>
-          <a:bodyPr rtlCol="0" anchor="ctr"/>
-          <a:lstStyle/>
-          <a:p>
-            <a:pPr marL="0" marR="0" lvl="0" indent="0" algn="ctr" defTabSz="914400" rtl="0" eaLnBrk="1" fontAlgn="auto" latinLnBrk="0" hangingPunct="1">
-              <a:lnSpc>
-                <a:spcPct val="100000"/>
-              </a:lnSpc>
-              <a:spcBef>
-                <a:spcPts val="0"/>
-              </a:spcBef>
-              <a:spcAft>
-                <a:spcPts val="0"/>
-              </a:spcAft>
-              <a:buClrTx/>
-              <a:buSzTx/>
-              <a:buFontTx/>
-              <a:buNone/>
-              <a:tabLst/>
-              <a:defRPr/>
-            </a:pPr>
-            <a:endParaRPr kumimoji="0" lang="en-GB" sz="1800" b="0" i="0" u="none" strike="noStrike" kern="1200" cap="none" spc="0" normalizeH="0" baseline="0" noProof="0">
-              <a:ln>
-                <a:noFill/>
-              </a:ln>
-              <a:solidFill>
-                <a:prstClr val="black"/>
-              </a:solidFill>
-              <a:effectLst/>
-              <a:uLnTx/>
-              <a:uFillTx/>
-              <a:latin typeface="Calibri" panose="020F0502020204030204"/>
-              <a:ea typeface="+mn-ea"/>
-              <a:cs typeface="+mn-cs"/>
-            </a:endParaRPr>
-          </a:p>
-        </p:txBody>
-      </p:sp>
-      <p:sp>
-        <p:nvSpPr>
-          <p:cNvPr id="17" name="Rectangle 16">
-            <a:extLst>
-              <a:ext uri="{FF2B5EF4-FFF2-40B4-BE49-F238E27FC236}">
-                <a16:creationId xmlns:a16="http://schemas.microsoft.com/office/drawing/2014/main" id="{40897313-8914-4B73-9CA5-1AB3D531F280}"/>
-              </a:ext>
-            </a:extLst>
-          </p:cNvPr>
-          <p:cNvSpPr/>
-          <p:nvPr/>
-        </p:nvSpPr>
-        <p:spPr>
-          <a:xfrm rot="10800000">
-            <a:off x="11963330" y="6634844"/>
-            <a:ext cx="230636" cy="223157"/>
-          </a:xfrm>
-          <a:prstGeom prst="rect">
-            <a:avLst/>
-          </a:prstGeom>
-          <a:solidFill>
-            <a:schemeClr val="bg1">
-              <a:lumMod val="95000"/>
-            </a:schemeClr>
-          </a:solidFill>
-          <a:ln>
-            <a:solidFill>
-              <a:schemeClr val="bg2">
-                <a:lumMod val="90000"/>
-              </a:schemeClr>
-            </a:solidFill>
-          </a:ln>
-        </p:spPr>
-        <p:style>
-          <a:lnRef idx="2">
-            <a:schemeClr val="accent1">
-              <a:shade val="50000"/>
-            </a:schemeClr>
-          </a:lnRef>
-          <a:fillRef idx="1">
-            <a:schemeClr val="accent1"/>
-          </a:fillRef>
-          <a:effectRef idx="0">
-            <a:schemeClr val="accent1"/>
-          </a:effectRef>
-          <a:fontRef idx="minor">
-            <a:schemeClr val="lt1"/>
-          </a:fontRef>
-        </p:style>
-        <p:txBody>
-          <a:bodyPr rtlCol="0" anchor="ctr"/>
-          <a:lstStyle/>
-          <a:p>
-            <a:pPr marL="0" marR="0" lvl="0" indent="0" algn="ctr" defTabSz="914400" rtl="0" eaLnBrk="1" fontAlgn="auto" latinLnBrk="0" hangingPunct="1">
-              <a:lnSpc>
-                <a:spcPct val="100000"/>
-              </a:lnSpc>
-              <a:spcBef>
-                <a:spcPts val="0"/>
-              </a:spcBef>
-              <a:spcAft>
-                <a:spcPts val="0"/>
-              </a:spcAft>
-              <a:buClrTx/>
-              <a:buSzTx/>
-              <a:buFontTx/>
-              <a:buNone/>
-              <a:tabLst/>
-              <a:defRPr/>
-            </a:pPr>
-            <a:endParaRPr kumimoji="0" lang="en-GB" sz="1800" b="0" i="0" u="none" strike="noStrike" kern="1200" cap="none" spc="0" normalizeH="0" baseline="0" noProof="0">
-              <a:ln>
-                <a:noFill/>
-              </a:ln>
-              <a:solidFill>
-                <a:prstClr val="white"/>
-              </a:solidFill>
-              <a:effectLst/>
-              <a:uLnTx/>
-              <a:uFillTx/>
-              <a:latin typeface="Calibri" panose="020F0502020204030204"/>
-              <a:ea typeface="+mn-ea"/>
-              <a:cs typeface="+mn-cs"/>
-            </a:endParaRPr>
-          </a:p>
-        </p:txBody>
-      </p:sp>
-      <p:sp>
-        <p:nvSpPr>
-          <p:cNvPr id="18" name="Arrow: Chevron 17">
-            <a:extLst>
-              <a:ext uri="{FF2B5EF4-FFF2-40B4-BE49-F238E27FC236}">
-                <a16:creationId xmlns:a16="http://schemas.microsoft.com/office/drawing/2014/main" id="{C0DEFF07-BB05-40C5-96A1-51F0E20C8121}"/>
-              </a:ext>
-            </a:extLst>
-          </p:cNvPr>
-          <p:cNvSpPr/>
-          <p:nvPr/>
-        </p:nvSpPr>
-        <p:spPr>
-          <a:xfrm rot="5400000">
-            <a:off x="12022689" y="6679201"/>
-            <a:ext cx="111919" cy="126206"/>
-          </a:xfrm>
-          <a:prstGeom prst="chevron">
-            <a:avLst/>
-          </a:prstGeom>
-          <a:solidFill>
-            <a:schemeClr val="bg1">
-              <a:lumMod val="50000"/>
-            </a:schemeClr>
-          </a:solidFill>
-          <a:ln>
-            <a:noFill/>
-          </a:ln>
-        </p:spPr>
-        <p:style>
-          <a:lnRef idx="2">
-            <a:schemeClr val="accent1">
-              <a:shade val="50000"/>
-            </a:schemeClr>
-          </a:lnRef>
-          <a:fillRef idx="1">
-            <a:schemeClr val="accent1"/>
-          </a:fillRef>
-          <a:effectRef idx="0">
-            <a:schemeClr val="accent1"/>
-          </a:effectRef>
-          <a:fontRef idx="minor">
-            <a:schemeClr val="lt1"/>
-          </a:fontRef>
-        </p:style>
-        <p:txBody>
-          <a:bodyPr rtlCol="0" anchor="ctr"/>
-          <a:lstStyle/>
-          <a:p>
-            <a:pPr marL="0" marR="0" lvl="0" indent="0" algn="ctr" defTabSz="914400" rtl="0" eaLnBrk="1" fontAlgn="auto" latinLnBrk="0" hangingPunct="1">
-              <a:lnSpc>
-                <a:spcPct val="100000"/>
-              </a:lnSpc>
-              <a:spcBef>
-                <a:spcPts val="0"/>
-              </a:spcBef>
-              <a:spcAft>
-                <a:spcPts val="0"/>
-              </a:spcAft>
-              <a:buClrTx/>
-              <a:buSzTx/>
-              <a:buFontTx/>
-              <a:buNone/>
-              <a:tabLst/>
-              <a:defRPr/>
-            </a:pPr>
-            <a:endParaRPr kumimoji="0" lang="en-GB" sz="1800" b="0" i="0" u="none" strike="noStrike" kern="1200" cap="none" spc="0" normalizeH="0" baseline="0" noProof="0">
-              <a:ln>
-                <a:noFill/>
-              </a:ln>
-              <a:solidFill>
-                <a:prstClr val="black"/>
-              </a:solidFill>
-              <a:effectLst/>
-              <a:uLnTx/>
-              <a:uFillTx/>
-              <a:latin typeface="Calibri" panose="020F0502020204030204"/>
-              <a:ea typeface="+mn-ea"/>
-              <a:cs typeface="+mn-cs"/>
-            </a:endParaRPr>
-          </a:p>
-        </p:txBody>
-      </p:sp>
-      <p:sp>
-        <p:nvSpPr>
-          <p:cNvPr id="2" name="Rectangle 1">
-            <a:extLst>
-              <a:ext uri="{FF2B5EF4-FFF2-40B4-BE49-F238E27FC236}">
-                <a16:creationId xmlns:a16="http://schemas.microsoft.com/office/drawing/2014/main" id="{1059A50E-E796-4CAA-AC05-D467C62DB967}"/>
-              </a:ext>
-            </a:extLst>
-          </p:cNvPr>
-          <p:cNvSpPr/>
-          <p:nvPr/>
-        </p:nvSpPr>
-        <p:spPr>
-          <a:xfrm>
-            <a:off x="237906" y="1280671"/>
-            <a:ext cx="1711225" cy="412335"/>
-          </a:xfrm>
-          <a:prstGeom prst="rect">
-            <a:avLst/>
-          </a:prstGeom>
-          <a:solidFill>
-            <a:srgbClr val="364652"/>
-          </a:solidFill>
-          <a:ln>
-            <a:noFill/>
-          </a:ln>
-        </p:spPr>
-        <p:style>
-          <a:lnRef idx="2">
-            <a:schemeClr val="accent1">
-              <a:shade val="50000"/>
-            </a:schemeClr>
-          </a:lnRef>
-          <a:fillRef idx="1">
-            <a:schemeClr val="accent1"/>
-          </a:fillRef>
-          <a:effectRef idx="0">
-            <a:schemeClr val="accent1"/>
-          </a:effectRef>
-          <a:fontRef idx="minor">
-            <a:schemeClr val="lt1"/>
-          </a:fontRef>
-        </p:style>
-        <p:txBody>
-          <a:bodyPr rtlCol="0" anchor="ctr"/>
-          <a:lstStyle/>
-          <a:p>
-            <a:pPr marL="0" marR="0" lvl="0" indent="0" algn="ctr" defTabSz="914400" rtl="0" eaLnBrk="1" fontAlgn="auto" latinLnBrk="0" hangingPunct="1">
-              <a:lnSpc>
-                <a:spcPct val="100000"/>
-              </a:lnSpc>
-              <a:spcBef>
-                <a:spcPts val="0"/>
-              </a:spcBef>
-              <a:spcAft>
-                <a:spcPts val="0"/>
-              </a:spcAft>
-              <a:buClrTx/>
-              <a:buSzTx/>
-              <a:buFontTx/>
-              <a:buNone/>
-              <a:tabLst/>
-              <a:defRPr/>
-            </a:pPr>
-            <a:r>
-              <a:rPr kumimoji="0" lang="en-GB" sz="2400" b="0" i="0" u="none" strike="noStrike" kern="1200" cap="none" spc="0" normalizeH="0" baseline="0" noProof="0" dirty="0">
-                <a:ln>
-                  <a:noFill/>
-                </a:ln>
-                <a:solidFill>
-                  <a:prstClr val="white"/>
-                </a:solidFill>
-                <a:effectLst/>
-                <a:uLnTx/>
-                <a:uFillTx/>
-                <a:latin typeface="Calibri" panose="020F0502020204030204"/>
-                <a:ea typeface="+mn-ea"/>
-                <a:cs typeface="+mn-cs"/>
-              </a:rPr>
-              <a:t>RM</a:t>
-            </a:r>
-          </a:p>
-        </p:txBody>
-      </p:sp>
-      <p:pic>
-        <p:nvPicPr>
-          <p:cNvPr id="1026" name="Picture 2">
-            <a:extLst>
-              <a:ext uri="{FF2B5EF4-FFF2-40B4-BE49-F238E27FC236}">
-                <a16:creationId xmlns:a16="http://schemas.microsoft.com/office/drawing/2014/main" id="{C7D4E3A5-12FA-422D-A55E-AB9E840AABD3}"/>
-              </a:ext>
-            </a:extLst>
-          </p:cNvPr>
-          <p:cNvPicPr>
-            <a:picLocks noChangeAspect="1" noChangeArrowheads="1"/>
-          </p:cNvPicPr>
-          <p:nvPr/>
-        </p:nvPicPr>
-        <p:blipFill>
-          <a:blip r:embed="rId4">
-            <a:extLst>
-              <a:ext uri="{28A0092B-C50C-407E-A947-70E740481C1C}">
-                <a14:useLocalDpi xmlns:a14="http://schemas.microsoft.com/office/drawing/2010/main" val="0"/>
-              </a:ext>
-            </a:extLst>
-          </a:blip>
-          <a:srcRect l="16650" r="16650"/>
-          <a:stretch/>
-        </p:blipFill>
-        <p:spPr bwMode="auto">
-          <a:xfrm>
-            <a:off x="718850" y="595990"/>
-            <a:ext cx="730861" cy="730861"/>
-          </a:xfrm>
-          <a:prstGeom prst="ellipse">
-            <a:avLst/>
-          </a:prstGeom>
-          <a:ln>
-            <a:noFill/>
-          </a:ln>
-          <a:effectLst>
-            <a:softEdge rad="0"/>
-          </a:effectLst>
-          <a:extLst>
-            <a:ext uri="{909E8E84-426E-40DD-AFC4-6F175D3DCCD1}">
-              <a14:hiddenFill xmlns:a14="http://schemas.microsoft.com/office/drawing/2010/main">
-                <a:solidFill>
-                  <a:srgbClr val="FFFFFF"/>
-                </a:solidFill>
-              </a14:hiddenFill>
-            </a:ext>
-          </a:extLst>
-        </p:spPr>
-      </p:pic>
-      <p:sp>
-        <p:nvSpPr>
-          <p:cNvPr id="20" name="Rectangle 19">
-            <a:extLst>
-              <a:ext uri="{FF2B5EF4-FFF2-40B4-BE49-F238E27FC236}">
-                <a16:creationId xmlns:a16="http://schemas.microsoft.com/office/drawing/2014/main" id="{C782098D-5E63-4185-BB33-D28771A91B12}"/>
-              </a:ext>
-            </a:extLst>
-          </p:cNvPr>
-          <p:cNvSpPr/>
-          <p:nvPr/>
-        </p:nvSpPr>
-        <p:spPr>
-          <a:xfrm>
-            <a:off x="2269286" y="439101"/>
-            <a:ext cx="9694044" cy="6418899"/>
-          </a:xfrm>
-          <a:prstGeom prst="rect">
-            <a:avLst/>
-          </a:prstGeom>
-          <a:solidFill>
-            <a:srgbClr val="B5BEC6"/>
-          </a:solidFill>
-          <a:ln>
-            <a:noFill/>
-          </a:ln>
-        </p:spPr>
-        <p:style>
-          <a:lnRef idx="2">
-            <a:schemeClr val="accent1">
-              <a:shade val="50000"/>
-            </a:schemeClr>
-          </a:lnRef>
-          <a:fillRef idx="1">
-            <a:schemeClr val="accent1"/>
-          </a:fillRef>
-          <a:effectRef idx="0">
-            <a:schemeClr val="accent1"/>
-          </a:effectRef>
-          <a:fontRef idx="minor">
-            <a:schemeClr val="lt1"/>
-          </a:fontRef>
-        </p:style>
-        <p:txBody>
-          <a:bodyPr rtlCol="0" anchor="ctr"/>
-          <a:lstStyle/>
-          <a:p>
-            <a:pPr marL="0" marR="0" lvl="0" indent="0" algn="ctr" defTabSz="914400" rtl="0" eaLnBrk="1" fontAlgn="auto" latinLnBrk="0" hangingPunct="1">
-              <a:lnSpc>
-                <a:spcPct val="100000"/>
-              </a:lnSpc>
-              <a:spcBef>
-                <a:spcPts val="0"/>
-              </a:spcBef>
-              <a:spcAft>
-                <a:spcPts val="0"/>
-              </a:spcAft>
-              <a:buClrTx/>
-              <a:buSzTx/>
-              <a:buFontTx/>
-              <a:buNone/>
-              <a:tabLst/>
-              <a:defRPr/>
-            </a:pPr>
-            <a:r>
-              <a:rPr kumimoji="0" lang="en-GB" sz="1800" b="0" i="0" u="none" strike="noStrike" kern="1200" cap="none" spc="0" normalizeH="0" baseline="0" noProof="0" dirty="0">
-                <a:ln>
-                  <a:noFill/>
-                </a:ln>
-                <a:solidFill>
-                  <a:prstClr val="white"/>
-                </a:solidFill>
-                <a:effectLst/>
-                <a:uLnTx/>
-                <a:uFillTx/>
-                <a:latin typeface="Calibri" panose="020F0502020204030204"/>
-                <a:ea typeface="+mn-ea"/>
-                <a:cs typeface="+mn-cs"/>
-              </a:rPr>
-              <a:t>clients</a:t>
-            </a:r>
-          </a:p>
-        </p:txBody>
-      </p:sp>
-      <p:sp>
-        <p:nvSpPr>
-          <p:cNvPr id="27" name="Rectangle 26">
-            <a:hlinkClick r:id="rId5" action="ppaction://hlinksldjump"/>
-            <a:extLst>
-              <a:ext uri="{FF2B5EF4-FFF2-40B4-BE49-F238E27FC236}">
-                <a16:creationId xmlns:a16="http://schemas.microsoft.com/office/drawing/2014/main" id="{E75F5B9D-B5C4-492A-A06D-D70FA12A74D7}"/>
-              </a:ext>
-            </a:extLst>
-          </p:cNvPr>
-          <p:cNvSpPr/>
-          <p:nvPr/>
-        </p:nvSpPr>
-        <p:spPr>
-          <a:xfrm>
-            <a:off x="771909" y="2080652"/>
-            <a:ext cx="728460" cy="282516"/>
-          </a:xfrm>
-          <a:prstGeom prst="rect">
-            <a:avLst/>
-          </a:prstGeom>
-          <a:solidFill>
-            <a:srgbClr val="364652"/>
-          </a:solidFill>
-          <a:ln>
-            <a:noFill/>
-          </a:ln>
-        </p:spPr>
-        <p:style>
-          <a:lnRef idx="2">
-            <a:schemeClr val="accent1">
-              <a:shade val="50000"/>
-            </a:schemeClr>
-          </a:lnRef>
-          <a:fillRef idx="1">
-            <a:schemeClr val="accent1"/>
-          </a:fillRef>
-          <a:effectRef idx="0">
-            <a:schemeClr val="accent1"/>
-          </a:effectRef>
-          <a:fontRef idx="minor">
-            <a:schemeClr val="lt1"/>
-          </a:fontRef>
-        </p:style>
-        <p:txBody>
-          <a:bodyPr rtlCol="0" anchor="ctr"/>
-          <a:lstStyle/>
-          <a:p>
-            <a:pPr marL="0" marR="0" lvl="0" indent="0" algn="ctr" defTabSz="914400" rtl="0" eaLnBrk="1" fontAlgn="auto" latinLnBrk="0" hangingPunct="1">
-              <a:lnSpc>
-                <a:spcPct val="100000"/>
-              </a:lnSpc>
-              <a:spcBef>
-                <a:spcPts val="0"/>
-              </a:spcBef>
-              <a:spcAft>
-                <a:spcPts val="0"/>
-              </a:spcAft>
-              <a:buClrTx/>
-              <a:buSzTx/>
-              <a:buFontTx/>
-              <a:buNone/>
-              <a:tabLst/>
-              <a:defRPr/>
-            </a:pPr>
-            <a:r>
-              <a:rPr kumimoji="0" lang="en-GB" sz="1600" b="0" i="0" u="none" strike="noStrike" kern="1200" cap="none" spc="0" normalizeH="0" baseline="0" noProof="0" dirty="0">
-                <a:ln>
-                  <a:noFill/>
-                </a:ln>
-                <a:solidFill>
-                  <a:prstClr val="white"/>
-                </a:solidFill>
-                <a:effectLst/>
-                <a:uLnTx/>
-                <a:uFillTx/>
-                <a:latin typeface="Calibri" panose="020F0502020204030204"/>
-                <a:ea typeface="+mn-ea"/>
-                <a:cs typeface="+mn-cs"/>
-              </a:rPr>
-              <a:t>Home</a:t>
-            </a:r>
-          </a:p>
-        </p:txBody>
-      </p:sp>
-      <p:sp>
-        <p:nvSpPr>
-          <p:cNvPr id="28" name="Rectangle 27">
-            <a:extLst>
-              <a:ext uri="{FF2B5EF4-FFF2-40B4-BE49-F238E27FC236}">
-                <a16:creationId xmlns:a16="http://schemas.microsoft.com/office/drawing/2014/main" id="{6D163510-778B-4944-A182-7BCAFD02A5C0}"/>
-              </a:ext>
-            </a:extLst>
-          </p:cNvPr>
-          <p:cNvSpPr/>
-          <p:nvPr/>
-        </p:nvSpPr>
-        <p:spPr>
-          <a:xfrm>
-            <a:off x="488816" y="1598505"/>
-            <a:ext cx="1209404" cy="282516"/>
-          </a:xfrm>
-          <a:prstGeom prst="rect">
-            <a:avLst/>
-          </a:prstGeom>
-          <a:solidFill>
-            <a:srgbClr val="364652"/>
-          </a:solidFill>
-          <a:ln>
-            <a:noFill/>
-          </a:ln>
-        </p:spPr>
-        <p:style>
-          <a:lnRef idx="2">
-            <a:schemeClr val="accent1">
-              <a:shade val="50000"/>
-            </a:schemeClr>
-          </a:lnRef>
-          <a:fillRef idx="1">
-            <a:schemeClr val="accent1"/>
-          </a:fillRef>
-          <a:effectRef idx="0">
-            <a:schemeClr val="accent1"/>
-          </a:effectRef>
-          <a:fontRef idx="minor">
-            <a:schemeClr val="lt1"/>
-          </a:fontRef>
-        </p:style>
-        <p:txBody>
-          <a:bodyPr rtlCol="0" anchor="ctr"/>
-          <a:lstStyle/>
-          <a:p>
-            <a:pPr marL="0" marR="0" lvl="0" indent="0" algn="ctr" defTabSz="914400" rtl="0" eaLnBrk="1" fontAlgn="auto" latinLnBrk="0" hangingPunct="1">
-              <a:lnSpc>
-                <a:spcPct val="100000"/>
-              </a:lnSpc>
-              <a:spcBef>
-                <a:spcPts val="0"/>
-              </a:spcBef>
-              <a:spcAft>
-                <a:spcPts val="0"/>
-              </a:spcAft>
-              <a:buClrTx/>
-              <a:buSzTx/>
-              <a:buFontTx/>
-              <a:buNone/>
-              <a:tabLst/>
-              <a:defRPr/>
-            </a:pPr>
-            <a:r>
-              <a:rPr kumimoji="0" lang="en-GB" sz="1200" b="0" i="0" u="none" strike="noStrike" kern="1200" cap="none" spc="0" normalizeH="0" baseline="0" noProof="0" dirty="0">
-                <a:ln>
-                  <a:noFill/>
-                </a:ln>
-                <a:solidFill>
-                  <a:prstClr val="white"/>
-                </a:solidFill>
-                <a:effectLst/>
-                <a:uLnTx/>
-                <a:uFillTx/>
-                <a:latin typeface="Calibri" panose="020F0502020204030204"/>
-                <a:ea typeface="+mn-ea"/>
-                <a:cs typeface="+mn-cs"/>
-              </a:rPr>
-              <a:t>Edit Profile</a:t>
-            </a:r>
-          </a:p>
-        </p:txBody>
-      </p:sp>
-      <p:sp>
-        <p:nvSpPr>
-          <p:cNvPr id="31" name="Rectangle 30">
-            <a:extLst>
-              <a:ext uri="{FF2B5EF4-FFF2-40B4-BE49-F238E27FC236}">
-                <a16:creationId xmlns:a16="http://schemas.microsoft.com/office/drawing/2014/main" id="{04416776-04C4-42EC-9B6C-07807633D858}"/>
-              </a:ext>
-            </a:extLst>
-          </p:cNvPr>
-          <p:cNvSpPr/>
-          <p:nvPr/>
-        </p:nvSpPr>
-        <p:spPr>
-          <a:xfrm>
-            <a:off x="718850" y="1845879"/>
-            <a:ext cx="728460" cy="223158"/>
-          </a:xfrm>
-          <a:prstGeom prst="rect">
-            <a:avLst/>
-          </a:prstGeom>
-          <a:solidFill>
-            <a:srgbClr val="364652"/>
-          </a:solidFill>
-          <a:ln>
-            <a:solidFill>
-              <a:srgbClr val="364652"/>
-            </a:solidFill>
-          </a:ln>
-        </p:spPr>
-        <p:style>
-          <a:lnRef idx="2">
-            <a:schemeClr val="accent1">
-              <a:shade val="50000"/>
-            </a:schemeClr>
-          </a:lnRef>
-          <a:fillRef idx="1">
-            <a:schemeClr val="accent1"/>
-          </a:fillRef>
-          <a:effectRef idx="0">
-            <a:schemeClr val="accent1"/>
-          </a:effectRef>
-          <a:fontRef idx="minor">
-            <a:schemeClr val="lt1"/>
-          </a:fontRef>
-        </p:style>
-        <p:txBody>
-          <a:bodyPr rtlCol="0" anchor="ctr"/>
-          <a:lstStyle/>
-          <a:p>
-            <a:pPr marL="0" marR="0" lvl="0" indent="0" algn="ctr" defTabSz="914400" rtl="0" eaLnBrk="1" fontAlgn="auto" latinLnBrk="0" hangingPunct="1">
-              <a:lnSpc>
-                <a:spcPct val="100000"/>
-              </a:lnSpc>
-              <a:spcBef>
-                <a:spcPts val="0"/>
-              </a:spcBef>
-              <a:spcAft>
-                <a:spcPts val="0"/>
-              </a:spcAft>
-              <a:buClrTx/>
-              <a:buSzTx/>
-              <a:buFontTx/>
-              <a:buNone/>
-              <a:tabLst/>
-              <a:defRPr/>
-            </a:pPr>
-            <a:endParaRPr kumimoji="0" lang="en-GB" sz="1800" b="0" i="0" u="none" strike="noStrike" kern="1200" cap="none" spc="0" normalizeH="0" baseline="0" noProof="0">
-              <a:ln>
-                <a:noFill/>
-              </a:ln>
-              <a:solidFill>
-                <a:prstClr val="white"/>
-              </a:solidFill>
-              <a:effectLst/>
-              <a:uLnTx/>
-              <a:uFillTx/>
-              <a:latin typeface="Calibri" panose="020F0502020204030204"/>
-              <a:ea typeface="+mn-ea"/>
-              <a:cs typeface="+mn-cs"/>
-            </a:endParaRPr>
-          </a:p>
-        </p:txBody>
-      </p:sp>
-      <p:sp>
-        <p:nvSpPr>
-          <p:cNvPr id="3" name="Rectangle 2">
-            <a:extLst>
-              <a:ext uri="{FF2B5EF4-FFF2-40B4-BE49-F238E27FC236}">
-                <a16:creationId xmlns:a16="http://schemas.microsoft.com/office/drawing/2014/main" id="{D981FEF5-9904-2FAE-8494-F95696A9E629}"/>
-              </a:ext>
-            </a:extLst>
-          </p:cNvPr>
-          <p:cNvSpPr/>
-          <p:nvPr/>
-        </p:nvSpPr>
-        <p:spPr>
-          <a:xfrm>
-            <a:off x="68580" y="2367233"/>
-            <a:ext cx="2125980" cy="282516"/>
-          </a:xfrm>
-          <a:prstGeom prst="rect">
-            <a:avLst/>
-          </a:prstGeom>
-          <a:solidFill>
-            <a:srgbClr val="364652"/>
-          </a:solidFill>
-          <a:ln>
-            <a:noFill/>
-          </a:ln>
-        </p:spPr>
-        <p:style>
-          <a:lnRef idx="2">
-            <a:schemeClr val="accent1">
-              <a:shade val="50000"/>
-            </a:schemeClr>
-          </a:lnRef>
-          <a:fillRef idx="1">
-            <a:schemeClr val="accent1"/>
-          </a:fillRef>
-          <a:effectRef idx="0">
-            <a:schemeClr val="accent1"/>
-          </a:effectRef>
-          <a:fontRef idx="minor">
-            <a:schemeClr val="lt1"/>
-          </a:fontRef>
-        </p:style>
-        <p:txBody>
-          <a:bodyPr rtlCol="0" anchor="ctr"/>
-          <a:lstStyle/>
-          <a:p>
-            <a:pPr marL="0" marR="0" lvl="0" indent="0" algn="ctr" defTabSz="914400" rtl="0" eaLnBrk="1" fontAlgn="auto" latinLnBrk="0" hangingPunct="1">
-              <a:lnSpc>
-                <a:spcPct val="100000"/>
-              </a:lnSpc>
-              <a:spcBef>
-                <a:spcPts val="0"/>
-              </a:spcBef>
-              <a:spcAft>
-                <a:spcPts val="0"/>
-              </a:spcAft>
-              <a:buClrTx/>
-              <a:buSzTx/>
-              <a:buFontTx/>
-              <a:buNone/>
-              <a:tabLst/>
-              <a:defRPr/>
-            </a:pPr>
-            <a:r>
-              <a:rPr kumimoji="0" lang="en-GB" sz="1600" b="0" i="0" u="none" strike="noStrike" kern="1200" cap="none" spc="0" normalizeH="0" baseline="0" noProof="0" dirty="0">
-                <a:ln>
-                  <a:noFill/>
-                </a:ln>
-                <a:solidFill>
-                  <a:prstClr val="white"/>
-                </a:solidFill>
-                <a:effectLst/>
-                <a:uLnTx/>
-                <a:uFillTx/>
-                <a:latin typeface="Calibri" panose="020F0502020204030204"/>
-                <a:ea typeface="+mn-ea"/>
-                <a:cs typeface="+mn-cs"/>
-              </a:rPr>
-              <a:t>View Ideas</a:t>
-            </a:r>
-          </a:p>
-        </p:txBody>
-      </p:sp>
-      <p:sp>
-        <p:nvSpPr>
-          <p:cNvPr id="5" name="Rectangle 4">
-            <a:extLst>
-              <a:ext uri="{FF2B5EF4-FFF2-40B4-BE49-F238E27FC236}">
-                <a16:creationId xmlns:a16="http://schemas.microsoft.com/office/drawing/2014/main" id="{B631C60A-AC05-69F6-DB6B-2C40A5444143}"/>
-              </a:ext>
-            </a:extLst>
-          </p:cNvPr>
-          <p:cNvSpPr/>
-          <p:nvPr/>
-        </p:nvSpPr>
-        <p:spPr>
-          <a:xfrm>
-            <a:off x="68580" y="2649749"/>
-            <a:ext cx="2125980" cy="282516"/>
-          </a:xfrm>
-          <a:prstGeom prst="rect">
-            <a:avLst/>
-          </a:prstGeom>
-          <a:solidFill>
-            <a:srgbClr val="364652"/>
-          </a:solidFill>
-          <a:ln>
-            <a:noFill/>
-          </a:ln>
-        </p:spPr>
-        <p:style>
-          <a:lnRef idx="2">
-            <a:schemeClr val="accent1">
-              <a:shade val="50000"/>
-            </a:schemeClr>
-          </a:lnRef>
-          <a:fillRef idx="1">
-            <a:schemeClr val="accent1"/>
-          </a:fillRef>
-          <a:effectRef idx="0">
-            <a:schemeClr val="accent1"/>
-          </a:effectRef>
-          <a:fontRef idx="minor">
-            <a:schemeClr val="lt1"/>
-          </a:fontRef>
-        </p:style>
-        <p:txBody>
-          <a:bodyPr rtlCol="0" anchor="ctr"/>
-          <a:lstStyle/>
-          <a:p>
-            <a:pPr marL="0" marR="0" lvl="0" indent="0" algn="ctr" defTabSz="914400" rtl="0" eaLnBrk="1" fontAlgn="auto" latinLnBrk="0" hangingPunct="1">
-              <a:lnSpc>
-                <a:spcPct val="100000"/>
-              </a:lnSpc>
-              <a:spcBef>
-                <a:spcPts val="0"/>
-              </a:spcBef>
-              <a:spcAft>
-                <a:spcPts val="0"/>
-              </a:spcAft>
-              <a:buClrTx/>
-              <a:buSzTx/>
-              <a:buFontTx/>
-              <a:buNone/>
-              <a:tabLst/>
-              <a:defRPr/>
-            </a:pPr>
-            <a:r>
-              <a:rPr kumimoji="0" lang="en-GB" sz="1600" b="0" i="0" u="none" strike="noStrike" kern="1200" cap="none" spc="0" normalizeH="0" baseline="0" noProof="0" dirty="0">
-                <a:ln>
-                  <a:noFill/>
-                </a:ln>
-                <a:solidFill>
-                  <a:prstClr val="white"/>
-                </a:solidFill>
-                <a:effectLst/>
-                <a:uLnTx/>
-                <a:uFillTx/>
-                <a:latin typeface="Calibri" panose="020F0502020204030204"/>
-                <a:ea typeface="+mn-ea"/>
-                <a:cs typeface="+mn-cs"/>
-              </a:rPr>
-              <a:t>View Clients</a:t>
-            </a:r>
-          </a:p>
-        </p:txBody>
-      </p:sp>
-      <p:sp>
-        <p:nvSpPr>
-          <p:cNvPr id="6" name="Rectangle 5">
-            <a:extLst>
-              <a:ext uri="{FF2B5EF4-FFF2-40B4-BE49-F238E27FC236}">
-                <a16:creationId xmlns:a16="http://schemas.microsoft.com/office/drawing/2014/main" id="{77ACF959-6D3C-2059-05E9-37F69A528675}"/>
-              </a:ext>
-            </a:extLst>
-          </p:cNvPr>
-          <p:cNvSpPr/>
-          <p:nvPr/>
-        </p:nvSpPr>
-        <p:spPr>
-          <a:xfrm>
-            <a:off x="63296" y="2932265"/>
-            <a:ext cx="2125980" cy="282516"/>
-          </a:xfrm>
-          <a:prstGeom prst="rect">
-            <a:avLst/>
-          </a:prstGeom>
-          <a:solidFill>
-            <a:srgbClr val="364652"/>
-          </a:solidFill>
-          <a:ln>
-            <a:noFill/>
-          </a:ln>
-        </p:spPr>
-        <p:style>
-          <a:lnRef idx="2">
-            <a:schemeClr val="accent1">
-              <a:shade val="50000"/>
-            </a:schemeClr>
-          </a:lnRef>
-          <a:fillRef idx="1">
-            <a:schemeClr val="accent1"/>
-          </a:fillRef>
-          <a:effectRef idx="0">
-            <a:schemeClr val="accent1"/>
-          </a:effectRef>
-          <a:fontRef idx="minor">
-            <a:schemeClr val="lt1"/>
-          </a:fontRef>
-        </p:style>
-        <p:txBody>
-          <a:bodyPr rtlCol="0" anchor="ctr"/>
-          <a:lstStyle/>
-          <a:p>
-            <a:pPr marL="0" marR="0" lvl="0" indent="0" algn="ctr" defTabSz="914400" rtl="0" eaLnBrk="1" fontAlgn="auto" latinLnBrk="0" hangingPunct="1">
-              <a:lnSpc>
-                <a:spcPct val="100000"/>
-              </a:lnSpc>
-              <a:spcBef>
-                <a:spcPts val="0"/>
-              </a:spcBef>
-              <a:spcAft>
-                <a:spcPts val="0"/>
-              </a:spcAft>
-              <a:buClrTx/>
-              <a:buSzTx/>
-              <a:buFontTx/>
-              <a:buNone/>
-              <a:tabLst/>
-              <a:defRPr/>
-            </a:pPr>
-            <a:r>
-              <a:rPr kumimoji="0" lang="en-GB" sz="1600" b="0" i="0" u="none" strike="noStrike" kern="1200" cap="none" spc="0" normalizeH="0" baseline="0" noProof="0" dirty="0">
-                <a:ln>
-                  <a:noFill/>
-                </a:ln>
-                <a:solidFill>
-                  <a:prstClr val="white"/>
-                </a:solidFill>
-                <a:effectLst/>
-                <a:uLnTx/>
-                <a:uFillTx/>
-                <a:latin typeface="Calibri" panose="020F0502020204030204"/>
-                <a:ea typeface="+mn-ea"/>
-                <a:cs typeface="+mn-cs"/>
-              </a:rPr>
-              <a:t>Create User</a:t>
-            </a:r>
-          </a:p>
-        </p:txBody>
-      </p:sp>
-      <p:sp>
-        <p:nvSpPr>
-          <p:cNvPr id="8" name="Rectangle 7">
-            <a:extLst>
-              <a:ext uri="{FF2B5EF4-FFF2-40B4-BE49-F238E27FC236}">
-                <a16:creationId xmlns:a16="http://schemas.microsoft.com/office/drawing/2014/main" id="{0EA966F5-8091-06FF-3330-7DB3948FDDCE}"/>
-              </a:ext>
-            </a:extLst>
-          </p:cNvPr>
-          <p:cNvSpPr/>
-          <p:nvPr/>
-        </p:nvSpPr>
-        <p:spPr>
-          <a:xfrm>
-            <a:off x="63296" y="3214781"/>
-            <a:ext cx="2125980" cy="282516"/>
-          </a:xfrm>
-          <a:prstGeom prst="rect">
-            <a:avLst/>
-          </a:prstGeom>
-          <a:solidFill>
-            <a:srgbClr val="364652"/>
-          </a:solidFill>
-          <a:ln>
-            <a:noFill/>
-          </a:ln>
-        </p:spPr>
-        <p:style>
-          <a:lnRef idx="2">
-            <a:schemeClr val="accent1">
-              <a:shade val="50000"/>
-            </a:schemeClr>
-          </a:lnRef>
-          <a:fillRef idx="1">
-            <a:schemeClr val="accent1"/>
-          </a:fillRef>
-          <a:effectRef idx="0">
-            <a:schemeClr val="accent1"/>
-          </a:effectRef>
-          <a:fontRef idx="minor">
-            <a:schemeClr val="lt1"/>
-          </a:fontRef>
-        </p:style>
-        <p:txBody>
-          <a:bodyPr rtlCol="0" anchor="ctr"/>
-          <a:lstStyle/>
-          <a:p>
-            <a:pPr marL="0" marR="0" lvl="0" indent="0" algn="ctr" defTabSz="914400" rtl="0" eaLnBrk="1" fontAlgn="auto" latinLnBrk="0" hangingPunct="1">
-              <a:lnSpc>
-                <a:spcPct val="100000"/>
-              </a:lnSpc>
-              <a:spcBef>
-                <a:spcPts val="0"/>
-              </a:spcBef>
-              <a:spcAft>
-                <a:spcPts val="0"/>
-              </a:spcAft>
-              <a:buClrTx/>
-              <a:buSzTx/>
-              <a:buFontTx/>
-              <a:buNone/>
-              <a:tabLst/>
-              <a:defRPr/>
-            </a:pPr>
-            <a:r>
-              <a:rPr kumimoji="0" lang="en-GB" sz="1600" b="0" i="0" u="none" strike="noStrike" kern="1200" cap="none" spc="0" normalizeH="0" baseline="0" noProof="0" dirty="0">
-                <a:ln>
-                  <a:noFill/>
-                </a:ln>
-                <a:solidFill>
-                  <a:prstClr val="white"/>
-                </a:solidFill>
-                <a:effectLst/>
-                <a:uLnTx/>
-                <a:uFillTx/>
-                <a:latin typeface="Calibri" panose="020F0502020204030204"/>
-                <a:ea typeface="+mn-ea"/>
-                <a:cs typeface="+mn-cs"/>
-              </a:rPr>
-              <a:t>Logout</a:t>
-            </a:r>
           </a:p>
         </p:txBody>
       </p:sp>
@@ -22184,11 +25601,542 @@
       </p:sp>
       <p:sp>
         <p:nvSpPr>
-          <p:cNvPr id="27" name="Rectangle 26">
-            <a:hlinkClick r:id="rId5" action="ppaction://hlinksldjump"/>
+          <p:cNvPr id="28" name="Rectangle 27">
             <a:extLst>
               <a:ext uri="{FF2B5EF4-FFF2-40B4-BE49-F238E27FC236}">
-                <a16:creationId xmlns:a16="http://schemas.microsoft.com/office/drawing/2014/main" id="{E75F5B9D-B5C4-492A-A06D-D70FA12A74D7}"/>
+                <a16:creationId xmlns:a16="http://schemas.microsoft.com/office/drawing/2014/main" id="{6D163510-778B-4944-A182-7BCAFD02A5C0}"/>
+              </a:ext>
+            </a:extLst>
+          </p:cNvPr>
+          <p:cNvSpPr/>
+          <p:nvPr/>
+        </p:nvSpPr>
+        <p:spPr>
+          <a:xfrm>
+            <a:off x="488816" y="1598505"/>
+            <a:ext cx="1209404" cy="282516"/>
+          </a:xfrm>
+          <a:prstGeom prst="rect">
+            <a:avLst/>
+          </a:prstGeom>
+          <a:solidFill>
+            <a:srgbClr val="364652"/>
+          </a:solidFill>
+          <a:ln>
+            <a:noFill/>
+          </a:ln>
+        </p:spPr>
+        <p:style>
+          <a:lnRef idx="2">
+            <a:schemeClr val="accent1">
+              <a:shade val="50000"/>
+            </a:schemeClr>
+          </a:lnRef>
+          <a:fillRef idx="1">
+            <a:schemeClr val="accent1"/>
+          </a:fillRef>
+          <a:effectRef idx="0">
+            <a:schemeClr val="accent1"/>
+          </a:effectRef>
+          <a:fontRef idx="minor">
+            <a:schemeClr val="lt1"/>
+          </a:fontRef>
+        </p:style>
+        <p:txBody>
+          <a:bodyPr rtlCol="0" anchor="ctr"/>
+          <a:lstStyle/>
+          <a:p>
+            <a:pPr marL="0" marR="0" lvl="0" indent="0" algn="ctr" defTabSz="914400" rtl="0" eaLnBrk="1" fontAlgn="auto" latinLnBrk="0" hangingPunct="1">
+              <a:lnSpc>
+                <a:spcPct val="100000"/>
+              </a:lnSpc>
+              <a:spcBef>
+                <a:spcPts val="0"/>
+              </a:spcBef>
+              <a:spcAft>
+                <a:spcPts val="0"/>
+              </a:spcAft>
+              <a:buClrTx/>
+              <a:buSzTx/>
+              <a:buFontTx/>
+              <a:buNone/>
+              <a:tabLst/>
+              <a:defRPr/>
+            </a:pPr>
+            <a:r>
+              <a:rPr kumimoji="0" lang="en-GB" sz="1200" b="0" i="0" u="none" strike="noStrike" kern="1200" cap="none" spc="0" normalizeH="0" baseline="0" noProof="0" dirty="0">
+                <a:ln>
+                  <a:noFill/>
+                </a:ln>
+                <a:solidFill>
+                  <a:prstClr val="white"/>
+                </a:solidFill>
+                <a:effectLst/>
+                <a:uLnTx/>
+                <a:uFillTx/>
+                <a:latin typeface="Calibri" panose="020F0502020204030204"/>
+                <a:ea typeface="+mn-ea"/>
+                <a:cs typeface="+mn-cs"/>
+              </a:rPr>
+              <a:t>Edit Profile</a:t>
+            </a:r>
+          </a:p>
+        </p:txBody>
+      </p:sp>
+      <p:sp>
+        <p:nvSpPr>
+          <p:cNvPr id="9" name="Rectangle 8">
+            <a:extLst>
+              <a:ext uri="{FF2B5EF4-FFF2-40B4-BE49-F238E27FC236}">
+                <a16:creationId xmlns:a16="http://schemas.microsoft.com/office/drawing/2014/main" id="{028B8447-8983-1930-36CC-8EBE1FFA63F3}"/>
+              </a:ext>
+            </a:extLst>
+          </p:cNvPr>
+          <p:cNvSpPr/>
+          <p:nvPr/>
+        </p:nvSpPr>
+        <p:spPr>
+          <a:xfrm>
+            <a:off x="4754880" y="2546051"/>
+            <a:ext cx="4058630" cy="279842"/>
+          </a:xfrm>
+          <a:prstGeom prst="rect">
+            <a:avLst/>
+          </a:prstGeom>
+          <a:solidFill>
+            <a:schemeClr val="bg1"/>
+          </a:solidFill>
+          <a:ln>
+            <a:noFill/>
+          </a:ln>
+        </p:spPr>
+        <p:style>
+          <a:lnRef idx="2">
+            <a:schemeClr val="accent1">
+              <a:shade val="50000"/>
+            </a:schemeClr>
+          </a:lnRef>
+          <a:fillRef idx="1">
+            <a:schemeClr val="accent1"/>
+          </a:fillRef>
+          <a:effectRef idx="0">
+            <a:schemeClr val="accent1"/>
+          </a:effectRef>
+          <a:fontRef idx="minor">
+            <a:schemeClr val="lt1"/>
+          </a:fontRef>
+        </p:style>
+        <p:txBody>
+          <a:bodyPr rtlCol="0" anchor="ctr"/>
+          <a:lstStyle/>
+          <a:p>
+            <a:pPr algn="ctr"/>
+            <a:r>
+              <a:rPr lang="en-GB" sz="1400" dirty="0">
+                <a:solidFill>
+                  <a:schemeClr val="tx1"/>
+                </a:solidFill>
+              </a:rPr>
+              <a:t>Account Type</a:t>
+            </a:r>
+          </a:p>
+        </p:txBody>
+      </p:sp>
+      <p:sp>
+        <p:nvSpPr>
+          <p:cNvPr id="10" name="Rectangle 9">
+            <a:extLst>
+              <a:ext uri="{FF2B5EF4-FFF2-40B4-BE49-F238E27FC236}">
+                <a16:creationId xmlns:a16="http://schemas.microsoft.com/office/drawing/2014/main" id="{61CBA639-843A-1F25-E93D-35D730A4F4E6}"/>
+              </a:ext>
+            </a:extLst>
+          </p:cNvPr>
+          <p:cNvSpPr/>
+          <p:nvPr/>
+        </p:nvSpPr>
+        <p:spPr>
+          <a:xfrm rot="10800000">
+            <a:off x="8803407" y="2544756"/>
+            <a:ext cx="273487" cy="279840"/>
+          </a:xfrm>
+          <a:prstGeom prst="rect">
+            <a:avLst/>
+          </a:prstGeom>
+          <a:solidFill>
+            <a:schemeClr val="bg1">
+              <a:lumMod val="95000"/>
+            </a:schemeClr>
+          </a:solidFill>
+          <a:ln>
+            <a:solidFill>
+              <a:schemeClr val="bg2">
+                <a:lumMod val="90000"/>
+              </a:schemeClr>
+            </a:solidFill>
+          </a:ln>
+        </p:spPr>
+        <p:style>
+          <a:lnRef idx="2">
+            <a:schemeClr val="accent1">
+              <a:shade val="50000"/>
+            </a:schemeClr>
+          </a:lnRef>
+          <a:fillRef idx="1">
+            <a:schemeClr val="accent1"/>
+          </a:fillRef>
+          <a:effectRef idx="0">
+            <a:schemeClr val="accent1"/>
+          </a:effectRef>
+          <a:fontRef idx="minor">
+            <a:schemeClr val="lt1"/>
+          </a:fontRef>
+        </p:style>
+        <p:txBody>
+          <a:bodyPr rtlCol="0" anchor="ctr"/>
+          <a:lstStyle/>
+          <a:p>
+            <a:pPr marL="0" marR="0" lvl="0" indent="0" algn="ctr" defTabSz="914400" rtl="0" eaLnBrk="1" fontAlgn="auto" latinLnBrk="0" hangingPunct="1">
+              <a:lnSpc>
+                <a:spcPct val="100000"/>
+              </a:lnSpc>
+              <a:spcBef>
+                <a:spcPts val="0"/>
+              </a:spcBef>
+              <a:spcAft>
+                <a:spcPts val="0"/>
+              </a:spcAft>
+              <a:buClrTx/>
+              <a:buSzTx/>
+              <a:buFontTx/>
+              <a:buNone/>
+              <a:tabLst/>
+              <a:defRPr/>
+            </a:pPr>
+            <a:endParaRPr kumimoji="0" lang="en-GB" sz="1800" b="0" i="0" u="none" strike="noStrike" kern="1200" cap="none" spc="0" normalizeH="0" baseline="0" noProof="0">
+              <a:ln>
+                <a:noFill/>
+              </a:ln>
+              <a:solidFill>
+                <a:prstClr val="white"/>
+              </a:solidFill>
+              <a:effectLst/>
+              <a:uLnTx/>
+              <a:uFillTx/>
+              <a:latin typeface="Calibri" panose="020F0502020204030204"/>
+              <a:ea typeface="+mn-ea"/>
+              <a:cs typeface="+mn-cs"/>
+            </a:endParaRPr>
+          </a:p>
+        </p:txBody>
+      </p:sp>
+      <p:sp>
+        <p:nvSpPr>
+          <p:cNvPr id="11" name="Arrow: Chevron 10">
+            <a:extLst>
+              <a:ext uri="{FF2B5EF4-FFF2-40B4-BE49-F238E27FC236}">
+                <a16:creationId xmlns:a16="http://schemas.microsoft.com/office/drawing/2014/main" id="{4651EBC4-EC22-3D34-4A1E-3019EDBCE426}"/>
+              </a:ext>
+            </a:extLst>
+          </p:cNvPr>
+          <p:cNvSpPr/>
+          <p:nvPr/>
+        </p:nvSpPr>
+        <p:spPr>
+          <a:xfrm rot="5400000">
+            <a:off x="8877694" y="2609421"/>
+            <a:ext cx="140349" cy="149654"/>
+          </a:xfrm>
+          <a:prstGeom prst="chevron">
+            <a:avLst/>
+          </a:prstGeom>
+          <a:solidFill>
+            <a:schemeClr val="bg1">
+              <a:lumMod val="50000"/>
+            </a:schemeClr>
+          </a:solidFill>
+          <a:ln>
+            <a:noFill/>
+          </a:ln>
+        </p:spPr>
+        <p:style>
+          <a:lnRef idx="2">
+            <a:schemeClr val="accent1">
+              <a:shade val="50000"/>
+            </a:schemeClr>
+          </a:lnRef>
+          <a:fillRef idx="1">
+            <a:schemeClr val="accent1"/>
+          </a:fillRef>
+          <a:effectRef idx="0">
+            <a:schemeClr val="accent1"/>
+          </a:effectRef>
+          <a:fontRef idx="minor">
+            <a:schemeClr val="lt1"/>
+          </a:fontRef>
+        </p:style>
+        <p:txBody>
+          <a:bodyPr rtlCol="0" anchor="ctr"/>
+          <a:lstStyle/>
+          <a:p>
+            <a:pPr marL="0" marR="0" lvl="0" indent="0" algn="ctr" defTabSz="914400" rtl="0" eaLnBrk="1" fontAlgn="auto" latinLnBrk="0" hangingPunct="1">
+              <a:lnSpc>
+                <a:spcPct val="100000"/>
+              </a:lnSpc>
+              <a:spcBef>
+                <a:spcPts val="0"/>
+              </a:spcBef>
+              <a:spcAft>
+                <a:spcPts val="0"/>
+              </a:spcAft>
+              <a:buClrTx/>
+              <a:buSzTx/>
+              <a:buFontTx/>
+              <a:buNone/>
+              <a:tabLst/>
+              <a:defRPr/>
+            </a:pPr>
+            <a:endParaRPr kumimoji="0" lang="en-GB" sz="1800" b="0" i="0" u="none" strike="noStrike" kern="1200" cap="none" spc="0" normalizeH="0" baseline="0" noProof="0">
+              <a:ln>
+                <a:noFill/>
+              </a:ln>
+              <a:solidFill>
+                <a:prstClr val="black"/>
+              </a:solidFill>
+              <a:effectLst/>
+              <a:uLnTx/>
+              <a:uFillTx/>
+              <a:latin typeface="Calibri" panose="020F0502020204030204"/>
+              <a:ea typeface="+mn-ea"/>
+              <a:cs typeface="+mn-cs"/>
+            </a:endParaRPr>
+          </a:p>
+        </p:txBody>
+      </p:sp>
+      <p:sp>
+        <p:nvSpPr>
+          <p:cNvPr id="15" name="Rectangle 14">
+            <a:extLst>
+              <a:ext uri="{FF2B5EF4-FFF2-40B4-BE49-F238E27FC236}">
+                <a16:creationId xmlns:a16="http://schemas.microsoft.com/office/drawing/2014/main" id="{250D0AFA-1333-68DB-445C-73BC80421EA1}"/>
+              </a:ext>
+            </a:extLst>
+          </p:cNvPr>
+          <p:cNvSpPr/>
+          <p:nvPr/>
+        </p:nvSpPr>
+        <p:spPr>
+          <a:xfrm>
+            <a:off x="4744776" y="3020010"/>
+            <a:ext cx="4332117" cy="279842"/>
+          </a:xfrm>
+          <a:prstGeom prst="rect">
+            <a:avLst/>
+          </a:prstGeom>
+          <a:solidFill>
+            <a:schemeClr val="bg1"/>
+          </a:solidFill>
+          <a:ln>
+            <a:noFill/>
+          </a:ln>
+        </p:spPr>
+        <p:style>
+          <a:lnRef idx="2">
+            <a:schemeClr val="accent1">
+              <a:shade val="50000"/>
+            </a:schemeClr>
+          </a:lnRef>
+          <a:fillRef idx="1">
+            <a:schemeClr val="accent1"/>
+          </a:fillRef>
+          <a:effectRef idx="0">
+            <a:schemeClr val="accent1"/>
+          </a:effectRef>
+          <a:fontRef idx="minor">
+            <a:schemeClr val="lt1"/>
+          </a:fontRef>
+        </p:style>
+        <p:txBody>
+          <a:bodyPr rtlCol="0" anchor="ctr"/>
+          <a:lstStyle/>
+          <a:p>
+            <a:pPr algn="ctr"/>
+            <a:r>
+              <a:rPr lang="en-GB" sz="1400" dirty="0">
+                <a:solidFill>
+                  <a:schemeClr val="tx1"/>
+                </a:solidFill>
+              </a:rPr>
+              <a:t>Username</a:t>
+            </a:r>
+          </a:p>
+        </p:txBody>
+      </p:sp>
+      <p:sp>
+        <p:nvSpPr>
+          <p:cNvPr id="21" name="Rectangle 20">
+            <a:extLst>
+              <a:ext uri="{FF2B5EF4-FFF2-40B4-BE49-F238E27FC236}">
+                <a16:creationId xmlns:a16="http://schemas.microsoft.com/office/drawing/2014/main" id="{757660FC-3A5B-860C-9E2C-77BCD87FFD74}"/>
+              </a:ext>
+            </a:extLst>
+          </p:cNvPr>
+          <p:cNvSpPr/>
+          <p:nvPr/>
+        </p:nvSpPr>
+        <p:spPr>
+          <a:xfrm>
+            <a:off x="4744775" y="3493969"/>
+            <a:ext cx="4332117" cy="279842"/>
+          </a:xfrm>
+          <a:prstGeom prst="rect">
+            <a:avLst/>
+          </a:prstGeom>
+          <a:solidFill>
+            <a:schemeClr val="bg1"/>
+          </a:solidFill>
+          <a:ln>
+            <a:noFill/>
+          </a:ln>
+        </p:spPr>
+        <p:style>
+          <a:lnRef idx="2">
+            <a:schemeClr val="accent1">
+              <a:shade val="50000"/>
+            </a:schemeClr>
+          </a:lnRef>
+          <a:fillRef idx="1">
+            <a:schemeClr val="accent1"/>
+          </a:fillRef>
+          <a:effectRef idx="0">
+            <a:schemeClr val="accent1"/>
+          </a:effectRef>
+          <a:fontRef idx="minor">
+            <a:schemeClr val="lt1"/>
+          </a:fontRef>
+        </p:style>
+        <p:txBody>
+          <a:bodyPr rtlCol="0" anchor="ctr"/>
+          <a:lstStyle/>
+          <a:p>
+            <a:pPr algn="ctr"/>
+            <a:r>
+              <a:rPr lang="en-GB" sz="1400" dirty="0">
+                <a:solidFill>
+                  <a:schemeClr val="tx1"/>
+                </a:solidFill>
+              </a:rPr>
+              <a:t>Password</a:t>
+            </a:r>
+          </a:p>
+        </p:txBody>
+      </p:sp>
+      <p:sp>
+        <p:nvSpPr>
+          <p:cNvPr id="23" name="Rectangle 22">
+            <a:extLst>
+              <a:ext uri="{FF2B5EF4-FFF2-40B4-BE49-F238E27FC236}">
+                <a16:creationId xmlns:a16="http://schemas.microsoft.com/office/drawing/2014/main" id="{6928FCC2-F2B2-1B12-EF3F-6693BA227425}"/>
+              </a:ext>
+            </a:extLst>
+          </p:cNvPr>
+          <p:cNvSpPr/>
+          <p:nvPr/>
+        </p:nvSpPr>
+        <p:spPr>
+          <a:xfrm>
+            <a:off x="6186325" y="3967928"/>
+            <a:ext cx="1449016" cy="287027"/>
+          </a:xfrm>
+          <a:prstGeom prst="rect">
+            <a:avLst/>
+          </a:prstGeom>
+          <a:solidFill>
+            <a:srgbClr val="364652"/>
+          </a:solidFill>
+          <a:ln>
+            <a:noFill/>
+          </a:ln>
+        </p:spPr>
+        <p:style>
+          <a:lnRef idx="2">
+            <a:schemeClr val="accent1">
+              <a:shade val="50000"/>
+            </a:schemeClr>
+          </a:lnRef>
+          <a:fillRef idx="1">
+            <a:schemeClr val="accent1"/>
+          </a:fillRef>
+          <a:effectRef idx="0">
+            <a:schemeClr val="accent1"/>
+          </a:effectRef>
+          <a:fontRef idx="minor">
+            <a:schemeClr val="lt1"/>
+          </a:fontRef>
+        </p:style>
+        <p:txBody>
+          <a:bodyPr rtlCol="0" anchor="ctr"/>
+          <a:lstStyle/>
+          <a:p>
+            <a:pPr algn="ctr"/>
+            <a:r>
+              <a:rPr lang="en-GB" sz="1400" dirty="0"/>
+              <a:t>Create Account</a:t>
+            </a:r>
+          </a:p>
+        </p:txBody>
+      </p:sp>
+      <p:pic>
+        <p:nvPicPr>
+          <p:cNvPr id="25" name="Picture 24" descr="Shape&#10;&#10;Description automatically generated with low confidence">
+            <a:extLst>
+              <a:ext uri="{FF2B5EF4-FFF2-40B4-BE49-F238E27FC236}">
+                <a16:creationId xmlns:a16="http://schemas.microsoft.com/office/drawing/2014/main" id="{CDE009EA-596C-F803-AD63-008A04BF3577}"/>
+              </a:ext>
+            </a:extLst>
+          </p:cNvPr>
+          <p:cNvPicPr>
+            <a:picLocks noChangeAspect="1"/>
+          </p:cNvPicPr>
+          <p:nvPr/>
+        </p:nvPicPr>
+        <p:blipFill>
+          <a:blip r:embed="rId5">
+            <a:extLst>
+              <a:ext uri="{BEBA8EAE-BF5A-486C-A8C5-ECC9F3942E4B}">
+                <a14:imgProps xmlns:a14="http://schemas.microsoft.com/office/drawing/2010/main">
+                  <a14:imgLayer r:embed="rId6">
+                    <a14:imgEffect>
+                      <a14:sharpenSoften amount="100000"/>
+                    </a14:imgEffect>
+                  </a14:imgLayer>
+                </a14:imgProps>
+              </a:ext>
+              <a:ext uri="{28A0092B-C50C-407E-A947-70E740481C1C}">
+                <a14:useLocalDpi xmlns:a14="http://schemas.microsoft.com/office/drawing/2010/main" val="0"/>
+              </a:ext>
+            </a:extLst>
+          </a:blip>
+          <a:stretch>
+            <a:fillRect/>
+          </a:stretch>
+        </p:blipFill>
+        <p:spPr>
+          <a:xfrm flipH="1">
+            <a:off x="6478604" y="1413650"/>
+            <a:ext cx="864458" cy="864458"/>
+          </a:xfrm>
+          <a:prstGeom prst="rect">
+            <a:avLst/>
+          </a:prstGeom>
+        </p:spPr>
+      </p:pic>
+      <p:sp>
+        <p:nvSpPr>
+          <p:cNvPr id="4" name="Rectangle 3">
+            <a:hlinkClick r:id="rId7" action="ppaction://hlinksldjump"/>
+            <a:extLst>
+              <a:ext uri="{FF2B5EF4-FFF2-40B4-BE49-F238E27FC236}">
+                <a16:creationId xmlns:a16="http://schemas.microsoft.com/office/drawing/2014/main" id="{08991A27-2878-A30E-B004-2EB91A773E6E}"/>
               </a:ext>
             </a:extLst>
           </p:cNvPr>
@@ -22269,94 +26217,10 @@
       </p:sp>
       <p:sp>
         <p:nvSpPr>
-          <p:cNvPr id="28" name="Rectangle 27">
+          <p:cNvPr id="22" name="Rectangle 21">
             <a:extLst>
               <a:ext uri="{FF2B5EF4-FFF2-40B4-BE49-F238E27FC236}">
-                <a16:creationId xmlns:a16="http://schemas.microsoft.com/office/drawing/2014/main" id="{6D163510-778B-4944-A182-7BCAFD02A5C0}"/>
-              </a:ext>
-            </a:extLst>
-          </p:cNvPr>
-          <p:cNvSpPr/>
-          <p:nvPr/>
-        </p:nvSpPr>
-        <p:spPr>
-          <a:xfrm>
-            <a:off x="488816" y="1598505"/>
-            <a:ext cx="1209404" cy="282516"/>
-          </a:xfrm>
-          <a:prstGeom prst="rect">
-            <a:avLst/>
-          </a:prstGeom>
-          <a:solidFill>
-            <a:srgbClr val="364652"/>
-          </a:solidFill>
-          <a:ln>
-            <a:noFill/>
-          </a:ln>
-        </p:spPr>
-        <p:style>
-          <a:lnRef idx="2">
-            <a:schemeClr val="accent1">
-              <a:shade val="50000"/>
-            </a:schemeClr>
-          </a:lnRef>
-          <a:fillRef idx="1">
-            <a:schemeClr val="accent1"/>
-          </a:fillRef>
-          <a:effectRef idx="0">
-            <a:schemeClr val="accent1"/>
-          </a:effectRef>
-          <a:fontRef idx="minor">
-            <a:schemeClr val="lt1"/>
-          </a:fontRef>
-        </p:style>
-        <p:txBody>
-          <a:bodyPr rtlCol="0" anchor="ctr"/>
-          <a:lstStyle/>
-          <a:p>
-            <a:pPr marL="0" marR="0" lvl="0" indent="0" algn="ctr" defTabSz="914400" rtl="0" eaLnBrk="1" fontAlgn="auto" latinLnBrk="0" hangingPunct="1">
-              <a:lnSpc>
-                <a:spcPct val="100000"/>
-              </a:lnSpc>
-              <a:spcBef>
-                <a:spcPts val="0"/>
-              </a:spcBef>
-              <a:spcAft>
-                <a:spcPts val="0"/>
-              </a:spcAft>
-              <a:buClrTx/>
-              <a:buSzTx/>
-              <a:buFontTx/>
-              <a:buNone/>
-              <a:tabLst/>
-              <a:defRPr/>
-            </a:pPr>
-            <a:r>
-              <a:rPr kumimoji="0" lang="en-GB" sz="1200" b="0" i="0" u="none" strike="noStrike" kern="1200" cap="none" spc="0" normalizeH="0" baseline="0" noProof="0" dirty="0">
-                <a:ln>
-                  <a:noFill/>
-                </a:ln>
-                <a:solidFill>
-                  <a:prstClr val="white"/>
-                </a:solidFill>
-                <a:effectLst/>
-                <a:uLnTx/>
-                <a:uFillTx/>
-                <a:latin typeface="Calibri" panose="020F0502020204030204"/>
-                <a:ea typeface="+mn-ea"/>
-                <a:cs typeface="+mn-cs"/>
-              </a:rPr>
-              <a:t>Edit Profile</a:t>
-            </a:r>
-          </a:p>
-        </p:txBody>
-      </p:sp>
-      <p:sp>
-        <p:nvSpPr>
-          <p:cNvPr id="31" name="Rectangle 30">
-            <a:extLst>
-              <a:ext uri="{FF2B5EF4-FFF2-40B4-BE49-F238E27FC236}">
-                <a16:creationId xmlns:a16="http://schemas.microsoft.com/office/drawing/2014/main" id="{04416776-04C4-42EC-9B6C-07807633D858}"/>
+                <a16:creationId xmlns:a16="http://schemas.microsoft.com/office/drawing/2014/main" id="{C8451C51-CC95-ACF8-1F89-76DA70B124D2}"/>
               </a:ext>
             </a:extLst>
           </p:cNvPr>
@@ -22436,10 +26300,11 @@
       </p:sp>
       <p:sp>
         <p:nvSpPr>
-          <p:cNvPr id="3" name="Rectangle 2">
+          <p:cNvPr id="24" name="Rectangle 23">
+            <a:hlinkClick r:id="rId8" action="ppaction://hlinksldjump"/>
             <a:extLst>
               <a:ext uri="{FF2B5EF4-FFF2-40B4-BE49-F238E27FC236}">
-                <a16:creationId xmlns:a16="http://schemas.microsoft.com/office/drawing/2014/main" id="{D981FEF5-9904-2FAE-8494-F95696A9E629}"/>
+                <a16:creationId xmlns:a16="http://schemas.microsoft.com/office/drawing/2014/main" id="{726CEAB2-8AF9-4792-126C-6056F2D30DA7}"/>
               </a:ext>
             </a:extLst>
           </p:cNvPr>
@@ -22520,10 +26385,11 @@
       </p:sp>
       <p:sp>
         <p:nvSpPr>
-          <p:cNvPr id="5" name="Rectangle 4">
+          <p:cNvPr id="26" name="Rectangle 25">
+            <a:hlinkClick r:id="rId9" action="ppaction://hlinksldjump"/>
             <a:extLst>
               <a:ext uri="{FF2B5EF4-FFF2-40B4-BE49-F238E27FC236}">
-                <a16:creationId xmlns:a16="http://schemas.microsoft.com/office/drawing/2014/main" id="{B631C60A-AC05-69F6-DB6B-2C40A5444143}"/>
+                <a16:creationId xmlns:a16="http://schemas.microsoft.com/office/drawing/2014/main" id="{794893DA-394F-98B3-FCDC-E0D32342DC46}"/>
               </a:ext>
             </a:extLst>
           </p:cNvPr>
@@ -22604,10 +26470,11 @@
       </p:sp>
       <p:sp>
         <p:nvSpPr>
-          <p:cNvPr id="6" name="Rectangle 5">
+          <p:cNvPr id="29" name="Rectangle 28">
+            <a:hlinkClick r:id="rId10" action="ppaction://hlinksldjump"/>
             <a:extLst>
               <a:ext uri="{FF2B5EF4-FFF2-40B4-BE49-F238E27FC236}">
-                <a16:creationId xmlns:a16="http://schemas.microsoft.com/office/drawing/2014/main" id="{77ACF959-6D3C-2059-05E9-37F69A528675}"/>
+                <a16:creationId xmlns:a16="http://schemas.microsoft.com/office/drawing/2014/main" id="{EF219180-D585-42B0-3EE4-7BED56A16706}"/>
               </a:ext>
             </a:extLst>
           </p:cNvPr>
@@ -22688,10 +26555,10 @@
       </p:sp>
       <p:sp>
         <p:nvSpPr>
-          <p:cNvPr id="8" name="Rectangle 7">
+          <p:cNvPr id="30" name="Rectangle 29">
             <a:extLst>
               <a:ext uri="{FF2B5EF4-FFF2-40B4-BE49-F238E27FC236}">
-                <a16:creationId xmlns:a16="http://schemas.microsoft.com/office/drawing/2014/main" id="{0EA966F5-8091-06FF-3330-7DB3948FDDCE}"/>
+                <a16:creationId xmlns:a16="http://schemas.microsoft.com/office/drawing/2014/main" id="{CC5AA86C-3AB1-47D3-760D-875FC2911AE4}"/>
               </a:ext>
             </a:extLst>
           </p:cNvPr>
@@ -22751,155 +26618,15 @@
               <a:defRPr/>
             </a:pPr>
             <a:r>
-              <a:rPr kumimoji="0" lang="en-GB" sz="1600" b="0" i="0" u="none" strike="noStrike" kern="1200" cap="none" spc="0" normalizeH="0" baseline="0" noProof="0" dirty="0">
-                <a:ln>
-                  <a:noFill/>
-                </a:ln>
+              <a:rPr lang="en-GB" sz="1600" dirty="0">
                 <a:solidFill>
                   <a:prstClr val="white"/>
                 </a:solidFill>
-                <a:effectLst/>
-                <a:uLnTx/>
-                <a:uFillTx/>
                 <a:latin typeface="Calibri" panose="020F0502020204030204"/>
-                <a:ea typeface="+mn-ea"/>
-                <a:cs typeface="+mn-cs"/>
               </a:rPr>
               <a:t>Logout</a:t>
             </a:r>
-          </a:p>
-        </p:txBody>
-      </p:sp>
-      <p:sp>
-        <p:nvSpPr>
-          <p:cNvPr id="9" name="Rectangle 8">
-            <a:extLst>
-              <a:ext uri="{FF2B5EF4-FFF2-40B4-BE49-F238E27FC236}">
-                <a16:creationId xmlns:a16="http://schemas.microsoft.com/office/drawing/2014/main" id="{028B8447-8983-1930-36CC-8EBE1FFA63F3}"/>
-              </a:ext>
-            </a:extLst>
-          </p:cNvPr>
-          <p:cNvSpPr/>
-          <p:nvPr/>
-        </p:nvSpPr>
-        <p:spPr>
-          <a:xfrm>
-            <a:off x="4754880" y="2546051"/>
-            <a:ext cx="4058630" cy="279842"/>
-          </a:xfrm>
-          <a:prstGeom prst="rect">
-            <a:avLst/>
-          </a:prstGeom>
-          <a:solidFill>
-            <a:schemeClr val="bg1"/>
-          </a:solidFill>
-          <a:ln>
-            <a:noFill/>
-          </a:ln>
-        </p:spPr>
-        <p:style>
-          <a:lnRef idx="2">
-            <a:schemeClr val="accent1">
-              <a:shade val="50000"/>
-            </a:schemeClr>
-          </a:lnRef>
-          <a:fillRef idx="1">
-            <a:schemeClr val="accent1"/>
-          </a:fillRef>
-          <a:effectRef idx="0">
-            <a:schemeClr val="accent1"/>
-          </a:effectRef>
-          <a:fontRef idx="minor">
-            <a:schemeClr val="lt1"/>
-          </a:fontRef>
-        </p:style>
-        <p:txBody>
-          <a:bodyPr rtlCol="0" anchor="ctr"/>
-          <a:lstStyle/>
-          <a:p>
-            <a:pPr algn="ctr"/>
-            <a:r>
-              <a:rPr lang="en-GB" sz="1400" dirty="0">
-                <a:solidFill>
-                  <a:schemeClr val="tx1"/>
-                </a:solidFill>
-              </a:rPr>
-              <a:t>Account Type</a:t>
-            </a:r>
-          </a:p>
-        </p:txBody>
-      </p:sp>
-      <p:sp>
-        <p:nvSpPr>
-          <p:cNvPr id="10" name="Rectangle 9">
-            <a:extLst>
-              <a:ext uri="{FF2B5EF4-FFF2-40B4-BE49-F238E27FC236}">
-                <a16:creationId xmlns:a16="http://schemas.microsoft.com/office/drawing/2014/main" id="{61CBA639-843A-1F25-E93D-35D730A4F4E6}"/>
-              </a:ext>
-            </a:extLst>
-          </p:cNvPr>
-          <p:cNvSpPr/>
-          <p:nvPr/>
-        </p:nvSpPr>
-        <p:spPr>
-          <a:xfrm rot="10800000">
-            <a:off x="8803407" y="2544756"/>
-            <a:ext cx="273487" cy="279840"/>
-          </a:xfrm>
-          <a:prstGeom prst="rect">
-            <a:avLst/>
-          </a:prstGeom>
-          <a:solidFill>
-            <a:schemeClr val="bg1">
-              <a:lumMod val="95000"/>
-            </a:schemeClr>
-          </a:solidFill>
-          <a:ln>
-            <a:solidFill>
-              <a:schemeClr val="bg2">
-                <a:lumMod val="90000"/>
-              </a:schemeClr>
-            </a:solidFill>
-          </a:ln>
-        </p:spPr>
-        <p:style>
-          <a:lnRef idx="2">
-            <a:schemeClr val="accent1">
-              <a:shade val="50000"/>
-            </a:schemeClr>
-          </a:lnRef>
-          <a:fillRef idx="1">
-            <a:schemeClr val="accent1"/>
-          </a:fillRef>
-          <a:effectRef idx="0">
-            <a:schemeClr val="accent1"/>
-          </a:effectRef>
-          <a:fontRef idx="minor">
-            <a:schemeClr val="lt1"/>
-          </a:fontRef>
-        </p:style>
-        <p:txBody>
-          <a:bodyPr rtlCol="0" anchor="ctr"/>
-          <a:lstStyle/>
-          <a:p>
-            <a:pPr marL="0" marR="0" lvl="0" indent="0" algn="ctr" defTabSz="914400" rtl="0" eaLnBrk="1" fontAlgn="auto" latinLnBrk="0" hangingPunct="1">
-              <a:lnSpc>
-                <a:spcPct val="100000"/>
-              </a:lnSpc>
-              <a:spcBef>
-                <a:spcPts val="0"/>
-              </a:spcBef>
-              <a:spcAft>
-                <a:spcPts val="0"/>
-              </a:spcAft>
-              <a:buClrTx/>
-              <a:buSzTx/>
-              <a:buFontTx/>
-              <a:buNone/>
-              <a:tabLst/>
-              <a:defRPr/>
-            </a:pPr>
-            <a:endParaRPr kumimoji="0" lang="en-GB" sz="1800" b="0" i="0" u="none" strike="noStrike" kern="1200" cap="none" spc="0" normalizeH="0" baseline="0" noProof="0">
+            <a:endParaRPr kumimoji="0" lang="en-GB" sz="1600" b="0" i="0" u="none" strike="noStrike" kern="1200" cap="none" spc="0" normalizeH="0" baseline="0" noProof="0" dirty="0">
               <a:ln>
                 <a:noFill/>
               </a:ln>
@@ -22916,307 +26643,6 @@
           </a:p>
         </p:txBody>
       </p:sp>
-      <p:sp>
-        <p:nvSpPr>
-          <p:cNvPr id="11" name="Arrow: Chevron 10">
-            <a:extLst>
-              <a:ext uri="{FF2B5EF4-FFF2-40B4-BE49-F238E27FC236}">
-                <a16:creationId xmlns:a16="http://schemas.microsoft.com/office/drawing/2014/main" id="{4651EBC4-EC22-3D34-4A1E-3019EDBCE426}"/>
-              </a:ext>
-            </a:extLst>
-          </p:cNvPr>
-          <p:cNvSpPr/>
-          <p:nvPr/>
-        </p:nvSpPr>
-        <p:spPr>
-          <a:xfrm rot="5400000">
-            <a:off x="8877694" y="2609421"/>
-            <a:ext cx="140349" cy="149654"/>
-          </a:xfrm>
-          <a:prstGeom prst="chevron">
-            <a:avLst/>
-          </a:prstGeom>
-          <a:solidFill>
-            <a:schemeClr val="bg1">
-              <a:lumMod val="50000"/>
-            </a:schemeClr>
-          </a:solidFill>
-          <a:ln>
-            <a:noFill/>
-          </a:ln>
-        </p:spPr>
-        <p:style>
-          <a:lnRef idx="2">
-            <a:schemeClr val="accent1">
-              <a:shade val="50000"/>
-            </a:schemeClr>
-          </a:lnRef>
-          <a:fillRef idx="1">
-            <a:schemeClr val="accent1"/>
-          </a:fillRef>
-          <a:effectRef idx="0">
-            <a:schemeClr val="accent1"/>
-          </a:effectRef>
-          <a:fontRef idx="minor">
-            <a:schemeClr val="lt1"/>
-          </a:fontRef>
-        </p:style>
-        <p:txBody>
-          <a:bodyPr rtlCol="0" anchor="ctr"/>
-          <a:lstStyle/>
-          <a:p>
-            <a:pPr marL="0" marR="0" lvl="0" indent="0" algn="ctr" defTabSz="914400" rtl="0" eaLnBrk="1" fontAlgn="auto" latinLnBrk="0" hangingPunct="1">
-              <a:lnSpc>
-                <a:spcPct val="100000"/>
-              </a:lnSpc>
-              <a:spcBef>
-                <a:spcPts val="0"/>
-              </a:spcBef>
-              <a:spcAft>
-                <a:spcPts val="0"/>
-              </a:spcAft>
-              <a:buClrTx/>
-              <a:buSzTx/>
-              <a:buFontTx/>
-              <a:buNone/>
-              <a:tabLst/>
-              <a:defRPr/>
-            </a:pPr>
-            <a:endParaRPr kumimoji="0" lang="en-GB" sz="1800" b="0" i="0" u="none" strike="noStrike" kern="1200" cap="none" spc="0" normalizeH="0" baseline="0" noProof="0">
-              <a:ln>
-                <a:noFill/>
-              </a:ln>
-              <a:solidFill>
-                <a:prstClr val="black"/>
-              </a:solidFill>
-              <a:effectLst/>
-              <a:uLnTx/>
-              <a:uFillTx/>
-              <a:latin typeface="Calibri" panose="020F0502020204030204"/>
-              <a:ea typeface="+mn-ea"/>
-              <a:cs typeface="+mn-cs"/>
-            </a:endParaRPr>
-          </a:p>
-        </p:txBody>
-      </p:sp>
-      <p:sp>
-        <p:nvSpPr>
-          <p:cNvPr id="15" name="Rectangle 14">
-            <a:extLst>
-              <a:ext uri="{FF2B5EF4-FFF2-40B4-BE49-F238E27FC236}">
-                <a16:creationId xmlns:a16="http://schemas.microsoft.com/office/drawing/2014/main" id="{250D0AFA-1333-68DB-445C-73BC80421EA1}"/>
-              </a:ext>
-            </a:extLst>
-          </p:cNvPr>
-          <p:cNvSpPr/>
-          <p:nvPr/>
-        </p:nvSpPr>
-        <p:spPr>
-          <a:xfrm>
-            <a:off x="4744776" y="3020010"/>
-            <a:ext cx="4332117" cy="279842"/>
-          </a:xfrm>
-          <a:prstGeom prst="rect">
-            <a:avLst/>
-          </a:prstGeom>
-          <a:solidFill>
-            <a:schemeClr val="bg1"/>
-          </a:solidFill>
-          <a:ln>
-            <a:noFill/>
-          </a:ln>
-        </p:spPr>
-        <p:style>
-          <a:lnRef idx="2">
-            <a:schemeClr val="accent1">
-              <a:shade val="50000"/>
-            </a:schemeClr>
-          </a:lnRef>
-          <a:fillRef idx="1">
-            <a:schemeClr val="accent1"/>
-          </a:fillRef>
-          <a:effectRef idx="0">
-            <a:schemeClr val="accent1"/>
-          </a:effectRef>
-          <a:fontRef idx="minor">
-            <a:schemeClr val="lt1"/>
-          </a:fontRef>
-        </p:style>
-        <p:txBody>
-          <a:bodyPr rtlCol="0" anchor="ctr"/>
-          <a:lstStyle/>
-          <a:p>
-            <a:pPr algn="ctr"/>
-            <a:r>
-              <a:rPr lang="en-GB" sz="1400" dirty="0">
-                <a:solidFill>
-                  <a:schemeClr val="tx1"/>
-                </a:solidFill>
-              </a:rPr>
-              <a:t>Username</a:t>
-            </a:r>
-          </a:p>
-        </p:txBody>
-      </p:sp>
-      <p:sp>
-        <p:nvSpPr>
-          <p:cNvPr id="21" name="Rectangle 20">
-            <a:extLst>
-              <a:ext uri="{FF2B5EF4-FFF2-40B4-BE49-F238E27FC236}">
-                <a16:creationId xmlns:a16="http://schemas.microsoft.com/office/drawing/2014/main" id="{757660FC-3A5B-860C-9E2C-77BCD87FFD74}"/>
-              </a:ext>
-            </a:extLst>
-          </p:cNvPr>
-          <p:cNvSpPr/>
-          <p:nvPr/>
-        </p:nvSpPr>
-        <p:spPr>
-          <a:xfrm>
-            <a:off x="4744775" y="3493969"/>
-            <a:ext cx="4332117" cy="279842"/>
-          </a:xfrm>
-          <a:prstGeom prst="rect">
-            <a:avLst/>
-          </a:prstGeom>
-          <a:solidFill>
-            <a:schemeClr val="bg1"/>
-          </a:solidFill>
-          <a:ln>
-            <a:noFill/>
-          </a:ln>
-        </p:spPr>
-        <p:style>
-          <a:lnRef idx="2">
-            <a:schemeClr val="accent1">
-              <a:shade val="50000"/>
-            </a:schemeClr>
-          </a:lnRef>
-          <a:fillRef idx="1">
-            <a:schemeClr val="accent1"/>
-          </a:fillRef>
-          <a:effectRef idx="0">
-            <a:schemeClr val="accent1"/>
-          </a:effectRef>
-          <a:fontRef idx="minor">
-            <a:schemeClr val="lt1"/>
-          </a:fontRef>
-        </p:style>
-        <p:txBody>
-          <a:bodyPr rtlCol="0" anchor="ctr"/>
-          <a:lstStyle/>
-          <a:p>
-            <a:pPr algn="ctr"/>
-            <a:r>
-              <a:rPr lang="en-GB" sz="1400" dirty="0">
-                <a:solidFill>
-                  <a:schemeClr val="tx1"/>
-                </a:solidFill>
-              </a:rPr>
-              <a:t>Password</a:t>
-            </a:r>
-          </a:p>
-        </p:txBody>
-      </p:sp>
-      <p:sp>
-        <p:nvSpPr>
-          <p:cNvPr id="23" name="Rectangle 22">
-            <a:extLst>
-              <a:ext uri="{FF2B5EF4-FFF2-40B4-BE49-F238E27FC236}">
-                <a16:creationId xmlns:a16="http://schemas.microsoft.com/office/drawing/2014/main" id="{6928FCC2-F2B2-1B12-EF3F-6693BA227425}"/>
-              </a:ext>
-            </a:extLst>
-          </p:cNvPr>
-          <p:cNvSpPr/>
-          <p:nvPr/>
-        </p:nvSpPr>
-        <p:spPr>
-          <a:xfrm>
-            <a:off x="6186325" y="3967928"/>
-            <a:ext cx="1449016" cy="287027"/>
-          </a:xfrm>
-          <a:prstGeom prst="rect">
-            <a:avLst/>
-          </a:prstGeom>
-          <a:solidFill>
-            <a:srgbClr val="364652"/>
-          </a:solidFill>
-          <a:ln>
-            <a:noFill/>
-          </a:ln>
-        </p:spPr>
-        <p:style>
-          <a:lnRef idx="2">
-            <a:schemeClr val="accent1">
-              <a:shade val="50000"/>
-            </a:schemeClr>
-          </a:lnRef>
-          <a:fillRef idx="1">
-            <a:schemeClr val="accent1"/>
-          </a:fillRef>
-          <a:effectRef idx="0">
-            <a:schemeClr val="accent1"/>
-          </a:effectRef>
-          <a:fontRef idx="minor">
-            <a:schemeClr val="lt1"/>
-          </a:fontRef>
-        </p:style>
-        <p:txBody>
-          <a:bodyPr rtlCol="0" anchor="ctr"/>
-          <a:lstStyle/>
-          <a:p>
-            <a:pPr algn="ctr"/>
-            <a:r>
-              <a:rPr lang="en-GB" sz="1400" dirty="0"/>
-              <a:t>Create Account</a:t>
-            </a:r>
-          </a:p>
-        </p:txBody>
-      </p:sp>
-      <p:pic>
-        <p:nvPicPr>
-          <p:cNvPr id="25" name="Picture 24" descr="Shape&#10;&#10;Description automatically generated with low confidence">
-            <a:extLst>
-              <a:ext uri="{FF2B5EF4-FFF2-40B4-BE49-F238E27FC236}">
-                <a16:creationId xmlns:a16="http://schemas.microsoft.com/office/drawing/2014/main" id="{CDE009EA-596C-F803-AD63-008A04BF3577}"/>
-              </a:ext>
-            </a:extLst>
-          </p:cNvPr>
-          <p:cNvPicPr>
-            <a:picLocks noChangeAspect="1"/>
-          </p:cNvPicPr>
-          <p:nvPr/>
-        </p:nvPicPr>
-        <p:blipFill>
-          <a:blip r:embed="rId6">
-            <a:extLst>
-              <a:ext uri="{BEBA8EAE-BF5A-486C-A8C5-ECC9F3942E4B}">
-                <a14:imgProps xmlns:a14="http://schemas.microsoft.com/office/drawing/2010/main">
-                  <a14:imgLayer r:embed="rId7">
-                    <a14:imgEffect>
-                      <a14:sharpenSoften amount="100000"/>
-                    </a14:imgEffect>
-                  </a14:imgLayer>
-                </a14:imgProps>
-              </a:ext>
-              <a:ext uri="{28A0092B-C50C-407E-A947-70E740481C1C}">
-                <a14:useLocalDpi xmlns:a14="http://schemas.microsoft.com/office/drawing/2010/main" val="0"/>
-              </a:ext>
-            </a:extLst>
-          </a:blip>
-          <a:stretch>
-            <a:fillRect/>
-          </a:stretch>
-        </p:blipFill>
-        <p:spPr>
-          <a:xfrm flipH="1">
-            <a:off x="6478604" y="1413650"/>
-            <a:ext cx="864458" cy="864458"/>
-          </a:xfrm>
-          <a:prstGeom prst="rect">
-            <a:avLst/>
-          </a:prstGeom>
-        </p:spPr>
-      </p:pic>
     </p:spTree>
     <p:extLst>
       <p:ext uri="{BB962C8B-B14F-4D97-AF65-F5344CB8AC3E}">

--- a/Documents, diagrams etc/Page Prototypes.pptx
+++ b/Documents, diagrams etc/Page Prototypes.pptx
@@ -24166,23 +24166,20 @@
               <a:tabLst/>
               <a:defRPr/>
             </a:pPr>
-            <a:r>
-              <a:rPr kumimoji="0" lang="en-GB" sz="1800" b="0" i="0" u="none" strike="noStrike" kern="1200" cap="none" spc="0" normalizeH="0" baseline="0" noProof="0" dirty="0">
-                <a:ln>
-                  <a:noFill/>
-                </a:ln>
-                <a:solidFill>
-                  <a:prstClr val="white"/>
-                </a:solidFill>
-                <a:effectLst/>
-                <a:uLnTx/>
-                <a:uFillTx/>
-                <a:latin typeface="Calibri" panose="020F0502020204030204"/>
-                <a:ea typeface="+mn-ea"/>
-                <a:cs typeface="+mn-cs"/>
-              </a:rPr>
-              <a:t>clients</a:t>
-            </a:r>
+            <a:endParaRPr kumimoji="0" lang="en-GB" sz="1800" b="0" i="0" u="none" strike="noStrike" kern="1200" cap="none" spc="0" normalizeH="0" baseline="0" noProof="0" dirty="0">
+              <a:ln>
+                <a:noFill/>
+              </a:ln>
+              <a:solidFill>
+                <a:prstClr val="white"/>
+              </a:solidFill>
+              <a:effectLst/>
+              <a:uLnTx/>
+              <a:uFillTx/>
+              <a:latin typeface="Calibri" panose="020F0502020204030204"/>
+              <a:ea typeface="+mn-ea"/>
+              <a:cs typeface="+mn-cs"/>
+            </a:endParaRPr>
           </a:p>
         </p:txBody>
       </p:sp>
@@ -24780,6 +24777,1279 @@
               <a:ea typeface="+mn-ea"/>
               <a:cs typeface="+mn-cs"/>
             </a:endParaRPr>
+          </a:p>
+        </p:txBody>
+      </p:sp>
+      <p:sp>
+        <p:nvSpPr>
+          <p:cNvPr id="22" name="Rectangle 21">
+            <a:extLst>
+              <a:ext uri="{FF2B5EF4-FFF2-40B4-BE49-F238E27FC236}">
+                <a16:creationId xmlns:a16="http://schemas.microsoft.com/office/drawing/2014/main" id="{1FFFB2C5-BEA3-C14D-3C4A-6789153E25DB}"/>
+              </a:ext>
+            </a:extLst>
+          </p:cNvPr>
+          <p:cNvSpPr/>
+          <p:nvPr/>
+        </p:nvSpPr>
+        <p:spPr>
+          <a:xfrm>
+            <a:off x="3456463" y="1115139"/>
+            <a:ext cx="7319690" cy="1531764"/>
+          </a:xfrm>
+          <a:prstGeom prst="rect">
+            <a:avLst/>
+          </a:prstGeom>
+          <a:solidFill>
+            <a:schemeClr val="bg1"/>
+          </a:solidFill>
+          <a:ln>
+            <a:noFill/>
+          </a:ln>
+        </p:spPr>
+        <p:style>
+          <a:lnRef idx="2">
+            <a:schemeClr val="accent1">
+              <a:shade val="50000"/>
+            </a:schemeClr>
+          </a:lnRef>
+          <a:fillRef idx="1">
+            <a:schemeClr val="accent1"/>
+          </a:fillRef>
+          <a:effectRef idx="0">
+            <a:schemeClr val="accent1"/>
+          </a:effectRef>
+          <a:fontRef idx="minor">
+            <a:schemeClr val="lt1"/>
+          </a:fontRef>
+        </p:style>
+        <p:txBody>
+          <a:bodyPr rtlCol="0" anchor="ctr"/>
+          <a:lstStyle/>
+          <a:p>
+            <a:pPr algn="ctr"/>
+            <a:r>
+              <a:rPr lang="en-GB" sz="1400" dirty="0">
+                <a:solidFill>
+                  <a:schemeClr val="tx1"/>
+                </a:solidFill>
+                <a:latin typeface="Mercury SSm A"/>
+              </a:rPr>
+              <a:t>Gerry Adams</a:t>
+            </a:r>
+          </a:p>
+          <a:p>
+            <a:pPr algn="ctr"/>
+            <a:r>
+              <a:rPr lang="en-GB" sz="1400" dirty="0">
+                <a:solidFill>
+                  <a:schemeClr val="tx1"/>
+                </a:solidFill>
+                <a:latin typeface="Mercury SSm A"/>
+              </a:rPr>
+              <a:t>Sarah Donaghy</a:t>
+            </a:r>
+          </a:p>
+          <a:p>
+            <a:pPr algn="ctr"/>
+            <a:r>
+              <a:rPr lang="en-GB" sz="1400" b="0" i="0" dirty="0">
+                <a:solidFill>
+                  <a:schemeClr val="tx1"/>
+                </a:solidFill>
+                <a:effectLst/>
+                <a:latin typeface="Mercury SSm A"/>
+              </a:rPr>
+              <a:t>Janice Framingham</a:t>
+            </a:r>
+          </a:p>
+          <a:p>
+            <a:pPr algn="ctr"/>
+            <a:r>
+              <a:rPr lang="en-GB" sz="1400" dirty="0">
+                <a:solidFill>
+                  <a:schemeClr val="tx1"/>
+                </a:solidFill>
+                <a:latin typeface="Mercury SSm A"/>
+              </a:rPr>
+              <a:t>Beverley Hyacinth</a:t>
+            </a:r>
+            <a:endParaRPr lang="en-GB" sz="1400" b="0" i="0" dirty="0">
+              <a:solidFill>
+                <a:schemeClr val="tx1"/>
+              </a:solidFill>
+              <a:effectLst/>
+              <a:latin typeface="Mercury SSm A"/>
+            </a:endParaRPr>
+          </a:p>
+          <a:p>
+            <a:pPr algn="ctr"/>
+            <a:r>
+              <a:rPr lang="en-GB" sz="1400" b="0" i="0" dirty="0">
+                <a:solidFill>
+                  <a:schemeClr val="tx1"/>
+                </a:solidFill>
+                <a:effectLst/>
+                <a:latin typeface="Mercury SSm A"/>
+              </a:rPr>
+              <a:t>Donald McLaughlin</a:t>
+            </a:r>
+          </a:p>
+          <a:p>
+            <a:pPr algn="ctr"/>
+            <a:r>
+              <a:rPr lang="en-GB" sz="1400" b="0" i="0" dirty="0">
+                <a:solidFill>
+                  <a:schemeClr val="tx1"/>
+                </a:solidFill>
+                <a:effectLst/>
+                <a:latin typeface="Mercury SSm A"/>
+              </a:rPr>
+              <a:t>Peter Molyneu</a:t>
+            </a:r>
+            <a:r>
+              <a:rPr lang="en-GB" sz="1400" dirty="0">
+                <a:solidFill>
+                  <a:schemeClr val="tx1"/>
+                </a:solidFill>
+                <a:latin typeface="Mercury SSm A"/>
+              </a:rPr>
+              <a:t>x</a:t>
+            </a:r>
+          </a:p>
+          <a:p>
+            <a:pPr algn="ctr"/>
+            <a:r>
+              <a:rPr lang="en-GB" sz="1400" b="0" i="0" dirty="0">
+                <a:solidFill>
+                  <a:schemeClr val="tx1"/>
+                </a:solidFill>
+                <a:effectLst/>
+                <a:latin typeface="Mercury SSm A"/>
+              </a:rPr>
+              <a:t>John </a:t>
+            </a:r>
+            <a:r>
+              <a:rPr lang="en-GB" sz="1400" b="0" i="0" dirty="0" err="1">
+                <a:solidFill>
+                  <a:schemeClr val="tx1"/>
+                </a:solidFill>
+                <a:effectLst/>
+                <a:latin typeface="Mercury SSm A"/>
+              </a:rPr>
+              <a:t>Omutwanga</a:t>
+            </a:r>
+            <a:endParaRPr lang="en-GB" sz="1400" b="0" i="0" dirty="0">
+              <a:solidFill>
+                <a:schemeClr val="tx1"/>
+              </a:solidFill>
+              <a:effectLst/>
+              <a:latin typeface="Mercury SSm A"/>
+            </a:endParaRPr>
+          </a:p>
+        </p:txBody>
+      </p:sp>
+      <p:sp>
+        <p:nvSpPr>
+          <p:cNvPr id="23" name="Rectangle 22">
+            <a:extLst>
+              <a:ext uri="{FF2B5EF4-FFF2-40B4-BE49-F238E27FC236}">
+                <a16:creationId xmlns:a16="http://schemas.microsoft.com/office/drawing/2014/main" id="{4F85AA7F-2538-FD82-D4D0-76058B133A81}"/>
+              </a:ext>
+            </a:extLst>
+          </p:cNvPr>
+          <p:cNvSpPr/>
+          <p:nvPr/>
+        </p:nvSpPr>
+        <p:spPr>
+          <a:xfrm>
+            <a:off x="10535415" y="1115137"/>
+            <a:ext cx="239263" cy="1312725"/>
+          </a:xfrm>
+          <a:prstGeom prst="rect">
+            <a:avLst/>
+          </a:prstGeom>
+          <a:solidFill>
+            <a:schemeClr val="bg1">
+              <a:lumMod val="95000"/>
+            </a:schemeClr>
+          </a:solidFill>
+          <a:ln>
+            <a:noFill/>
+          </a:ln>
+        </p:spPr>
+        <p:style>
+          <a:lnRef idx="2">
+            <a:schemeClr val="accent1">
+              <a:shade val="50000"/>
+            </a:schemeClr>
+          </a:lnRef>
+          <a:fillRef idx="1">
+            <a:schemeClr val="accent1"/>
+          </a:fillRef>
+          <a:effectRef idx="0">
+            <a:schemeClr val="accent1"/>
+          </a:effectRef>
+          <a:fontRef idx="minor">
+            <a:schemeClr val="lt1"/>
+          </a:fontRef>
+        </p:style>
+        <p:txBody>
+          <a:bodyPr rtlCol="0" anchor="ctr"/>
+          <a:lstStyle/>
+          <a:p>
+            <a:pPr marL="0" marR="0" lvl="0" indent="0" algn="ctr" defTabSz="914400" rtl="0" eaLnBrk="1" fontAlgn="auto" latinLnBrk="0" hangingPunct="1">
+              <a:lnSpc>
+                <a:spcPct val="100000"/>
+              </a:lnSpc>
+              <a:spcBef>
+                <a:spcPts val="0"/>
+              </a:spcBef>
+              <a:spcAft>
+                <a:spcPts val="0"/>
+              </a:spcAft>
+              <a:buClrTx/>
+              <a:buSzTx/>
+              <a:buFontTx/>
+              <a:buNone/>
+              <a:tabLst/>
+              <a:defRPr/>
+            </a:pPr>
+            <a:endParaRPr kumimoji="0" lang="en-GB" sz="1800" b="0" i="0" u="none" strike="noStrike" kern="1200" cap="none" spc="0" normalizeH="0" baseline="0" noProof="0">
+              <a:ln>
+                <a:noFill/>
+              </a:ln>
+              <a:solidFill>
+                <a:prstClr val="white"/>
+              </a:solidFill>
+              <a:effectLst/>
+              <a:uLnTx/>
+              <a:uFillTx/>
+              <a:latin typeface="Calibri" panose="020F0502020204030204"/>
+              <a:ea typeface="+mn-ea"/>
+              <a:cs typeface="+mn-cs"/>
+            </a:endParaRPr>
+          </a:p>
+        </p:txBody>
+      </p:sp>
+      <p:sp>
+        <p:nvSpPr>
+          <p:cNvPr id="24" name="Rectangle 23">
+            <a:extLst>
+              <a:ext uri="{FF2B5EF4-FFF2-40B4-BE49-F238E27FC236}">
+                <a16:creationId xmlns:a16="http://schemas.microsoft.com/office/drawing/2014/main" id="{C986ACC9-2518-EC23-9D2B-B54B2AFBE698}"/>
+              </a:ext>
+            </a:extLst>
+          </p:cNvPr>
+          <p:cNvSpPr/>
+          <p:nvPr/>
+        </p:nvSpPr>
+        <p:spPr>
+          <a:xfrm>
+            <a:off x="10534431" y="1112456"/>
+            <a:ext cx="239263" cy="223157"/>
+          </a:xfrm>
+          <a:prstGeom prst="rect">
+            <a:avLst/>
+          </a:prstGeom>
+          <a:solidFill>
+            <a:schemeClr val="bg1">
+              <a:lumMod val="95000"/>
+            </a:schemeClr>
+          </a:solidFill>
+          <a:ln>
+            <a:solidFill>
+              <a:schemeClr val="bg2">
+                <a:lumMod val="90000"/>
+              </a:schemeClr>
+            </a:solidFill>
+          </a:ln>
+        </p:spPr>
+        <p:style>
+          <a:lnRef idx="2">
+            <a:schemeClr val="accent1">
+              <a:shade val="50000"/>
+            </a:schemeClr>
+          </a:lnRef>
+          <a:fillRef idx="1">
+            <a:schemeClr val="accent1"/>
+          </a:fillRef>
+          <a:effectRef idx="0">
+            <a:schemeClr val="accent1"/>
+          </a:effectRef>
+          <a:fontRef idx="minor">
+            <a:schemeClr val="lt1"/>
+          </a:fontRef>
+        </p:style>
+        <p:txBody>
+          <a:bodyPr rtlCol="0" anchor="ctr"/>
+          <a:lstStyle/>
+          <a:p>
+            <a:pPr marL="0" marR="0" lvl="0" indent="0" algn="ctr" defTabSz="914400" rtl="0" eaLnBrk="1" fontAlgn="auto" latinLnBrk="0" hangingPunct="1">
+              <a:lnSpc>
+                <a:spcPct val="100000"/>
+              </a:lnSpc>
+              <a:spcBef>
+                <a:spcPts val="0"/>
+              </a:spcBef>
+              <a:spcAft>
+                <a:spcPts val="0"/>
+              </a:spcAft>
+              <a:buClrTx/>
+              <a:buSzTx/>
+              <a:buFontTx/>
+              <a:buNone/>
+              <a:tabLst/>
+              <a:defRPr/>
+            </a:pPr>
+            <a:endParaRPr kumimoji="0" lang="en-GB" sz="1800" b="0" i="0" u="none" strike="noStrike" kern="1200" cap="none" spc="0" normalizeH="0" baseline="0" noProof="0">
+              <a:ln>
+                <a:noFill/>
+              </a:ln>
+              <a:solidFill>
+                <a:prstClr val="white"/>
+              </a:solidFill>
+              <a:effectLst/>
+              <a:uLnTx/>
+              <a:uFillTx/>
+              <a:latin typeface="Calibri" panose="020F0502020204030204"/>
+              <a:ea typeface="+mn-ea"/>
+              <a:cs typeface="+mn-cs"/>
+            </a:endParaRPr>
+          </a:p>
+        </p:txBody>
+      </p:sp>
+      <p:sp>
+        <p:nvSpPr>
+          <p:cNvPr id="25" name="Arrow: Chevron 24">
+            <a:extLst>
+              <a:ext uri="{FF2B5EF4-FFF2-40B4-BE49-F238E27FC236}">
+                <a16:creationId xmlns:a16="http://schemas.microsoft.com/office/drawing/2014/main" id="{D62532A5-BC82-D233-90D0-7BA7C2DD0038}"/>
+              </a:ext>
+            </a:extLst>
+          </p:cNvPr>
+          <p:cNvSpPr/>
+          <p:nvPr/>
+        </p:nvSpPr>
+        <p:spPr>
+          <a:xfrm rot="16200000">
+            <a:off x="10600058" y="1154453"/>
+            <a:ext cx="111919" cy="130925"/>
+          </a:xfrm>
+          <a:prstGeom prst="chevron">
+            <a:avLst/>
+          </a:prstGeom>
+          <a:solidFill>
+            <a:schemeClr val="bg1">
+              <a:lumMod val="50000"/>
+            </a:schemeClr>
+          </a:solidFill>
+          <a:ln>
+            <a:noFill/>
+          </a:ln>
+        </p:spPr>
+        <p:style>
+          <a:lnRef idx="2">
+            <a:schemeClr val="accent1">
+              <a:shade val="50000"/>
+            </a:schemeClr>
+          </a:lnRef>
+          <a:fillRef idx="1">
+            <a:schemeClr val="accent1"/>
+          </a:fillRef>
+          <a:effectRef idx="0">
+            <a:schemeClr val="accent1"/>
+          </a:effectRef>
+          <a:fontRef idx="minor">
+            <a:schemeClr val="lt1"/>
+          </a:fontRef>
+        </p:style>
+        <p:txBody>
+          <a:bodyPr rtlCol="0" anchor="ctr"/>
+          <a:lstStyle/>
+          <a:p>
+            <a:pPr marL="0" marR="0" lvl="0" indent="0" algn="ctr" defTabSz="914400" rtl="0" eaLnBrk="1" fontAlgn="auto" latinLnBrk="0" hangingPunct="1">
+              <a:lnSpc>
+                <a:spcPct val="100000"/>
+              </a:lnSpc>
+              <a:spcBef>
+                <a:spcPts val="0"/>
+              </a:spcBef>
+              <a:spcAft>
+                <a:spcPts val="0"/>
+              </a:spcAft>
+              <a:buClrTx/>
+              <a:buSzTx/>
+              <a:buFontTx/>
+              <a:buNone/>
+              <a:tabLst/>
+              <a:defRPr/>
+            </a:pPr>
+            <a:endParaRPr kumimoji="0" lang="en-GB" sz="1800" b="0" i="0" u="none" strike="noStrike" kern="1200" cap="none" spc="0" normalizeH="0" baseline="0" noProof="0">
+              <a:ln>
+                <a:noFill/>
+              </a:ln>
+              <a:solidFill>
+                <a:prstClr val="black"/>
+              </a:solidFill>
+              <a:effectLst/>
+              <a:uLnTx/>
+              <a:uFillTx/>
+              <a:latin typeface="Calibri" panose="020F0502020204030204"/>
+              <a:ea typeface="+mn-ea"/>
+              <a:cs typeface="+mn-cs"/>
+            </a:endParaRPr>
+          </a:p>
+        </p:txBody>
+      </p:sp>
+      <p:sp>
+        <p:nvSpPr>
+          <p:cNvPr id="26" name="Rectangle 25">
+            <a:extLst>
+              <a:ext uri="{FF2B5EF4-FFF2-40B4-BE49-F238E27FC236}">
+                <a16:creationId xmlns:a16="http://schemas.microsoft.com/office/drawing/2014/main" id="{F75C355C-7060-ACE0-22E4-05A95911C480}"/>
+              </a:ext>
+            </a:extLst>
+          </p:cNvPr>
+          <p:cNvSpPr/>
+          <p:nvPr/>
+        </p:nvSpPr>
+        <p:spPr>
+          <a:xfrm rot="10800000">
+            <a:off x="10534431" y="2427864"/>
+            <a:ext cx="239263" cy="223157"/>
+          </a:xfrm>
+          <a:prstGeom prst="rect">
+            <a:avLst/>
+          </a:prstGeom>
+          <a:solidFill>
+            <a:schemeClr val="bg1">
+              <a:lumMod val="95000"/>
+            </a:schemeClr>
+          </a:solidFill>
+          <a:ln>
+            <a:solidFill>
+              <a:schemeClr val="bg2">
+                <a:lumMod val="90000"/>
+              </a:schemeClr>
+            </a:solidFill>
+          </a:ln>
+        </p:spPr>
+        <p:style>
+          <a:lnRef idx="2">
+            <a:schemeClr val="accent1">
+              <a:shade val="50000"/>
+            </a:schemeClr>
+          </a:lnRef>
+          <a:fillRef idx="1">
+            <a:schemeClr val="accent1"/>
+          </a:fillRef>
+          <a:effectRef idx="0">
+            <a:schemeClr val="accent1"/>
+          </a:effectRef>
+          <a:fontRef idx="minor">
+            <a:schemeClr val="lt1"/>
+          </a:fontRef>
+        </p:style>
+        <p:txBody>
+          <a:bodyPr rtlCol="0" anchor="ctr"/>
+          <a:lstStyle/>
+          <a:p>
+            <a:pPr marL="0" marR="0" lvl="0" indent="0" algn="ctr" defTabSz="914400" rtl="0" eaLnBrk="1" fontAlgn="auto" latinLnBrk="0" hangingPunct="1">
+              <a:lnSpc>
+                <a:spcPct val="100000"/>
+              </a:lnSpc>
+              <a:spcBef>
+                <a:spcPts val="0"/>
+              </a:spcBef>
+              <a:spcAft>
+                <a:spcPts val="0"/>
+              </a:spcAft>
+              <a:buClrTx/>
+              <a:buSzTx/>
+              <a:buFontTx/>
+              <a:buNone/>
+              <a:tabLst/>
+              <a:defRPr/>
+            </a:pPr>
+            <a:endParaRPr kumimoji="0" lang="en-GB" sz="1800" b="0" i="0" u="none" strike="noStrike" kern="1200" cap="none" spc="0" normalizeH="0" baseline="0" noProof="0">
+              <a:ln>
+                <a:noFill/>
+              </a:ln>
+              <a:solidFill>
+                <a:prstClr val="white"/>
+              </a:solidFill>
+              <a:effectLst/>
+              <a:uLnTx/>
+              <a:uFillTx/>
+              <a:latin typeface="Calibri" panose="020F0502020204030204"/>
+              <a:ea typeface="+mn-ea"/>
+              <a:cs typeface="+mn-cs"/>
+            </a:endParaRPr>
+          </a:p>
+        </p:txBody>
+      </p:sp>
+      <p:sp>
+        <p:nvSpPr>
+          <p:cNvPr id="29" name="Arrow: Chevron 28">
+            <a:extLst>
+              <a:ext uri="{FF2B5EF4-FFF2-40B4-BE49-F238E27FC236}">
+                <a16:creationId xmlns:a16="http://schemas.microsoft.com/office/drawing/2014/main" id="{23E82966-7497-228C-B383-2E205EF29B63}"/>
+              </a:ext>
+            </a:extLst>
+          </p:cNvPr>
+          <p:cNvSpPr/>
+          <p:nvPr/>
+        </p:nvSpPr>
+        <p:spPr>
+          <a:xfrm rot="5400000">
+            <a:off x="10600057" y="2469862"/>
+            <a:ext cx="111919" cy="130927"/>
+          </a:xfrm>
+          <a:prstGeom prst="chevron">
+            <a:avLst/>
+          </a:prstGeom>
+          <a:solidFill>
+            <a:schemeClr val="bg1">
+              <a:lumMod val="50000"/>
+            </a:schemeClr>
+          </a:solidFill>
+          <a:ln>
+            <a:noFill/>
+          </a:ln>
+        </p:spPr>
+        <p:style>
+          <a:lnRef idx="2">
+            <a:schemeClr val="accent1">
+              <a:shade val="50000"/>
+            </a:schemeClr>
+          </a:lnRef>
+          <a:fillRef idx="1">
+            <a:schemeClr val="accent1"/>
+          </a:fillRef>
+          <a:effectRef idx="0">
+            <a:schemeClr val="accent1"/>
+          </a:effectRef>
+          <a:fontRef idx="minor">
+            <a:schemeClr val="lt1"/>
+          </a:fontRef>
+        </p:style>
+        <p:txBody>
+          <a:bodyPr rtlCol="0" anchor="ctr"/>
+          <a:lstStyle/>
+          <a:p>
+            <a:pPr marL="0" marR="0" lvl="0" indent="0" algn="ctr" defTabSz="914400" rtl="0" eaLnBrk="1" fontAlgn="auto" latinLnBrk="0" hangingPunct="1">
+              <a:lnSpc>
+                <a:spcPct val="100000"/>
+              </a:lnSpc>
+              <a:spcBef>
+                <a:spcPts val="0"/>
+              </a:spcBef>
+              <a:spcAft>
+                <a:spcPts val="0"/>
+              </a:spcAft>
+              <a:buClrTx/>
+              <a:buSzTx/>
+              <a:buFontTx/>
+              <a:buNone/>
+              <a:tabLst/>
+              <a:defRPr/>
+            </a:pPr>
+            <a:endParaRPr kumimoji="0" lang="en-GB" sz="1800" b="0" i="0" u="none" strike="noStrike" kern="1200" cap="none" spc="0" normalizeH="0" baseline="0" noProof="0">
+              <a:ln>
+                <a:noFill/>
+              </a:ln>
+              <a:solidFill>
+                <a:prstClr val="black"/>
+              </a:solidFill>
+              <a:effectLst/>
+              <a:uLnTx/>
+              <a:uFillTx/>
+              <a:latin typeface="Calibri" panose="020F0502020204030204"/>
+              <a:ea typeface="+mn-ea"/>
+              <a:cs typeface="+mn-cs"/>
+            </a:endParaRPr>
+          </a:p>
+        </p:txBody>
+      </p:sp>
+      <p:sp>
+        <p:nvSpPr>
+          <p:cNvPr id="30" name="TextBox 29">
+            <a:extLst>
+              <a:ext uri="{FF2B5EF4-FFF2-40B4-BE49-F238E27FC236}">
+                <a16:creationId xmlns:a16="http://schemas.microsoft.com/office/drawing/2014/main" id="{A0F4F18C-B0F5-4CEB-4CCC-CEC7709ECD7F}"/>
+              </a:ext>
+            </a:extLst>
+          </p:cNvPr>
+          <p:cNvSpPr txBox="1"/>
+          <p:nvPr/>
+        </p:nvSpPr>
+        <p:spPr>
+          <a:xfrm>
+            <a:off x="3456463" y="747435"/>
+            <a:ext cx="2290999" cy="369332"/>
+          </a:xfrm>
+          <a:prstGeom prst="rect">
+            <a:avLst/>
+          </a:prstGeom>
+          <a:noFill/>
+        </p:spPr>
+        <p:txBody>
+          <a:bodyPr wrap="square" rtlCol="0">
+            <a:spAutoFit/>
+          </a:bodyPr>
+          <a:lstStyle/>
+          <a:p>
+            <a:r>
+              <a:rPr lang="en-GB" dirty="0">
+                <a:solidFill>
+                  <a:schemeClr val="bg1"/>
+                </a:solidFill>
+              </a:rPr>
+              <a:t>Clients</a:t>
+            </a:r>
+          </a:p>
+        </p:txBody>
+      </p:sp>
+      <p:sp>
+        <p:nvSpPr>
+          <p:cNvPr id="32" name="Rectangle 31">
+            <a:extLst>
+              <a:ext uri="{FF2B5EF4-FFF2-40B4-BE49-F238E27FC236}">
+                <a16:creationId xmlns:a16="http://schemas.microsoft.com/office/drawing/2014/main" id="{9FC09FA6-7BD3-8326-B5DD-6CE00BF92678}"/>
+              </a:ext>
+            </a:extLst>
+          </p:cNvPr>
+          <p:cNvSpPr/>
+          <p:nvPr/>
+        </p:nvSpPr>
+        <p:spPr>
+          <a:xfrm>
+            <a:off x="6391800" y="2871093"/>
+            <a:ext cx="1449016" cy="287027"/>
+          </a:xfrm>
+          <a:prstGeom prst="rect">
+            <a:avLst/>
+          </a:prstGeom>
+          <a:solidFill>
+            <a:srgbClr val="364652"/>
+          </a:solidFill>
+          <a:ln>
+            <a:noFill/>
+          </a:ln>
+        </p:spPr>
+        <p:style>
+          <a:lnRef idx="2">
+            <a:schemeClr val="accent1">
+              <a:shade val="50000"/>
+            </a:schemeClr>
+          </a:lnRef>
+          <a:fillRef idx="1">
+            <a:schemeClr val="accent1"/>
+          </a:fillRef>
+          <a:effectRef idx="0">
+            <a:schemeClr val="accent1"/>
+          </a:effectRef>
+          <a:fontRef idx="minor">
+            <a:schemeClr val="lt1"/>
+          </a:fontRef>
+        </p:style>
+        <p:txBody>
+          <a:bodyPr rtlCol="0" anchor="ctr"/>
+          <a:lstStyle/>
+          <a:p>
+            <a:pPr algn="ctr"/>
+            <a:r>
+              <a:rPr lang="en-GB" sz="1400" dirty="0"/>
+              <a:t>See Preferences</a:t>
+            </a:r>
+          </a:p>
+        </p:txBody>
+      </p:sp>
+      <p:sp>
+        <p:nvSpPr>
+          <p:cNvPr id="33" name="Rectangle 32">
+            <a:extLst>
+              <a:ext uri="{FF2B5EF4-FFF2-40B4-BE49-F238E27FC236}">
+                <a16:creationId xmlns:a16="http://schemas.microsoft.com/office/drawing/2014/main" id="{53C5747D-4359-A1FD-4C36-18401B14B86E}"/>
+              </a:ext>
+            </a:extLst>
+          </p:cNvPr>
+          <p:cNvSpPr/>
+          <p:nvPr/>
+        </p:nvSpPr>
+        <p:spPr>
+          <a:xfrm>
+            <a:off x="3462799" y="3587591"/>
+            <a:ext cx="7319690" cy="1531764"/>
+          </a:xfrm>
+          <a:prstGeom prst="rect">
+            <a:avLst/>
+          </a:prstGeom>
+          <a:solidFill>
+            <a:schemeClr val="bg1"/>
+          </a:solidFill>
+          <a:ln>
+            <a:noFill/>
+          </a:ln>
+        </p:spPr>
+        <p:style>
+          <a:lnRef idx="2">
+            <a:schemeClr val="accent1">
+              <a:shade val="50000"/>
+            </a:schemeClr>
+          </a:lnRef>
+          <a:fillRef idx="1">
+            <a:schemeClr val="accent1"/>
+          </a:fillRef>
+          <a:effectRef idx="0">
+            <a:schemeClr val="accent1"/>
+          </a:effectRef>
+          <a:fontRef idx="minor">
+            <a:schemeClr val="lt1"/>
+          </a:fontRef>
+        </p:style>
+        <p:txBody>
+          <a:bodyPr rtlCol="0" anchor="ctr"/>
+          <a:lstStyle/>
+          <a:p>
+            <a:pPr algn="ctr"/>
+            <a:r>
+              <a:rPr lang="en-GB" sz="1400" dirty="0">
+                <a:solidFill>
+                  <a:schemeClr val="tx1"/>
+                </a:solidFill>
+              </a:rPr>
+              <a:t>Ecologically sound construction investments in the UK and Western Europe – 98% match</a:t>
+            </a:r>
+          </a:p>
+          <a:p>
+            <a:pPr algn="ctr"/>
+            <a:r>
+              <a:rPr lang="en-GB" sz="1400" dirty="0">
+                <a:solidFill>
+                  <a:schemeClr val="tx1"/>
+                </a:solidFill>
+              </a:rPr>
+              <a:t>Precious metals of Eurasia – 86% match</a:t>
+            </a:r>
+          </a:p>
+          <a:p>
+            <a:pPr algn="ctr"/>
+            <a:r>
+              <a:rPr lang="en-GB" sz="1400" dirty="0">
+                <a:solidFill>
+                  <a:schemeClr val="tx1"/>
+                </a:solidFill>
+              </a:rPr>
+              <a:t>Emerging Cryptocurrencies of the Americas – 72% match</a:t>
+            </a:r>
+          </a:p>
+          <a:p>
+            <a:pPr algn="ctr"/>
+            <a:r>
+              <a:rPr lang="en-GB" sz="1400" dirty="0">
+                <a:solidFill>
+                  <a:schemeClr val="tx1"/>
+                </a:solidFill>
+              </a:rPr>
+              <a:t>Small business loans for North-African entrepreneurs – 66% match</a:t>
+            </a:r>
+          </a:p>
+          <a:p>
+            <a:pPr algn="ctr"/>
+            <a:r>
+              <a:rPr lang="en-GB" sz="1400" dirty="0">
+                <a:solidFill>
+                  <a:schemeClr val="tx1"/>
+                </a:solidFill>
+              </a:rPr>
+              <a:t>Diverse European bonds package – 52% match</a:t>
+            </a:r>
+          </a:p>
+          <a:p>
+            <a:pPr algn="ctr"/>
+            <a:r>
+              <a:rPr lang="en-GB" sz="1400" dirty="0">
+                <a:solidFill>
+                  <a:schemeClr val="tx1"/>
+                </a:solidFill>
+              </a:rPr>
+              <a:t>American tech giant stocks – 52% match</a:t>
+            </a:r>
+          </a:p>
+          <a:p>
+            <a:pPr algn="ctr"/>
+            <a:r>
+              <a:rPr lang="en-GB" sz="1400" dirty="0">
+                <a:solidFill>
+                  <a:schemeClr val="tx1"/>
+                </a:solidFill>
+              </a:rPr>
+              <a:t>Business loans for STEM startups in Canada – 42% match</a:t>
+            </a:r>
+          </a:p>
+        </p:txBody>
+      </p:sp>
+      <p:sp>
+        <p:nvSpPr>
+          <p:cNvPr id="34" name="Rectangle 33">
+            <a:extLst>
+              <a:ext uri="{FF2B5EF4-FFF2-40B4-BE49-F238E27FC236}">
+                <a16:creationId xmlns:a16="http://schemas.microsoft.com/office/drawing/2014/main" id="{36F194F6-ADB7-2FF0-3B0C-AE308DB6916C}"/>
+              </a:ext>
+            </a:extLst>
+          </p:cNvPr>
+          <p:cNvSpPr/>
+          <p:nvPr/>
+        </p:nvSpPr>
+        <p:spPr>
+          <a:xfrm>
+            <a:off x="10541751" y="3587589"/>
+            <a:ext cx="239263" cy="1312725"/>
+          </a:xfrm>
+          <a:prstGeom prst="rect">
+            <a:avLst/>
+          </a:prstGeom>
+          <a:solidFill>
+            <a:schemeClr val="bg1">
+              <a:lumMod val="95000"/>
+            </a:schemeClr>
+          </a:solidFill>
+          <a:ln>
+            <a:noFill/>
+          </a:ln>
+        </p:spPr>
+        <p:style>
+          <a:lnRef idx="2">
+            <a:schemeClr val="accent1">
+              <a:shade val="50000"/>
+            </a:schemeClr>
+          </a:lnRef>
+          <a:fillRef idx="1">
+            <a:schemeClr val="accent1"/>
+          </a:fillRef>
+          <a:effectRef idx="0">
+            <a:schemeClr val="accent1"/>
+          </a:effectRef>
+          <a:fontRef idx="minor">
+            <a:schemeClr val="lt1"/>
+          </a:fontRef>
+        </p:style>
+        <p:txBody>
+          <a:bodyPr rtlCol="0" anchor="ctr"/>
+          <a:lstStyle/>
+          <a:p>
+            <a:pPr marL="0" marR="0" lvl="0" indent="0" algn="ctr" defTabSz="914400" rtl="0" eaLnBrk="1" fontAlgn="auto" latinLnBrk="0" hangingPunct="1">
+              <a:lnSpc>
+                <a:spcPct val="100000"/>
+              </a:lnSpc>
+              <a:spcBef>
+                <a:spcPts val="0"/>
+              </a:spcBef>
+              <a:spcAft>
+                <a:spcPts val="0"/>
+              </a:spcAft>
+              <a:buClrTx/>
+              <a:buSzTx/>
+              <a:buFontTx/>
+              <a:buNone/>
+              <a:tabLst/>
+              <a:defRPr/>
+            </a:pPr>
+            <a:endParaRPr kumimoji="0" lang="en-GB" sz="1800" b="0" i="0" u="none" strike="noStrike" kern="1200" cap="none" spc="0" normalizeH="0" baseline="0" noProof="0">
+              <a:ln>
+                <a:noFill/>
+              </a:ln>
+              <a:solidFill>
+                <a:prstClr val="white"/>
+              </a:solidFill>
+              <a:effectLst/>
+              <a:uLnTx/>
+              <a:uFillTx/>
+              <a:latin typeface="Calibri" panose="020F0502020204030204"/>
+              <a:ea typeface="+mn-ea"/>
+              <a:cs typeface="+mn-cs"/>
+            </a:endParaRPr>
+          </a:p>
+        </p:txBody>
+      </p:sp>
+      <p:sp>
+        <p:nvSpPr>
+          <p:cNvPr id="35" name="Rectangle 34">
+            <a:extLst>
+              <a:ext uri="{FF2B5EF4-FFF2-40B4-BE49-F238E27FC236}">
+                <a16:creationId xmlns:a16="http://schemas.microsoft.com/office/drawing/2014/main" id="{7EE4CEAE-6326-CCE6-2283-F22003A45E02}"/>
+              </a:ext>
+            </a:extLst>
+          </p:cNvPr>
+          <p:cNvSpPr/>
+          <p:nvPr/>
+        </p:nvSpPr>
+        <p:spPr>
+          <a:xfrm>
+            <a:off x="10540767" y="3584908"/>
+            <a:ext cx="239263" cy="223157"/>
+          </a:xfrm>
+          <a:prstGeom prst="rect">
+            <a:avLst/>
+          </a:prstGeom>
+          <a:solidFill>
+            <a:schemeClr val="bg1">
+              <a:lumMod val="95000"/>
+            </a:schemeClr>
+          </a:solidFill>
+          <a:ln>
+            <a:solidFill>
+              <a:schemeClr val="bg2">
+                <a:lumMod val="90000"/>
+              </a:schemeClr>
+            </a:solidFill>
+          </a:ln>
+        </p:spPr>
+        <p:style>
+          <a:lnRef idx="2">
+            <a:schemeClr val="accent1">
+              <a:shade val="50000"/>
+            </a:schemeClr>
+          </a:lnRef>
+          <a:fillRef idx="1">
+            <a:schemeClr val="accent1"/>
+          </a:fillRef>
+          <a:effectRef idx="0">
+            <a:schemeClr val="accent1"/>
+          </a:effectRef>
+          <a:fontRef idx="minor">
+            <a:schemeClr val="lt1"/>
+          </a:fontRef>
+        </p:style>
+        <p:txBody>
+          <a:bodyPr rtlCol="0" anchor="ctr"/>
+          <a:lstStyle/>
+          <a:p>
+            <a:pPr marL="0" marR="0" lvl="0" indent="0" algn="ctr" defTabSz="914400" rtl="0" eaLnBrk="1" fontAlgn="auto" latinLnBrk="0" hangingPunct="1">
+              <a:lnSpc>
+                <a:spcPct val="100000"/>
+              </a:lnSpc>
+              <a:spcBef>
+                <a:spcPts val="0"/>
+              </a:spcBef>
+              <a:spcAft>
+                <a:spcPts val="0"/>
+              </a:spcAft>
+              <a:buClrTx/>
+              <a:buSzTx/>
+              <a:buFontTx/>
+              <a:buNone/>
+              <a:tabLst/>
+              <a:defRPr/>
+            </a:pPr>
+            <a:endParaRPr kumimoji="0" lang="en-GB" sz="1800" b="0" i="0" u="none" strike="noStrike" kern="1200" cap="none" spc="0" normalizeH="0" baseline="0" noProof="0">
+              <a:ln>
+                <a:noFill/>
+              </a:ln>
+              <a:solidFill>
+                <a:prstClr val="white"/>
+              </a:solidFill>
+              <a:effectLst/>
+              <a:uLnTx/>
+              <a:uFillTx/>
+              <a:latin typeface="Calibri" panose="020F0502020204030204"/>
+              <a:ea typeface="+mn-ea"/>
+              <a:cs typeface="+mn-cs"/>
+            </a:endParaRPr>
+          </a:p>
+        </p:txBody>
+      </p:sp>
+      <p:sp>
+        <p:nvSpPr>
+          <p:cNvPr id="36" name="Arrow: Chevron 35">
+            <a:extLst>
+              <a:ext uri="{FF2B5EF4-FFF2-40B4-BE49-F238E27FC236}">
+                <a16:creationId xmlns:a16="http://schemas.microsoft.com/office/drawing/2014/main" id="{DE7EEBE7-D529-A5EB-EEE1-93C51BA42813}"/>
+              </a:ext>
+            </a:extLst>
+          </p:cNvPr>
+          <p:cNvSpPr/>
+          <p:nvPr/>
+        </p:nvSpPr>
+        <p:spPr>
+          <a:xfrm rot="16200000">
+            <a:off x="10606394" y="3626905"/>
+            <a:ext cx="111919" cy="130925"/>
+          </a:xfrm>
+          <a:prstGeom prst="chevron">
+            <a:avLst/>
+          </a:prstGeom>
+          <a:solidFill>
+            <a:schemeClr val="bg1">
+              <a:lumMod val="50000"/>
+            </a:schemeClr>
+          </a:solidFill>
+          <a:ln>
+            <a:noFill/>
+          </a:ln>
+        </p:spPr>
+        <p:style>
+          <a:lnRef idx="2">
+            <a:schemeClr val="accent1">
+              <a:shade val="50000"/>
+            </a:schemeClr>
+          </a:lnRef>
+          <a:fillRef idx="1">
+            <a:schemeClr val="accent1"/>
+          </a:fillRef>
+          <a:effectRef idx="0">
+            <a:schemeClr val="accent1"/>
+          </a:effectRef>
+          <a:fontRef idx="minor">
+            <a:schemeClr val="lt1"/>
+          </a:fontRef>
+        </p:style>
+        <p:txBody>
+          <a:bodyPr rtlCol="0" anchor="ctr"/>
+          <a:lstStyle/>
+          <a:p>
+            <a:pPr marL="0" marR="0" lvl="0" indent="0" algn="ctr" defTabSz="914400" rtl="0" eaLnBrk="1" fontAlgn="auto" latinLnBrk="0" hangingPunct="1">
+              <a:lnSpc>
+                <a:spcPct val="100000"/>
+              </a:lnSpc>
+              <a:spcBef>
+                <a:spcPts val="0"/>
+              </a:spcBef>
+              <a:spcAft>
+                <a:spcPts val="0"/>
+              </a:spcAft>
+              <a:buClrTx/>
+              <a:buSzTx/>
+              <a:buFontTx/>
+              <a:buNone/>
+              <a:tabLst/>
+              <a:defRPr/>
+            </a:pPr>
+            <a:endParaRPr kumimoji="0" lang="en-GB" sz="1800" b="0" i="0" u="none" strike="noStrike" kern="1200" cap="none" spc="0" normalizeH="0" baseline="0" noProof="0">
+              <a:ln>
+                <a:noFill/>
+              </a:ln>
+              <a:solidFill>
+                <a:prstClr val="black"/>
+              </a:solidFill>
+              <a:effectLst/>
+              <a:uLnTx/>
+              <a:uFillTx/>
+              <a:latin typeface="Calibri" panose="020F0502020204030204"/>
+              <a:ea typeface="+mn-ea"/>
+              <a:cs typeface="+mn-cs"/>
+            </a:endParaRPr>
+          </a:p>
+        </p:txBody>
+      </p:sp>
+      <p:sp>
+        <p:nvSpPr>
+          <p:cNvPr id="37" name="Rectangle 36">
+            <a:extLst>
+              <a:ext uri="{FF2B5EF4-FFF2-40B4-BE49-F238E27FC236}">
+                <a16:creationId xmlns:a16="http://schemas.microsoft.com/office/drawing/2014/main" id="{393DB416-7B8D-CE00-B766-096B401E9B44}"/>
+              </a:ext>
+            </a:extLst>
+          </p:cNvPr>
+          <p:cNvSpPr/>
+          <p:nvPr/>
+        </p:nvSpPr>
+        <p:spPr>
+          <a:xfrm rot="10800000">
+            <a:off x="10540767" y="4900316"/>
+            <a:ext cx="239263" cy="223157"/>
+          </a:xfrm>
+          <a:prstGeom prst="rect">
+            <a:avLst/>
+          </a:prstGeom>
+          <a:solidFill>
+            <a:schemeClr val="bg1">
+              <a:lumMod val="95000"/>
+            </a:schemeClr>
+          </a:solidFill>
+          <a:ln>
+            <a:solidFill>
+              <a:schemeClr val="bg2">
+                <a:lumMod val="90000"/>
+              </a:schemeClr>
+            </a:solidFill>
+          </a:ln>
+        </p:spPr>
+        <p:style>
+          <a:lnRef idx="2">
+            <a:schemeClr val="accent1">
+              <a:shade val="50000"/>
+            </a:schemeClr>
+          </a:lnRef>
+          <a:fillRef idx="1">
+            <a:schemeClr val="accent1"/>
+          </a:fillRef>
+          <a:effectRef idx="0">
+            <a:schemeClr val="accent1"/>
+          </a:effectRef>
+          <a:fontRef idx="minor">
+            <a:schemeClr val="lt1"/>
+          </a:fontRef>
+        </p:style>
+        <p:txBody>
+          <a:bodyPr rtlCol="0" anchor="ctr"/>
+          <a:lstStyle/>
+          <a:p>
+            <a:pPr marL="0" marR="0" lvl="0" indent="0" algn="ctr" defTabSz="914400" rtl="0" eaLnBrk="1" fontAlgn="auto" latinLnBrk="0" hangingPunct="1">
+              <a:lnSpc>
+                <a:spcPct val="100000"/>
+              </a:lnSpc>
+              <a:spcBef>
+                <a:spcPts val="0"/>
+              </a:spcBef>
+              <a:spcAft>
+                <a:spcPts val="0"/>
+              </a:spcAft>
+              <a:buClrTx/>
+              <a:buSzTx/>
+              <a:buFontTx/>
+              <a:buNone/>
+              <a:tabLst/>
+              <a:defRPr/>
+            </a:pPr>
+            <a:endParaRPr kumimoji="0" lang="en-GB" sz="1800" b="0" i="0" u="none" strike="noStrike" kern="1200" cap="none" spc="0" normalizeH="0" baseline="0" noProof="0">
+              <a:ln>
+                <a:noFill/>
+              </a:ln>
+              <a:solidFill>
+                <a:prstClr val="white"/>
+              </a:solidFill>
+              <a:effectLst/>
+              <a:uLnTx/>
+              <a:uFillTx/>
+              <a:latin typeface="Calibri" panose="020F0502020204030204"/>
+              <a:ea typeface="+mn-ea"/>
+              <a:cs typeface="+mn-cs"/>
+            </a:endParaRPr>
+          </a:p>
+        </p:txBody>
+      </p:sp>
+      <p:sp>
+        <p:nvSpPr>
+          <p:cNvPr id="38" name="Arrow: Chevron 37">
+            <a:extLst>
+              <a:ext uri="{FF2B5EF4-FFF2-40B4-BE49-F238E27FC236}">
+                <a16:creationId xmlns:a16="http://schemas.microsoft.com/office/drawing/2014/main" id="{8EDB9AC1-664E-C936-E31E-000F47A14C4D}"/>
+              </a:ext>
+            </a:extLst>
+          </p:cNvPr>
+          <p:cNvSpPr/>
+          <p:nvPr/>
+        </p:nvSpPr>
+        <p:spPr>
+          <a:xfrm rot="5400000">
+            <a:off x="10606393" y="4942314"/>
+            <a:ext cx="111919" cy="130927"/>
+          </a:xfrm>
+          <a:prstGeom prst="chevron">
+            <a:avLst/>
+          </a:prstGeom>
+          <a:solidFill>
+            <a:schemeClr val="bg1">
+              <a:lumMod val="50000"/>
+            </a:schemeClr>
+          </a:solidFill>
+          <a:ln>
+            <a:noFill/>
+          </a:ln>
+        </p:spPr>
+        <p:style>
+          <a:lnRef idx="2">
+            <a:schemeClr val="accent1">
+              <a:shade val="50000"/>
+            </a:schemeClr>
+          </a:lnRef>
+          <a:fillRef idx="1">
+            <a:schemeClr val="accent1"/>
+          </a:fillRef>
+          <a:effectRef idx="0">
+            <a:schemeClr val="accent1"/>
+          </a:effectRef>
+          <a:fontRef idx="minor">
+            <a:schemeClr val="lt1"/>
+          </a:fontRef>
+        </p:style>
+        <p:txBody>
+          <a:bodyPr rtlCol="0" anchor="ctr"/>
+          <a:lstStyle/>
+          <a:p>
+            <a:pPr marL="0" marR="0" lvl="0" indent="0" algn="ctr" defTabSz="914400" rtl="0" eaLnBrk="1" fontAlgn="auto" latinLnBrk="0" hangingPunct="1">
+              <a:lnSpc>
+                <a:spcPct val="100000"/>
+              </a:lnSpc>
+              <a:spcBef>
+                <a:spcPts val="0"/>
+              </a:spcBef>
+              <a:spcAft>
+                <a:spcPts val="0"/>
+              </a:spcAft>
+              <a:buClrTx/>
+              <a:buSzTx/>
+              <a:buFontTx/>
+              <a:buNone/>
+              <a:tabLst/>
+              <a:defRPr/>
+            </a:pPr>
+            <a:endParaRPr kumimoji="0" lang="en-GB" sz="1800" b="0" i="0" u="none" strike="noStrike" kern="1200" cap="none" spc="0" normalizeH="0" baseline="0" noProof="0">
+              <a:ln>
+                <a:noFill/>
+              </a:ln>
+              <a:solidFill>
+                <a:prstClr val="black"/>
+              </a:solidFill>
+              <a:effectLst/>
+              <a:uLnTx/>
+              <a:uFillTx/>
+              <a:latin typeface="Calibri" panose="020F0502020204030204"/>
+              <a:ea typeface="+mn-ea"/>
+              <a:cs typeface="+mn-cs"/>
+            </a:endParaRPr>
+          </a:p>
+        </p:txBody>
+      </p:sp>
+      <p:sp>
+        <p:nvSpPr>
+          <p:cNvPr id="39" name="TextBox 38">
+            <a:extLst>
+              <a:ext uri="{FF2B5EF4-FFF2-40B4-BE49-F238E27FC236}">
+                <a16:creationId xmlns:a16="http://schemas.microsoft.com/office/drawing/2014/main" id="{50282FE5-5AE2-4116-EDE8-277296044908}"/>
+              </a:ext>
+            </a:extLst>
+          </p:cNvPr>
+          <p:cNvSpPr txBox="1"/>
+          <p:nvPr/>
+        </p:nvSpPr>
+        <p:spPr>
+          <a:xfrm>
+            <a:off x="3462799" y="3219887"/>
+            <a:ext cx="2290999" cy="369332"/>
+          </a:xfrm>
+          <a:prstGeom prst="rect">
+            <a:avLst/>
+          </a:prstGeom>
+          <a:noFill/>
+        </p:spPr>
+        <p:txBody>
+          <a:bodyPr wrap="square" rtlCol="0">
+            <a:spAutoFit/>
+          </a:bodyPr>
+          <a:lstStyle/>
+          <a:p>
+            <a:r>
+              <a:rPr lang="en-GB" dirty="0">
+                <a:solidFill>
+                  <a:schemeClr val="bg1"/>
+                </a:solidFill>
+              </a:rPr>
+              <a:t>Ideas</a:t>
+            </a:r>
           </a:p>
         </p:txBody>
       </p:sp>

--- a/Documents, diagrams etc/Page Prototypes.pptx
+++ b/Documents, diagrams etc/Page Prototypes.pptx
@@ -25413,10 +25413,10 @@
       </p:sp>
       <p:sp>
         <p:nvSpPr>
-          <p:cNvPr id="32" name="Rectangle 31">
+          <p:cNvPr id="40" name="Rectangle 39">
             <a:extLst>
               <a:ext uri="{FF2B5EF4-FFF2-40B4-BE49-F238E27FC236}">
-                <a16:creationId xmlns:a16="http://schemas.microsoft.com/office/drawing/2014/main" id="{9FC09FA6-7BD3-8326-B5DD-6CE00BF92678}"/>
+                <a16:creationId xmlns:a16="http://schemas.microsoft.com/office/drawing/2014/main" id="{61EAF687-87D0-A99C-857F-0A921DF9B32E}"/>
               </a:ext>
             </a:extLst>
           </p:cNvPr>
@@ -25425,8 +25425,8 @@
         </p:nvSpPr>
         <p:spPr>
           <a:xfrm>
-            <a:off x="6391800" y="2871093"/>
-            <a:ext cx="1449016" cy="287027"/>
+            <a:off x="6319187" y="5343545"/>
+            <a:ext cx="1594242" cy="287027"/>
           </a:xfrm>
           <a:prstGeom prst="rect">
             <a:avLst/>
@@ -25461,17 +25461,739 @@
             <a:pPr algn="ctr"/>
             <a:r>
               <a:rPr lang="en-GB" sz="1400" dirty="0"/>
-              <a:t>See Preferences</a:t>
+              <a:t>Suggest Idea</a:t>
             </a:r>
           </a:p>
         </p:txBody>
       </p:sp>
+      <p:grpSp>
+        <p:nvGrpSpPr>
+          <p:cNvPr id="43" name="DisplayOnSelection">
+            <a:extLst>
+              <a:ext uri="{FF2B5EF4-FFF2-40B4-BE49-F238E27FC236}">
+                <a16:creationId xmlns:a16="http://schemas.microsoft.com/office/drawing/2014/main" id="{2DD75758-4745-8B7F-BCC0-A99D2187629D}"/>
+              </a:ext>
+            </a:extLst>
+          </p:cNvPr>
+          <p:cNvGrpSpPr/>
+          <p:nvPr/>
+        </p:nvGrpSpPr>
+        <p:grpSpPr>
+          <a:xfrm>
+            <a:off x="3454385" y="1115849"/>
+            <a:ext cx="7328104" cy="4007624"/>
+            <a:chOff x="3454385" y="1115849"/>
+            <a:chExt cx="7328104" cy="4007624"/>
+          </a:xfrm>
+        </p:grpSpPr>
+        <p:sp>
+          <p:nvSpPr>
+            <p:cNvPr id="32" name="Rectangle 31">
+              <a:extLst>
+                <a:ext uri="{FF2B5EF4-FFF2-40B4-BE49-F238E27FC236}">
+                  <a16:creationId xmlns:a16="http://schemas.microsoft.com/office/drawing/2014/main" id="{9FC09FA6-7BD3-8326-B5DD-6CE00BF92678}"/>
+                </a:ext>
+              </a:extLst>
+            </p:cNvPr>
+            <p:cNvSpPr/>
+            <p:nvPr/>
+          </p:nvSpPr>
+          <p:spPr>
+            <a:xfrm>
+              <a:off x="6391800" y="2871093"/>
+              <a:ext cx="1449016" cy="287027"/>
+            </a:xfrm>
+            <a:prstGeom prst="rect">
+              <a:avLst/>
+            </a:prstGeom>
+            <a:solidFill>
+              <a:srgbClr val="364652"/>
+            </a:solidFill>
+            <a:ln>
+              <a:noFill/>
+            </a:ln>
+          </p:spPr>
+          <p:style>
+            <a:lnRef idx="2">
+              <a:schemeClr val="accent1">
+                <a:shade val="50000"/>
+              </a:schemeClr>
+            </a:lnRef>
+            <a:fillRef idx="1">
+              <a:schemeClr val="accent1"/>
+            </a:fillRef>
+            <a:effectRef idx="0">
+              <a:schemeClr val="accent1"/>
+            </a:effectRef>
+            <a:fontRef idx="minor">
+              <a:schemeClr val="lt1"/>
+            </a:fontRef>
+          </p:style>
+          <p:txBody>
+            <a:bodyPr rtlCol="0" anchor="ctr"/>
+            <a:lstStyle/>
+            <a:p>
+              <a:pPr algn="ctr"/>
+              <a:r>
+                <a:rPr lang="en-GB" sz="1400" dirty="0"/>
+                <a:t>See Preferences</a:t>
+              </a:r>
+            </a:p>
+          </p:txBody>
+        </p:sp>
+        <p:sp>
+          <p:nvSpPr>
+            <p:cNvPr id="33" name="Rectangle 32">
+              <a:extLst>
+                <a:ext uri="{FF2B5EF4-FFF2-40B4-BE49-F238E27FC236}">
+                  <a16:creationId xmlns:a16="http://schemas.microsoft.com/office/drawing/2014/main" id="{53C5747D-4359-A1FD-4C36-18401B14B86E}"/>
+                </a:ext>
+              </a:extLst>
+            </p:cNvPr>
+            <p:cNvSpPr/>
+            <p:nvPr/>
+          </p:nvSpPr>
+          <p:spPr>
+            <a:xfrm>
+              <a:off x="3462799" y="3587591"/>
+              <a:ext cx="7319690" cy="1531764"/>
+            </a:xfrm>
+            <a:prstGeom prst="rect">
+              <a:avLst/>
+            </a:prstGeom>
+            <a:solidFill>
+              <a:schemeClr val="bg1"/>
+            </a:solidFill>
+            <a:ln>
+              <a:noFill/>
+            </a:ln>
+          </p:spPr>
+          <p:style>
+            <a:lnRef idx="2">
+              <a:schemeClr val="accent1">
+                <a:shade val="50000"/>
+              </a:schemeClr>
+            </a:lnRef>
+            <a:fillRef idx="1">
+              <a:schemeClr val="accent1"/>
+            </a:fillRef>
+            <a:effectRef idx="0">
+              <a:schemeClr val="accent1"/>
+            </a:effectRef>
+            <a:fontRef idx="minor">
+              <a:schemeClr val="lt1"/>
+            </a:fontRef>
+          </p:style>
+          <p:txBody>
+            <a:bodyPr rtlCol="0" anchor="ctr"/>
+            <a:lstStyle/>
+            <a:p>
+              <a:pPr algn="ctr"/>
+              <a:r>
+                <a:rPr lang="en-GB" sz="1400" dirty="0">
+                  <a:solidFill>
+                    <a:schemeClr val="tx1"/>
+                  </a:solidFill>
+                </a:rPr>
+                <a:t>Ecologically sound construction investments in the UK and Western Europe – 98% match</a:t>
+              </a:r>
+            </a:p>
+            <a:p>
+              <a:pPr algn="ctr"/>
+              <a:r>
+                <a:rPr lang="en-GB" sz="1400" dirty="0">
+                  <a:solidFill>
+                    <a:schemeClr val="tx1"/>
+                  </a:solidFill>
+                </a:rPr>
+                <a:t>Precious metals of Eurasia – 86% match</a:t>
+              </a:r>
+            </a:p>
+            <a:p>
+              <a:pPr algn="ctr"/>
+              <a:r>
+                <a:rPr lang="en-GB" sz="1400" dirty="0">
+                  <a:solidFill>
+                    <a:schemeClr val="tx1"/>
+                  </a:solidFill>
+                </a:rPr>
+                <a:t>Emerging Cryptocurrencies of the Americas – 72% match</a:t>
+              </a:r>
+            </a:p>
+            <a:p>
+              <a:pPr algn="ctr"/>
+              <a:r>
+                <a:rPr lang="en-GB" sz="1400" dirty="0">
+                  <a:solidFill>
+                    <a:schemeClr val="tx1"/>
+                  </a:solidFill>
+                </a:rPr>
+                <a:t>Small business loans for North-African entrepreneurs – 66% match</a:t>
+              </a:r>
+            </a:p>
+            <a:p>
+              <a:pPr algn="ctr"/>
+              <a:r>
+                <a:rPr lang="en-GB" sz="1400" dirty="0">
+                  <a:solidFill>
+                    <a:schemeClr val="tx1"/>
+                  </a:solidFill>
+                </a:rPr>
+                <a:t>Diverse European bonds package – 52% match</a:t>
+              </a:r>
+            </a:p>
+            <a:p>
+              <a:pPr algn="ctr"/>
+              <a:r>
+                <a:rPr lang="en-GB" sz="1400" dirty="0">
+                  <a:solidFill>
+                    <a:schemeClr val="tx1"/>
+                  </a:solidFill>
+                </a:rPr>
+                <a:t>American tech giant stocks – 52% match</a:t>
+              </a:r>
+            </a:p>
+            <a:p>
+              <a:pPr algn="ctr"/>
+              <a:r>
+                <a:rPr lang="en-GB" sz="1400" dirty="0">
+                  <a:solidFill>
+                    <a:schemeClr val="tx1"/>
+                  </a:solidFill>
+                </a:rPr>
+                <a:t>Business loans for STEM startups in Canada – 42% match</a:t>
+              </a:r>
+            </a:p>
+          </p:txBody>
+        </p:sp>
+        <p:sp>
+          <p:nvSpPr>
+            <p:cNvPr id="34" name="Rectangle 33">
+              <a:extLst>
+                <a:ext uri="{FF2B5EF4-FFF2-40B4-BE49-F238E27FC236}">
+                  <a16:creationId xmlns:a16="http://schemas.microsoft.com/office/drawing/2014/main" id="{36F194F6-ADB7-2FF0-3B0C-AE308DB6916C}"/>
+                </a:ext>
+              </a:extLst>
+            </p:cNvPr>
+            <p:cNvSpPr/>
+            <p:nvPr/>
+          </p:nvSpPr>
+          <p:spPr>
+            <a:xfrm>
+              <a:off x="10541751" y="3587589"/>
+              <a:ext cx="239263" cy="1312725"/>
+            </a:xfrm>
+            <a:prstGeom prst="rect">
+              <a:avLst/>
+            </a:prstGeom>
+            <a:solidFill>
+              <a:schemeClr val="bg1">
+                <a:lumMod val="95000"/>
+              </a:schemeClr>
+            </a:solidFill>
+            <a:ln>
+              <a:noFill/>
+            </a:ln>
+          </p:spPr>
+          <p:style>
+            <a:lnRef idx="2">
+              <a:schemeClr val="accent1">
+                <a:shade val="50000"/>
+              </a:schemeClr>
+            </a:lnRef>
+            <a:fillRef idx="1">
+              <a:schemeClr val="accent1"/>
+            </a:fillRef>
+            <a:effectRef idx="0">
+              <a:schemeClr val="accent1"/>
+            </a:effectRef>
+            <a:fontRef idx="minor">
+              <a:schemeClr val="lt1"/>
+            </a:fontRef>
+          </p:style>
+          <p:txBody>
+            <a:bodyPr rtlCol="0" anchor="ctr"/>
+            <a:lstStyle/>
+            <a:p>
+              <a:pPr marL="0" marR="0" lvl="0" indent="0" algn="ctr" defTabSz="914400" rtl="0" eaLnBrk="1" fontAlgn="auto" latinLnBrk="0" hangingPunct="1">
+                <a:lnSpc>
+                  <a:spcPct val="100000"/>
+                </a:lnSpc>
+                <a:spcBef>
+                  <a:spcPts val="0"/>
+                </a:spcBef>
+                <a:spcAft>
+                  <a:spcPts val="0"/>
+                </a:spcAft>
+                <a:buClrTx/>
+                <a:buSzTx/>
+                <a:buFontTx/>
+                <a:buNone/>
+                <a:tabLst/>
+                <a:defRPr/>
+              </a:pPr>
+              <a:endParaRPr kumimoji="0" lang="en-GB" sz="1800" b="0" i="0" u="none" strike="noStrike" kern="1200" cap="none" spc="0" normalizeH="0" baseline="0" noProof="0">
+                <a:ln>
+                  <a:noFill/>
+                </a:ln>
+                <a:solidFill>
+                  <a:prstClr val="white"/>
+                </a:solidFill>
+                <a:effectLst/>
+                <a:uLnTx/>
+                <a:uFillTx/>
+                <a:latin typeface="Calibri" panose="020F0502020204030204"/>
+                <a:ea typeface="+mn-ea"/>
+                <a:cs typeface="+mn-cs"/>
+              </a:endParaRPr>
+            </a:p>
+          </p:txBody>
+        </p:sp>
+        <p:sp>
+          <p:nvSpPr>
+            <p:cNvPr id="35" name="Rectangle 34">
+              <a:extLst>
+                <a:ext uri="{FF2B5EF4-FFF2-40B4-BE49-F238E27FC236}">
+                  <a16:creationId xmlns:a16="http://schemas.microsoft.com/office/drawing/2014/main" id="{7EE4CEAE-6326-CCE6-2283-F22003A45E02}"/>
+                </a:ext>
+              </a:extLst>
+            </p:cNvPr>
+            <p:cNvSpPr/>
+            <p:nvPr/>
+          </p:nvSpPr>
+          <p:spPr>
+            <a:xfrm>
+              <a:off x="10540767" y="3584908"/>
+              <a:ext cx="239263" cy="223157"/>
+            </a:xfrm>
+            <a:prstGeom prst="rect">
+              <a:avLst/>
+            </a:prstGeom>
+            <a:solidFill>
+              <a:schemeClr val="bg1">
+                <a:lumMod val="95000"/>
+              </a:schemeClr>
+            </a:solidFill>
+            <a:ln>
+              <a:solidFill>
+                <a:schemeClr val="bg2">
+                  <a:lumMod val="90000"/>
+                </a:schemeClr>
+              </a:solidFill>
+            </a:ln>
+          </p:spPr>
+          <p:style>
+            <a:lnRef idx="2">
+              <a:schemeClr val="accent1">
+                <a:shade val="50000"/>
+              </a:schemeClr>
+            </a:lnRef>
+            <a:fillRef idx="1">
+              <a:schemeClr val="accent1"/>
+            </a:fillRef>
+            <a:effectRef idx="0">
+              <a:schemeClr val="accent1"/>
+            </a:effectRef>
+            <a:fontRef idx="minor">
+              <a:schemeClr val="lt1"/>
+            </a:fontRef>
+          </p:style>
+          <p:txBody>
+            <a:bodyPr rtlCol="0" anchor="ctr"/>
+            <a:lstStyle/>
+            <a:p>
+              <a:pPr marL="0" marR="0" lvl="0" indent="0" algn="ctr" defTabSz="914400" rtl="0" eaLnBrk="1" fontAlgn="auto" latinLnBrk="0" hangingPunct="1">
+                <a:lnSpc>
+                  <a:spcPct val="100000"/>
+                </a:lnSpc>
+                <a:spcBef>
+                  <a:spcPts val="0"/>
+                </a:spcBef>
+                <a:spcAft>
+                  <a:spcPts val="0"/>
+                </a:spcAft>
+                <a:buClrTx/>
+                <a:buSzTx/>
+                <a:buFontTx/>
+                <a:buNone/>
+                <a:tabLst/>
+                <a:defRPr/>
+              </a:pPr>
+              <a:endParaRPr kumimoji="0" lang="en-GB" sz="1800" b="0" i="0" u="none" strike="noStrike" kern="1200" cap="none" spc="0" normalizeH="0" baseline="0" noProof="0">
+                <a:ln>
+                  <a:noFill/>
+                </a:ln>
+                <a:solidFill>
+                  <a:prstClr val="white"/>
+                </a:solidFill>
+                <a:effectLst/>
+                <a:uLnTx/>
+                <a:uFillTx/>
+                <a:latin typeface="Calibri" panose="020F0502020204030204"/>
+                <a:ea typeface="+mn-ea"/>
+                <a:cs typeface="+mn-cs"/>
+              </a:endParaRPr>
+            </a:p>
+          </p:txBody>
+        </p:sp>
+        <p:sp>
+          <p:nvSpPr>
+            <p:cNvPr id="36" name="Arrow: Chevron 35">
+              <a:extLst>
+                <a:ext uri="{FF2B5EF4-FFF2-40B4-BE49-F238E27FC236}">
+                  <a16:creationId xmlns:a16="http://schemas.microsoft.com/office/drawing/2014/main" id="{DE7EEBE7-D529-A5EB-EEE1-93C51BA42813}"/>
+                </a:ext>
+              </a:extLst>
+            </p:cNvPr>
+            <p:cNvSpPr/>
+            <p:nvPr/>
+          </p:nvSpPr>
+          <p:spPr>
+            <a:xfrm rot="16200000">
+              <a:off x="10606394" y="3626905"/>
+              <a:ext cx="111919" cy="130925"/>
+            </a:xfrm>
+            <a:prstGeom prst="chevron">
+              <a:avLst/>
+            </a:prstGeom>
+            <a:solidFill>
+              <a:schemeClr val="bg1">
+                <a:lumMod val="50000"/>
+              </a:schemeClr>
+            </a:solidFill>
+            <a:ln>
+              <a:noFill/>
+            </a:ln>
+          </p:spPr>
+          <p:style>
+            <a:lnRef idx="2">
+              <a:schemeClr val="accent1">
+                <a:shade val="50000"/>
+              </a:schemeClr>
+            </a:lnRef>
+            <a:fillRef idx="1">
+              <a:schemeClr val="accent1"/>
+            </a:fillRef>
+            <a:effectRef idx="0">
+              <a:schemeClr val="accent1"/>
+            </a:effectRef>
+            <a:fontRef idx="minor">
+              <a:schemeClr val="lt1"/>
+            </a:fontRef>
+          </p:style>
+          <p:txBody>
+            <a:bodyPr rtlCol="0" anchor="ctr"/>
+            <a:lstStyle/>
+            <a:p>
+              <a:pPr marL="0" marR="0" lvl="0" indent="0" algn="ctr" defTabSz="914400" rtl="0" eaLnBrk="1" fontAlgn="auto" latinLnBrk="0" hangingPunct="1">
+                <a:lnSpc>
+                  <a:spcPct val="100000"/>
+                </a:lnSpc>
+                <a:spcBef>
+                  <a:spcPts val="0"/>
+                </a:spcBef>
+                <a:spcAft>
+                  <a:spcPts val="0"/>
+                </a:spcAft>
+                <a:buClrTx/>
+                <a:buSzTx/>
+                <a:buFontTx/>
+                <a:buNone/>
+                <a:tabLst/>
+                <a:defRPr/>
+              </a:pPr>
+              <a:endParaRPr kumimoji="0" lang="en-GB" sz="1800" b="0" i="0" u="none" strike="noStrike" kern="1200" cap="none" spc="0" normalizeH="0" baseline="0" noProof="0">
+                <a:ln>
+                  <a:noFill/>
+                </a:ln>
+                <a:solidFill>
+                  <a:prstClr val="black"/>
+                </a:solidFill>
+                <a:effectLst/>
+                <a:uLnTx/>
+                <a:uFillTx/>
+                <a:latin typeface="Calibri" panose="020F0502020204030204"/>
+                <a:ea typeface="+mn-ea"/>
+                <a:cs typeface="+mn-cs"/>
+              </a:endParaRPr>
+            </a:p>
+          </p:txBody>
+        </p:sp>
+        <p:sp>
+          <p:nvSpPr>
+            <p:cNvPr id="37" name="Rectangle 36">
+              <a:extLst>
+                <a:ext uri="{FF2B5EF4-FFF2-40B4-BE49-F238E27FC236}">
+                  <a16:creationId xmlns:a16="http://schemas.microsoft.com/office/drawing/2014/main" id="{393DB416-7B8D-CE00-B766-096B401E9B44}"/>
+                </a:ext>
+              </a:extLst>
+            </p:cNvPr>
+            <p:cNvSpPr/>
+            <p:nvPr/>
+          </p:nvSpPr>
+          <p:spPr>
+            <a:xfrm rot="10800000">
+              <a:off x="10540767" y="4900316"/>
+              <a:ext cx="239263" cy="223157"/>
+            </a:xfrm>
+            <a:prstGeom prst="rect">
+              <a:avLst/>
+            </a:prstGeom>
+            <a:solidFill>
+              <a:schemeClr val="bg1">
+                <a:lumMod val="95000"/>
+              </a:schemeClr>
+            </a:solidFill>
+            <a:ln>
+              <a:solidFill>
+                <a:schemeClr val="bg2">
+                  <a:lumMod val="90000"/>
+                </a:schemeClr>
+              </a:solidFill>
+            </a:ln>
+          </p:spPr>
+          <p:style>
+            <a:lnRef idx="2">
+              <a:schemeClr val="accent1">
+                <a:shade val="50000"/>
+              </a:schemeClr>
+            </a:lnRef>
+            <a:fillRef idx="1">
+              <a:schemeClr val="accent1"/>
+            </a:fillRef>
+            <a:effectRef idx="0">
+              <a:schemeClr val="accent1"/>
+            </a:effectRef>
+            <a:fontRef idx="minor">
+              <a:schemeClr val="lt1"/>
+            </a:fontRef>
+          </p:style>
+          <p:txBody>
+            <a:bodyPr rtlCol="0" anchor="ctr"/>
+            <a:lstStyle/>
+            <a:p>
+              <a:pPr marL="0" marR="0" lvl="0" indent="0" algn="ctr" defTabSz="914400" rtl="0" eaLnBrk="1" fontAlgn="auto" latinLnBrk="0" hangingPunct="1">
+                <a:lnSpc>
+                  <a:spcPct val="100000"/>
+                </a:lnSpc>
+                <a:spcBef>
+                  <a:spcPts val="0"/>
+                </a:spcBef>
+                <a:spcAft>
+                  <a:spcPts val="0"/>
+                </a:spcAft>
+                <a:buClrTx/>
+                <a:buSzTx/>
+                <a:buFontTx/>
+                <a:buNone/>
+                <a:tabLst/>
+                <a:defRPr/>
+              </a:pPr>
+              <a:endParaRPr kumimoji="0" lang="en-GB" sz="1800" b="0" i="0" u="none" strike="noStrike" kern="1200" cap="none" spc="0" normalizeH="0" baseline="0" noProof="0">
+                <a:ln>
+                  <a:noFill/>
+                </a:ln>
+                <a:solidFill>
+                  <a:prstClr val="white"/>
+                </a:solidFill>
+                <a:effectLst/>
+                <a:uLnTx/>
+                <a:uFillTx/>
+                <a:latin typeface="Calibri" panose="020F0502020204030204"/>
+                <a:ea typeface="+mn-ea"/>
+                <a:cs typeface="+mn-cs"/>
+              </a:endParaRPr>
+            </a:p>
+          </p:txBody>
+        </p:sp>
+        <p:sp>
+          <p:nvSpPr>
+            <p:cNvPr id="38" name="Arrow: Chevron 37">
+              <a:extLst>
+                <a:ext uri="{FF2B5EF4-FFF2-40B4-BE49-F238E27FC236}">
+                  <a16:creationId xmlns:a16="http://schemas.microsoft.com/office/drawing/2014/main" id="{8EDB9AC1-664E-C936-E31E-000F47A14C4D}"/>
+                </a:ext>
+              </a:extLst>
+            </p:cNvPr>
+            <p:cNvSpPr/>
+            <p:nvPr/>
+          </p:nvSpPr>
+          <p:spPr>
+            <a:xfrm rot="5400000">
+              <a:off x="10606393" y="4942314"/>
+              <a:ext cx="111919" cy="130927"/>
+            </a:xfrm>
+            <a:prstGeom prst="chevron">
+              <a:avLst/>
+            </a:prstGeom>
+            <a:solidFill>
+              <a:schemeClr val="bg1">
+                <a:lumMod val="50000"/>
+              </a:schemeClr>
+            </a:solidFill>
+            <a:ln>
+              <a:noFill/>
+            </a:ln>
+          </p:spPr>
+          <p:style>
+            <a:lnRef idx="2">
+              <a:schemeClr val="accent1">
+                <a:shade val="50000"/>
+              </a:schemeClr>
+            </a:lnRef>
+            <a:fillRef idx="1">
+              <a:schemeClr val="accent1"/>
+            </a:fillRef>
+            <a:effectRef idx="0">
+              <a:schemeClr val="accent1"/>
+            </a:effectRef>
+            <a:fontRef idx="minor">
+              <a:schemeClr val="lt1"/>
+            </a:fontRef>
+          </p:style>
+          <p:txBody>
+            <a:bodyPr rtlCol="0" anchor="ctr"/>
+            <a:lstStyle/>
+            <a:p>
+              <a:pPr marL="0" marR="0" lvl="0" indent="0" algn="ctr" defTabSz="914400" rtl="0" eaLnBrk="1" fontAlgn="auto" latinLnBrk="0" hangingPunct="1">
+                <a:lnSpc>
+                  <a:spcPct val="100000"/>
+                </a:lnSpc>
+                <a:spcBef>
+                  <a:spcPts val="0"/>
+                </a:spcBef>
+                <a:spcAft>
+                  <a:spcPts val="0"/>
+                </a:spcAft>
+                <a:buClrTx/>
+                <a:buSzTx/>
+                <a:buFontTx/>
+                <a:buNone/>
+                <a:tabLst/>
+                <a:defRPr/>
+              </a:pPr>
+              <a:endParaRPr kumimoji="0" lang="en-GB" sz="1800" b="0" i="0" u="none" strike="noStrike" kern="1200" cap="none" spc="0" normalizeH="0" baseline="0" noProof="0">
+                <a:ln>
+                  <a:noFill/>
+                </a:ln>
+                <a:solidFill>
+                  <a:prstClr val="black"/>
+                </a:solidFill>
+                <a:effectLst/>
+                <a:uLnTx/>
+                <a:uFillTx/>
+                <a:latin typeface="Calibri" panose="020F0502020204030204"/>
+                <a:ea typeface="+mn-ea"/>
+                <a:cs typeface="+mn-cs"/>
+              </a:endParaRPr>
+            </a:p>
+          </p:txBody>
+        </p:sp>
+        <p:sp>
+          <p:nvSpPr>
+            <p:cNvPr id="39" name="TextBox 38">
+              <a:extLst>
+                <a:ext uri="{FF2B5EF4-FFF2-40B4-BE49-F238E27FC236}">
+                  <a16:creationId xmlns:a16="http://schemas.microsoft.com/office/drawing/2014/main" id="{50282FE5-5AE2-4116-EDE8-277296044908}"/>
+                </a:ext>
+              </a:extLst>
+            </p:cNvPr>
+            <p:cNvSpPr txBox="1"/>
+            <p:nvPr/>
+          </p:nvSpPr>
+          <p:spPr>
+            <a:xfrm>
+              <a:off x="3462799" y="3219887"/>
+              <a:ext cx="2290999" cy="369332"/>
+            </a:xfrm>
+            <a:prstGeom prst="rect">
+              <a:avLst/>
+            </a:prstGeom>
+            <a:noFill/>
+          </p:spPr>
+          <p:txBody>
+            <a:bodyPr wrap="square" rtlCol="0">
+              <a:spAutoFit/>
+            </a:bodyPr>
+            <a:lstStyle/>
+            <a:p>
+              <a:r>
+                <a:rPr lang="en-GB" dirty="0">
+                  <a:solidFill>
+                    <a:schemeClr val="bg1"/>
+                  </a:solidFill>
+                </a:rPr>
+                <a:t>Ideas</a:t>
+              </a:r>
+            </a:p>
+          </p:txBody>
+        </p:sp>
+        <p:sp>
+          <p:nvSpPr>
+            <p:cNvPr id="42" name="RectSelected2">
+              <a:extLst>
+                <a:ext uri="{FF2B5EF4-FFF2-40B4-BE49-F238E27FC236}">
+                  <a16:creationId xmlns:a16="http://schemas.microsoft.com/office/drawing/2014/main" id="{80BE7481-D772-AF5A-E193-9D9ECDB66A98}"/>
+                </a:ext>
+              </a:extLst>
+            </p:cNvPr>
+            <p:cNvSpPr/>
+            <p:nvPr/>
+          </p:nvSpPr>
+          <p:spPr>
+            <a:xfrm>
+              <a:off x="3454385" y="1115849"/>
+              <a:ext cx="7083955" cy="223157"/>
+            </a:xfrm>
+            <a:prstGeom prst="rect">
+              <a:avLst/>
+            </a:prstGeom>
+            <a:solidFill>
+              <a:srgbClr val="364652"/>
+            </a:solidFill>
+            <a:ln>
+              <a:noFill/>
+            </a:ln>
+          </p:spPr>
+          <p:style>
+            <a:lnRef idx="2">
+              <a:schemeClr val="accent1">
+                <a:shade val="50000"/>
+              </a:schemeClr>
+            </a:lnRef>
+            <a:fillRef idx="1">
+              <a:schemeClr val="accent1"/>
+            </a:fillRef>
+            <a:effectRef idx="0">
+              <a:schemeClr val="accent1"/>
+            </a:effectRef>
+            <a:fontRef idx="minor">
+              <a:schemeClr val="lt1"/>
+            </a:fontRef>
+          </p:style>
+          <p:txBody>
+            <a:bodyPr rtlCol="0" anchor="ctr"/>
+            <a:lstStyle/>
+            <a:p>
+              <a:pPr algn="ctr"/>
+              <a:r>
+                <a:rPr lang="en-GB" sz="1400" dirty="0">
+                  <a:solidFill>
+                    <a:schemeClr val="bg1"/>
+                  </a:solidFill>
+                </a:rPr>
+                <a:t>      Gerry Adams</a:t>
+              </a:r>
+            </a:p>
+          </p:txBody>
+        </p:sp>
+      </p:grpSp>
       <p:sp>
         <p:nvSpPr>
-          <p:cNvPr id="33" name="Rectangle 32">
+          <p:cNvPr id="44" name="InvisButton">
             <a:extLst>
               <a:ext uri="{FF2B5EF4-FFF2-40B4-BE49-F238E27FC236}">
-                <a16:creationId xmlns:a16="http://schemas.microsoft.com/office/drawing/2014/main" id="{53C5747D-4359-A1FD-4C36-18401B14B86E}"/>
+                <a16:creationId xmlns:a16="http://schemas.microsoft.com/office/drawing/2014/main" id="{FF2CBAA9-32F6-E231-E8FB-D84B4D3B8476}"/>
               </a:ext>
             </a:extLst>
           </p:cNvPr>
@@ -25480,14 +26202,64 @@
         </p:nvSpPr>
         <p:spPr>
           <a:xfrm>
-            <a:off x="3462799" y="3587591"/>
-            <a:ext cx="7319690" cy="1531764"/>
+            <a:off x="3456463" y="1112456"/>
+            <a:ext cx="7075509" cy="231459"/>
+          </a:xfrm>
+          <a:prstGeom prst="rect">
+            <a:avLst/>
+          </a:prstGeom>
+          <a:noFill/>
+          <a:ln>
+            <a:noFill/>
+          </a:ln>
+        </p:spPr>
+        <p:style>
+          <a:lnRef idx="2">
+            <a:schemeClr val="accent1">
+              <a:shade val="50000"/>
+            </a:schemeClr>
+          </a:lnRef>
+          <a:fillRef idx="1">
+            <a:schemeClr val="accent1"/>
+          </a:fillRef>
+          <a:effectRef idx="0">
+            <a:schemeClr val="accent1"/>
+          </a:effectRef>
+          <a:fontRef idx="minor">
+            <a:schemeClr val="lt1"/>
+          </a:fontRef>
+        </p:style>
+        <p:txBody>
+          <a:bodyPr rtlCol="0" anchor="ctr"/>
+          <a:lstStyle/>
+          <a:p>
+            <a:pPr algn="ctr"/>
+            <a:endParaRPr lang="en-GB"/>
+          </a:p>
+        </p:txBody>
+      </p:sp>
+      <p:sp>
+        <p:nvSpPr>
+          <p:cNvPr id="45" name="RectSelected2">
+            <a:extLst>
+              <a:ext uri="{FF2B5EF4-FFF2-40B4-BE49-F238E27FC236}">
+                <a16:creationId xmlns:a16="http://schemas.microsoft.com/office/drawing/2014/main" id="{6AEE2CC8-6B8A-31F7-C89D-0A846507BC1E}"/>
+              </a:ext>
+            </a:extLst>
+          </p:cNvPr>
+          <p:cNvSpPr/>
+          <p:nvPr/>
+        </p:nvSpPr>
+        <p:spPr>
+          <a:xfrm>
+            <a:off x="3461324" y="3583765"/>
+            <a:ext cx="7083955" cy="223157"/>
           </a:xfrm>
           <a:prstGeom prst="rect">
             <a:avLst/>
           </a:prstGeom>
           <a:solidFill>
-            <a:schemeClr val="bg1"/>
+            <a:srgbClr val="364652"/>
           </a:solidFill>
           <a:ln>
             <a:noFill/>
@@ -25517,86 +26289,20 @@
             <a:r>
               <a:rPr lang="en-GB" sz="1400" dirty="0">
                 <a:solidFill>
-                  <a:schemeClr val="tx1"/>
+                  <a:schemeClr val="bg1"/>
                 </a:solidFill>
               </a:rPr>
-              <a:t>Ecologically sound construction investments in the UK and Western Europe – 98% match</a:t>
-            </a:r>
-          </a:p>
-          <a:p>
-            <a:pPr algn="ctr"/>
-            <a:r>
-              <a:rPr lang="en-GB" sz="1400" dirty="0">
-                <a:solidFill>
-                  <a:schemeClr val="tx1"/>
-                </a:solidFill>
-              </a:rPr>
-              <a:t>Precious metals of Eurasia – 86% match</a:t>
-            </a:r>
-          </a:p>
-          <a:p>
-            <a:pPr algn="ctr"/>
-            <a:r>
-              <a:rPr lang="en-GB" sz="1400" dirty="0">
-                <a:solidFill>
-                  <a:schemeClr val="tx1"/>
-                </a:solidFill>
-              </a:rPr>
-              <a:t>Emerging Cryptocurrencies of the Americas – 72% match</a:t>
-            </a:r>
-          </a:p>
-          <a:p>
-            <a:pPr algn="ctr"/>
-            <a:r>
-              <a:rPr lang="en-GB" sz="1400" dirty="0">
-                <a:solidFill>
-                  <a:schemeClr val="tx1"/>
-                </a:solidFill>
-              </a:rPr>
-              <a:t>Small business loans for North-African entrepreneurs – 66% match</a:t>
-            </a:r>
-          </a:p>
-          <a:p>
-            <a:pPr algn="ctr"/>
-            <a:r>
-              <a:rPr lang="en-GB" sz="1400" dirty="0">
-                <a:solidFill>
-                  <a:schemeClr val="tx1"/>
-                </a:solidFill>
-              </a:rPr>
-              <a:t>Diverse European bonds package – 52% match</a:t>
-            </a:r>
-          </a:p>
-          <a:p>
-            <a:pPr algn="ctr"/>
-            <a:r>
-              <a:rPr lang="en-GB" sz="1400" dirty="0">
-                <a:solidFill>
-                  <a:schemeClr val="tx1"/>
-                </a:solidFill>
-              </a:rPr>
-              <a:t>American tech giant stocks – 52% match</a:t>
-            </a:r>
-          </a:p>
-          <a:p>
-            <a:pPr algn="ctr"/>
-            <a:r>
-              <a:rPr lang="en-GB" sz="1400" dirty="0">
-                <a:solidFill>
-                  <a:schemeClr val="tx1"/>
-                </a:solidFill>
-              </a:rPr>
-              <a:t>Business loans for STEM startups in Canada – 42% match</a:t>
+              <a:t>      Ecologically sound construction investments in the UK and Western Europe – 98% match</a:t>
             </a:r>
           </a:p>
         </p:txBody>
       </p:sp>
       <p:sp>
         <p:nvSpPr>
-          <p:cNvPr id="34" name="Rectangle 33">
+          <p:cNvPr id="46" name="InvisButton2">
             <a:extLst>
               <a:ext uri="{FF2B5EF4-FFF2-40B4-BE49-F238E27FC236}">
-                <a16:creationId xmlns:a16="http://schemas.microsoft.com/office/drawing/2014/main" id="{36F194F6-ADB7-2FF0-3B0C-AE308DB6916C}"/>
+                <a16:creationId xmlns:a16="http://schemas.microsoft.com/office/drawing/2014/main" id="{E72C020B-B222-932E-CE8D-A7CC61AC4385}"/>
               </a:ext>
             </a:extLst>
           </p:cNvPr>
@@ -25605,17 +26311,13 @@
         </p:nvSpPr>
         <p:spPr>
           <a:xfrm>
-            <a:off x="10541751" y="3587589"/>
-            <a:ext cx="239263" cy="1312725"/>
+            <a:off x="3461324" y="3583765"/>
+            <a:ext cx="7070648" cy="222867"/>
           </a:xfrm>
           <a:prstGeom prst="rect">
             <a:avLst/>
           </a:prstGeom>
-          <a:solidFill>
-            <a:schemeClr val="bg1">
-              <a:lumMod val="95000"/>
-            </a:schemeClr>
-          </a:solidFill>
+          <a:noFill/>
           <a:ln>
             <a:noFill/>
           </a:ln>
@@ -25640,416 +26342,8 @@
           <a:bodyPr rtlCol="0" anchor="ctr"/>
           <a:lstStyle/>
           <a:p>
-            <a:pPr marL="0" marR="0" lvl="0" indent="0" algn="ctr" defTabSz="914400" rtl="0" eaLnBrk="1" fontAlgn="auto" latinLnBrk="0" hangingPunct="1">
-              <a:lnSpc>
-                <a:spcPct val="100000"/>
-              </a:lnSpc>
-              <a:spcBef>
-                <a:spcPts val="0"/>
-              </a:spcBef>
-              <a:spcAft>
-                <a:spcPts val="0"/>
-              </a:spcAft>
-              <a:buClrTx/>
-              <a:buSzTx/>
-              <a:buFontTx/>
-              <a:buNone/>
-              <a:tabLst/>
-              <a:defRPr/>
-            </a:pPr>
-            <a:endParaRPr kumimoji="0" lang="en-GB" sz="1800" b="0" i="0" u="none" strike="noStrike" kern="1200" cap="none" spc="0" normalizeH="0" baseline="0" noProof="0">
-              <a:ln>
-                <a:noFill/>
-              </a:ln>
-              <a:solidFill>
-                <a:prstClr val="white"/>
-              </a:solidFill>
-              <a:effectLst/>
-              <a:uLnTx/>
-              <a:uFillTx/>
-              <a:latin typeface="Calibri" panose="020F0502020204030204"/>
-              <a:ea typeface="+mn-ea"/>
-              <a:cs typeface="+mn-cs"/>
-            </a:endParaRPr>
-          </a:p>
-        </p:txBody>
-      </p:sp>
-      <p:sp>
-        <p:nvSpPr>
-          <p:cNvPr id="35" name="Rectangle 34">
-            <a:extLst>
-              <a:ext uri="{FF2B5EF4-FFF2-40B4-BE49-F238E27FC236}">
-                <a16:creationId xmlns:a16="http://schemas.microsoft.com/office/drawing/2014/main" id="{7EE4CEAE-6326-CCE6-2283-F22003A45E02}"/>
-              </a:ext>
-            </a:extLst>
-          </p:cNvPr>
-          <p:cNvSpPr/>
-          <p:nvPr/>
-        </p:nvSpPr>
-        <p:spPr>
-          <a:xfrm>
-            <a:off x="10540767" y="3584908"/>
-            <a:ext cx="239263" cy="223157"/>
-          </a:xfrm>
-          <a:prstGeom prst="rect">
-            <a:avLst/>
-          </a:prstGeom>
-          <a:solidFill>
-            <a:schemeClr val="bg1">
-              <a:lumMod val="95000"/>
-            </a:schemeClr>
-          </a:solidFill>
-          <a:ln>
-            <a:solidFill>
-              <a:schemeClr val="bg2">
-                <a:lumMod val="90000"/>
-              </a:schemeClr>
-            </a:solidFill>
-          </a:ln>
-        </p:spPr>
-        <p:style>
-          <a:lnRef idx="2">
-            <a:schemeClr val="accent1">
-              <a:shade val="50000"/>
-            </a:schemeClr>
-          </a:lnRef>
-          <a:fillRef idx="1">
-            <a:schemeClr val="accent1"/>
-          </a:fillRef>
-          <a:effectRef idx="0">
-            <a:schemeClr val="accent1"/>
-          </a:effectRef>
-          <a:fontRef idx="minor">
-            <a:schemeClr val="lt1"/>
-          </a:fontRef>
-        </p:style>
-        <p:txBody>
-          <a:bodyPr rtlCol="0" anchor="ctr"/>
-          <a:lstStyle/>
-          <a:p>
-            <a:pPr marL="0" marR="0" lvl="0" indent="0" algn="ctr" defTabSz="914400" rtl="0" eaLnBrk="1" fontAlgn="auto" latinLnBrk="0" hangingPunct="1">
-              <a:lnSpc>
-                <a:spcPct val="100000"/>
-              </a:lnSpc>
-              <a:spcBef>
-                <a:spcPts val="0"/>
-              </a:spcBef>
-              <a:spcAft>
-                <a:spcPts val="0"/>
-              </a:spcAft>
-              <a:buClrTx/>
-              <a:buSzTx/>
-              <a:buFontTx/>
-              <a:buNone/>
-              <a:tabLst/>
-              <a:defRPr/>
-            </a:pPr>
-            <a:endParaRPr kumimoji="0" lang="en-GB" sz="1800" b="0" i="0" u="none" strike="noStrike" kern="1200" cap="none" spc="0" normalizeH="0" baseline="0" noProof="0">
-              <a:ln>
-                <a:noFill/>
-              </a:ln>
-              <a:solidFill>
-                <a:prstClr val="white"/>
-              </a:solidFill>
-              <a:effectLst/>
-              <a:uLnTx/>
-              <a:uFillTx/>
-              <a:latin typeface="Calibri" panose="020F0502020204030204"/>
-              <a:ea typeface="+mn-ea"/>
-              <a:cs typeface="+mn-cs"/>
-            </a:endParaRPr>
-          </a:p>
-        </p:txBody>
-      </p:sp>
-      <p:sp>
-        <p:nvSpPr>
-          <p:cNvPr id="36" name="Arrow: Chevron 35">
-            <a:extLst>
-              <a:ext uri="{FF2B5EF4-FFF2-40B4-BE49-F238E27FC236}">
-                <a16:creationId xmlns:a16="http://schemas.microsoft.com/office/drawing/2014/main" id="{DE7EEBE7-D529-A5EB-EEE1-93C51BA42813}"/>
-              </a:ext>
-            </a:extLst>
-          </p:cNvPr>
-          <p:cNvSpPr/>
-          <p:nvPr/>
-        </p:nvSpPr>
-        <p:spPr>
-          <a:xfrm rot="16200000">
-            <a:off x="10606394" y="3626905"/>
-            <a:ext cx="111919" cy="130925"/>
-          </a:xfrm>
-          <a:prstGeom prst="chevron">
-            <a:avLst/>
-          </a:prstGeom>
-          <a:solidFill>
-            <a:schemeClr val="bg1">
-              <a:lumMod val="50000"/>
-            </a:schemeClr>
-          </a:solidFill>
-          <a:ln>
-            <a:noFill/>
-          </a:ln>
-        </p:spPr>
-        <p:style>
-          <a:lnRef idx="2">
-            <a:schemeClr val="accent1">
-              <a:shade val="50000"/>
-            </a:schemeClr>
-          </a:lnRef>
-          <a:fillRef idx="1">
-            <a:schemeClr val="accent1"/>
-          </a:fillRef>
-          <a:effectRef idx="0">
-            <a:schemeClr val="accent1"/>
-          </a:effectRef>
-          <a:fontRef idx="minor">
-            <a:schemeClr val="lt1"/>
-          </a:fontRef>
-        </p:style>
-        <p:txBody>
-          <a:bodyPr rtlCol="0" anchor="ctr"/>
-          <a:lstStyle/>
-          <a:p>
-            <a:pPr marL="0" marR="0" lvl="0" indent="0" algn="ctr" defTabSz="914400" rtl="0" eaLnBrk="1" fontAlgn="auto" latinLnBrk="0" hangingPunct="1">
-              <a:lnSpc>
-                <a:spcPct val="100000"/>
-              </a:lnSpc>
-              <a:spcBef>
-                <a:spcPts val="0"/>
-              </a:spcBef>
-              <a:spcAft>
-                <a:spcPts val="0"/>
-              </a:spcAft>
-              <a:buClrTx/>
-              <a:buSzTx/>
-              <a:buFontTx/>
-              <a:buNone/>
-              <a:tabLst/>
-              <a:defRPr/>
-            </a:pPr>
-            <a:endParaRPr kumimoji="0" lang="en-GB" sz="1800" b="0" i="0" u="none" strike="noStrike" kern="1200" cap="none" spc="0" normalizeH="0" baseline="0" noProof="0">
-              <a:ln>
-                <a:noFill/>
-              </a:ln>
-              <a:solidFill>
-                <a:prstClr val="black"/>
-              </a:solidFill>
-              <a:effectLst/>
-              <a:uLnTx/>
-              <a:uFillTx/>
-              <a:latin typeface="Calibri" panose="020F0502020204030204"/>
-              <a:ea typeface="+mn-ea"/>
-              <a:cs typeface="+mn-cs"/>
-            </a:endParaRPr>
-          </a:p>
-        </p:txBody>
-      </p:sp>
-      <p:sp>
-        <p:nvSpPr>
-          <p:cNvPr id="37" name="Rectangle 36">
-            <a:extLst>
-              <a:ext uri="{FF2B5EF4-FFF2-40B4-BE49-F238E27FC236}">
-                <a16:creationId xmlns:a16="http://schemas.microsoft.com/office/drawing/2014/main" id="{393DB416-7B8D-CE00-B766-096B401E9B44}"/>
-              </a:ext>
-            </a:extLst>
-          </p:cNvPr>
-          <p:cNvSpPr/>
-          <p:nvPr/>
-        </p:nvSpPr>
-        <p:spPr>
-          <a:xfrm rot="10800000">
-            <a:off x="10540767" y="4900316"/>
-            <a:ext cx="239263" cy="223157"/>
-          </a:xfrm>
-          <a:prstGeom prst="rect">
-            <a:avLst/>
-          </a:prstGeom>
-          <a:solidFill>
-            <a:schemeClr val="bg1">
-              <a:lumMod val="95000"/>
-            </a:schemeClr>
-          </a:solidFill>
-          <a:ln>
-            <a:solidFill>
-              <a:schemeClr val="bg2">
-                <a:lumMod val="90000"/>
-              </a:schemeClr>
-            </a:solidFill>
-          </a:ln>
-        </p:spPr>
-        <p:style>
-          <a:lnRef idx="2">
-            <a:schemeClr val="accent1">
-              <a:shade val="50000"/>
-            </a:schemeClr>
-          </a:lnRef>
-          <a:fillRef idx="1">
-            <a:schemeClr val="accent1"/>
-          </a:fillRef>
-          <a:effectRef idx="0">
-            <a:schemeClr val="accent1"/>
-          </a:effectRef>
-          <a:fontRef idx="minor">
-            <a:schemeClr val="lt1"/>
-          </a:fontRef>
-        </p:style>
-        <p:txBody>
-          <a:bodyPr rtlCol="0" anchor="ctr"/>
-          <a:lstStyle/>
-          <a:p>
-            <a:pPr marL="0" marR="0" lvl="0" indent="0" algn="ctr" defTabSz="914400" rtl="0" eaLnBrk="1" fontAlgn="auto" latinLnBrk="0" hangingPunct="1">
-              <a:lnSpc>
-                <a:spcPct val="100000"/>
-              </a:lnSpc>
-              <a:spcBef>
-                <a:spcPts val="0"/>
-              </a:spcBef>
-              <a:spcAft>
-                <a:spcPts val="0"/>
-              </a:spcAft>
-              <a:buClrTx/>
-              <a:buSzTx/>
-              <a:buFontTx/>
-              <a:buNone/>
-              <a:tabLst/>
-              <a:defRPr/>
-            </a:pPr>
-            <a:endParaRPr kumimoji="0" lang="en-GB" sz="1800" b="0" i="0" u="none" strike="noStrike" kern="1200" cap="none" spc="0" normalizeH="0" baseline="0" noProof="0">
-              <a:ln>
-                <a:noFill/>
-              </a:ln>
-              <a:solidFill>
-                <a:prstClr val="white"/>
-              </a:solidFill>
-              <a:effectLst/>
-              <a:uLnTx/>
-              <a:uFillTx/>
-              <a:latin typeface="Calibri" panose="020F0502020204030204"/>
-              <a:ea typeface="+mn-ea"/>
-              <a:cs typeface="+mn-cs"/>
-            </a:endParaRPr>
-          </a:p>
-        </p:txBody>
-      </p:sp>
-      <p:sp>
-        <p:nvSpPr>
-          <p:cNvPr id="38" name="Arrow: Chevron 37">
-            <a:extLst>
-              <a:ext uri="{FF2B5EF4-FFF2-40B4-BE49-F238E27FC236}">
-                <a16:creationId xmlns:a16="http://schemas.microsoft.com/office/drawing/2014/main" id="{8EDB9AC1-664E-C936-E31E-000F47A14C4D}"/>
-              </a:ext>
-            </a:extLst>
-          </p:cNvPr>
-          <p:cNvSpPr/>
-          <p:nvPr/>
-        </p:nvSpPr>
-        <p:spPr>
-          <a:xfrm rot="5400000">
-            <a:off x="10606393" y="4942314"/>
-            <a:ext cx="111919" cy="130927"/>
-          </a:xfrm>
-          <a:prstGeom prst="chevron">
-            <a:avLst/>
-          </a:prstGeom>
-          <a:solidFill>
-            <a:schemeClr val="bg1">
-              <a:lumMod val="50000"/>
-            </a:schemeClr>
-          </a:solidFill>
-          <a:ln>
-            <a:noFill/>
-          </a:ln>
-        </p:spPr>
-        <p:style>
-          <a:lnRef idx="2">
-            <a:schemeClr val="accent1">
-              <a:shade val="50000"/>
-            </a:schemeClr>
-          </a:lnRef>
-          <a:fillRef idx="1">
-            <a:schemeClr val="accent1"/>
-          </a:fillRef>
-          <a:effectRef idx="0">
-            <a:schemeClr val="accent1"/>
-          </a:effectRef>
-          <a:fontRef idx="minor">
-            <a:schemeClr val="lt1"/>
-          </a:fontRef>
-        </p:style>
-        <p:txBody>
-          <a:bodyPr rtlCol="0" anchor="ctr"/>
-          <a:lstStyle/>
-          <a:p>
-            <a:pPr marL="0" marR="0" lvl="0" indent="0" algn="ctr" defTabSz="914400" rtl="0" eaLnBrk="1" fontAlgn="auto" latinLnBrk="0" hangingPunct="1">
-              <a:lnSpc>
-                <a:spcPct val="100000"/>
-              </a:lnSpc>
-              <a:spcBef>
-                <a:spcPts val="0"/>
-              </a:spcBef>
-              <a:spcAft>
-                <a:spcPts val="0"/>
-              </a:spcAft>
-              <a:buClrTx/>
-              <a:buSzTx/>
-              <a:buFontTx/>
-              <a:buNone/>
-              <a:tabLst/>
-              <a:defRPr/>
-            </a:pPr>
-            <a:endParaRPr kumimoji="0" lang="en-GB" sz="1800" b="0" i="0" u="none" strike="noStrike" kern="1200" cap="none" spc="0" normalizeH="0" baseline="0" noProof="0">
-              <a:ln>
-                <a:noFill/>
-              </a:ln>
-              <a:solidFill>
-                <a:prstClr val="black"/>
-              </a:solidFill>
-              <a:effectLst/>
-              <a:uLnTx/>
-              <a:uFillTx/>
-              <a:latin typeface="Calibri" panose="020F0502020204030204"/>
-              <a:ea typeface="+mn-ea"/>
-              <a:cs typeface="+mn-cs"/>
-            </a:endParaRPr>
-          </a:p>
-        </p:txBody>
-      </p:sp>
-      <p:sp>
-        <p:nvSpPr>
-          <p:cNvPr id="39" name="TextBox 38">
-            <a:extLst>
-              <a:ext uri="{FF2B5EF4-FFF2-40B4-BE49-F238E27FC236}">
-                <a16:creationId xmlns:a16="http://schemas.microsoft.com/office/drawing/2014/main" id="{50282FE5-5AE2-4116-EDE8-277296044908}"/>
-              </a:ext>
-            </a:extLst>
-          </p:cNvPr>
-          <p:cNvSpPr txBox="1"/>
-          <p:nvPr/>
-        </p:nvSpPr>
-        <p:spPr>
-          <a:xfrm>
-            <a:off x="3462799" y="3219887"/>
-            <a:ext cx="2290999" cy="369332"/>
-          </a:xfrm>
-          <a:prstGeom prst="rect">
-            <a:avLst/>
-          </a:prstGeom>
-          <a:noFill/>
-        </p:spPr>
-        <p:txBody>
-          <a:bodyPr wrap="square" rtlCol="0">
-            <a:spAutoFit/>
-          </a:bodyPr>
-          <a:lstStyle/>
-          <a:p>
-            <a:r>
-              <a:rPr lang="en-GB" dirty="0">
-                <a:solidFill>
-                  <a:schemeClr val="bg1"/>
-                </a:solidFill>
-              </a:rPr>
-              <a:t>Ideas</a:t>
-            </a:r>
+            <a:pPr algn="ctr"/>
+            <a:endParaRPr lang="en-GB"/>
           </a:p>
         </p:txBody>
       </p:sp>
@@ -26063,6 +26357,183 @@
   <p:clrMapOvr>
     <a:masterClrMapping/>
   </p:clrMapOvr>
+  <p:timing>
+    <p:tnLst>
+      <p:par>
+        <p:cTn id="1" dur="indefinite" restart="never" nodeType="tmRoot">
+          <p:childTnLst>
+            <p:seq concurrent="1" nextAc="seek">
+              <p:cTn id="2" restart="whenNotActive" fill="hold" evtFilter="cancelBubble" nodeType="interactiveSeq">
+                <p:stCondLst>
+                  <p:cond evt="onClick" delay="0">
+                    <p:tgtEl>
+                      <p:spTgt spid="44"/>
+                    </p:tgtEl>
+                  </p:cond>
+                </p:stCondLst>
+                <p:endSync evt="end" delay="0">
+                  <p:rtn val="all"/>
+                </p:endSync>
+                <p:childTnLst>
+                  <p:par>
+                    <p:cTn id="3" fill="hold">
+                      <p:stCondLst>
+                        <p:cond delay="0"/>
+                      </p:stCondLst>
+                      <p:childTnLst>
+                        <p:par>
+                          <p:cTn id="4" fill="hold">
+                            <p:stCondLst>
+                              <p:cond delay="0"/>
+                            </p:stCondLst>
+                            <p:childTnLst>
+                              <p:par>
+                                <p:cTn id="5" presetID="1" presetClass="entr" presetSubtype="0" fill="hold" nodeType="clickEffect">
+                                  <p:stCondLst>
+                                    <p:cond delay="0"/>
+                                  </p:stCondLst>
+                                  <p:childTnLst>
+                                    <p:set>
+                                      <p:cBhvr>
+                                        <p:cTn id="6" dur="1" fill="hold">
+                                          <p:stCondLst>
+                                            <p:cond delay="0"/>
+                                          </p:stCondLst>
+                                        </p:cTn>
+                                        <p:tgtEl>
+                                          <p:spTgt spid="43"/>
+                                        </p:tgtEl>
+                                        <p:attrNameLst>
+                                          <p:attrName>style.visibility</p:attrName>
+                                        </p:attrNameLst>
+                                      </p:cBhvr>
+                                      <p:to>
+                                        <p:strVal val="visible"/>
+                                      </p:to>
+                                    </p:set>
+                                  </p:childTnLst>
+                                </p:cTn>
+                              </p:par>
+                            </p:childTnLst>
+                          </p:cTn>
+                        </p:par>
+                      </p:childTnLst>
+                    </p:cTn>
+                  </p:par>
+                </p:childTnLst>
+              </p:cTn>
+              <p:nextCondLst>
+                <p:cond evt="onClick" delay="0">
+                  <p:tgtEl>
+                    <p:spTgt spid="44"/>
+                  </p:tgtEl>
+                </p:cond>
+              </p:nextCondLst>
+            </p:seq>
+            <p:seq concurrent="1" nextAc="seek">
+              <p:cTn id="7" restart="whenNotActive" fill="hold" evtFilter="cancelBubble" nodeType="interactiveSeq">
+                <p:stCondLst>
+                  <p:cond evt="onClick" delay="0">
+                    <p:tgtEl>
+                      <p:spTgt spid="46"/>
+                    </p:tgtEl>
+                  </p:cond>
+                </p:stCondLst>
+                <p:endSync evt="end" delay="0">
+                  <p:rtn val="all"/>
+                </p:endSync>
+                <p:childTnLst>
+                  <p:par>
+                    <p:cTn id="8" fill="hold">
+                      <p:stCondLst>
+                        <p:cond delay="0"/>
+                      </p:stCondLst>
+                      <p:childTnLst>
+                        <p:par>
+                          <p:cTn id="9" fill="hold">
+                            <p:stCondLst>
+                              <p:cond delay="0"/>
+                            </p:stCondLst>
+                            <p:childTnLst>
+                              <p:par>
+                                <p:cTn id="10" presetID="1" presetClass="entr" presetSubtype="0" fill="hold" grpId="0" nodeType="clickEffect">
+                                  <p:stCondLst>
+                                    <p:cond delay="0"/>
+                                  </p:stCondLst>
+                                  <p:childTnLst>
+                                    <p:set>
+                                      <p:cBhvr>
+                                        <p:cTn id="11" dur="1" fill="hold">
+                                          <p:stCondLst>
+                                            <p:cond delay="0"/>
+                                          </p:stCondLst>
+                                        </p:cTn>
+                                        <p:tgtEl>
+                                          <p:spTgt spid="45"/>
+                                        </p:tgtEl>
+                                        <p:attrNameLst>
+                                          <p:attrName>style.visibility</p:attrName>
+                                        </p:attrNameLst>
+                                      </p:cBhvr>
+                                      <p:to>
+                                        <p:strVal val="visible"/>
+                                      </p:to>
+                                    </p:set>
+                                  </p:childTnLst>
+                                </p:cTn>
+                              </p:par>
+                              <p:par>
+                                <p:cTn id="12" presetID="1" presetClass="entr" presetSubtype="0" fill="hold" grpId="0" nodeType="withEffect">
+                                  <p:stCondLst>
+                                    <p:cond delay="0"/>
+                                  </p:stCondLst>
+                                  <p:childTnLst>
+                                    <p:set>
+                                      <p:cBhvr>
+                                        <p:cTn id="13" dur="1" fill="hold">
+                                          <p:stCondLst>
+                                            <p:cond delay="0"/>
+                                          </p:stCondLst>
+                                        </p:cTn>
+                                        <p:tgtEl>
+                                          <p:spTgt spid="40"/>
+                                        </p:tgtEl>
+                                        <p:attrNameLst>
+                                          <p:attrName>style.visibility</p:attrName>
+                                        </p:attrNameLst>
+                                      </p:cBhvr>
+                                      <p:to>
+                                        <p:strVal val="visible"/>
+                                      </p:to>
+                                    </p:set>
+                                  </p:childTnLst>
+                                </p:cTn>
+                              </p:par>
+                            </p:childTnLst>
+                          </p:cTn>
+                        </p:par>
+                      </p:childTnLst>
+                    </p:cTn>
+                  </p:par>
+                </p:childTnLst>
+              </p:cTn>
+              <p:nextCondLst>
+                <p:cond evt="onClick" delay="0">
+                  <p:tgtEl>
+                    <p:spTgt spid="46"/>
+                  </p:tgtEl>
+                </p:cond>
+              </p:nextCondLst>
+            </p:seq>
+          </p:childTnLst>
+        </p:cTn>
+      </p:par>
+    </p:tnLst>
+    <p:bldLst>
+      <p:bldP spid="40" grpId="0" animBg="1"/>
+      <p:bldP spid="45" grpId="0" animBg="1"/>
+    </p:bldLst>
+  </p:timing>
 </p:sld>
 </file>
 

--- a/Documents, diagrams etc/Page Prototypes.pptx
+++ b/Documents, diagrams etc/Page Prototypes.pptx
@@ -14,6 +14,9 @@
     <p:sldId id="262" r:id="rId8"/>
     <p:sldId id="263" r:id="rId9"/>
     <p:sldId id="264" r:id="rId10"/>
+    <p:sldId id="265" r:id="rId11"/>
+    <p:sldId id="266" r:id="rId12"/>
+    <p:sldId id="267" r:id="rId13"/>
   </p:sldIdLst>
   <p:sldSz cx="12192000" cy="6858000"/>
   <p:notesSz cx="6858000" cy="9144000"/>
@@ -269,7 +272,7 @@
           <a:p>
             <a:fld id="{29280845-F45E-4A40-8CF1-2721DCDD6907}" type="datetimeFigureOut">
               <a:rPr lang="en-GB" smtClean="0"/>
-              <a:t>24/10/2022</a:t>
+              <a:t>26/10/2022</a:t>
             </a:fld>
             <a:endParaRPr lang="en-GB"/>
           </a:p>
@@ -469,7 +472,7 @@
           <a:p>
             <a:fld id="{29280845-F45E-4A40-8CF1-2721DCDD6907}" type="datetimeFigureOut">
               <a:rPr lang="en-GB" smtClean="0"/>
-              <a:t>24/10/2022</a:t>
+              <a:t>26/10/2022</a:t>
             </a:fld>
             <a:endParaRPr lang="en-GB"/>
           </a:p>
@@ -679,7 +682,7 @@
           <a:p>
             <a:fld id="{29280845-F45E-4A40-8CF1-2721DCDD6907}" type="datetimeFigureOut">
               <a:rPr lang="en-GB" smtClean="0"/>
-              <a:t>24/10/2022</a:t>
+              <a:t>26/10/2022</a:t>
             </a:fld>
             <a:endParaRPr lang="en-GB"/>
           </a:p>
@@ -879,7 +882,7 @@
           <a:p>
             <a:fld id="{29280845-F45E-4A40-8CF1-2721DCDD6907}" type="datetimeFigureOut">
               <a:rPr lang="en-GB" smtClean="0"/>
-              <a:t>24/10/2022</a:t>
+              <a:t>26/10/2022</a:t>
             </a:fld>
             <a:endParaRPr lang="en-GB"/>
           </a:p>
@@ -1155,7 +1158,7 @@
           <a:p>
             <a:fld id="{29280845-F45E-4A40-8CF1-2721DCDD6907}" type="datetimeFigureOut">
               <a:rPr lang="en-GB" smtClean="0"/>
-              <a:t>24/10/2022</a:t>
+              <a:t>26/10/2022</a:t>
             </a:fld>
             <a:endParaRPr lang="en-GB"/>
           </a:p>
@@ -1423,7 +1426,7 @@
           <a:p>
             <a:fld id="{29280845-F45E-4A40-8CF1-2721DCDD6907}" type="datetimeFigureOut">
               <a:rPr lang="en-GB" smtClean="0"/>
-              <a:t>24/10/2022</a:t>
+              <a:t>26/10/2022</a:t>
             </a:fld>
             <a:endParaRPr lang="en-GB"/>
           </a:p>
@@ -1838,7 +1841,7 @@
           <a:p>
             <a:fld id="{29280845-F45E-4A40-8CF1-2721DCDD6907}" type="datetimeFigureOut">
               <a:rPr lang="en-GB" smtClean="0"/>
-              <a:t>24/10/2022</a:t>
+              <a:t>26/10/2022</a:t>
             </a:fld>
             <a:endParaRPr lang="en-GB"/>
           </a:p>
@@ -1980,7 +1983,7 @@
           <a:p>
             <a:fld id="{29280845-F45E-4A40-8CF1-2721DCDD6907}" type="datetimeFigureOut">
               <a:rPr lang="en-GB" smtClean="0"/>
-              <a:t>24/10/2022</a:t>
+              <a:t>26/10/2022</a:t>
             </a:fld>
             <a:endParaRPr lang="en-GB"/>
           </a:p>
@@ -2093,7 +2096,7 @@
           <a:p>
             <a:fld id="{29280845-F45E-4A40-8CF1-2721DCDD6907}" type="datetimeFigureOut">
               <a:rPr lang="en-GB" smtClean="0"/>
-              <a:t>24/10/2022</a:t>
+              <a:t>26/10/2022</a:t>
             </a:fld>
             <a:endParaRPr lang="en-GB"/>
           </a:p>
@@ -2406,7 +2409,7 @@
           <a:p>
             <a:fld id="{29280845-F45E-4A40-8CF1-2721DCDD6907}" type="datetimeFigureOut">
               <a:rPr lang="en-GB" smtClean="0"/>
-              <a:t>24/10/2022</a:t>
+              <a:t>26/10/2022</a:t>
             </a:fld>
             <a:endParaRPr lang="en-GB"/>
           </a:p>
@@ -2695,7 +2698,7 @@
           <a:p>
             <a:fld id="{29280845-F45E-4A40-8CF1-2721DCDD6907}" type="datetimeFigureOut">
               <a:rPr lang="en-GB" smtClean="0"/>
-              <a:t>24/10/2022</a:t>
+              <a:t>26/10/2022</a:t>
             </a:fld>
             <a:endParaRPr lang="en-GB"/>
           </a:p>
@@ -2938,7 +2941,7 @@
           <a:p>
             <a:fld id="{29280845-F45E-4A40-8CF1-2721DCDD6907}" type="datetimeFigureOut">
               <a:rPr lang="en-GB" smtClean="0"/>
-              <a:t>24/10/2022</a:t>
+              <a:t>26/10/2022</a:t>
             </a:fld>
             <a:endParaRPr lang="en-GB"/>
           </a:p>
@@ -4090,6 +4093,8694 @@
   <p:clrMapOvr>
     <a:masterClrMapping/>
   </p:clrMapOvr>
+</p:sld>
+</file>
+
+<file path=ppt/slides/slide10.xml><?xml version="1.0" encoding="utf-8"?>
+<p:sld xmlns:a="http://schemas.openxmlformats.org/drawingml/2006/main" xmlns:r="http://schemas.openxmlformats.org/officeDocument/2006/relationships" xmlns:p="http://schemas.openxmlformats.org/presentationml/2006/main">
+  <p:cSld>
+    <p:bg>
+      <p:bgPr>
+        <a:solidFill>
+          <a:srgbClr val="364652"/>
+        </a:solidFill>
+        <a:effectLst/>
+      </p:bgPr>
+    </p:bg>
+    <p:spTree>
+      <p:nvGrpSpPr>
+        <p:cNvPr id="1" name=""/>
+        <p:cNvGrpSpPr/>
+        <p:nvPr/>
+      </p:nvGrpSpPr>
+      <p:grpSpPr>
+        <a:xfrm>
+          <a:off x="0" y="0"/>
+          <a:ext cx="0" cy="0"/>
+          <a:chOff x="0" y="0"/>
+          <a:chExt cx="0" cy="0"/>
+        </a:xfrm>
+      </p:grpSpPr>
+      <p:sp>
+        <p:nvSpPr>
+          <p:cNvPr id="8" name="Rectangle 7">
+            <a:extLst>
+              <a:ext uri="{FF2B5EF4-FFF2-40B4-BE49-F238E27FC236}">
+                <a16:creationId xmlns:a16="http://schemas.microsoft.com/office/drawing/2014/main" id="{3C719C9A-10B8-44A8-890E-C1873EBF3790}"/>
+              </a:ext>
+            </a:extLst>
+          </p:cNvPr>
+          <p:cNvSpPr/>
+          <p:nvPr/>
+        </p:nvSpPr>
+        <p:spPr>
+          <a:xfrm>
+            <a:off x="2269286" y="439101"/>
+            <a:ext cx="9694044" cy="6418899"/>
+          </a:xfrm>
+          <a:prstGeom prst="rect">
+            <a:avLst/>
+          </a:prstGeom>
+          <a:solidFill>
+            <a:srgbClr val="B5BEC6"/>
+          </a:solidFill>
+          <a:ln>
+            <a:noFill/>
+          </a:ln>
+        </p:spPr>
+        <p:style>
+          <a:lnRef idx="2">
+            <a:schemeClr val="accent1">
+              <a:shade val="50000"/>
+            </a:schemeClr>
+          </a:lnRef>
+          <a:fillRef idx="1">
+            <a:schemeClr val="accent1"/>
+          </a:fillRef>
+          <a:effectRef idx="0">
+            <a:schemeClr val="accent1"/>
+          </a:effectRef>
+          <a:fontRef idx="minor">
+            <a:schemeClr val="lt1"/>
+          </a:fontRef>
+        </p:style>
+        <p:txBody>
+          <a:bodyPr rtlCol="0" anchor="ctr"/>
+          <a:lstStyle/>
+          <a:p>
+            <a:pPr marL="0" marR="0" lvl="0" indent="0" algn="ctr" defTabSz="914400" rtl="0" eaLnBrk="1" fontAlgn="auto" latinLnBrk="0" hangingPunct="1">
+              <a:lnSpc>
+                <a:spcPct val="100000"/>
+              </a:lnSpc>
+              <a:spcBef>
+                <a:spcPts val="0"/>
+              </a:spcBef>
+              <a:spcAft>
+                <a:spcPts val="0"/>
+              </a:spcAft>
+              <a:buClrTx/>
+              <a:buSzTx/>
+              <a:buFontTx/>
+              <a:buNone/>
+              <a:tabLst/>
+              <a:defRPr/>
+            </a:pPr>
+            <a:r>
+              <a:rPr kumimoji="0" lang="en-GB" sz="3200" b="0" i="0" u="none" strike="noStrike" kern="1200" cap="none" spc="0" normalizeH="0" baseline="0" noProof="0" dirty="0">
+                <a:ln>
+                  <a:noFill/>
+                </a:ln>
+                <a:solidFill>
+                  <a:prstClr val="white"/>
+                </a:solidFill>
+                <a:effectLst/>
+                <a:uLnTx/>
+                <a:uFillTx/>
+                <a:latin typeface="Calibri" panose="020F0502020204030204"/>
+                <a:ea typeface="+mn-ea"/>
+                <a:cs typeface="+mn-cs"/>
+              </a:rPr>
+              <a:t>Edwards &amp; </a:t>
+            </a:r>
+            <a:r>
+              <a:rPr kumimoji="0" lang="en-GB" sz="3200" b="0" i="0" u="none" strike="noStrike" kern="1200" cap="none" spc="0" normalizeH="0" baseline="0" noProof="0" dirty="0" err="1">
+                <a:ln>
+                  <a:noFill/>
+                </a:ln>
+                <a:solidFill>
+                  <a:prstClr val="white"/>
+                </a:solidFill>
+                <a:effectLst/>
+                <a:uLnTx/>
+                <a:uFillTx/>
+                <a:latin typeface="Calibri" panose="020F0502020204030204"/>
+                <a:ea typeface="+mn-ea"/>
+                <a:cs typeface="+mn-cs"/>
+              </a:rPr>
+              <a:t>Avey</a:t>
+            </a:r>
+            <a:r>
+              <a:rPr kumimoji="0" lang="en-GB" sz="3200" b="0" i="0" u="none" strike="noStrike" kern="1200" cap="none" spc="0" normalizeH="0" baseline="0" noProof="0" dirty="0">
+                <a:ln>
+                  <a:noFill/>
+                </a:ln>
+                <a:solidFill>
+                  <a:prstClr val="white"/>
+                </a:solidFill>
+                <a:effectLst/>
+                <a:uLnTx/>
+                <a:uFillTx/>
+                <a:latin typeface="Calibri" panose="020F0502020204030204"/>
+                <a:ea typeface="+mn-ea"/>
+                <a:cs typeface="+mn-cs"/>
+              </a:rPr>
+              <a:t> Investments</a:t>
+            </a:r>
+          </a:p>
+          <a:p>
+            <a:pPr marL="0" marR="0" lvl="0" indent="0" algn="l" defTabSz="914400" rtl="0" eaLnBrk="1" fontAlgn="auto" latinLnBrk="0" hangingPunct="1">
+              <a:lnSpc>
+                <a:spcPct val="100000"/>
+              </a:lnSpc>
+              <a:spcBef>
+                <a:spcPts val="0"/>
+              </a:spcBef>
+              <a:spcAft>
+                <a:spcPts val="0"/>
+              </a:spcAft>
+              <a:buClrTx/>
+              <a:buSzTx/>
+              <a:buFontTx/>
+              <a:buNone/>
+              <a:tabLst/>
+              <a:defRPr/>
+            </a:pPr>
+            <a:r>
+              <a:rPr kumimoji="0" lang="en-GB" sz="1800" b="0" i="0" u="none" strike="noStrike" kern="1200" cap="none" spc="0" normalizeH="0" baseline="0" noProof="0" dirty="0">
+                <a:ln>
+                  <a:noFill/>
+                </a:ln>
+                <a:solidFill>
+                  <a:prstClr val="white"/>
+                </a:solidFill>
+                <a:effectLst/>
+                <a:uLnTx/>
+                <a:uFillTx/>
+                <a:latin typeface="Calibri" panose="020F0502020204030204"/>
+                <a:ea typeface="+mn-ea"/>
+                <a:cs typeface="+mn-cs"/>
+              </a:rPr>
+              <a:t>	</a:t>
+            </a:r>
+            <a:br>
+              <a:rPr kumimoji="0" lang="en-GB" sz="1800" b="0" i="0" u="none" strike="noStrike" kern="1200" cap="none" spc="0" normalizeH="0" baseline="0" noProof="0" dirty="0">
+                <a:ln>
+                  <a:noFill/>
+                </a:ln>
+                <a:solidFill>
+                  <a:prstClr val="white"/>
+                </a:solidFill>
+                <a:effectLst/>
+                <a:uLnTx/>
+                <a:uFillTx/>
+                <a:latin typeface="Calibri" panose="020F0502020204030204"/>
+                <a:ea typeface="+mn-ea"/>
+                <a:cs typeface="+mn-cs"/>
+              </a:rPr>
+            </a:br>
+            <a:r>
+              <a:rPr kumimoji="0" lang="en-GB" sz="1800" b="0" i="0" u="none" strike="noStrike" kern="1200" cap="none" spc="0" normalizeH="0" baseline="0" noProof="0" dirty="0">
+                <a:ln>
+                  <a:noFill/>
+                </a:ln>
+                <a:solidFill>
+                  <a:prstClr val="white"/>
+                </a:solidFill>
+                <a:effectLst/>
+                <a:uLnTx/>
+                <a:uFillTx/>
+                <a:latin typeface="Calibri" panose="020F0502020204030204"/>
+                <a:ea typeface="+mn-ea"/>
+                <a:cs typeface="+mn-cs"/>
+              </a:rPr>
+              <a:t>	Edwards and </a:t>
+            </a:r>
+            <a:r>
+              <a:rPr kumimoji="0" lang="en-GB" sz="1800" b="0" i="0" u="none" strike="noStrike" kern="1200" cap="none" spc="0" normalizeH="0" baseline="0" noProof="0" dirty="0" err="1">
+                <a:ln>
+                  <a:noFill/>
+                </a:ln>
+                <a:solidFill>
+                  <a:prstClr val="white"/>
+                </a:solidFill>
+                <a:effectLst/>
+                <a:uLnTx/>
+                <a:uFillTx/>
+                <a:latin typeface="Calibri" panose="020F0502020204030204"/>
+                <a:ea typeface="+mn-ea"/>
+                <a:cs typeface="+mn-cs"/>
+              </a:rPr>
+              <a:t>Avey</a:t>
+            </a:r>
+            <a:r>
+              <a:rPr kumimoji="0" lang="en-GB" sz="1800" b="0" i="0" u="none" strike="noStrike" kern="1200" cap="none" spc="0" normalizeH="0" baseline="0" noProof="0" dirty="0">
+                <a:ln>
+                  <a:noFill/>
+                </a:ln>
+                <a:solidFill>
+                  <a:prstClr val="white"/>
+                </a:solidFill>
+                <a:effectLst/>
+                <a:uLnTx/>
+                <a:uFillTx/>
+                <a:latin typeface="Calibri" panose="020F0502020204030204"/>
+                <a:ea typeface="+mn-ea"/>
+                <a:cs typeface="+mn-cs"/>
+              </a:rPr>
+              <a:t> Investments is your go-to solution for tailored investment bundles.</a:t>
+            </a:r>
+            <a:br>
+              <a:rPr kumimoji="0" lang="en-GB" sz="1800" b="0" i="0" u="none" strike="noStrike" kern="1200" cap="none" spc="0" normalizeH="0" baseline="0" noProof="0" dirty="0">
+                <a:ln>
+                  <a:noFill/>
+                </a:ln>
+                <a:solidFill>
+                  <a:prstClr val="white"/>
+                </a:solidFill>
+                <a:effectLst/>
+                <a:uLnTx/>
+                <a:uFillTx/>
+                <a:latin typeface="Calibri" panose="020F0502020204030204"/>
+                <a:ea typeface="+mn-ea"/>
+                <a:cs typeface="+mn-cs"/>
+              </a:rPr>
+            </a:br>
+            <a:r>
+              <a:rPr kumimoji="0" lang="en-GB" sz="1800" b="0" i="0" u="none" strike="noStrike" kern="1200" cap="none" spc="0" normalizeH="0" baseline="0" noProof="0" dirty="0">
+                <a:ln>
+                  <a:noFill/>
+                </a:ln>
+                <a:solidFill>
+                  <a:prstClr val="white"/>
+                </a:solidFill>
+                <a:effectLst/>
+                <a:uLnTx/>
+                <a:uFillTx/>
+                <a:latin typeface="Calibri" panose="020F0502020204030204"/>
+                <a:ea typeface="+mn-ea"/>
+                <a:cs typeface="+mn-cs"/>
+              </a:rPr>
+              <a:t>	We offer up-to-the-day investment opportunities in groups of assets provided by</a:t>
+            </a:r>
+            <a:br>
+              <a:rPr kumimoji="0" lang="en-GB" sz="1800" b="0" i="0" u="none" strike="noStrike" kern="1200" cap="none" spc="0" normalizeH="0" baseline="0" noProof="0" dirty="0">
+                <a:ln>
+                  <a:noFill/>
+                </a:ln>
+                <a:solidFill>
+                  <a:prstClr val="white"/>
+                </a:solidFill>
+                <a:effectLst/>
+                <a:uLnTx/>
+                <a:uFillTx/>
+                <a:latin typeface="Calibri" panose="020F0502020204030204"/>
+                <a:ea typeface="+mn-ea"/>
+                <a:cs typeface="+mn-cs"/>
+              </a:rPr>
+            </a:br>
+            <a:r>
+              <a:rPr kumimoji="0" lang="en-GB" sz="1800" b="0" i="0" u="none" strike="noStrike" kern="1200" cap="none" spc="0" normalizeH="0" baseline="0" noProof="0" dirty="0">
+                <a:ln>
+                  <a:noFill/>
+                </a:ln>
+                <a:solidFill>
+                  <a:prstClr val="white"/>
+                </a:solidFill>
+                <a:effectLst/>
+                <a:uLnTx/>
+                <a:uFillTx/>
+                <a:latin typeface="Calibri" panose="020F0502020204030204"/>
+                <a:ea typeface="+mn-ea"/>
+                <a:cs typeface="+mn-cs"/>
+              </a:rPr>
+              <a:t>	our highly-experienced partners. These partners collate groups of relevant assets </a:t>
+            </a:r>
+            <a:br>
+              <a:rPr kumimoji="0" lang="en-GB" sz="1800" b="0" i="0" u="none" strike="noStrike" kern="1200" cap="none" spc="0" normalizeH="0" baseline="0" noProof="0" dirty="0">
+                <a:ln>
+                  <a:noFill/>
+                </a:ln>
+                <a:solidFill>
+                  <a:prstClr val="white"/>
+                </a:solidFill>
+                <a:effectLst/>
+                <a:uLnTx/>
+                <a:uFillTx/>
+                <a:latin typeface="Calibri" panose="020F0502020204030204"/>
+                <a:ea typeface="+mn-ea"/>
+                <a:cs typeface="+mn-cs"/>
+              </a:rPr>
+            </a:br>
+            <a:r>
+              <a:rPr kumimoji="0" lang="en-GB" sz="1800" b="0" i="0" u="none" strike="noStrike" kern="1200" cap="none" spc="0" normalizeH="0" baseline="0" noProof="0" dirty="0">
+                <a:ln>
+                  <a:noFill/>
+                </a:ln>
+                <a:solidFill>
+                  <a:prstClr val="white"/>
+                </a:solidFill>
+                <a:effectLst/>
+                <a:uLnTx/>
+                <a:uFillTx/>
+                <a:latin typeface="Calibri" panose="020F0502020204030204"/>
+                <a:ea typeface="+mn-ea"/>
+                <a:cs typeface="+mn-cs"/>
+              </a:rPr>
+              <a:t>	into investment “ideas”. These ideas make it easy for you as an investor to find </a:t>
+            </a:r>
+            <a:br>
+              <a:rPr kumimoji="0" lang="en-GB" sz="1800" b="0" i="0" u="none" strike="noStrike" kern="1200" cap="none" spc="0" normalizeH="0" baseline="0" noProof="0" dirty="0">
+                <a:ln>
+                  <a:noFill/>
+                </a:ln>
+                <a:solidFill>
+                  <a:prstClr val="white"/>
+                </a:solidFill>
+                <a:effectLst/>
+                <a:uLnTx/>
+                <a:uFillTx/>
+                <a:latin typeface="Calibri" panose="020F0502020204030204"/>
+                <a:ea typeface="+mn-ea"/>
+                <a:cs typeface="+mn-cs"/>
+              </a:rPr>
+            </a:br>
+            <a:r>
+              <a:rPr kumimoji="0" lang="en-GB" sz="1800" b="0" i="0" u="none" strike="noStrike" kern="1200" cap="none" spc="0" normalizeH="0" baseline="0" noProof="0" dirty="0">
+                <a:ln>
+                  <a:noFill/>
+                </a:ln>
+                <a:solidFill>
+                  <a:prstClr val="white"/>
+                </a:solidFill>
+                <a:effectLst/>
+                <a:uLnTx/>
+                <a:uFillTx/>
+                <a:latin typeface="Calibri" panose="020F0502020204030204"/>
+                <a:ea typeface="+mn-ea"/>
+                <a:cs typeface="+mn-cs"/>
+              </a:rPr>
+              <a:t>	collections of individual assets that meet your desired investment interests, without </a:t>
+            </a:r>
+            <a:br>
+              <a:rPr kumimoji="0" lang="en-GB" sz="1800" b="0" i="0" u="none" strike="noStrike" kern="1200" cap="none" spc="0" normalizeH="0" baseline="0" noProof="0" dirty="0">
+                <a:ln>
+                  <a:noFill/>
+                </a:ln>
+                <a:solidFill>
+                  <a:prstClr val="white"/>
+                </a:solidFill>
+                <a:effectLst/>
+                <a:uLnTx/>
+                <a:uFillTx/>
+                <a:latin typeface="Calibri" panose="020F0502020204030204"/>
+                <a:ea typeface="+mn-ea"/>
+                <a:cs typeface="+mn-cs"/>
+              </a:rPr>
+            </a:br>
+            <a:r>
+              <a:rPr kumimoji="0" lang="en-GB" sz="1800" b="0" i="0" u="none" strike="noStrike" kern="1200" cap="none" spc="0" normalizeH="0" baseline="0" noProof="0" dirty="0">
+                <a:ln>
+                  <a:noFill/>
+                </a:ln>
+                <a:solidFill>
+                  <a:prstClr val="white"/>
+                </a:solidFill>
+                <a:effectLst/>
+                <a:uLnTx/>
+                <a:uFillTx/>
+                <a:latin typeface="Calibri" panose="020F0502020204030204"/>
+                <a:ea typeface="+mn-ea"/>
+                <a:cs typeface="+mn-cs"/>
+              </a:rPr>
+              <a:t>	the need to personally hand pick them, saving you time and allowing you to grow</a:t>
+            </a:r>
+            <a:br>
+              <a:rPr kumimoji="0" lang="en-GB" sz="1800" b="0" i="0" u="none" strike="noStrike" kern="1200" cap="none" spc="0" normalizeH="0" baseline="0" noProof="0" dirty="0">
+                <a:ln>
+                  <a:noFill/>
+                </a:ln>
+                <a:solidFill>
+                  <a:prstClr val="white"/>
+                </a:solidFill>
+                <a:effectLst/>
+                <a:uLnTx/>
+                <a:uFillTx/>
+                <a:latin typeface="Calibri" panose="020F0502020204030204"/>
+                <a:ea typeface="+mn-ea"/>
+                <a:cs typeface="+mn-cs"/>
+              </a:rPr>
+            </a:br>
+            <a:r>
+              <a:rPr kumimoji="0" lang="en-GB" sz="1800" b="0" i="0" u="none" strike="noStrike" kern="1200" cap="none" spc="0" normalizeH="0" baseline="0" noProof="0" dirty="0">
+                <a:ln>
+                  <a:noFill/>
+                </a:ln>
+                <a:solidFill>
+                  <a:prstClr val="white"/>
+                </a:solidFill>
+                <a:effectLst/>
+                <a:uLnTx/>
+                <a:uFillTx/>
+                <a:latin typeface="Calibri" panose="020F0502020204030204"/>
+                <a:ea typeface="+mn-ea"/>
+                <a:cs typeface="+mn-cs"/>
+              </a:rPr>
+              <a:t>	your investment portfolio much faster, and easier.</a:t>
+            </a:r>
+          </a:p>
+          <a:p>
+            <a:pPr marL="0" marR="0" lvl="0" indent="0" algn="l" defTabSz="914400" rtl="0" eaLnBrk="1" fontAlgn="auto" latinLnBrk="0" hangingPunct="1">
+              <a:lnSpc>
+                <a:spcPct val="100000"/>
+              </a:lnSpc>
+              <a:spcBef>
+                <a:spcPts val="0"/>
+              </a:spcBef>
+              <a:spcAft>
+                <a:spcPts val="0"/>
+              </a:spcAft>
+              <a:buClrTx/>
+              <a:buSzTx/>
+              <a:buFontTx/>
+              <a:buNone/>
+              <a:tabLst/>
+              <a:defRPr/>
+            </a:pPr>
+            <a:r>
+              <a:rPr kumimoji="0" lang="en-GB" sz="1800" b="0" i="0" u="none" strike="noStrike" kern="1200" cap="none" spc="0" normalizeH="0" baseline="0" noProof="0" dirty="0">
+                <a:ln>
+                  <a:noFill/>
+                </a:ln>
+                <a:solidFill>
+                  <a:prstClr val="white"/>
+                </a:solidFill>
+                <a:effectLst/>
+                <a:uLnTx/>
+                <a:uFillTx/>
+                <a:latin typeface="Calibri" panose="020F0502020204030204"/>
+                <a:ea typeface="+mn-ea"/>
+                <a:cs typeface="+mn-cs"/>
+              </a:rPr>
+              <a:t>	</a:t>
+            </a:r>
+          </a:p>
+          <a:p>
+            <a:pPr marL="0" marR="0" lvl="0" indent="0" algn="ctr" defTabSz="914400" rtl="0" eaLnBrk="1" fontAlgn="auto" latinLnBrk="0" hangingPunct="1">
+              <a:lnSpc>
+                <a:spcPct val="100000"/>
+              </a:lnSpc>
+              <a:spcBef>
+                <a:spcPts val="0"/>
+              </a:spcBef>
+              <a:spcAft>
+                <a:spcPts val="0"/>
+              </a:spcAft>
+              <a:buClrTx/>
+              <a:buSzTx/>
+              <a:buFontTx/>
+              <a:buNone/>
+              <a:tabLst/>
+              <a:defRPr/>
+            </a:pPr>
+            <a:endParaRPr kumimoji="0" lang="en-GB" sz="1800" b="0" i="0" u="none" strike="noStrike" kern="1200" cap="none" spc="0" normalizeH="0" baseline="0" noProof="0" dirty="0">
+              <a:ln>
+                <a:noFill/>
+              </a:ln>
+              <a:solidFill>
+                <a:prstClr val="white"/>
+              </a:solidFill>
+              <a:effectLst/>
+              <a:uLnTx/>
+              <a:uFillTx/>
+              <a:latin typeface="Calibri" panose="020F0502020204030204"/>
+              <a:ea typeface="+mn-ea"/>
+              <a:cs typeface="+mn-cs"/>
+            </a:endParaRPr>
+          </a:p>
+          <a:p>
+            <a:pPr marL="0" marR="0" lvl="0" indent="0" algn="ctr" defTabSz="914400" rtl="0" eaLnBrk="1" fontAlgn="auto" latinLnBrk="0" hangingPunct="1">
+              <a:lnSpc>
+                <a:spcPct val="100000"/>
+              </a:lnSpc>
+              <a:spcBef>
+                <a:spcPts val="0"/>
+              </a:spcBef>
+              <a:spcAft>
+                <a:spcPts val="0"/>
+              </a:spcAft>
+              <a:buClrTx/>
+              <a:buSzTx/>
+              <a:buFontTx/>
+              <a:buNone/>
+              <a:tabLst/>
+              <a:defRPr/>
+            </a:pPr>
+            <a:endParaRPr kumimoji="0" lang="en-GB" sz="1800" b="0" i="0" u="none" strike="noStrike" kern="1200" cap="none" spc="0" normalizeH="0" baseline="0" noProof="0" dirty="0">
+              <a:ln>
+                <a:noFill/>
+              </a:ln>
+              <a:solidFill>
+                <a:prstClr val="white"/>
+              </a:solidFill>
+              <a:effectLst/>
+              <a:uLnTx/>
+              <a:uFillTx/>
+              <a:latin typeface="Calibri" panose="020F0502020204030204"/>
+              <a:ea typeface="+mn-ea"/>
+              <a:cs typeface="+mn-cs"/>
+            </a:endParaRPr>
+          </a:p>
+        </p:txBody>
+      </p:sp>
+      <p:sp>
+        <p:nvSpPr>
+          <p:cNvPr id="19" name="Rectangle 18">
+            <a:extLst>
+              <a:ext uri="{FF2B5EF4-FFF2-40B4-BE49-F238E27FC236}">
+                <a16:creationId xmlns:a16="http://schemas.microsoft.com/office/drawing/2014/main" id="{D0EE6039-72EE-474F-B94F-55E76738F738}"/>
+              </a:ext>
+            </a:extLst>
+          </p:cNvPr>
+          <p:cNvSpPr/>
+          <p:nvPr/>
+        </p:nvSpPr>
+        <p:spPr>
+          <a:xfrm>
+            <a:off x="0" y="0"/>
+            <a:ext cx="12192000" cy="430799"/>
+          </a:xfrm>
+          <a:prstGeom prst="rect">
+            <a:avLst/>
+          </a:prstGeom>
+          <a:solidFill>
+            <a:srgbClr val="364652"/>
+          </a:solidFill>
+          <a:ln>
+            <a:noFill/>
+          </a:ln>
+        </p:spPr>
+        <p:style>
+          <a:lnRef idx="2">
+            <a:schemeClr val="accent1">
+              <a:shade val="50000"/>
+            </a:schemeClr>
+          </a:lnRef>
+          <a:fillRef idx="1">
+            <a:schemeClr val="accent1"/>
+          </a:fillRef>
+          <a:effectRef idx="0">
+            <a:schemeClr val="accent1"/>
+          </a:effectRef>
+          <a:fontRef idx="minor">
+            <a:schemeClr val="lt1"/>
+          </a:fontRef>
+        </p:style>
+        <p:txBody>
+          <a:bodyPr rtlCol="0" anchor="ctr"/>
+          <a:lstStyle/>
+          <a:p>
+            <a:pPr marL="0" marR="0" lvl="0" indent="0" algn="ctr" defTabSz="914400" rtl="0" eaLnBrk="1" fontAlgn="auto" latinLnBrk="0" hangingPunct="1">
+              <a:lnSpc>
+                <a:spcPct val="100000"/>
+              </a:lnSpc>
+              <a:spcBef>
+                <a:spcPts val="0"/>
+              </a:spcBef>
+              <a:spcAft>
+                <a:spcPts val="0"/>
+              </a:spcAft>
+              <a:buClrTx/>
+              <a:buSzTx/>
+              <a:buFontTx/>
+              <a:buNone/>
+              <a:tabLst/>
+              <a:defRPr/>
+            </a:pPr>
+            <a:endParaRPr kumimoji="0" lang="en-GB" sz="1800" b="0" i="0" u="none" strike="noStrike" kern="1200" cap="none" spc="0" normalizeH="0" baseline="0" noProof="0">
+              <a:ln>
+                <a:noFill/>
+              </a:ln>
+              <a:solidFill>
+                <a:prstClr val="white"/>
+              </a:solidFill>
+              <a:effectLst/>
+              <a:uLnTx/>
+              <a:uFillTx/>
+              <a:latin typeface="Calibri" panose="020F0502020204030204"/>
+              <a:ea typeface="+mn-ea"/>
+              <a:cs typeface="+mn-cs"/>
+            </a:endParaRPr>
+          </a:p>
+        </p:txBody>
+      </p:sp>
+      <p:pic>
+        <p:nvPicPr>
+          <p:cNvPr id="7" name="Picture 6">
+            <a:extLst>
+              <a:ext uri="{FF2B5EF4-FFF2-40B4-BE49-F238E27FC236}">
+                <a16:creationId xmlns:a16="http://schemas.microsoft.com/office/drawing/2014/main" id="{F14986D8-1E11-4652-A865-63405AE7728A}"/>
+              </a:ext>
+            </a:extLst>
+          </p:cNvPr>
+          <p:cNvPicPr>
+            <a:picLocks noChangeAspect="1"/>
+          </p:cNvPicPr>
+          <p:nvPr/>
+        </p:nvPicPr>
+        <p:blipFill>
+          <a:blip r:embed="rId2"/>
+          <a:stretch>
+            <a:fillRect/>
+          </a:stretch>
+        </p:blipFill>
+        <p:spPr>
+          <a:xfrm>
+            <a:off x="152541" y="439101"/>
+            <a:ext cx="1956725" cy="1869759"/>
+          </a:xfrm>
+          <a:prstGeom prst="rect">
+            <a:avLst/>
+          </a:prstGeom>
+        </p:spPr>
+      </p:pic>
+      <p:pic>
+        <p:nvPicPr>
+          <p:cNvPr id="12" name="Picture 11">
+            <a:extLst>
+              <a:ext uri="{FF2B5EF4-FFF2-40B4-BE49-F238E27FC236}">
+                <a16:creationId xmlns:a16="http://schemas.microsoft.com/office/drawing/2014/main" id="{A0D10930-67DD-49AA-8D98-899DD948BF6E}"/>
+              </a:ext>
+            </a:extLst>
+          </p:cNvPr>
+          <p:cNvPicPr>
+            <a:picLocks noChangeAspect="1"/>
+          </p:cNvPicPr>
+          <p:nvPr/>
+        </p:nvPicPr>
+        <p:blipFill rotWithShape="1">
+          <a:blip r:embed="rId3"/>
+          <a:srcRect b="10059"/>
+          <a:stretch/>
+        </p:blipFill>
+        <p:spPr>
+          <a:xfrm>
+            <a:off x="10927080" y="0"/>
+            <a:ext cx="1264920" cy="439101"/>
+          </a:xfrm>
+          <a:prstGeom prst="rect">
+            <a:avLst/>
+          </a:prstGeom>
+        </p:spPr>
+      </p:pic>
+      <p:sp>
+        <p:nvSpPr>
+          <p:cNvPr id="13" name="Rectangle 12">
+            <a:extLst>
+              <a:ext uri="{FF2B5EF4-FFF2-40B4-BE49-F238E27FC236}">
+                <a16:creationId xmlns:a16="http://schemas.microsoft.com/office/drawing/2014/main" id="{6313B829-38E1-4FBE-8BAD-07BAA5950D09}"/>
+              </a:ext>
+            </a:extLst>
+          </p:cNvPr>
+          <p:cNvSpPr/>
+          <p:nvPr/>
+        </p:nvSpPr>
+        <p:spPr>
+          <a:xfrm>
+            <a:off x="11963330" y="447403"/>
+            <a:ext cx="230636" cy="6418899"/>
+          </a:xfrm>
+          <a:prstGeom prst="rect">
+            <a:avLst/>
+          </a:prstGeom>
+          <a:solidFill>
+            <a:schemeClr val="bg1">
+              <a:lumMod val="95000"/>
+            </a:schemeClr>
+          </a:solidFill>
+          <a:ln>
+            <a:noFill/>
+          </a:ln>
+        </p:spPr>
+        <p:style>
+          <a:lnRef idx="2">
+            <a:schemeClr val="accent1">
+              <a:shade val="50000"/>
+            </a:schemeClr>
+          </a:lnRef>
+          <a:fillRef idx="1">
+            <a:schemeClr val="accent1"/>
+          </a:fillRef>
+          <a:effectRef idx="0">
+            <a:schemeClr val="accent1"/>
+          </a:effectRef>
+          <a:fontRef idx="minor">
+            <a:schemeClr val="lt1"/>
+          </a:fontRef>
+        </p:style>
+        <p:txBody>
+          <a:bodyPr rtlCol="0" anchor="ctr"/>
+          <a:lstStyle/>
+          <a:p>
+            <a:pPr marL="0" marR="0" lvl="0" indent="0" algn="ctr" defTabSz="914400" rtl="0" eaLnBrk="1" fontAlgn="auto" latinLnBrk="0" hangingPunct="1">
+              <a:lnSpc>
+                <a:spcPct val="100000"/>
+              </a:lnSpc>
+              <a:spcBef>
+                <a:spcPts val="0"/>
+              </a:spcBef>
+              <a:spcAft>
+                <a:spcPts val="0"/>
+              </a:spcAft>
+              <a:buClrTx/>
+              <a:buSzTx/>
+              <a:buFontTx/>
+              <a:buNone/>
+              <a:tabLst/>
+              <a:defRPr/>
+            </a:pPr>
+            <a:endParaRPr kumimoji="0" lang="en-GB" sz="1800" b="0" i="0" u="none" strike="noStrike" kern="1200" cap="none" spc="0" normalizeH="0" baseline="0" noProof="0">
+              <a:ln>
+                <a:noFill/>
+              </a:ln>
+              <a:solidFill>
+                <a:prstClr val="white"/>
+              </a:solidFill>
+              <a:effectLst/>
+              <a:uLnTx/>
+              <a:uFillTx/>
+              <a:latin typeface="Calibri" panose="020F0502020204030204"/>
+              <a:ea typeface="+mn-ea"/>
+              <a:cs typeface="+mn-cs"/>
+            </a:endParaRPr>
+          </a:p>
+        </p:txBody>
+      </p:sp>
+      <p:sp>
+        <p:nvSpPr>
+          <p:cNvPr id="14" name="Rectangle 13">
+            <a:extLst>
+              <a:ext uri="{FF2B5EF4-FFF2-40B4-BE49-F238E27FC236}">
+                <a16:creationId xmlns:a16="http://schemas.microsoft.com/office/drawing/2014/main" id="{2CA5651D-7CCC-4D32-8E62-F59D8097C25A}"/>
+              </a:ext>
+            </a:extLst>
+          </p:cNvPr>
+          <p:cNvSpPr/>
+          <p:nvPr/>
+        </p:nvSpPr>
+        <p:spPr>
+          <a:xfrm>
+            <a:off x="11963330" y="447403"/>
+            <a:ext cx="230636" cy="223157"/>
+          </a:xfrm>
+          <a:prstGeom prst="rect">
+            <a:avLst/>
+          </a:prstGeom>
+          <a:solidFill>
+            <a:schemeClr val="bg1">
+              <a:lumMod val="95000"/>
+            </a:schemeClr>
+          </a:solidFill>
+          <a:ln>
+            <a:solidFill>
+              <a:schemeClr val="bg2">
+                <a:lumMod val="90000"/>
+              </a:schemeClr>
+            </a:solidFill>
+          </a:ln>
+        </p:spPr>
+        <p:style>
+          <a:lnRef idx="2">
+            <a:schemeClr val="accent1">
+              <a:shade val="50000"/>
+            </a:schemeClr>
+          </a:lnRef>
+          <a:fillRef idx="1">
+            <a:schemeClr val="accent1"/>
+          </a:fillRef>
+          <a:effectRef idx="0">
+            <a:schemeClr val="accent1"/>
+          </a:effectRef>
+          <a:fontRef idx="minor">
+            <a:schemeClr val="lt1"/>
+          </a:fontRef>
+        </p:style>
+        <p:txBody>
+          <a:bodyPr rtlCol="0" anchor="ctr"/>
+          <a:lstStyle/>
+          <a:p>
+            <a:pPr marL="0" marR="0" lvl="0" indent="0" algn="ctr" defTabSz="914400" rtl="0" eaLnBrk="1" fontAlgn="auto" latinLnBrk="0" hangingPunct="1">
+              <a:lnSpc>
+                <a:spcPct val="100000"/>
+              </a:lnSpc>
+              <a:spcBef>
+                <a:spcPts val="0"/>
+              </a:spcBef>
+              <a:spcAft>
+                <a:spcPts val="0"/>
+              </a:spcAft>
+              <a:buClrTx/>
+              <a:buSzTx/>
+              <a:buFontTx/>
+              <a:buNone/>
+              <a:tabLst/>
+              <a:defRPr/>
+            </a:pPr>
+            <a:endParaRPr kumimoji="0" lang="en-GB" sz="1800" b="0" i="0" u="none" strike="noStrike" kern="1200" cap="none" spc="0" normalizeH="0" baseline="0" noProof="0">
+              <a:ln>
+                <a:noFill/>
+              </a:ln>
+              <a:solidFill>
+                <a:prstClr val="white"/>
+              </a:solidFill>
+              <a:effectLst/>
+              <a:uLnTx/>
+              <a:uFillTx/>
+              <a:latin typeface="Calibri" panose="020F0502020204030204"/>
+              <a:ea typeface="+mn-ea"/>
+              <a:cs typeface="+mn-cs"/>
+            </a:endParaRPr>
+          </a:p>
+        </p:txBody>
+      </p:sp>
+      <p:sp>
+        <p:nvSpPr>
+          <p:cNvPr id="16" name="Arrow: Chevron 15">
+            <a:extLst>
+              <a:ext uri="{FF2B5EF4-FFF2-40B4-BE49-F238E27FC236}">
+                <a16:creationId xmlns:a16="http://schemas.microsoft.com/office/drawing/2014/main" id="{7ECBA8CA-39D2-477D-AE6E-52304C86C65D}"/>
+              </a:ext>
+            </a:extLst>
+          </p:cNvPr>
+          <p:cNvSpPr/>
+          <p:nvPr/>
+        </p:nvSpPr>
+        <p:spPr>
+          <a:xfrm rot="16200000">
+            <a:off x="12022689" y="491760"/>
+            <a:ext cx="111919" cy="126206"/>
+          </a:xfrm>
+          <a:prstGeom prst="chevron">
+            <a:avLst/>
+          </a:prstGeom>
+          <a:solidFill>
+            <a:schemeClr val="bg1">
+              <a:lumMod val="50000"/>
+            </a:schemeClr>
+          </a:solidFill>
+          <a:ln>
+            <a:noFill/>
+          </a:ln>
+        </p:spPr>
+        <p:style>
+          <a:lnRef idx="2">
+            <a:schemeClr val="accent1">
+              <a:shade val="50000"/>
+            </a:schemeClr>
+          </a:lnRef>
+          <a:fillRef idx="1">
+            <a:schemeClr val="accent1"/>
+          </a:fillRef>
+          <a:effectRef idx="0">
+            <a:schemeClr val="accent1"/>
+          </a:effectRef>
+          <a:fontRef idx="minor">
+            <a:schemeClr val="lt1"/>
+          </a:fontRef>
+        </p:style>
+        <p:txBody>
+          <a:bodyPr rtlCol="0" anchor="ctr"/>
+          <a:lstStyle/>
+          <a:p>
+            <a:pPr marL="0" marR="0" lvl="0" indent="0" algn="ctr" defTabSz="914400" rtl="0" eaLnBrk="1" fontAlgn="auto" latinLnBrk="0" hangingPunct="1">
+              <a:lnSpc>
+                <a:spcPct val="100000"/>
+              </a:lnSpc>
+              <a:spcBef>
+                <a:spcPts val="0"/>
+              </a:spcBef>
+              <a:spcAft>
+                <a:spcPts val="0"/>
+              </a:spcAft>
+              <a:buClrTx/>
+              <a:buSzTx/>
+              <a:buFontTx/>
+              <a:buNone/>
+              <a:tabLst/>
+              <a:defRPr/>
+            </a:pPr>
+            <a:endParaRPr kumimoji="0" lang="en-GB" sz="1800" b="0" i="0" u="none" strike="noStrike" kern="1200" cap="none" spc="0" normalizeH="0" baseline="0" noProof="0">
+              <a:ln>
+                <a:noFill/>
+              </a:ln>
+              <a:solidFill>
+                <a:prstClr val="black"/>
+              </a:solidFill>
+              <a:effectLst/>
+              <a:uLnTx/>
+              <a:uFillTx/>
+              <a:latin typeface="Calibri" panose="020F0502020204030204"/>
+              <a:ea typeface="+mn-ea"/>
+              <a:cs typeface="+mn-cs"/>
+            </a:endParaRPr>
+          </a:p>
+        </p:txBody>
+      </p:sp>
+      <p:sp>
+        <p:nvSpPr>
+          <p:cNvPr id="17" name="Rectangle 16">
+            <a:extLst>
+              <a:ext uri="{FF2B5EF4-FFF2-40B4-BE49-F238E27FC236}">
+                <a16:creationId xmlns:a16="http://schemas.microsoft.com/office/drawing/2014/main" id="{40897313-8914-4B73-9CA5-1AB3D531F280}"/>
+              </a:ext>
+            </a:extLst>
+          </p:cNvPr>
+          <p:cNvSpPr/>
+          <p:nvPr/>
+        </p:nvSpPr>
+        <p:spPr>
+          <a:xfrm rot="10800000">
+            <a:off x="11963330" y="6634844"/>
+            <a:ext cx="230636" cy="223157"/>
+          </a:xfrm>
+          <a:prstGeom prst="rect">
+            <a:avLst/>
+          </a:prstGeom>
+          <a:solidFill>
+            <a:schemeClr val="bg1">
+              <a:lumMod val="95000"/>
+            </a:schemeClr>
+          </a:solidFill>
+          <a:ln>
+            <a:solidFill>
+              <a:schemeClr val="bg2">
+                <a:lumMod val="90000"/>
+              </a:schemeClr>
+            </a:solidFill>
+          </a:ln>
+        </p:spPr>
+        <p:style>
+          <a:lnRef idx="2">
+            <a:schemeClr val="accent1">
+              <a:shade val="50000"/>
+            </a:schemeClr>
+          </a:lnRef>
+          <a:fillRef idx="1">
+            <a:schemeClr val="accent1"/>
+          </a:fillRef>
+          <a:effectRef idx="0">
+            <a:schemeClr val="accent1"/>
+          </a:effectRef>
+          <a:fontRef idx="minor">
+            <a:schemeClr val="lt1"/>
+          </a:fontRef>
+        </p:style>
+        <p:txBody>
+          <a:bodyPr rtlCol="0" anchor="ctr"/>
+          <a:lstStyle/>
+          <a:p>
+            <a:pPr marL="0" marR="0" lvl="0" indent="0" algn="ctr" defTabSz="914400" rtl="0" eaLnBrk="1" fontAlgn="auto" latinLnBrk="0" hangingPunct="1">
+              <a:lnSpc>
+                <a:spcPct val="100000"/>
+              </a:lnSpc>
+              <a:spcBef>
+                <a:spcPts val="0"/>
+              </a:spcBef>
+              <a:spcAft>
+                <a:spcPts val="0"/>
+              </a:spcAft>
+              <a:buClrTx/>
+              <a:buSzTx/>
+              <a:buFontTx/>
+              <a:buNone/>
+              <a:tabLst/>
+              <a:defRPr/>
+            </a:pPr>
+            <a:endParaRPr kumimoji="0" lang="en-GB" sz="1800" b="0" i="0" u="none" strike="noStrike" kern="1200" cap="none" spc="0" normalizeH="0" baseline="0" noProof="0">
+              <a:ln>
+                <a:noFill/>
+              </a:ln>
+              <a:solidFill>
+                <a:prstClr val="white"/>
+              </a:solidFill>
+              <a:effectLst/>
+              <a:uLnTx/>
+              <a:uFillTx/>
+              <a:latin typeface="Calibri" panose="020F0502020204030204"/>
+              <a:ea typeface="+mn-ea"/>
+              <a:cs typeface="+mn-cs"/>
+            </a:endParaRPr>
+          </a:p>
+        </p:txBody>
+      </p:sp>
+      <p:sp>
+        <p:nvSpPr>
+          <p:cNvPr id="18" name="Arrow: Chevron 17">
+            <a:extLst>
+              <a:ext uri="{FF2B5EF4-FFF2-40B4-BE49-F238E27FC236}">
+                <a16:creationId xmlns:a16="http://schemas.microsoft.com/office/drawing/2014/main" id="{C0DEFF07-BB05-40C5-96A1-51F0E20C8121}"/>
+              </a:ext>
+            </a:extLst>
+          </p:cNvPr>
+          <p:cNvSpPr/>
+          <p:nvPr/>
+        </p:nvSpPr>
+        <p:spPr>
+          <a:xfrm rot="5400000">
+            <a:off x="12022689" y="6679201"/>
+            <a:ext cx="111919" cy="126206"/>
+          </a:xfrm>
+          <a:prstGeom prst="chevron">
+            <a:avLst/>
+          </a:prstGeom>
+          <a:solidFill>
+            <a:schemeClr val="bg1">
+              <a:lumMod val="50000"/>
+            </a:schemeClr>
+          </a:solidFill>
+          <a:ln>
+            <a:noFill/>
+          </a:ln>
+        </p:spPr>
+        <p:style>
+          <a:lnRef idx="2">
+            <a:schemeClr val="accent1">
+              <a:shade val="50000"/>
+            </a:schemeClr>
+          </a:lnRef>
+          <a:fillRef idx="1">
+            <a:schemeClr val="accent1"/>
+          </a:fillRef>
+          <a:effectRef idx="0">
+            <a:schemeClr val="accent1"/>
+          </a:effectRef>
+          <a:fontRef idx="minor">
+            <a:schemeClr val="lt1"/>
+          </a:fontRef>
+        </p:style>
+        <p:txBody>
+          <a:bodyPr rtlCol="0" anchor="ctr"/>
+          <a:lstStyle/>
+          <a:p>
+            <a:pPr marL="0" marR="0" lvl="0" indent="0" algn="ctr" defTabSz="914400" rtl="0" eaLnBrk="1" fontAlgn="auto" latinLnBrk="0" hangingPunct="1">
+              <a:lnSpc>
+                <a:spcPct val="100000"/>
+              </a:lnSpc>
+              <a:spcBef>
+                <a:spcPts val="0"/>
+              </a:spcBef>
+              <a:spcAft>
+                <a:spcPts val="0"/>
+              </a:spcAft>
+              <a:buClrTx/>
+              <a:buSzTx/>
+              <a:buFontTx/>
+              <a:buNone/>
+              <a:tabLst/>
+              <a:defRPr/>
+            </a:pPr>
+            <a:endParaRPr kumimoji="0" lang="en-GB" sz="1800" b="0" i="0" u="none" strike="noStrike" kern="1200" cap="none" spc="0" normalizeH="0" baseline="0" noProof="0">
+              <a:ln>
+                <a:noFill/>
+              </a:ln>
+              <a:solidFill>
+                <a:prstClr val="black"/>
+              </a:solidFill>
+              <a:effectLst/>
+              <a:uLnTx/>
+              <a:uFillTx/>
+              <a:latin typeface="Calibri" panose="020F0502020204030204"/>
+              <a:ea typeface="+mn-ea"/>
+              <a:cs typeface="+mn-cs"/>
+            </a:endParaRPr>
+          </a:p>
+        </p:txBody>
+      </p:sp>
+      <p:sp>
+        <p:nvSpPr>
+          <p:cNvPr id="25" name="Rectangle 24">
+            <a:hlinkClick r:id="rId4" action="ppaction://hlinksldjump"/>
+            <a:extLst>
+              <a:ext uri="{FF2B5EF4-FFF2-40B4-BE49-F238E27FC236}">
+                <a16:creationId xmlns:a16="http://schemas.microsoft.com/office/drawing/2014/main" id="{527EBD9C-2F06-4E20-84A8-F558DC8EAFCF}"/>
+              </a:ext>
+            </a:extLst>
+          </p:cNvPr>
+          <p:cNvSpPr/>
+          <p:nvPr/>
+        </p:nvSpPr>
+        <p:spPr>
+          <a:xfrm>
+            <a:off x="676121" y="6545086"/>
+            <a:ext cx="728460" cy="282516"/>
+          </a:xfrm>
+          <a:prstGeom prst="rect">
+            <a:avLst/>
+          </a:prstGeom>
+          <a:solidFill>
+            <a:srgbClr val="364652"/>
+          </a:solidFill>
+          <a:ln>
+            <a:noFill/>
+          </a:ln>
+        </p:spPr>
+        <p:style>
+          <a:lnRef idx="2">
+            <a:schemeClr val="accent1">
+              <a:shade val="50000"/>
+            </a:schemeClr>
+          </a:lnRef>
+          <a:fillRef idx="1">
+            <a:schemeClr val="accent1"/>
+          </a:fillRef>
+          <a:effectRef idx="0">
+            <a:schemeClr val="accent1"/>
+          </a:effectRef>
+          <a:fontRef idx="minor">
+            <a:schemeClr val="lt1"/>
+          </a:fontRef>
+        </p:style>
+        <p:txBody>
+          <a:bodyPr rtlCol="0" anchor="ctr"/>
+          <a:lstStyle/>
+          <a:p>
+            <a:pPr marL="0" marR="0" lvl="0" indent="0" algn="ctr" defTabSz="914400" rtl="0" eaLnBrk="1" fontAlgn="auto" latinLnBrk="0" hangingPunct="1">
+              <a:lnSpc>
+                <a:spcPct val="100000"/>
+              </a:lnSpc>
+              <a:spcBef>
+                <a:spcPts val="0"/>
+              </a:spcBef>
+              <a:spcAft>
+                <a:spcPts val="0"/>
+              </a:spcAft>
+              <a:buClrTx/>
+              <a:buSzTx/>
+              <a:buFontTx/>
+              <a:buNone/>
+              <a:tabLst/>
+              <a:defRPr/>
+            </a:pPr>
+            <a:r>
+              <a:rPr kumimoji="0" lang="en-GB" sz="1600" b="0" i="0" u="none" strike="noStrike" kern="1200" cap="none" spc="0" normalizeH="0" baseline="0" noProof="0" dirty="0">
+                <a:ln>
+                  <a:noFill/>
+                </a:ln>
+                <a:solidFill>
+                  <a:prstClr val="white"/>
+                </a:solidFill>
+                <a:effectLst/>
+                <a:uLnTx/>
+                <a:uFillTx/>
+                <a:latin typeface="Calibri" panose="020F0502020204030204"/>
+                <a:ea typeface="+mn-ea"/>
+                <a:cs typeface="+mn-cs"/>
+              </a:rPr>
+              <a:t>Log in</a:t>
+            </a:r>
+          </a:p>
+        </p:txBody>
+      </p:sp>
+      <p:pic>
+        <p:nvPicPr>
+          <p:cNvPr id="3" name="Picture 2" descr="Icon&#10;&#10;Description automatically generated">
+            <a:extLst>
+              <a:ext uri="{FF2B5EF4-FFF2-40B4-BE49-F238E27FC236}">
+                <a16:creationId xmlns:a16="http://schemas.microsoft.com/office/drawing/2014/main" id="{0C8FB038-5B41-7EBF-3B57-F7E2A4F16C2A}"/>
+              </a:ext>
+            </a:extLst>
+          </p:cNvPr>
+          <p:cNvPicPr>
+            <a:picLocks noChangeAspect="1"/>
+          </p:cNvPicPr>
+          <p:nvPr/>
+        </p:nvPicPr>
+        <p:blipFill>
+          <a:blip r:embed="rId5">
+            <a:extLst>
+              <a:ext uri="{28A0092B-C50C-407E-A947-70E740481C1C}">
+                <a14:useLocalDpi xmlns:a14="http://schemas.microsoft.com/office/drawing/2010/main" val="0"/>
+              </a:ext>
+            </a:extLst>
+          </a:blip>
+          <a:stretch>
+            <a:fillRect/>
+          </a:stretch>
+        </p:blipFill>
+        <p:spPr>
+          <a:xfrm>
+            <a:off x="3224201" y="1158780"/>
+            <a:ext cx="1355820" cy="1355820"/>
+          </a:xfrm>
+          <a:prstGeom prst="rect">
+            <a:avLst/>
+          </a:prstGeom>
+          <a:effectLst>
+            <a:outerShdw blurRad="63500" sx="99000" sy="99000" algn="ctr" rotWithShape="0">
+              <a:srgbClr val="364652"/>
+            </a:outerShdw>
+          </a:effectLst>
+        </p:spPr>
+      </p:pic>
+      <p:sp>
+        <p:nvSpPr>
+          <p:cNvPr id="2" name="Rectangle 1">
+            <a:extLst>
+              <a:ext uri="{FF2B5EF4-FFF2-40B4-BE49-F238E27FC236}">
+                <a16:creationId xmlns:a16="http://schemas.microsoft.com/office/drawing/2014/main" id="{E61E6741-DF5B-1E25-4469-4F7705EC4F97}"/>
+              </a:ext>
+            </a:extLst>
+          </p:cNvPr>
+          <p:cNvSpPr/>
+          <p:nvPr/>
+        </p:nvSpPr>
+        <p:spPr>
+          <a:xfrm>
+            <a:off x="718850" y="1845879"/>
+            <a:ext cx="728460" cy="223158"/>
+          </a:xfrm>
+          <a:prstGeom prst="rect">
+            <a:avLst/>
+          </a:prstGeom>
+          <a:solidFill>
+            <a:srgbClr val="364652"/>
+          </a:solidFill>
+          <a:ln>
+            <a:solidFill>
+              <a:srgbClr val="364652"/>
+            </a:solidFill>
+          </a:ln>
+        </p:spPr>
+        <p:style>
+          <a:lnRef idx="2">
+            <a:schemeClr val="accent1">
+              <a:shade val="50000"/>
+            </a:schemeClr>
+          </a:lnRef>
+          <a:fillRef idx="1">
+            <a:schemeClr val="accent1"/>
+          </a:fillRef>
+          <a:effectRef idx="0">
+            <a:schemeClr val="accent1"/>
+          </a:effectRef>
+          <a:fontRef idx="minor">
+            <a:schemeClr val="lt1"/>
+          </a:fontRef>
+        </p:style>
+        <p:txBody>
+          <a:bodyPr rtlCol="0" anchor="ctr"/>
+          <a:lstStyle/>
+          <a:p>
+            <a:pPr marL="0" marR="0" lvl="0" indent="0" algn="ctr" defTabSz="914400" rtl="0" eaLnBrk="1" fontAlgn="auto" latinLnBrk="0" hangingPunct="1">
+              <a:lnSpc>
+                <a:spcPct val="100000"/>
+              </a:lnSpc>
+              <a:spcBef>
+                <a:spcPts val="0"/>
+              </a:spcBef>
+              <a:spcAft>
+                <a:spcPts val="0"/>
+              </a:spcAft>
+              <a:buClrTx/>
+              <a:buSzTx/>
+              <a:buFontTx/>
+              <a:buNone/>
+              <a:tabLst/>
+              <a:defRPr/>
+            </a:pPr>
+            <a:endParaRPr kumimoji="0" lang="en-GB" sz="1800" b="0" i="0" u="none" strike="noStrike" kern="1200" cap="none" spc="0" normalizeH="0" baseline="0" noProof="0">
+              <a:ln>
+                <a:noFill/>
+              </a:ln>
+              <a:solidFill>
+                <a:prstClr val="white"/>
+              </a:solidFill>
+              <a:effectLst/>
+              <a:uLnTx/>
+              <a:uFillTx/>
+              <a:latin typeface="Calibri" panose="020F0502020204030204"/>
+              <a:ea typeface="+mn-ea"/>
+              <a:cs typeface="+mn-cs"/>
+            </a:endParaRPr>
+          </a:p>
+        </p:txBody>
+      </p:sp>
+    </p:spTree>
+    <p:extLst>
+      <p:ext uri="{BB962C8B-B14F-4D97-AF65-F5344CB8AC3E}">
+        <p14:creationId xmlns:p14="http://schemas.microsoft.com/office/powerpoint/2010/main" val="1543892528"/>
+      </p:ext>
+    </p:extLst>
+  </p:cSld>
+  <p:clrMapOvr>
+    <a:masterClrMapping/>
+  </p:clrMapOvr>
+</p:sld>
+</file>
+
+<file path=ppt/slides/slide11.xml><?xml version="1.0" encoding="utf-8"?>
+<p:sld xmlns:a="http://schemas.openxmlformats.org/drawingml/2006/main" xmlns:r="http://schemas.openxmlformats.org/officeDocument/2006/relationships" xmlns:p="http://schemas.openxmlformats.org/presentationml/2006/main">
+  <p:cSld>
+    <p:bg>
+      <p:bgPr>
+        <a:solidFill>
+          <a:srgbClr val="364652"/>
+        </a:solidFill>
+        <a:effectLst/>
+      </p:bgPr>
+    </p:bg>
+    <p:spTree>
+      <p:nvGrpSpPr>
+        <p:cNvPr id="1" name=""/>
+        <p:cNvGrpSpPr/>
+        <p:nvPr/>
+      </p:nvGrpSpPr>
+      <p:grpSpPr>
+        <a:xfrm>
+          <a:off x="0" y="0"/>
+          <a:ext cx="0" cy="0"/>
+          <a:chOff x="0" y="0"/>
+          <a:chExt cx="0" cy="0"/>
+        </a:xfrm>
+      </p:grpSpPr>
+      <p:sp>
+        <p:nvSpPr>
+          <p:cNvPr id="8" name="Rectangle 7">
+            <a:extLst>
+              <a:ext uri="{FF2B5EF4-FFF2-40B4-BE49-F238E27FC236}">
+                <a16:creationId xmlns:a16="http://schemas.microsoft.com/office/drawing/2014/main" id="{3C719C9A-10B8-44A8-890E-C1873EBF3790}"/>
+              </a:ext>
+            </a:extLst>
+          </p:cNvPr>
+          <p:cNvSpPr/>
+          <p:nvPr/>
+        </p:nvSpPr>
+        <p:spPr>
+          <a:xfrm>
+            <a:off x="2269286" y="439101"/>
+            <a:ext cx="9694044" cy="6418899"/>
+          </a:xfrm>
+          <a:prstGeom prst="rect">
+            <a:avLst/>
+          </a:prstGeom>
+          <a:solidFill>
+            <a:srgbClr val="B5BEC6"/>
+          </a:solidFill>
+          <a:ln>
+            <a:noFill/>
+          </a:ln>
+        </p:spPr>
+        <p:style>
+          <a:lnRef idx="2">
+            <a:schemeClr val="accent1">
+              <a:shade val="50000"/>
+            </a:schemeClr>
+          </a:lnRef>
+          <a:fillRef idx="1">
+            <a:schemeClr val="accent1"/>
+          </a:fillRef>
+          <a:effectRef idx="0">
+            <a:schemeClr val="accent1"/>
+          </a:effectRef>
+          <a:fontRef idx="minor">
+            <a:schemeClr val="lt1"/>
+          </a:fontRef>
+        </p:style>
+        <p:txBody>
+          <a:bodyPr rtlCol="0" anchor="ctr"/>
+          <a:lstStyle/>
+          <a:p>
+            <a:pPr marL="0" marR="0" lvl="0" indent="0" algn="ctr" defTabSz="914400" rtl="0" eaLnBrk="1" fontAlgn="auto" latinLnBrk="0" hangingPunct="1">
+              <a:lnSpc>
+                <a:spcPct val="100000"/>
+              </a:lnSpc>
+              <a:spcBef>
+                <a:spcPts val="0"/>
+              </a:spcBef>
+              <a:spcAft>
+                <a:spcPts val="0"/>
+              </a:spcAft>
+              <a:buClrTx/>
+              <a:buSzTx/>
+              <a:buFontTx/>
+              <a:buNone/>
+              <a:tabLst/>
+              <a:defRPr/>
+            </a:pPr>
+            <a:r>
+              <a:rPr kumimoji="0" lang="en-GB" sz="3200" b="0" i="0" u="none" strike="noStrike" kern="1200" cap="none" spc="0" normalizeH="0" baseline="0" noProof="0" dirty="0">
+                <a:ln>
+                  <a:noFill/>
+                </a:ln>
+                <a:solidFill>
+                  <a:prstClr val="white"/>
+                </a:solidFill>
+                <a:effectLst/>
+                <a:uLnTx/>
+                <a:uFillTx/>
+                <a:latin typeface="Calibri" panose="020F0502020204030204"/>
+                <a:ea typeface="+mn-ea"/>
+                <a:cs typeface="+mn-cs"/>
+              </a:rPr>
+              <a:t>Edwards &amp; </a:t>
+            </a:r>
+            <a:r>
+              <a:rPr kumimoji="0" lang="en-GB" sz="3200" b="0" i="0" u="none" strike="noStrike" kern="1200" cap="none" spc="0" normalizeH="0" baseline="0" noProof="0" dirty="0" err="1">
+                <a:ln>
+                  <a:noFill/>
+                </a:ln>
+                <a:solidFill>
+                  <a:prstClr val="white"/>
+                </a:solidFill>
+                <a:effectLst/>
+                <a:uLnTx/>
+                <a:uFillTx/>
+                <a:latin typeface="Calibri" panose="020F0502020204030204"/>
+                <a:ea typeface="+mn-ea"/>
+                <a:cs typeface="+mn-cs"/>
+              </a:rPr>
+              <a:t>Avey</a:t>
+            </a:r>
+            <a:r>
+              <a:rPr kumimoji="0" lang="en-GB" sz="3200" b="0" i="0" u="none" strike="noStrike" kern="1200" cap="none" spc="0" normalizeH="0" baseline="0" noProof="0" dirty="0">
+                <a:ln>
+                  <a:noFill/>
+                </a:ln>
+                <a:solidFill>
+                  <a:prstClr val="white"/>
+                </a:solidFill>
+                <a:effectLst/>
+                <a:uLnTx/>
+                <a:uFillTx/>
+                <a:latin typeface="Calibri" panose="020F0502020204030204"/>
+                <a:ea typeface="+mn-ea"/>
+                <a:cs typeface="+mn-cs"/>
+              </a:rPr>
+              <a:t> Investments</a:t>
+            </a:r>
+          </a:p>
+          <a:p>
+            <a:pPr marL="0" marR="0" lvl="0" indent="0" algn="l" defTabSz="914400" rtl="0" eaLnBrk="1" fontAlgn="auto" latinLnBrk="0" hangingPunct="1">
+              <a:lnSpc>
+                <a:spcPct val="100000"/>
+              </a:lnSpc>
+              <a:spcBef>
+                <a:spcPts val="0"/>
+              </a:spcBef>
+              <a:spcAft>
+                <a:spcPts val="0"/>
+              </a:spcAft>
+              <a:buClrTx/>
+              <a:buSzTx/>
+              <a:buFontTx/>
+              <a:buNone/>
+              <a:tabLst/>
+              <a:defRPr/>
+            </a:pPr>
+            <a:r>
+              <a:rPr kumimoji="0" lang="en-GB" sz="1800" b="0" i="0" u="none" strike="noStrike" kern="1200" cap="none" spc="0" normalizeH="0" baseline="0" noProof="0" dirty="0">
+                <a:ln>
+                  <a:noFill/>
+                </a:ln>
+                <a:solidFill>
+                  <a:prstClr val="white"/>
+                </a:solidFill>
+                <a:effectLst/>
+                <a:uLnTx/>
+                <a:uFillTx/>
+                <a:latin typeface="Calibri" panose="020F0502020204030204"/>
+                <a:ea typeface="+mn-ea"/>
+                <a:cs typeface="+mn-cs"/>
+              </a:rPr>
+              <a:t>	</a:t>
+            </a:r>
+            <a:br>
+              <a:rPr kumimoji="0" lang="en-GB" sz="1800" b="0" i="0" u="none" strike="noStrike" kern="1200" cap="none" spc="0" normalizeH="0" baseline="0" noProof="0" dirty="0">
+                <a:ln>
+                  <a:noFill/>
+                </a:ln>
+                <a:solidFill>
+                  <a:prstClr val="white"/>
+                </a:solidFill>
+                <a:effectLst/>
+                <a:uLnTx/>
+                <a:uFillTx/>
+                <a:latin typeface="Calibri" panose="020F0502020204030204"/>
+                <a:ea typeface="+mn-ea"/>
+                <a:cs typeface="+mn-cs"/>
+              </a:rPr>
+            </a:br>
+            <a:r>
+              <a:rPr kumimoji="0" lang="en-GB" sz="1800" b="0" i="0" u="none" strike="noStrike" kern="1200" cap="none" spc="0" normalizeH="0" baseline="0" noProof="0" dirty="0">
+                <a:ln>
+                  <a:noFill/>
+                </a:ln>
+                <a:solidFill>
+                  <a:prstClr val="white"/>
+                </a:solidFill>
+                <a:effectLst/>
+                <a:uLnTx/>
+                <a:uFillTx/>
+                <a:latin typeface="Calibri" panose="020F0502020204030204"/>
+                <a:ea typeface="+mn-ea"/>
+                <a:cs typeface="+mn-cs"/>
+              </a:rPr>
+              <a:t>	Edwards and </a:t>
+            </a:r>
+            <a:r>
+              <a:rPr kumimoji="0" lang="en-GB" sz="1800" b="0" i="0" u="none" strike="noStrike" kern="1200" cap="none" spc="0" normalizeH="0" baseline="0" noProof="0" dirty="0" err="1">
+                <a:ln>
+                  <a:noFill/>
+                </a:ln>
+                <a:solidFill>
+                  <a:prstClr val="white"/>
+                </a:solidFill>
+                <a:effectLst/>
+                <a:uLnTx/>
+                <a:uFillTx/>
+                <a:latin typeface="Calibri" panose="020F0502020204030204"/>
+                <a:ea typeface="+mn-ea"/>
+                <a:cs typeface="+mn-cs"/>
+              </a:rPr>
+              <a:t>Avey</a:t>
+            </a:r>
+            <a:r>
+              <a:rPr kumimoji="0" lang="en-GB" sz="1800" b="0" i="0" u="none" strike="noStrike" kern="1200" cap="none" spc="0" normalizeH="0" baseline="0" noProof="0" dirty="0">
+                <a:ln>
+                  <a:noFill/>
+                </a:ln>
+                <a:solidFill>
+                  <a:prstClr val="white"/>
+                </a:solidFill>
+                <a:effectLst/>
+                <a:uLnTx/>
+                <a:uFillTx/>
+                <a:latin typeface="Calibri" panose="020F0502020204030204"/>
+                <a:ea typeface="+mn-ea"/>
+                <a:cs typeface="+mn-cs"/>
+              </a:rPr>
+              <a:t> Investments is your go-to solution for tailored investment bundles.</a:t>
+            </a:r>
+            <a:br>
+              <a:rPr kumimoji="0" lang="en-GB" sz="1800" b="0" i="0" u="none" strike="noStrike" kern="1200" cap="none" spc="0" normalizeH="0" baseline="0" noProof="0" dirty="0">
+                <a:ln>
+                  <a:noFill/>
+                </a:ln>
+                <a:solidFill>
+                  <a:prstClr val="white"/>
+                </a:solidFill>
+                <a:effectLst/>
+                <a:uLnTx/>
+                <a:uFillTx/>
+                <a:latin typeface="Calibri" panose="020F0502020204030204"/>
+                <a:ea typeface="+mn-ea"/>
+                <a:cs typeface="+mn-cs"/>
+              </a:rPr>
+            </a:br>
+            <a:r>
+              <a:rPr kumimoji="0" lang="en-GB" sz="1800" b="0" i="0" u="none" strike="noStrike" kern="1200" cap="none" spc="0" normalizeH="0" baseline="0" noProof="0" dirty="0">
+                <a:ln>
+                  <a:noFill/>
+                </a:ln>
+                <a:solidFill>
+                  <a:prstClr val="white"/>
+                </a:solidFill>
+                <a:effectLst/>
+                <a:uLnTx/>
+                <a:uFillTx/>
+                <a:latin typeface="Calibri" panose="020F0502020204030204"/>
+                <a:ea typeface="+mn-ea"/>
+                <a:cs typeface="+mn-cs"/>
+              </a:rPr>
+              <a:t>	We offer up-to-the-day investment opportunities in groups of assets provided by</a:t>
+            </a:r>
+            <a:br>
+              <a:rPr kumimoji="0" lang="en-GB" sz="1800" b="0" i="0" u="none" strike="noStrike" kern="1200" cap="none" spc="0" normalizeH="0" baseline="0" noProof="0" dirty="0">
+                <a:ln>
+                  <a:noFill/>
+                </a:ln>
+                <a:solidFill>
+                  <a:prstClr val="white"/>
+                </a:solidFill>
+                <a:effectLst/>
+                <a:uLnTx/>
+                <a:uFillTx/>
+                <a:latin typeface="Calibri" panose="020F0502020204030204"/>
+                <a:ea typeface="+mn-ea"/>
+                <a:cs typeface="+mn-cs"/>
+              </a:rPr>
+            </a:br>
+            <a:r>
+              <a:rPr kumimoji="0" lang="en-GB" sz="1800" b="0" i="0" u="none" strike="noStrike" kern="1200" cap="none" spc="0" normalizeH="0" baseline="0" noProof="0" dirty="0">
+                <a:ln>
+                  <a:noFill/>
+                </a:ln>
+                <a:solidFill>
+                  <a:prstClr val="white"/>
+                </a:solidFill>
+                <a:effectLst/>
+                <a:uLnTx/>
+                <a:uFillTx/>
+                <a:latin typeface="Calibri" panose="020F0502020204030204"/>
+                <a:ea typeface="+mn-ea"/>
+                <a:cs typeface="+mn-cs"/>
+              </a:rPr>
+              <a:t>	our highly-experienced partners. These partners collate groups of relevant assets </a:t>
+            </a:r>
+            <a:br>
+              <a:rPr kumimoji="0" lang="en-GB" sz="1800" b="0" i="0" u="none" strike="noStrike" kern="1200" cap="none" spc="0" normalizeH="0" baseline="0" noProof="0" dirty="0">
+                <a:ln>
+                  <a:noFill/>
+                </a:ln>
+                <a:solidFill>
+                  <a:prstClr val="white"/>
+                </a:solidFill>
+                <a:effectLst/>
+                <a:uLnTx/>
+                <a:uFillTx/>
+                <a:latin typeface="Calibri" panose="020F0502020204030204"/>
+                <a:ea typeface="+mn-ea"/>
+                <a:cs typeface="+mn-cs"/>
+              </a:rPr>
+            </a:br>
+            <a:r>
+              <a:rPr kumimoji="0" lang="en-GB" sz="1800" b="0" i="0" u="none" strike="noStrike" kern="1200" cap="none" spc="0" normalizeH="0" baseline="0" noProof="0" dirty="0">
+                <a:ln>
+                  <a:noFill/>
+                </a:ln>
+                <a:solidFill>
+                  <a:prstClr val="white"/>
+                </a:solidFill>
+                <a:effectLst/>
+                <a:uLnTx/>
+                <a:uFillTx/>
+                <a:latin typeface="Calibri" panose="020F0502020204030204"/>
+                <a:ea typeface="+mn-ea"/>
+                <a:cs typeface="+mn-cs"/>
+              </a:rPr>
+              <a:t>	into investment “ideas”. These ideas make it easy for you as an investor to find </a:t>
+            </a:r>
+            <a:br>
+              <a:rPr kumimoji="0" lang="en-GB" sz="1800" b="0" i="0" u="none" strike="noStrike" kern="1200" cap="none" spc="0" normalizeH="0" baseline="0" noProof="0" dirty="0">
+                <a:ln>
+                  <a:noFill/>
+                </a:ln>
+                <a:solidFill>
+                  <a:prstClr val="white"/>
+                </a:solidFill>
+                <a:effectLst/>
+                <a:uLnTx/>
+                <a:uFillTx/>
+                <a:latin typeface="Calibri" panose="020F0502020204030204"/>
+                <a:ea typeface="+mn-ea"/>
+                <a:cs typeface="+mn-cs"/>
+              </a:rPr>
+            </a:br>
+            <a:r>
+              <a:rPr kumimoji="0" lang="en-GB" sz="1800" b="0" i="0" u="none" strike="noStrike" kern="1200" cap="none" spc="0" normalizeH="0" baseline="0" noProof="0" dirty="0">
+                <a:ln>
+                  <a:noFill/>
+                </a:ln>
+                <a:solidFill>
+                  <a:prstClr val="white"/>
+                </a:solidFill>
+                <a:effectLst/>
+                <a:uLnTx/>
+                <a:uFillTx/>
+                <a:latin typeface="Calibri" panose="020F0502020204030204"/>
+                <a:ea typeface="+mn-ea"/>
+                <a:cs typeface="+mn-cs"/>
+              </a:rPr>
+              <a:t>	collections of individual assets that meet your desired investment interests, without </a:t>
+            </a:r>
+            <a:br>
+              <a:rPr kumimoji="0" lang="en-GB" sz="1800" b="0" i="0" u="none" strike="noStrike" kern="1200" cap="none" spc="0" normalizeH="0" baseline="0" noProof="0" dirty="0">
+                <a:ln>
+                  <a:noFill/>
+                </a:ln>
+                <a:solidFill>
+                  <a:prstClr val="white"/>
+                </a:solidFill>
+                <a:effectLst/>
+                <a:uLnTx/>
+                <a:uFillTx/>
+                <a:latin typeface="Calibri" panose="020F0502020204030204"/>
+                <a:ea typeface="+mn-ea"/>
+                <a:cs typeface="+mn-cs"/>
+              </a:rPr>
+            </a:br>
+            <a:r>
+              <a:rPr kumimoji="0" lang="en-GB" sz="1800" b="0" i="0" u="none" strike="noStrike" kern="1200" cap="none" spc="0" normalizeH="0" baseline="0" noProof="0" dirty="0">
+                <a:ln>
+                  <a:noFill/>
+                </a:ln>
+                <a:solidFill>
+                  <a:prstClr val="white"/>
+                </a:solidFill>
+                <a:effectLst/>
+                <a:uLnTx/>
+                <a:uFillTx/>
+                <a:latin typeface="Calibri" panose="020F0502020204030204"/>
+                <a:ea typeface="+mn-ea"/>
+                <a:cs typeface="+mn-cs"/>
+              </a:rPr>
+              <a:t>	the need to personally hand pick them, saving you time and allowing you to grow</a:t>
+            </a:r>
+            <a:br>
+              <a:rPr kumimoji="0" lang="en-GB" sz="1800" b="0" i="0" u="none" strike="noStrike" kern="1200" cap="none" spc="0" normalizeH="0" baseline="0" noProof="0" dirty="0">
+                <a:ln>
+                  <a:noFill/>
+                </a:ln>
+                <a:solidFill>
+                  <a:prstClr val="white"/>
+                </a:solidFill>
+                <a:effectLst/>
+                <a:uLnTx/>
+                <a:uFillTx/>
+                <a:latin typeface="Calibri" panose="020F0502020204030204"/>
+                <a:ea typeface="+mn-ea"/>
+                <a:cs typeface="+mn-cs"/>
+              </a:rPr>
+            </a:br>
+            <a:r>
+              <a:rPr kumimoji="0" lang="en-GB" sz="1800" b="0" i="0" u="none" strike="noStrike" kern="1200" cap="none" spc="0" normalizeH="0" baseline="0" noProof="0" dirty="0">
+                <a:ln>
+                  <a:noFill/>
+                </a:ln>
+                <a:solidFill>
+                  <a:prstClr val="white"/>
+                </a:solidFill>
+                <a:effectLst/>
+                <a:uLnTx/>
+                <a:uFillTx/>
+                <a:latin typeface="Calibri" panose="020F0502020204030204"/>
+                <a:ea typeface="+mn-ea"/>
+                <a:cs typeface="+mn-cs"/>
+              </a:rPr>
+              <a:t>	your investment portfolio much faster, and easier.</a:t>
+            </a:r>
+          </a:p>
+          <a:p>
+            <a:pPr marL="0" marR="0" lvl="0" indent="0" algn="l" defTabSz="914400" rtl="0" eaLnBrk="1" fontAlgn="auto" latinLnBrk="0" hangingPunct="1">
+              <a:lnSpc>
+                <a:spcPct val="100000"/>
+              </a:lnSpc>
+              <a:spcBef>
+                <a:spcPts val="0"/>
+              </a:spcBef>
+              <a:spcAft>
+                <a:spcPts val="0"/>
+              </a:spcAft>
+              <a:buClrTx/>
+              <a:buSzTx/>
+              <a:buFontTx/>
+              <a:buNone/>
+              <a:tabLst/>
+              <a:defRPr/>
+            </a:pPr>
+            <a:r>
+              <a:rPr kumimoji="0" lang="en-GB" sz="1800" b="0" i="0" u="none" strike="noStrike" kern="1200" cap="none" spc="0" normalizeH="0" baseline="0" noProof="0" dirty="0">
+                <a:ln>
+                  <a:noFill/>
+                </a:ln>
+                <a:solidFill>
+                  <a:prstClr val="white"/>
+                </a:solidFill>
+                <a:effectLst/>
+                <a:uLnTx/>
+                <a:uFillTx/>
+                <a:latin typeface="Calibri" panose="020F0502020204030204"/>
+                <a:ea typeface="+mn-ea"/>
+                <a:cs typeface="+mn-cs"/>
+              </a:rPr>
+              <a:t>	</a:t>
+            </a:r>
+          </a:p>
+          <a:p>
+            <a:pPr marL="0" marR="0" lvl="0" indent="0" algn="ctr" defTabSz="914400" rtl="0" eaLnBrk="1" fontAlgn="auto" latinLnBrk="0" hangingPunct="1">
+              <a:lnSpc>
+                <a:spcPct val="100000"/>
+              </a:lnSpc>
+              <a:spcBef>
+                <a:spcPts val="0"/>
+              </a:spcBef>
+              <a:spcAft>
+                <a:spcPts val="0"/>
+              </a:spcAft>
+              <a:buClrTx/>
+              <a:buSzTx/>
+              <a:buFontTx/>
+              <a:buNone/>
+              <a:tabLst/>
+              <a:defRPr/>
+            </a:pPr>
+            <a:endParaRPr kumimoji="0" lang="en-GB" sz="1800" b="0" i="0" u="none" strike="noStrike" kern="1200" cap="none" spc="0" normalizeH="0" baseline="0" noProof="0" dirty="0">
+              <a:ln>
+                <a:noFill/>
+              </a:ln>
+              <a:solidFill>
+                <a:prstClr val="white"/>
+              </a:solidFill>
+              <a:effectLst/>
+              <a:uLnTx/>
+              <a:uFillTx/>
+              <a:latin typeface="Calibri" panose="020F0502020204030204"/>
+              <a:ea typeface="+mn-ea"/>
+              <a:cs typeface="+mn-cs"/>
+            </a:endParaRPr>
+          </a:p>
+          <a:p>
+            <a:pPr marL="0" marR="0" lvl="0" indent="0" algn="ctr" defTabSz="914400" rtl="0" eaLnBrk="1" fontAlgn="auto" latinLnBrk="0" hangingPunct="1">
+              <a:lnSpc>
+                <a:spcPct val="100000"/>
+              </a:lnSpc>
+              <a:spcBef>
+                <a:spcPts val="0"/>
+              </a:spcBef>
+              <a:spcAft>
+                <a:spcPts val="0"/>
+              </a:spcAft>
+              <a:buClrTx/>
+              <a:buSzTx/>
+              <a:buFontTx/>
+              <a:buNone/>
+              <a:tabLst/>
+              <a:defRPr/>
+            </a:pPr>
+            <a:endParaRPr kumimoji="0" lang="en-GB" sz="1800" b="0" i="0" u="none" strike="noStrike" kern="1200" cap="none" spc="0" normalizeH="0" baseline="0" noProof="0" dirty="0">
+              <a:ln>
+                <a:noFill/>
+              </a:ln>
+              <a:solidFill>
+                <a:prstClr val="white"/>
+              </a:solidFill>
+              <a:effectLst/>
+              <a:uLnTx/>
+              <a:uFillTx/>
+              <a:latin typeface="Calibri" panose="020F0502020204030204"/>
+              <a:ea typeface="+mn-ea"/>
+              <a:cs typeface="+mn-cs"/>
+            </a:endParaRPr>
+          </a:p>
+        </p:txBody>
+      </p:sp>
+      <p:sp>
+        <p:nvSpPr>
+          <p:cNvPr id="19" name="Rectangle 18">
+            <a:extLst>
+              <a:ext uri="{FF2B5EF4-FFF2-40B4-BE49-F238E27FC236}">
+                <a16:creationId xmlns:a16="http://schemas.microsoft.com/office/drawing/2014/main" id="{D0EE6039-72EE-474F-B94F-55E76738F738}"/>
+              </a:ext>
+            </a:extLst>
+          </p:cNvPr>
+          <p:cNvSpPr/>
+          <p:nvPr/>
+        </p:nvSpPr>
+        <p:spPr>
+          <a:xfrm>
+            <a:off x="0" y="0"/>
+            <a:ext cx="12192000" cy="430799"/>
+          </a:xfrm>
+          <a:prstGeom prst="rect">
+            <a:avLst/>
+          </a:prstGeom>
+          <a:solidFill>
+            <a:srgbClr val="364652"/>
+          </a:solidFill>
+          <a:ln>
+            <a:noFill/>
+          </a:ln>
+        </p:spPr>
+        <p:style>
+          <a:lnRef idx="2">
+            <a:schemeClr val="accent1">
+              <a:shade val="50000"/>
+            </a:schemeClr>
+          </a:lnRef>
+          <a:fillRef idx="1">
+            <a:schemeClr val="accent1"/>
+          </a:fillRef>
+          <a:effectRef idx="0">
+            <a:schemeClr val="accent1"/>
+          </a:effectRef>
+          <a:fontRef idx="minor">
+            <a:schemeClr val="lt1"/>
+          </a:fontRef>
+        </p:style>
+        <p:txBody>
+          <a:bodyPr rtlCol="0" anchor="ctr"/>
+          <a:lstStyle/>
+          <a:p>
+            <a:pPr marL="0" marR="0" lvl="0" indent="0" algn="ctr" defTabSz="914400" rtl="0" eaLnBrk="1" fontAlgn="auto" latinLnBrk="0" hangingPunct="1">
+              <a:lnSpc>
+                <a:spcPct val="100000"/>
+              </a:lnSpc>
+              <a:spcBef>
+                <a:spcPts val="0"/>
+              </a:spcBef>
+              <a:spcAft>
+                <a:spcPts val="0"/>
+              </a:spcAft>
+              <a:buClrTx/>
+              <a:buSzTx/>
+              <a:buFontTx/>
+              <a:buNone/>
+              <a:tabLst/>
+              <a:defRPr/>
+            </a:pPr>
+            <a:endParaRPr kumimoji="0" lang="en-GB" sz="1800" b="0" i="0" u="none" strike="noStrike" kern="1200" cap="none" spc="0" normalizeH="0" baseline="0" noProof="0">
+              <a:ln>
+                <a:noFill/>
+              </a:ln>
+              <a:solidFill>
+                <a:prstClr val="white"/>
+              </a:solidFill>
+              <a:effectLst/>
+              <a:uLnTx/>
+              <a:uFillTx/>
+              <a:latin typeface="Calibri" panose="020F0502020204030204"/>
+              <a:ea typeface="+mn-ea"/>
+              <a:cs typeface="+mn-cs"/>
+            </a:endParaRPr>
+          </a:p>
+        </p:txBody>
+      </p:sp>
+      <p:pic>
+        <p:nvPicPr>
+          <p:cNvPr id="7" name="Picture 6">
+            <a:extLst>
+              <a:ext uri="{FF2B5EF4-FFF2-40B4-BE49-F238E27FC236}">
+                <a16:creationId xmlns:a16="http://schemas.microsoft.com/office/drawing/2014/main" id="{F14986D8-1E11-4652-A865-63405AE7728A}"/>
+              </a:ext>
+            </a:extLst>
+          </p:cNvPr>
+          <p:cNvPicPr>
+            <a:picLocks noChangeAspect="1"/>
+          </p:cNvPicPr>
+          <p:nvPr/>
+        </p:nvPicPr>
+        <p:blipFill>
+          <a:blip r:embed="rId2"/>
+          <a:stretch>
+            <a:fillRect/>
+          </a:stretch>
+        </p:blipFill>
+        <p:spPr>
+          <a:xfrm>
+            <a:off x="152541" y="439101"/>
+            <a:ext cx="1956725" cy="1869759"/>
+          </a:xfrm>
+          <a:prstGeom prst="rect">
+            <a:avLst/>
+          </a:prstGeom>
+        </p:spPr>
+      </p:pic>
+      <p:pic>
+        <p:nvPicPr>
+          <p:cNvPr id="12" name="Picture 11">
+            <a:extLst>
+              <a:ext uri="{FF2B5EF4-FFF2-40B4-BE49-F238E27FC236}">
+                <a16:creationId xmlns:a16="http://schemas.microsoft.com/office/drawing/2014/main" id="{A0D10930-67DD-49AA-8D98-899DD948BF6E}"/>
+              </a:ext>
+            </a:extLst>
+          </p:cNvPr>
+          <p:cNvPicPr>
+            <a:picLocks noChangeAspect="1"/>
+          </p:cNvPicPr>
+          <p:nvPr/>
+        </p:nvPicPr>
+        <p:blipFill rotWithShape="1">
+          <a:blip r:embed="rId3"/>
+          <a:srcRect b="10059"/>
+          <a:stretch/>
+        </p:blipFill>
+        <p:spPr>
+          <a:xfrm>
+            <a:off x="10927080" y="0"/>
+            <a:ext cx="1264920" cy="439101"/>
+          </a:xfrm>
+          <a:prstGeom prst="rect">
+            <a:avLst/>
+          </a:prstGeom>
+        </p:spPr>
+      </p:pic>
+      <p:sp>
+        <p:nvSpPr>
+          <p:cNvPr id="13" name="Rectangle 12">
+            <a:extLst>
+              <a:ext uri="{FF2B5EF4-FFF2-40B4-BE49-F238E27FC236}">
+                <a16:creationId xmlns:a16="http://schemas.microsoft.com/office/drawing/2014/main" id="{6313B829-38E1-4FBE-8BAD-07BAA5950D09}"/>
+              </a:ext>
+            </a:extLst>
+          </p:cNvPr>
+          <p:cNvSpPr/>
+          <p:nvPr/>
+        </p:nvSpPr>
+        <p:spPr>
+          <a:xfrm>
+            <a:off x="11963330" y="447403"/>
+            <a:ext cx="230636" cy="6418899"/>
+          </a:xfrm>
+          <a:prstGeom prst="rect">
+            <a:avLst/>
+          </a:prstGeom>
+          <a:solidFill>
+            <a:schemeClr val="bg1">
+              <a:lumMod val="95000"/>
+            </a:schemeClr>
+          </a:solidFill>
+          <a:ln>
+            <a:noFill/>
+          </a:ln>
+        </p:spPr>
+        <p:style>
+          <a:lnRef idx="2">
+            <a:schemeClr val="accent1">
+              <a:shade val="50000"/>
+            </a:schemeClr>
+          </a:lnRef>
+          <a:fillRef idx="1">
+            <a:schemeClr val="accent1"/>
+          </a:fillRef>
+          <a:effectRef idx="0">
+            <a:schemeClr val="accent1"/>
+          </a:effectRef>
+          <a:fontRef idx="minor">
+            <a:schemeClr val="lt1"/>
+          </a:fontRef>
+        </p:style>
+        <p:txBody>
+          <a:bodyPr rtlCol="0" anchor="ctr"/>
+          <a:lstStyle/>
+          <a:p>
+            <a:pPr marL="0" marR="0" lvl="0" indent="0" algn="ctr" defTabSz="914400" rtl="0" eaLnBrk="1" fontAlgn="auto" latinLnBrk="0" hangingPunct="1">
+              <a:lnSpc>
+                <a:spcPct val="100000"/>
+              </a:lnSpc>
+              <a:spcBef>
+                <a:spcPts val="0"/>
+              </a:spcBef>
+              <a:spcAft>
+                <a:spcPts val="0"/>
+              </a:spcAft>
+              <a:buClrTx/>
+              <a:buSzTx/>
+              <a:buFontTx/>
+              <a:buNone/>
+              <a:tabLst/>
+              <a:defRPr/>
+            </a:pPr>
+            <a:endParaRPr kumimoji="0" lang="en-GB" sz="1800" b="0" i="0" u="none" strike="noStrike" kern="1200" cap="none" spc="0" normalizeH="0" baseline="0" noProof="0">
+              <a:ln>
+                <a:noFill/>
+              </a:ln>
+              <a:solidFill>
+                <a:prstClr val="white"/>
+              </a:solidFill>
+              <a:effectLst/>
+              <a:uLnTx/>
+              <a:uFillTx/>
+              <a:latin typeface="Calibri" panose="020F0502020204030204"/>
+              <a:ea typeface="+mn-ea"/>
+              <a:cs typeface="+mn-cs"/>
+            </a:endParaRPr>
+          </a:p>
+        </p:txBody>
+      </p:sp>
+      <p:sp>
+        <p:nvSpPr>
+          <p:cNvPr id="14" name="Rectangle 13">
+            <a:extLst>
+              <a:ext uri="{FF2B5EF4-FFF2-40B4-BE49-F238E27FC236}">
+                <a16:creationId xmlns:a16="http://schemas.microsoft.com/office/drawing/2014/main" id="{2CA5651D-7CCC-4D32-8E62-F59D8097C25A}"/>
+              </a:ext>
+            </a:extLst>
+          </p:cNvPr>
+          <p:cNvSpPr/>
+          <p:nvPr/>
+        </p:nvSpPr>
+        <p:spPr>
+          <a:xfrm>
+            <a:off x="11963330" y="447403"/>
+            <a:ext cx="230636" cy="223157"/>
+          </a:xfrm>
+          <a:prstGeom prst="rect">
+            <a:avLst/>
+          </a:prstGeom>
+          <a:solidFill>
+            <a:schemeClr val="bg1">
+              <a:lumMod val="95000"/>
+            </a:schemeClr>
+          </a:solidFill>
+          <a:ln>
+            <a:solidFill>
+              <a:schemeClr val="bg2">
+                <a:lumMod val="90000"/>
+              </a:schemeClr>
+            </a:solidFill>
+          </a:ln>
+        </p:spPr>
+        <p:style>
+          <a:lnRef idx="2">
+            <a:schemeClr val="accent1">
+              <a:shade val="50000"/>
+            </a:schemeClr>
+          </a:lnRef>
+          <a:fillRef idx="1">
+            <a:schemeClr val="accent1"/>
+          </a:fillRef>
+          <a:effectRef idx="0">
+            <a:schemeClr val="accent1"/>
+          </a:effectRef>
+          <a:fontRef idx="minor">
+            <a:schemeClr val="lt1"/>
+          </a:fontRef>
+        </p:style>
+        <p:txBody>
+          <a:bodyPr rtlCol="0" anchor="ctr"/>
+          <a:lstStyle/>
+          <a:p>
+            <a:pPr marL="0" marR="0" lvl="0" indent="0" algn="ctr" defTabSz="914400" rtl="0" eaLnBrk="1" fontAlgn="auto" latinLnBrk="0" hangingPunct="1">
+              <a:lnSpc>
+                <a:spcPct val="100000"/>
+              </a:lnSpc>
+              <a:spcBef>
+                <a:spcPts val="0"/>
+              </a:spcBef>
+              <a:spcAft>
+                <a:spcPts val="0"/>
+              </a:spcAft>
+              <a:buClrTx/>
+              <a:buSzTx/>
+              <a:buFontTx/>
+              <a:buNone/>
+              <a:tabLst/>
+              <a:defRPr/>
+            </a:pPr>
+            <a:endParaRPr kumimoji="0" lang="en-GB" sz="1800" b="0" i="0" u="none" strike="noStrike" kern="1200" cap="none" spc="0" normalizeH="0" baseline="0" noProof="0">
+              <a:ln>
+                <a:noFill/>
+              </a:ln>
+              <a:solidFill>
+                <a:prstClr val="white"/>
+              </a:solidFill>
+              <a:effectLst/>
+              <a:uLnTx/>
+              <a:uFillTx/>
+              <a:latin typeface="Calibri" panose="020F0502020204030204"/>
+              <a:ea typeface="+mn-ea"/>
+              <a:cs typeface="+mn-cs"/>
+            </a:endParaRPr>
+          </a:p>
+        </p:txBody>
+      </p:sp>
+      <p:sp>
+        <p:nvSpPr>
+          <p:cNvPr id="16" name="Arrow: Chevron 15">
+            <a:extLst>
+              <a:ext uri="{FF2B5EF4-FFF2-40B4-BE49-F238E27FC236}">
+                <a16:creationId xmlns:a16="http://schemas.microsoft.com/office/drawing/2014/main" id="{7ECBA8CA-39D2-477D-AE6E-52304C86C65D}"/>
+              </a:ext>
+            </a:extLst>
+          </p:cNvPr>
+          <p:cNvSpPr/>
+          <p:nvPr/>
+        </p:nvSpPr>
+        <p:spPr>
+          <a:xfrm rot="16200000">
+            <a:off x="12022689" y="491760"/>
+            <a:ext cx="111919" cy="126206"/>
+          </a:xfrm>
+          <a:prstGeom prst="chevron">
+            <a:avLst/>
+          </a:prstGeom>
+          <a:solidFill>
+            <a:schemeClr val="bg1">
+              <a:lumMod val="50000"/>
+            </a:schemeClr>
+          </a:solidFill>
+          <a:ln>
+            <a:noFill/>
+          </a:ln>
+        </p:spPr>
+        <p:style>
+          <a:lnRef idx="2">
+            <a:schemeClr val="accent1">
+              <a:shade val="50000"/>
+            </a:schemeClr>
+          </a:lnRef>
+          <a:fillRef idx="1">
+            <a:schemeClr val="accent1"/>
+          </a:fillRef>
+          <a:effectRef idx="0">
+            <a:schemeClr val="accent1"/>
+          </a:effectRef>
+          <a:fontRef idx="minor">
+            <a:schemeClr val="lt1"/>
+          </a:fontRef>
+        </p:style>
+        <p:txBody>
+          <a:bodyPr rtlCol="0" anchor="ctr"/>
+          <a:lstStyle/>
+          <a:p>
+            <a:pPr marL="0" marR="0" lvl="0" indent="0" algn="ctr" defTabSz="914400" rtl="0" eaLnBrk="1" fontAlgn="auto" latinLnBrk="0" hangingPunct="1">
+              <a:lnSpc>
+                <a:spcPct val="100000"/>
+              </a:lnSpc>
+              <a:spcBef>
+                <a:spcPts val="0"/>
+              </a:spcBef>
+              <a:spcAft>
+                <a:spcPts val="0"/>
+              </a:spcAft>
+              <a:buClrTx/>
+              <a:buSzTx/>
+              <a:buFontTx/>
+              <a:buNone/>
+              <a:tabLst/>
+              <a:defRPr/>
+            </a:pPr>
+            <a:endParaRPr kumimoji="0" lang="en-GB" sz="1800" b="0" i="0" u="none" strike="noStrike" kern="1200" cap="none" spc="0" normalizeH="0" baseline="0" noProof="0">
+              <a:ln>
+                <a:noFill/>
+              </a:ln>
+              <a:solidFill>
+                <a:prstClr val="black"/>
+              </a:solidFill>
+              <a:effectLst/>
+              <a:uLnTx/>
+              <a:uFillTx/>
+              <a:latin typeface="Calibri" panose="020F0502020204030204"/>
+              <a:ea typeface="+mn-ea"/>
+              <a:cs typeface="+mn-cs"/>
+            </a:endParaRPr>
+          </a:p>
+        </p:txBody>
+      </p:sp>
+      <p:sp>
+        <p:nvSpPr>
+          <p:cNvPr id="17" name="Rectangle 16">
+            <a:extLst>
+              <a:ext uri="{FF2B5EF4-FFF2-40B4-BE49-F238E27FC236}">
+                <a16:creationId xmlns:a16="http://schemas.microsoft.com/office/drawing/2014/main" id="{40897313-8914-4B73-9CA5-1AB3D531F280}"/>
+              </a:ext>
+            </a:extLst>
+          </p:cNvPr>
+          <p:cNvSpPr/>
+          <p:nvPr/>
+        </p:nvSpPr>
+        <p:spPr>
+          <a:xfrm rot="10800000">
+            <a:off x="11963330" y="6634844"/>
+            <a:ext cx="230636" cy="223157"/>
+          </a:xfrm>
+          <a:prstGeom prst="rect">
+            <a:avLst/>
+          </a:prstGeom>
+          <a:solidFill>
+            <a:schemeClr val="bg1">
+              <a:lumMod val="95000"/>
+            </a:schemeClr>
+          </a:solidFill>
+          <a:ln>
+            <a:solidFill>
+              <a:schemeClr val="bg2">
+                <a:lumMod val="90000"/>
+              </a:schemeClr>
+            </a:solidFill>
+          </a:ln>
+        </p:spPr>
+        <p:style>
+          <a:lnRef idx="2">
+            <a:schemeClr val="accent1">
+              <a:shade val="50000"/>
+            </a:schemeClr>
+          </a:lnRef>
+          <a:fillRef idx="1">
+            <a:schemeClr val="accent1"/>
+          </a:fillRef>
+          <a:effectRef idx="0">
+            <a:schemeClr val="accent1"/>
+          </a:effectRef>
+          <a:fontRef idx="minor">
+            <a:schemeClr val="lt1"/>
+          </a:fontRef>
+        </p:style>
+        <p:txBody>
+          <a:bodyPr rtlCol="0" anchor="ctr"/>
+          <a:lstStyle/>
+          <a:p>
+            <a:pPr marL="0" marR="0" lvl="0" indent="0" algn="ctr" defTabSz="914400" rtl="0" eaLnBrk="1" fontAlgn="auto" latinLnBrk="0" hangingPunct="1">
+              <a:lnSpc>
+                <a:spcPct val="100000"/>
+              </a:lnSpc>
+              <a:spcBef>
+                <a:spcPts val="0"/>
+              </a:spcBef>
+              <a:spcAft>
+                <a:spcPts val="0"/>
+              </a:spcAft>
+              <a:buClrTx/>
+              <a:buSzTx/>
+              <a:buFontTx/>
+              <a:buNone/>
+              <a:tabLst/>
+              <a:defRPr/>
+            </a:pPr>
+            <a:endParaRPr kumimoji="0" lang="en-GB" sz="1800" b="0" i="0" u="none" strike="noStrike" kern="1200" cap="none" spc="0" normalizeH="0" baseline="0" noProof="0">
+              <a:ln>
+                <a:noFill/>
+              </a:ln>
+              <a:solidFill>
+                <a:prstClr val="white"/>
+              </a:solidFill>
+              <a:effectLst/>
+              <a:uLnTx/>
+              <a:uFillTx/>
+              <a:latin typeface="Calibri" panose="020F0502020204030204"/>
+              <a:ea typeface="+mn-ea"/>
+              <a:cs typeface="+mn-cs"/>
+            </a:endParaRPr>
+          </a:p>
+        </p:txBody>
+      </p:sp>
+      <p:sp>
+        <p:nvSpPr>
+          <p:cNvPr id="18" name="Arrow: Chevron 17">
+            <a:extLst>
+              <a:ext uri="{FF2B5EF4-FFF2-40B4-BE49-F238E27FC236}">
+                <a16:creationId xmlns:a16="http://schemas.microsoft.com/office/drawing/2014/main" id="{C0DEFF07-BB05-40C5-96A1-51F0E20C8121}"/>
+              </a:ext>
+            </a:extLst>
+          </p:cNvPr>
+          <p:cNvSpPr/>
+          <p:nvPr/>
+        </p:nvSpPr>
+        <p:spPr>
+          <a:xfrm rot="5400000">
+            <a:off x="12022689" y="6679201"/>
+            <a:ext cx="111919" cy="126206"/>
+          </a:xfrm>
+          <a:prstGeom prst="chevron">
+            <a:avLst/>
+          </a:prstGeom>
+          <a:solidFill>
+            <a:schemeClr val="bg1">
+              <a:lumMod val="50000"/>
+            </a:schemeClr>
+          </a:solidFill>
+          <a:ln>
+            <a:noFill/>
+          </a:ln>
+        </p:spPr>
+        <p:style>
+          <a:lnRef idx="2">
+            <a:schemeClr val="accent1">
+              <a:shade val="50000"/>
+            </a:schemeClr>
+          </a:lnRef>
+          <a:fillRef idx="1">
+            <a:schemeClr val="accent1"/>
+          </a:fillRef>
+          <a:effectRef idx="0">
+            <a:schemeClr val="accent1"/>
+          </a:effectRef>
+          <a:fontRef idx="minor">
+            <a:schemeClr val="lt1"/>
+          </a:fontRef>
+        </p:style>
+        <p:txBody>
+          <a:bodyPr rtlCol="0" anchor="ctr"/>
+          <a:lstStyle/>
+          <a:p>
+            <a:pPr marL="0" marR="0" lvl="0" indent="0" algn="ctr" defTabSz="914400" rtl="0" eaLnBrk="1" fontAlgn="auto" latinLnBrk="0" hangingPunct="1">
+              <a:lnSpc>
+                <a:spcPct val="100000"/>
+              </a:lnSpc>
+              <a:spcBef>
+                <a:spcPts val="0"/>
+              </a:spcBef>
+              <a:spcAft>
+                <a:spcPts val="0"/>
+              </a:spcAft>
+              <a:buClrTx/>
+              <a:buSzTx/>
+              <a:buFontTx/>
+              <a:buNone/>
+              <a:tabLst/>
+              <a:defRPr/>
+            </a:pPr>
+            <a:endParaRPr kumimoji="0" lang="en-GB" sz="1800" b="0" i="0" u="none" strike="noStrike" kern="1200" cap="none" spc="0" normalizeH="0" baseline="0" noProof="0">
+              <a:ln>
+                <a:noFill/>
+              </a:ln>
+              <a:solidFill>
+                <a:prstClr val="black"/>
+              </a:solidFill>
+              <a:effectLst/>
+              <a:uLnTx/>
+              <a:uFillTx/>
+              <a:latin typeface="Calibri" panose="020F0502020204030204"/>
+              <a:ea typeface="+mn-ea"/>
+              <a:cs typeface="+mn-cs"/>
+            </a:endParaRPr>
+          </a:p>
+        </p:txBody>
+      </p:sp>
+      <p:pic>
+        <p:nvPicPr>
+          <p:cNvPr id="3" name="Picture 2" descr="Icon&#10;&#10;Description automatically generated">
+            <a:extLst>
+              <a:ext uri="{FF2B5EF4-FFF2-40B4-BE49-F238E27FC236}">
+                <a16:creationId xmlns:a16="http://schemas.microsoft.com/office/drawing/2014/main" id="{0C8FB038-5B41-7EBF-3B57-F7E2A4F16C2A}"/>
+              </a:ext>
+            </a:extLst>
+          </p:cNvPr>
+          <p:cNvPicPr>
+            <a:picLocks noChangeAspect="1"/>
+          </p:cNvPicPr>
+          <p:nvPr/>
+        </p:nvPicPr>
+        <p:blipFill>
+          <a:blip r:embed="rId4">
+            <a:extLst>
+              <a:ext uri="{28A0092B-C50C-407E-A947-70E740481C1C}">
+                <a14:useLocalDpi xmlns:a14="http://schemas.microsoft.com/office/drawing/2010/main" val="0"/>
+              </a:ext>
+            </a:extLst>
+          </a:blip>
+          <a:stretch>
+            <a:fillRect/>
+          </a:stretch>
+        </p:blipFill>
+        <p:spPr>
+          <a:xfrm>
+            <a:off x="3224201" y="1158780"/>
+            <a:ext cx="1355820" cy="1355820"/>
+          </a:xfrm>
+          <a:prstGeom prst="rect">
+            <a:avLst/>
+          </a:prstGeom>
+          <a:effectLst>
+            <a:outerShdw blurRad="63500" sx="99000" sy="99000" algn="ctr" rotWithShape="0">
+              <a:srgbClr val="364652"/>
+            </a:outerShdw>
+          </a:effectLst>
+        </p:spPr>
+      </p:pic>
+      <p:sp>
+        <p:nvSpPr>
+          <p:cNvPr id="2" name="Rectangle 1">
+            <a:extLst>
+              <a:ext uri="{FF2B5EF4-FFF2-40B4-BE49-F238E27FC236}">
+                <a16:creationId xmlns:a16="http://schemas.microsoft.com/office/drawing/2014/main" id="{E61E6741-DF5B-1E25-4469-4F7705EC4F97}"/>
+              </a:ext>
+            </a:extLst>
+          </p:cNvPr>
+          <p:cNvSpPr/>
+          <p:nvPr/>
+        </p:nvSpPr>
+        <p:spPr>
+          <a:xfrm>
+            <a:off x="718850" y="1845879"/>
+            <a:ext cx="728460" cy="223158"/>
+          </a:xfrm>
+          <a:prstGeom prst="rect">
+            <a:avLst/>
+          </a:prstGeom>
+          <a:solidFill>
+            <a:srgbClr val="364652"/>
+          </a:solidFill>
+          <a:ln>
+            <a:solidFill>
+              <a:srgbClr val="364652"/>
+            </a:solidFill>
+          </a:ln>
+        </p:spPr>
+        <p:style>
+          <a:lnRef idx="2">
+            <a:schemeClr val="accent1">
+              <a:shade val="50000"/>
+            </a:schemeClr>
+          </a:lnRef>
+          <a:fillRef idx="1">
+            <a:schemeClr val="accent1"/>
+          </a:fillRef>
+          <a:effectRef idx="0">
+            <a:schemeClr val="accent1"/>
+          </a:effectRef>
+          <a:fontRef idx="minor">
+            <a:schemeClr val="lt1"/>
+          </a:fontRef>
+        </p:style>
+        <p:txBody>
+          <a:bodyPr rtlCol="0" anchor="ctr"/>
+          <a:lstStyle/>
+          <a:p>
+            <a:pPr marL="0" marR="0" lvl="0" indent="0" algn="ctr" defTabSz="914400" rtl="0" eaLnBrk="1" fontAlgn="auto" latinLnBrk="0" hangingPunct="1">
+              <a:lnSpc>
+                <a:spcPct val="100000"/>
+              </a:lnSpc>
+              <a:spcBef>
+                <a:spcPts val="0"/>
+              </a:spcBef>
+              <a:spcAft>
+                <a:spcPts val="0"/>
+              </a:spcAft>
+              <a:buClrTx/>
+              <a:buSzTx/>
+              <a:buFontTx/>
+              <a:buNone/>
+              <a:tabLst/>
+              <a:defRPr/>
+            </a:pPr>
+            <a:endParaRPr kumimoji="0" lang="en-GB" sz="1800" b="0" i="0" u="none" strike="noStrike" kern="1200" cap="none" spc="0" normalizeH="0" baseline="0" noProof="0">
+              <a:ln>
+                <a:noFill/>
+              </a:ln>
+              <a:solidFill>
+                <a:prstClr val="white"/>
+              </a:solidFill>
+              <a:effectLst/>
+              <a:uLnTx/>
+              <a:uFillTx/>
+              <a:latin typeface="Calibri" panose="020F0502020204030204"/>
+              <a:ea typeface="+mn-ea"/>
+              <a:cs typeface="+mn-cs"/>
+            </a:endParaRPr>
+          </a:p>
+        </p:txBody>
+      </p:sp>
+      <p:pic>
+        <p:nvPicPr>
+          <p:cNvPr id="6" name="Picture 2">
+            <a:extLst>
+              <a:ext uri="{FF2B5EF4-FFF2-40B4-BE49-F238E27FC236}">
+                <a16:creationId xmlns:a16="http://schemas.microsoft.com/office/drawing/2014/main" id="{A0C79170-8A8B-71AD-612B-6D842A36F377}"/>
+              </a:ext>
+            </a:extLst>
+          </p:cNvPr>
+          <p:cNvPicPr>
+            <a:picLocks noChangeAspect="1" noChangeArrowheads="1"/>
+          </p:cNvPicPr>
+          <p:nvPr/>
+        </p:nvPicPr>
+        <p:blipFill>
+          <a:blip r:embed="rId5">
+            <a:extLst>
+              <a:ext uri="{28A0092B-C50C-407E-A947-70E740481C1C}">
+                <a14:useLocalDpi xmlns:a14="http://schemas.microsoft.com/office/drawing/2010/main" val="0"/>
+              </a:ext>
+            </a:extLst>
+          </a:blip>
+          <a:srcRect/>
+          <a:stretch/>
+        </p:blipFill>
+        <p:spPr bwMode="auto">
+          <a:xfrm>
+            <a:off x="718850" y="595990"/>
+            <a:ext cx="730861" cy="730861"/>
+          </a:xfrm>
+          <a:prstGeom prst="ellipse">
+            <a:avLst/>
+          </a:prstGeom>
+          <a:ln>
+            <a:noFill/>
+          </a:ln>
+          <a:effectLst>
+            <a:softEdge rad="0"/>
+          </a:effectLst>
+          <a:extLst>
+            <a:ext uri="{909E8E84-426E-40DD-AFC4-6F175D3DCCD1}">
+              <a14:hiddenFill xmlns:a14="http://schemas.microsoft.com/office/drawing/2010/main">
+                <a:solidFill>
+                  <a:srgbClr val="FFFFFF"/>
+                </a:solidFill>
+              </a14:hiddenFill>
+            </a:ext>
+          </a:extLst>
+        </p:spPr>
+      </p:pic>
+      <p:sp>
+        <p:nvSpPr>
+          <p:cNvPr id="9" name="Rectangle 8">
+            <a:extLst>
+              <a:ext uri="{FF2B5EF4-FFF2-40B4-BE49-F238E27FC236}">
+                <a16:creationId xmlns:a16="http://schemas.microsoft.com/office/drawing/2014/main" id="{668B602B-73C8-CBF6-C3E7-516CFD73D8BE}"/>
+              </a:ext>
+            </a:extLst>
+          </p:cNvPr>
+          <p:cNvSpPr/>
+          <p:nvPr/>
+        </p:nvSpPr>
+        <p:spPr>
+          <a:xfrm>
+            <a:off x="237906" y="1280671"/>
+            <a:ext cx="1711225" cy="412335"/>
+          </a:xfrm>
+          <a:prstGeom prst="rect">
+            <a:avLst/>
+          </a:prstGeom>
+          <a:solidFill>
+            <a:srgbClr val="364652"/>
+          </a:solidFill>
+          <a:ln>
+            <a:noFill/>
+          </a:ln>
+        </p:spPr>
+        <p:style>
+          <a:lnRef idx="2">
+            <a:schemeClr val="accent1">
+              <a:shade val="50000"/>
+            </a:schemeClr>
+          </a:lnRef>
+          <a:fillRef idx="1">
+            <a:schemeClr val="accent1"/>
+          </a:fillRef>
+          <a:effectRef idx="0">
+            <a:schemeClr val="accent1"/>
+          </a:effectRef>
+          <a:fontRef idx="minor">
+            <a:schemeClr val="lt1"/>
+          </a:fontRef>
+        </p:style>
+        <p:txBody>
+          <a:bodyPr rtlCol="0" anchor="ctr"/>
+          <a:lstStyle/>
+          <a:p>
+            <a:pPr marL="0" marR="0" lvl="0" indent="0" algn="ctr" defTabSz="914400" rtl="0" eaLnBrk="1" fontAlgn="auto" latinLnBrk="0" hangingPunct="1">
+              <a:lnSpc>
+                <a:spcPct val="100000"/>
+              </a:lnSpc>
+              <a:spcBef>
+                <a:spcPts val="0"/>
+              </a:spcBef>
+              <a:spcAft>
+                <a:spcPts val="0"/>
+              </a:spcAft>
+              <a:buClrTx/>
+              <a:buSzTx/>
+              <a:buFontTx/>
+              <a:buNone/>
+              <a:tabLst/>
+              <a:defRPr/>
+            </a:pPr>
+            <a:r>
+              <a:rPr lang="en-GB" sz="2400" dirty="0">
+                <a:solidFill>
+                  <a:prstClr val="white"/>
+                </a:solidFill>
+                <a:latin typeface="Calibri" panose="020F0502020204030204"/>
+              </a:rPr>
+              <a:t>FA</a:t>
+            </a:r>
+            <a:endParaRPr kumimoji="0" lang="en-GB" sz="2400" b="0" i="0" u="none" strike="noStrike" kern="1200" cap="none" spc="0" normalizeH="0" baseline="0" noProof="0" dirty="0">
+              <a:ln>
+                <a:noFill/>
+              </a:ln>
+              <a:solidFill>
+                <a:prstClr val="white"/>
+              </a:solidFill>
+              <a:effectLst/>
+              <a:uLnTx/>
+              <a:uFillTx/>
+              <a:latin typeface="Calibri" panose="020F0502020204030204"/>
+              <a:ea typeface="+mn-ea"/>
+              <a:cs typeface="+mn-cs"/>
+            </a:endParaRPr>
+          </a:p>
+        </p:txBody>
+      </p:sp>
+      <p:sp>
+        <p:nvSpPr>
+          <p:cNvPr id="10" name="Rectangle 9">
+            <a:extLst>
+              <a:ext uri="{FF2B5EF4-FFF2-40B4-BE49-F238E27FC236}">
+                <a16:creationId xmlns:a16="http://schemas.microsoft.com/office/drawing/2014/main" id="{92520BA6-A46C-C1DE-E267-A9852BF86176}"/>
+              </a:ext>
+            </a:extLst>
+          </p:cNvPr>
+          <p:cNvSpPr/>
+          <p:nvPr/>
+        </p:nvSpPr>
+        <p:spPr>
+          <a:xfrm>
+            <a:off x="488816" y="1598505"/>
+            <a:ext cx="1209404" cy="282516"/>
+          </a:xfrm>
+          <a:prstGeom prst="rect">
+            <a:avLst/>
+          </a:prstGeom>
+          <a:solidFill>
+            <a:srgbClr val="364652"/>
+          </a:solidFill>
+          <a:ln>
+            <a:noFill/>
+          </a:ln>
+        </p:spPr>
+        <p:style>
+          <a:lnRef idx="2">
+            <a:schemeClr val="accent1">
+              <a:shade val="50000"/>
+            </a:schemeClr>
+          </a:lnRef>
+          <a:fillRef idx="1">
+            <a:schemeClr val="accent1"/>
+          </a:fillRef>
+          <a:effectRef idx="0">
+            <a:schemeClr val="accent1"/>
+          </a:effectRef>
+          <a:fontRef idx="minor">
+            <a:schemeClr val="lt1"/>
+          </a:fontRef>
+        </p:style>
+        <p:txBody>
+          <a:bodyPr rtlCol="0" anchor="ctr"/>
+          <a:lstStyle/>
+          <a:p>
+            <a:pPr marL="0" marR="0" lvl="0" indent="0" algn="ctr" defTabSz="914400" rtl="0" eaLnBrk="1" fontAlgn="auto" latinLnBrk="0" hangingPunct="1">
+              <a:lnSpc>
+                <a:spcPct val="100000"/>
+              </a:lnSpc>
+              <a:spcBef>
+                <a:spcPts val="0"/>
+              </a:spcBef>
+              <a:spcAft>
+                <a:spcPts val="0"/>
+              </a:spcAft>
+              <a:buClrTx/>
+              <a:buSzTx/>
+              <a:buFontTx/>
+              <a:buNone/>
+              <a:tabLst/>
+              <a:defRPr/>
+            </a:pPr>
+            <a:r>
+              <a:rPr kumimoji="0" lang="en-GB" sz="1200" b="0" i="0" u="none" strike="noStrike" kern="1200" cap="none" spc="0" normalizeH="0" baseline="0" noProof="0" dirty="0">
+                <a:ln>
+                  <a:noFill/>
+                </a:ln>
+                <a:solidFill>
+                  <a:prstClr val="white"/>
+                </a:solidFill>
+                <a:effectLst/>
+                <a:uLnTx/>
+                <a:uFillTx/>
+                <a:latin typeface="Calibri" panose="020F0502020204030204"/>
+                <a:ea typeface="+mn-ea"/>
+                <a:cs typeface="+mn-cs"/>
+              </a:rPr>
+              <a:t>Edit Profile</a:t>
+            </a:r>
+          </a:p>
+        </p:txBody>
+      </p:sp>
+      <p:sp>
+        <p:nvSpPr>
+          <p:cNvPr id="11" name="Rectangle 10">
+            <a:hlinkClick r:id="rId6" action="ppaction://hlinksldjump"/>
+            <a:extLst>
+              <a:ext uri="{FF2B5EF4-FFF2-40B4-BE49-F238E27FC236}">
+                <a16:creationId xmlns:a16="http://schemas.microsoft.com/office/drawing/2014/main" id="{74C6045E-BE40-0F48-BA51-E94FB4196BE1}"/>
+              </a:ext>
+            </a:extLst>
+          </p:cNvPr>
+          <p:cNvSpPr/>
+          <p:nvPr/>
+        </p:nvSpPr>
+        <p:spPr>
+          <a:xfrm>
+            <a:off x="771909" y="2080652"/>
+            <a:ext cx="728460" cy="282516"/>
+          </a:xfrm>
+          <a:prstGeom prst="rect">
+            <a:avLst/>
+          </a:prstGeom>
+          <a:solidFill>
+            <a:srgbClr val="364652"/>
+          </a:solidFill>
+          <a:ln>
+            <a:noFill/>
+          </a:ln>
+        </p:spPr>
+        <p:style>
+          <a:lnRef idx="2">
+            <a:schemeClr val="accent1">
+              <a:shade val="50000"/>
+            </a:schemeClr>
+          </a:lnRef>
+          <a:fillRef idx="1">
+            <a:schemeClr val="accent1"/>
+          </a:fillRef>
+          <a:effectRef idx="0">
+            <a:schemeClr val="accent1"/>
+          </a:effectRef>
+          <a:fontRef idx="minor">
+            <a:schemeClr val="lt1"/>
+          </a:fontRef>
+        </p:style>
+        <p:txBody>
+          <a:bodyPr rtlCol="0" anchor="ctr"/>
+          <a:lstStyle/>
+          <a:p>
+            <a:pPr marL="0" marR="0" lvl="0" indent="0" algn="ctr" defTabSz="914400" rtl="0" eaLnBrk="1" fontAlgn="auto" latinLnBrk="0" hangingPunct="1">
+              <a:lnSpc>
+                <a:spcPct val="100000"/>
+              </a:lnSpc>
+              <a:spcBef>
+                <a:spcPts val="0"/>
+              </a:spcBef>
+              <a:spcAft>
+                <a:spcPts val="0"/>
+              </a:spcAft>
+              <a:buClrTx/>
+              <a:buSzTx/>
+              <a:buFontTx/>
+              <a:buNone/>
+              <a:tabLst/>
+              <a:defRPr/>
+            </a:pPr>
+            <a:r>
+              <a:rPr kumimoji="0" lang="en-GB" sz="1600" b="0" i="0" u="none" strike="noStrike" kern="1200" cap="none" spc="0" normalizeH="0" baseline="0" noProof="0" dirty="0">
+                <a:ln>
+                  <a:noFill/>
+                </a:ln>
+                <a:solidFill>
+                  <a:prstClr val="white"/>
+                </a:solidFill>
+                <a:effectLst/>
+                <a:uLnTx/>
+                <a:uFillTx/>
+                <a:latin typeface="Calibri" panose="020F0502020204030204"/>
+                <a:ea typeface="+mn-ea"/>
+                <a:cs typeface="+mn-cs"/>
+              </a:rPr>
+              <a:t>Home</a:t>
+            </a:r>
+          </a:p>
+        </p:txBody>
+      </p:sp>
+      <p:sp>
+        <p:nvSpPr>
+          <p:cNvPr id="15" name="Rectangle 14">
+            <a:extLst>
+              <a:ext uri="{FF2B5EF4-FFF2-40B4-BE49-F238E27FC236}">
+                <a16:creationId xmlns:a16="http://schemas.microsoft.com/office/drawing/2014/main" id="{C5E351D2-55CF-BB85-1B12-3954F5A4393C}"/>
+              </a:ext>
+            </a:extLst>
+          </p:cNvPr>
+          <p:cNvSpPr/>
+          <p:nvPr/>
+        </p:nvSpPr>
+        <p:spPr>
+          <a:xfrm>
+            <a:off x="718850" y="1845879"/>
+            <a:ext cx="728460" cy="223158"/>
+          </a:xfrm>
+          <a:prstGeom prst="rect">
+            <a:avLst/>
+          </a:prstGeom>
+          <a:solidFill>
+            <a:srgbClr val="364652"/>
+          </a:solidFill>
+          <a:ln>
+            <a:solidFill>
+              <a:srgbClr val="364652"/>
+            </a:solidFill>
+          </a:ln>
+        </p:spPr>
+        <p:style>
+          <a:lnRef idx="2">
+            <a:schemeClr val="accent1">
+              <a:shade val="50000"/>
+            </a:schemeClr>
+          </a:lnRef>
+          <a:fillRef idx="1">
+            <a:schemeClr val="accent1"/>
+          </a:fillRef>
+          <a:effectRef idx="0">
+            <a:schemeClr val="accent1"/>
+          </a:effectRef>
+          <a:fontRef idx="minor">
+            <a:schemeClr val="lt1"/>
+          </a:fontRef>
+        </p:style>
+        <p:txBody>
+          <a:bodyPr rtlCol="0" anchor="ctr"/>
+          <a:lstStyle/>
+          <a:p>
+            <a:pPr marL="0" marR="0" lvl="0" indent="0" algn="ctr" defTabSz="914400" rtl="0" eaLnBrk="1" fontAlgn="auto" latinLnBrk="0" hangingPunct="1">
+              <a:lnSpc>
+                <a:spcPct val="100000"/>
+              </a:lnSpc>
+              <a:spcBef>
+                <a:spcPts val="0"/>
+              </a:spcBef>
+              <a:spcAft>
+                <a:spcPts val="0"/>
+              </a:spcAft>
+              <a:buClrTx/>
+              <a:buSzTx/>
+              <a:buFontTx/>
+              <a:buNone/>
+              <a:tabLst/>
+              <a:defRPr/>
+            </a:pPr>
+            <a:endParaRPr kumimoji="0" lang="en-GB" sz="1800" b="0" i="0" u="none" strike="noStrike" kern="1200" cap="none" spc="0" normalizeH="0" baseline="0" noProof="0">
+              <a:ln>
+                <a:noFill/>
+              </a:ln>
+              <a:solidFill>
+                <a:prstClr val="white"/>
+              </a:solidFill>
+              <a:effectLst/>
+              <a:uLnTx/>
+              <a:uFillTx/>
+              <a:latin typeface="Calibri" panose="020F0502020204030204"/>
+              <a:ea typeface="+mn-ea"/>
+              <a:cs typeface="+mn-cs"/>
+            </a:endParaRPr>
+          </a:p>
+        </p:txBody>
+      </p:sp>
+      <p:sp>
+        <p:nvSpPr>
+          <p:cNvPr id="20" name="Rectangle 19">
+            <a:hlinkClick r:id="rId7" action="ppaction://hlinksldjump"/>
+            <a:extLst>
+              <a:ext uri="{FF2B5EF4-FFF2-40B4-BE49-F238E27FC236}">
+                <a16:creationId xmlns:a16="http://schemas.microsoft.com/office/drawing/2014/main" id="{DAE8BB38-A5EB-2DFA-1A6B-BD2D5BC45488}"/>
+              </a:ext>
+            </a:extLst>
+          </p:cNvPr>
+          <p:cNvSpPr/>
+          <p:nvPr/>
+        </p:nvSpPr>
+        <p:spPr>
+          <a:xfrm>
+            <a:off x="68580" y="2367233"/>
+            <a:ext cx="2125980" cy="282516"/>
+          </a:xfrm>
+          <a:prstGeom prst="rect">
+            <a:avLst/>
+          </a:prstGeom>
+          <a:solidFill>
+            <a:srgbClr val="364652"/>
+          </a:solidFill>
+          <a:ln>
+            <a:noFill/>
+          </a:ln>
+        </p:spPr>
+        <p:style>
+          <a:lnRef idx="2">
+            <a:schemeClr val="accent1">
+              <a:shade val="50000"/>
+            </a:schemeClr>
+          </a:lnRef>
+          <a:fillRef idx="1">
+            <a:schemeClr val="accent1"/>
+          </a:fillRef>
+          <a:effectRef idx="0">
+            <a:schemeClr val="accent1"/>
+          </a:effectRef>
+          <a:fontRef idx="minor">
+            <a:schemeClr val="lt1"/>
+          </a:fontRef>
+        </p:style>
+        <p:txBody>
+          <a:bodyPr rtlCol="0" anchor="ctr"/>
+          <a:lstStyle/>
+          <a:p>
+            <a:pPr marL="0" marR="0" lvl="0" indent="0" algn="ctr" defTabSz="914400" rtl="0" eaLnBrk="1" fontAlgn="auto" latinLnBrk="0" hangingPunct="1">
+              <a:lnSpc>
+                <a:spcPct val="100000"/>
+              </a:lnSpc>
+              <a:spcBef>
+                <a:spcPts val="0"/>
+              </a:spcBef>
+              <a:spcAft>
+                <a:spcPts val="0"/>
+              </a:spcAft>
+              <a:buClrTx/>
+              <a:buSzTx/>
+              <a:buFontTx/>
+              <a:buNone/>
+              <a:tabLst/>
+              <a:defRPr/>
+            </a:pPr>
+            <a:r>
+              <a:rPr kumimoji="0" lang="en-GB" sz="1600" b="0" i="0" u="none" strike="noStrike" kern="1200" cap="none" spc="0" normalizeH="0" baseline="0" noProof="0" dirty="0">
+                <a:ln>
+                  <a:noFill/>
+                </a:ln>
+                <a:solidFill>
+                  <a:prstClr val="white"/>
+                </a:solidFill>
+                <a:effectLst/>
+                <a:uLnTx/>
+                <a:uFillTx/>
+                <a:latin typeface="Calibri" panose="020F0502020204030204"/>
+                <a:ea typeface="+mn-ea"/>
+                <a:cs typeface="+mn-cs"/>
+              </a:rPr>
+              <a:t>Create Idea</a:t>
+            </a:r>
+          </a:p>
+        </p:txBody>
+      </p:sp>
+      <p:sp>
+        <p:nvSpPr>
+          <p:cNvPr id="24" name="Rectangle 23">
+            <a:extLst>
+              <a:ext uri="{FF2B5EF4-FFF2-40B4-BE49-F238E27FC236}">
+                <a16:creationId xmlns:a16="http://schemas.microsoft.com/office/drawing/2014/main" id="{D3E980CF-751C-E678-4480-6DCFAE866FC9}"/>
+              </a:ext>
+            </a:extLst>
+          </p:cNvPr>
+          <p:cNvSpPr/>
+          <p:nvPr/>
+        </p:nvSpPr>
+        <p:spPr>
+          <a:xfrm>
+            <a:off x="63296" y="2649749"/>
+            <a:ext cx="2125980" cy="282516"/>
+          </a:xfrm>
+          <a:prstGeom prst="rect">
+            <a:avLst/>
+          </a:prstGeom>
+          <a:solidFill>
+            <a:srgbClr val="364652"/>
+          </a:solidFill>
+          <a:ln>
+            <a:noFill/>
+          </a:ln>
+        </p:spPr>
+        <p:style>
+          <a:lnRef idx="2">
+            <a:schemeClr val="accent1">
+              <a:shade val="50000"/>
+            </a:schemeClr>
+          </a:lnRef>
+          <a:fillRef idx="1">
+            <a:schemeClr val="accent1"/>
+          </a:fillRef>
+          <a:effectRef idx="0">
+            <a:schemeClr val="accent1"/>
+          </a:effectRef>
+          <a:fontRef idx="minor">
+            <a:schemeClr val="lt1"/>
+          </a:fontRef>
+        </p:style>
+        <p:txBody>
+          <a:bodyPr rtlCol="0" anchor="ctr"/>
+          <a:lstStyle/>
+          <a:p>
+            <a:pPr marL="0" marR="0" lvl="0" indent="0" algn="ctr" defTabSz="914400" rtl="0" eaLnBrk="1" fontAlgn="auto" latinLnBrk="0" hangingPunct="1">
+              <a:lnSpc>
+                <a:spcPct val="100000"/>
+              </a:lnSpc>
+              <a:spcBef>
+                <a:spcPts val="0"/>
+              </a:spcBef>
+              <a:spcAft>
+                <a:spcPts val="0"/>
+              </a:spcAft>
+              <a:buClrTx/>
+              <a:buSzTx/>
+              <a:buFontTx/>
+              <a:buNone/>
+              <a:tabLst/>
+              <a:defRPr/>
+            </a:pPr>
+            <a:r>
+              <a:rPr lang="en-GB" sz="1600" dirty="0">
+                <a:solidFill>
+                  <a:prstClr val="white"/>
+                </a:solidFill>
+                <a:latin typeface="Calibri" panose="020F0502020204030204"/>
+              </a:rPr>
+              <a:t>Logout</a:t>
+            </a:r>
+            <a:endParaRPr kumimoji="0" lang="en-GB" sz="1600" b="0" i="0" u="none" strike="noStrike" kern="1200" cap="none" spc="0" normalizeH="0" baseline="0" noProof="0" dirty="0">
+              <a:ln>
+                <a:noFill/>
+              </a:ln>
+              <a:solidFill>
+                <a:prstClr val="white"/>
+              </a:solidFill>
+              <a:effectLst/>
+              <a:uLnTx/>
+              <a:uFillTx/>
+              <a:latin typeface="Calibri" panose="020F0502020204030204"/>
+              <a:ea typeface="+mn-ea"/>
+              <a:cs typeface="+mn-cs"/>
+            </a:endParaRPr>
+          </a:p>
+        </p:txBody>
+      </p:sp>
+    </p:spTree>
+    <p:extLst>
+      <p:ext uri="{BB962C8B-B14F-4D97-AF65-F5344CB8AC3E}">
+        <p14:creationId xmlns:p14="http://schemas.microsoft.com/office/powerpoint/2010/main" val="4262768301"/>
+      </p:ext>
+    </p:extLst>
+  </p:cSld>
+  <p:clrMapOvr>
+    <a:masterClrMapping/>
+  </p:clrMapOvr>
+</p:sld>
+</file>
+
+<file path=ppt/slides/slide12.xml><?xml version="1.0" encoding="utf-8"?>
+<p:sld xmlns:a="http://schemas.openxmlformats.org/drawingml/2006/main" xmlns:r="http://schemas.openxmlformats.org/officeDocument/2006/relationships" xmlns:p="http://schemas.openxmlformats.org/presentationml/2006/main">
+  <p:cSld>
+    <p:bg>
+      <p:bgPr>
+        <a:solidFill>
+          <a:srgbClr val="364652"/>
+        </a:solidFill>
+        <a:effectLst/>
+      </p:bgPr>
+    </p:bg>
+    <p:spTree>
+      <p:nvGrpSpPr>
+        <p:cNvPr id="1" name=""/>
+        <p:cNvGrpSpPr/>
+        <p:nvPr/>
+      </p:nvGrpSpPr>
+      <p:grpSpPr>
+        <a:xfrm>
+          <a:off x="0" y="0"/>
+          <a:ext cx="0" cy="0"/>
+          <a:chOff x="0" y="0"/>
+          <a:chExt cx="0" cy="0"/>
+        </a:xfrm>
+      </p:grpSpPr>
+      <p:sp>
+        <p:nvSpPr>
+          <p:cNvPr id="8" name="Rectangle 7">
+            <a:extLst>
+              <a:ext uri="{FF2B5EF4-FFF2-40B4-BE49-F238E27FC236}">
+                <a16:creationId xmlns:a16="http://schemas.microsoft.com/office/drawing/2014/main" id="{3C719C9A-10B8-44A8-890E-C1873EBF3790}"/>
+              </a:ext>
+            </a:extLst>
+          </p:cNvPr>
+          <p:cNvSpPr/>
+          <p:nvPr/>
+        </p:nvSpPr>
+        <p:spPr>
+          <a:xfrm>
+            <a:off x="2269286" y="439101"/>
+            <a:ext cx="9694044" cy="6418899"/>
+          </a:xfrm>
+          <a:prstGeom prst="rect">
+            <a:avLst/>
+          </a:prstGeom>
+          <a:solidFill>
+            <a:srgbClr val="B5BEC6"/>
+          </a:solidFill>
+          <a:ln>
+            <a:noFill/>
+          </a:ln>
+        </p:spPr>
+        <p:style>
+          <a:lnRef idx="2">
+            <a:schemeClr val="accent1">
+              <a:shade val="50000"/>
+            </a:schemeClr>
+          </a:lnRef>
+          <a:fillRef idx="1">
+            <a:schemeClr val="accent1"/>
+          </a:fillRef>
+          <a:effectRef idx="0">
+            <a:schemeClr val="accent1"/>
+          </a:effectRef>
+          <a:fontRef idx="minor">
+            <a:schemeClr val="lt1"/>
+          </a:fontRef>
+        </p:style>
+        <p:txBody>
+          <a:bodyPr rtlCol="0" anchor="ctr"/>
+          <a:lstStyle/>
+          <a:p>
+            <a:pPr marL="0" marR="0" lvl="0" indent="0" algn="ctr" defTabSz="914400" rtl="0" eaLnBrk="1" fontAlgn="auto" latinLnBrk="0" hangingPunct="1">
+              <a:lnSpc>
+                <a:spcPct val="100000"/>
+              </a:lnSpc>
+              <a:spcBef>
+                <a:spcPts val="0"/>
+              </a:spcBef>
+              <a:spcAft>
+                <a:spcPts val="0"/>
+              </a:spcAft>
+              <a:buClrTx/>
+              <a:buSzTx/>
+              <a:buFontTx/>
+              <a:buNone/>
+              <a:tabLst/>
+              <a:defRPr/>
+            </a:pPr>
+            <a:endParaRPr kumimoji="0" lang="en-GB" sz="1800" b="0" i="0" u="none" strike="noStrike" kern="1200" cap="none" spc="0" normalizeH="0" baseline="0" noProof="0" dirty="0">
+              <a:ln>
+                <a:noFill/>
+              </a:ln>
+              <a:solidFill>
+                <a:prstClr val="white"/>
+              </a:solidFill>
+              <a:effectLst/>
+              <a:uLnTx/>
+              <a:uFillTx/>
+              <a:latin typeface="Calibri" panose="020F0502020204030204"/>
+              <a:ea typeface="+mn-ea"/>
+              <a:cs typeface="+mn-cs"/>
+            </a:endParaRPr>
+          </a:p>
+        </p:txBody>
+      </p:sp>
+      <p:sp>
+        <p:nvSpPr>
+          <p:cNvPr id="19" name="Rectangle 18">
+            <a:extLst>
+              <a:ext uri="{FF2B5EF4-FFF2-40B4-BE49-F238E27FC236}">
+                <a16:creationId xmlns:a16="http://schemas.microsoft.com/office/drawing/2014/main" id="{D0EE6039-72EE-474F-B94F-55E76738F738}"/>
+              </a:ext>
+            </a:extLst>
+          </p:cNvPr>
+          <p:cNvSpPr/>
+          <p:nvPr/>
+        </p:nvSpPr>
+        <p:spPr>
+          <a:xfrm>
+            <a:off x="0" y="0"/>
+            <a:ext cx="12192000" cy="430799"/>
+          </a:xfrm>
+          <a:prstGeom prst="rect">
+            <a:avLst/>
+          </a:prstGeom>
+          <a:solidFill>
+            <a:srgbClr val="364652"/>
+          </a:solidFill>
+          <a:ln>
+            <a:noFill/>
+          </a:ln>
+        </p:spPr>
+        <p:style>
+          <a:lnRef idx="2">
+            <a:schemeClr val="accent1">
+              <a:shade val="50000"/>
+            </a:schemeClr>
+          </a:lnRef>
+          <a:fillRef idx="1">
+            <a:schemeClr val="accent1"/>
+          </a:fillRef>
+          <a:effectRef idx="0">
+            <a:schemeClr val="accent1"/>
+          </a:effectRef>
+          <a:fontRef idx="minor">
+            <a:schemeClr val="lt1"/>
+          </a:fontRef>
+        </p:style>
+        <p:txBody>
+          <a:bodyPr rtlCol="0" anchor="ctr"/>
+          <a:lstStyle/>
+          <a:p>
+            <a:pPr marL="0" marR="0" lvl="0" indent="0" algn="ctr" defTabSz="914400" rtl="0" eaLnBrk="1" fontAlgn="auto" latinLnBrk="0" hangingPunct="1">
+              <a:lnSpc>
+                <a:spcPct val="100000"/>
+              </a:lnSpc>
+              <a:spcBef>
+                <a:spcPts val="0"/>
+              </a:spcBef>
+              <a:spcAft>
+                <a:spcPts val="0"/>
+              </a:spcAft>
+              <a:buClrTx/>
+              <a:buSzTx/>
+              <a:buFontTx/>
+              <a:buNone/>
+              <a:tabLst/>
+              <a:defRPr/>
+            </a:pPr>
+            <a:endParaRPr kumimoji="0" lang="en-GB" sz="1800" b="0" i="0" u="none" strike="noStrike" kern="1200" cap="none" spc="0" normalizeH="0" baseline="0" noProof="0">
+              <a:ln>
+                <a:noFill/>
+              </a:ln>
+              <a:solidFill>
+                <a:prstClr val="white"/>
+              </a:solidFill>
+              <a:effectLst/>
+              <a:uLnTx/>
+              <a:uFillTx/>
+              <a:latin typeface="Calibri" panose="020F0502020204030204"/>
+              <a:ea typeface="+mn-ea"/>
+              <a:cs typeface="+mn-cs"/>
+            </a:endParaRPr>
+          </a:p>
+        </p:txBody>
+      </p:sp>
+      <p:pic>
+        <p:nvPicPr>
+          <p:cNvPr id="7" name="Picture 6">
+            <a:extLst>
+              <a:ext uri="{FF2B5EF4-FFF2-40B4-BE49-F238E27FC236}">
+                <a16:creationId xmlns:a16="http://schemas.microsoft.com/office/drawing/2014/main" id="{F14986D8-1E11-4652-A865-63405AE7728A}"/>
+              </a:ext>
+            </a:extLst>
+          </p:cNvPr>
+          <p:cNvPicPr>
+            <a:picLocks noChangeAspect="1"/>
+          </p:cNvPicPr>
+          <p:nvPr/>
+        </p:nvPicPr>
+        <p:blipFill>
+          <a:blip r:embed="rId2"/>
+          <a:stretch>
+            <a:fillRect/>
+          </a:stretch>
+        </p:blipFill>
+        <p:spPr>
+          <a:xfrm>
+            <a:off x="152541" y="439101"/>
+            <a:ext cx="1956725" cy="1869759"/>
+          </a:xfrm>
+          <a:prstGeom prst="rect">
+            <a:avLst/>
+          </a:prstGeom>
+        </p:spPr>
+      </p:pic>
+      <p:pic>
+        <p:nvPicPr>
+          <p:cNvPr id="12" name="Picture 11">
+            <a:extLst>
+              <a:ext uri="{FF2B5EF4-FFF2-40B4-BE49-F238E27FC236}">
+                <a16:creationId xmlns:a16="http://schemas.microsoft.com/office/drawing/2014/main" id="{A0D10930-67DD-49AA-8D98-899DD948BF6E}"/>
+              </a:ext>
+            </a:extLst>
+          </p:cNvPr>
+          <p:cNvPicPr>
+            <a:picLocks noChangeAspect="1"/>
+          </p:cNvPicPr>
+          <p:nvPr/>
+        </p:nvPicPr>
+        <p:blipFill rotWithShape="1">
+          <a:blip r:embed="rId3"/>
+          <a:srcRect b="10059"/>
+          <a:stretch/>
+        </p:blipFill>
+        <p:spPr>
+          <a:xfrm>
+            <a:off x="10927080" y="0"/>
+            <a:ext cx="1264920" cy="439101"/>
+          </a:xfrm>
+          <a:prstGeom prst="rect">
+            <a:avLst/>
+          </a:prstGeom>
+        </p:spPr>
+      </p:pic>
+      <p:sp>
+        <p:nvSpPr>
+          <p:cNvPr id="13" name="Rectangle 12">
+            <a:extLst>
+              <a:ext uri="{FF2B5EF4-FFF2-40B4-BE49-F238E27FC236}">
+                <a16:creationId xmlns:a16="http://schemas.microsoft.com/office/drawing/2014/main" id="{6313B829-38E1-4FBE-8BAD-07BAA5950D09}"/>
+              </a:ext>
+            </a:extLst>
+          </p:cNvPr>
+          <p:cNvSpPr/>
+          <p:nvPr/>
+        </p:nvSpPr>
+        <p:spPr>
+          <a:xfrm>
+            <a:off x="11963330" y="447403"/>
+            <a:ext cx="230636" cy="6418899"/>
+          </a:xfrm>
+          <a:prstGeom prst="rect">
+            <a:avLst/>
+          </a:prstGeom>
+          <a:solidFill>
+            <a:schemeClr val="bg1">
+              <a:lumMod val="95000"/>
+            </a:schemeClr>
+          </a:solidFill>
+          <a:ln>
+            <a:noFill/>
+          </a:ln>
+        </p:spPr>
+        <p:style>
+          <a:lnRef idx="2">
+            <a:schemeClr val="accent1">
+              <a:shade val="50000"/>
+            </a:schemeClr>
+          </a:lnRef>
+          <a:fillRef idx="1">
+            <a:schemeClr val="accent1"/>
+          </a:fillRef>
+          <a:effectRef idx="0">
+            <a:schemeClr val="accent1"/>
+          </a:effectRef>
+          <a:fontRef idx="minor">
+            <a:schemeClr val="lt1"/>
+          </a:fontRef>
+        </p:style>
+        <p:txBody>
+          <a:bodyPr rtlCol="0" anchor="ctr"/>
+          <a:lstStyle/>
+          <a:p>
+            <a:pPr marL="0" marR="0" lvl="0" indent="0" algn="ctr" defTabSz="914400" rtl="0" eaLnBrk="1" fontAlgn="auto" latinLnBrk="0" hangingPunct="1">
+              <a:lnSpc>
+                <a:spcPct val="100000"/>
+              </a:lnSpc>
+              <a:spcBef>
+                <a:spcPts val="0"/>
+              </a:spcBef>
+              <a:spcAft>
+                <a:spcPts val="0"/>
+              </a:spcAft>
+              <a:buClrTx/>
+              <a:buSzTx/>
+              <a:buFontTx/>
+              <a:buNone/>
+              <a:tabLst/>
+              <a:defRPr/>
+            </a:pPr>
+            <a:endParaRPr kumimoji="0" lang="en-GB" sz="1800" b="0" i="0" u="none" strike="noStrike" kern="1200" cap="none" spc="0" normalizeH="0" baseline="0" noProof="0">
+              <a:ln>
+                <a:noFill/>
+              </a:ln>
+              <a:solidFill>
+                <a:prstClr val="white"/>
+              </a:solidFill>
+              <a:effectLst/>
+              <a:uLnTx/>
+              <a:uFillTx/>
+              <a:latin typeface="Calibri" panose="020F0502020204030204"/>
+              <a:ea typeface="+mn-ea"/>
+              <a:cs typeface="+mn-cs"/>
+            </a:endParaRPr>
+          </a:p>
+        </p:txBody>
+      </p:sp>
+      <p:sp>
+        <p:nvSpPr>
+          <p:cNvPr id="14" name="Rectangle 13">
+            <a:extLst>
+              <a:ext uri="{FF2B5EF4-FFF2-40B4-BE49-F238E27FC236}">
+                <a16:creationId xmlns:a16="http://schemas.microsoft.com/office/drawing/2014/main" id="{2CA5651D-7CCC-4D32-8E62-F59D8097C25A}"/>
+              </a:ext>
+            </a:extLst>
+          </p:cNvPr>
+          <p:cNvSpPr/>
+          <p:nvPr/>
+        </p:nvSpPr>
+        <p:spPr>
+          <a:xfrm>
+            <a:off x="11963330" y="447403"/>
+            <a:ext cx="230636" cy="223157"/>
+          </a:xfrm>
+          <a:prstGeom prst="rect">
+            <a:avLst/>
+          </a:prstGeom>
+          <a:solidFill>
+            <a:schemeClr val="bg1">
+              <a:lumMod val="95000"/>
+            </a:schemeClr>
+          </a:solidFill>
+          <a:ln>
+            <a:solidFill>
+              <a:schemeClr val="bg2">
+                <a:lumMod val="90000"/>
+              </a:schemeClr>
+            </a:solidFill>
+          </a:ln>
+        </p:spPr>
+        <p:style>
+          <a:lnRef idx="2">
+            <a:schemeClr val="accent1">
+              <a:shade val="50000"/>
+            </a:schemeClr>
+          </a:lnRef>
+          <a:fillRef idx="1">
+            <a:schemeClr val="accent1"/>
+          </a:fillRef>
+          <a:effectRef idx="0">
+            <a:schemeClr val="accent1"/>
+          </a:effectRef>
+          <a:fontRef idx="minor">
+            <a:schemeClr val="lt1"/>
+          </a:fontRef>
+        </p:style>
+        <p:txBody>
+          <a:bodyPr rtlCol="0" anchor="ctr"/>
+          <a:lstStyle/>
+          <a:p>
+            <a:pPr marL="0" marR="0" lvl="0" indent="0" algn="ctr" defTabSz="914400" rtl="0" eaLnBrk="1" fontAlgn="auto" latinLnBrk="0" hangingPunct="1">
+              <a:lnSpc>
+                <a:spcPct val="100000"/>
+              </a:lnSpc>
+              <a:spcBef>
+                <a:spcPts val="0"/>
+              </a:spcBef>
+              <a:spcAft>
+                <a:spcPts val="0"/>
+              </a:spcAft>
+              <a:buClrTx/>
+              <a:buSzTx/>
+              <a:buFontTx/>
+              <a:buNone/>
+              <a:tabLst/>
+              <a:defRPr/>
+            </a:pPr>
+            <a:endParaRPr kumimoji="0" lang="en-GB" sz="1800" b="0" i="0" u="none" strike="noStrike" kern="1200" cap="none" spc="0" normalizeH="0" baseline="0" noProof="0">
+              <a:ln>
+                <a:noFill/>
+              </a:ln>
+              <a:solidFill>
+                <a:prstClr val="white"/>
+              </a:solidFill>
+              <a:effectLst/>
+              <a:uLnTx/>
+              <a:uFillTx/>
+              <a:latin typeface="Calibri" panose="020F0502020204030204"/>
+              <a:ea typeface="+mn-ea"/>
+              <a:cs typeface="+mn-cs"/>
+            </a:endParaRPr>
+          </a:p>
+        </p:txBody>
+      </p:sp>
+      <p:sp>
+        <p:nvSpPr>
+          <p:cNvPr id="16" name="Arrow: Chevron 15">
+            <a:extLst>
+              <a:ext uri="{FF2B5EF4-FFF2-40B4-BE49-F238E27FC236}">
+                <a16:creationId xmlns:a16="http://schemas.microsoft.com/office/drawing/2014/main" id="{7ECBA8CA-39D2-477D-AE6E-52304C86C65D}"/>
+              </a:ext>
+            </a:extLst>
+          </p:cNvPr>
+          <p:cNvSpPr/>
+          <p:nvPr/>
+        </p:nvSpPr>
+        <p:spPr>
+          <a:xfrm rot="16200000">
+            <a:off x="12022689" y="491760"/>
+            <a:ext cx="111919" cy="126206"/>
+          </a:xfrm>
+          <a:prstGeom prst="chevron">
+            <a:avLst/>
+          </a:prstGeom>
+          <a:solidFill>
+            <a:schemeClr val="bg1">
+              <a:lumMod val="50000"/>
+            </a:schemeClr>
+          </a:solidFill>
+          <a:ln>
+            <a:noFill/>
+          </a:ln>
+        </p:spPr>
+        <p:style>
+          <a:lnRef idx="2">
+            <a:schemeClr val="accent1">
+              <a:shade val="50000"/>
+            </a:schemeClr>
+          </a:lnRef>
+          <a:fillRef idx="1">
+            <a:schemeClr val="accent1"/>
+          </a:fillRef>
+          <a:effectRef idx="0">
+            <a:schemeClr val="accent1"/>
+          </a:effectRef>
+          <a:fontRef idx="minor">
+            <a:schemeClr val="lt1"/>
+          </a:fontRef>
+        </p:style>
+        <p:txBody>
+          <a:bodyPr rtlCol="0" anchor="ctr"/>
+          <a:lstStyle/>
+          <a:p>
+            <a:pPr marL="0" marR="0" lvl="0" indent="0" algn="ctr" defTabSz="914400" rtl="0" eaLnBrk="1" fontAlgn="auto" latinLnBrk="0" hangingPunct="1">
+              <a:lnSpc>
+                <a:spcPct val="100000"/>
+              </a:lnSpc>
+              <a:spcBef>
+                <a:spcPts val="0"/>
+              </a:spcBef>
+              <a:spcAft>
+                <a:spcPts val="0"/>
+              </a:spcAft>
+              <a:buClrTx/>
+              <a:buSzTx/>
+              <a:buFontTx/>
+              <a:buNone/>
+              <a:tabLst/>
+              <a:defRPr/>
+            </a:pPr>
+            <a:endParaRPr kumimoji="0" lang="en-GB" sz="1800" b="0" i="0" u="none" strike="noStrike" kern="1200" cap="none" spc="0" normalizeH="0" baseline="0" noProof="0">
+              <a:ln>
+                <a:noFill/>
+              </a:ln>
+              <a:solidFill>
+                <a:prstClr val="black"/>
+              </a:solidFill>
+              <a:effectLst/>
+              <a:uLnTx/>
+              <a:uFillTx/>
+              <a:latin typeface="Calibri" panose="020F0502020204030204"/>
+              <a:ea typeface="+mn-ea"/>
+              <a:cs typeface="+mn-cs"/>
+            </a:endParaRPr>
+          </a:p>
+        </p:txBody>
+      </p:sp>
+      <p:sp>
+        <p:nvSpPr>
+          <p:cNvPr id="17" name="Rectangle 16">
+            <a:extLst>
+              <a:ext uri="{FF2B5EF4-FFF2-40B4-BE49-F238E27FC236}">
+                <a16:creationId xmlns:a16="http://schemas.microsoft.com/office/drawing/2014/main" id="{40897313-8914-4B73-9CA5-1AB3D531F280}"/>
+              </a:ext>
+            </a:extLst>
+          </p:cNvPr>
+          <p:cNvSpPr/>
+          <p:nvPr/>
+        </p:nvSpPr>
+        <p:spPr>
+          <a:xfrm rot="10800000">
+            <a:off x="11963330" y="6644781"/>
+            <a:ext cx="230636" cy="223157"/>
+          </a:xfrm>
+          <a:prstGeom prst="rect">
+            <a:avLst/>
+          </a:prstGeom>
+          <a:solidFill>
+            <a:schemeClr val="bg1">
+              <a:lumMod val="95000"/>
+            </a:schemeClr>
+          </a:solidFill>
+          <a:ln>
+            <a:solidFill>
+              <a:schemeClr val="bg2">
+                <a:lumMod val="90000"/>
+              </a:schemeClr>
+            </a:solidFill>
+          </a:ln>
+        </p:spPr>
+        <p:style>
+          <a:lnRef idx="2">
+            <a:schemeClr val="accent1">
+              <a:shade val="50000"/>
+            </a:schemeClr>
+          </a:lnRef>
+          <a:fillRef idx="1">
+            <a:schemeClr val="accent1"/>
+          </a:fillRef>
+          <a:effectRef idx="0">
+            <a:schemeClr val="accent1"/>
+          </a:effectRef>
+          <a:fontRef idx="minor">
+            <a:schemeClr val="lt1"/>
+          </a:fontRef>
+        </p:style>
+        <p:txBody>
+          <a:bodyPr rtlCol="0" anchor="ctr"/>
+          <a:lstStyle/>
+          <a:p>
+            <a:pPr marL="0" marR="0" lvl="0" indent="0" algn="ctr" defTabSz="914400" rtl="0" eaLnBrk="1" fontAlgn="auto" latinLnBrk="0" hangingPunct="1">
+              <a:lnSpc>
+                <a:spcPct val="100000"/>
+              </a:lnSpc>
+              <a:spcBef>
+                <a:spcPts val="0"/>
+              </a:spcBef>
+              <a:spcAft>
+                <a:spcPts val="0"/>
+              </a:spcAft>
+              <a:buClrTx/>
+              <a:buSzTx/>
+              <a:buFontTx/>
+              <a:buNone/>
+              <a:tabLst/>
+              <a:defRPr/>
+            </a:pPr>
+            <a:endParaRPr kumimoji="0" lang="en-GB" sz="1800" b="0" i="0" u="none" strike="noStrike" kern="1200" cap="none" spc="0" normalizeH="0" baseline="0" noProof="0">
+              <a:ln>
+                <a:noFill/>
+              </a:ln>
+              <a:solidFill>
+                <a:prstClr val="white"/>
+              </a:solidFill>
+              <a:effectLst/>
+              <a:uLnTx/>
+              <a:uFillTx/>
+              <a:latin typeface="Calibri" panose="020F0502020204030204"/>
+              <a:ea typeface="+mn-ea"/>
+              <a:cs typeface="+mn-cs"/>
+            </a:endParaRPr>
+          </a:p>
+        </p:txBody>
+      </p:sp>
+      <p:sp>
+        <p:nvSpPr>
+          <p:cNvPr id="18" name="Arrow: Chevron 17">
+            <a:extLst>
+              <a:ext uri="{FF2B5EF4-FFF2-40B4-BE49-F238E27FC236}">
+                <a16:creationId xmlns:a16="http://schemas.microsoft.com/office/drawing/2014/main" id="{C0DEFF07-BB05-40C5-96A1-51F0E20C8121}"/>
+              </a:ext>
+            </a:extLst>
+          </p:cNvPr>
+          <p:cNvSpPr/>
+          <p:nvPr/>
+        </p:nvSpPr>
+        <p:spPr>
+          <a:xfrm rot="5400000">
+            <a:off x="12022689" y="6689138"/>
+            <a:ext cx="111919" cy="126206"/>
+          </a:xfrm>
+          <a:prstGeom prst="chevron">
+            <a:avLst/>
+          </a:prstGeom>
+          <a:solidFill>
+            <a:schemeClr val="bg1">
+              <a:lumMod val="50000"/>
+            </a:schemeClr>
+          </a:solidFill>
+          <a:ln>
+            <a:noFill/>
+          </a:ln>
+        </p:spPr>
+        <p:style>
+          <a:lnRef idx="2">
+            <a:schemeClr val="accent1">
+              <a:shade val="50000"/>
+            </a:schemeClr>
+          </a:lnRef>
+          <a:fillRef idx="1">
+            <a:schemeClr val="accent1"/>
+          </a:fillRef>
+          <a:effectRef idx="0">
+            <a:schemeClr val="accent1"/>
+          </a:effectRef>
+          <a:fontRef idx="minor">
+            <a:schemeClr val="lt1"/>
+          </a:fontRef>
+        </p:style>
+        <p:txBody>
+          <a:bodyPr rtlCol="0" anchor="ctr"/>
+          <a:lstStyle/>
+          <a:p>
+            <a:pPr marL="0" marR="0" lvl="0" indent="0" algn="ctr" defTabSz="914400" rtl="0" eaLnBrk="1" fontAlgn="auto" latinLnBrk="0" hangingPunct="1">
+              <a:lnSpc>
+                <a:spcPct val="100000"/>
+              </a:lnSpc>
+              <a:spcBef>
+                <a:spcPts val="0"/>
+              </a:spcBef>
+              <a:spcAft>
+                <a:spcPts val="0"/>
+              </a:spcAft>
+              <a:buClrTx/>
+              <a:buSzTx/>
+              <a:buFontTx/>
+              <a:buNone/>
+              <a:tabLst/>
+              <a:defRPr/>
+            </a:pPr>
+            <a:endParaRPr kumimoji="0" lang="en-GB" sz="1800" b="0" i="0" u="none" strike="noStrike" kern="1200" cap="none" spc="0" normalizeH="0" baseline="0" noProof="0">
+              <a:ln>
+                <a:noFill/>
+              </a:ln>
+              <a:solidFill>
+                <a:prstClr val="black"/>
+              </a:solidFill>
+              <a:effectLst/>
+              <a:uLnTx/>
+              <a:uFillTx/>
+              <a:latin typeface="Calibri" panose="020F0502020204030204"/>
+              <a:ea typeface="+mn-ea"/>
+              <a:cs typeface="+mn-cs"/>
+            </a:endParaRPr>
+          </a:p>
+        </p:txBody>
+      </p:sp>
+      <p:sp>
+        <p:nvSpPr>
+          <p:cNvPr id="2" name="Rectangle 1">
+            <a:extLst>
+              <a:ext uri="{FF2B5EF4-FFF2-40B4-BE49-F238E27FC236}">
+                <a16:creationId xmlns:a16="http://schemas.microsoft.com/office/drawing/2014/main" id="{E61E6741-DF5B-1E25-4469-4F7705EC4F97}"/>
+              </a:ext>
+            </a:extLst>
+          </p:cNvPr>
+          <p:cNvSpPr/>
+          <p:nvPr/>
+        </p:nvSpPr>
+        <p:spPr>
+          <a:xfrm>
+            <a:off x="718850" y="1845879"/>
+            <a:ext cx="728460" cy="223158"/>
+          </a:xfrm>
+          <a:prstGeom prst="rect">
+            <a:avLst/>
+          </a:prstGeom>
+          <a:solidFill>
+            <a:srgbClr val="364652"/>
+          </a:solidFill>
+          <a:ln>
+            <a:solidFill>
+              <a:srgbClr val="364652"/>
+            </a:solidFill>
+          </a:ln>
+        </p:spPr>
+        <p:style>
+          <a:lnRef idx="2">
+            <a:schemeClr val="accent1">
+              <a:shade val="50000"/>
+            </a:schemeClr>
+          </a:lnRef>
+          <a:fillRef idx="1">
+            <a:schemeClr val="accent1"/>
+          </a:fillRef>
+          <a:effectRef idx="0">
+            <a:schemeClr val="accent1"/>
+          </a:effectRef>
+          <a:fontRef idx="minor">
+            <a:schemeClr val="lt1"/>
+          </a:fontRef>
+        </p:style>
+        <p:txBody>
+          <a:bodyPr rtlCol="0" anchor="ctr"/>
+          <a:lstStyle/>
+          <a:p>
+            <a:pPr marL="0" marR="0" lvl="0" indent="0" algn="ctr" defTabSz="914400" rtl="0" eaLnBrk="1" fontAlgn="auto" latinLnBrk="0" hangingPunct="1">
+              <a:lnSpc>
+                <a:spcPct val="100000"/>
+              </a:lnSpc>
+              <a:spcBef>
+                <a:spcPts val="0"/>
+              </a:spcBef>
+              <a:spcAft>
+                <a:spcPts val="0"/>
+              </a:spcAft>
+              <a:buClrTx/>
+              <a:buSzTx/>
+              <a:buFontTx/>
+              <a:buNone/>
+              <a:tabLst/>
+              <a:defRPr/>
+            </a:pPr>
+            <a:endParaRPr kumimoji="0" lang="en-GB" sz="1800" b="0" i="0" u="none" strike="noStrike" kern="1200" cap="none" spc="0" normalizeH="0" baseline="0" noProof="0">
+              <a:ln>
+                <a:noFill/>
+              </a:ln>
+              <a:solidFill>
+                <a:prstClr val="white"/>
+              </a:solidFill>
+              <a:effectLst/>
+              <a:uLnTx/>
+              <a:uFillTx/>
+              <a:latin typeface="Calibri" panose="020F0502020204030204"/>
+              <a:ea typeface="+mn-ea"/>
+              <a:cs typeface="+mn-cs"/>
+            </a:endParaRPr>
+          </a:p>
+        </p:txBody>
+      </p:sp>
+      <p:pic>
+        <p:nvPicPr>
+          <p:cNvPr id="6" name="Picture 2">
+            <a:extLst>
+              <a:ext uri="{FF2B5EF4-FFF2-40B4-BE49-F238E27FC236}">
+                <a16:creationId xmlns:a16="http://schemas.microsoft.com/office/drawing/2014/main" id="{A0C79170-8A8B-71AD-612B-6D842A36F377}"/>
+              </a:ext>
+            </a:extLst>
+          </p:cNvPr>
+          <p:cNvPicPr>
+            <a:picLocks noChangeAspect="1" noChangeArrowheads="1"/>
+          </p:cNvPicPr>
+          <p:nvPr/>
+        </p:nvPicPr>
+        <p:blipFill>
+          <a:blip r:embed="rId4">
+            <a:extLst>
+              <a:ext uri="{28A0092B-C50C-407E-A947-70E740481C1C}">
+                <a14:useLocalDpi xmlns:a14="http://schemas.microsoft.com/office/drawing/2010/main" val="0"/>
+              </a:ext>
+            </a:extLst>
+          </a:blip>
+          <a:srcRect/>
+          <a:stretch/>
+        </p:blipFill>
+        <p:spPr bwMode="auto">
+          <a:xfrm>
+            <a:off x="718850" y="595990"/>
+            <a:ext cx="730861" cy="730861"/>
+          </a:xfrm>
+          <a:prstGeom prst="ellipse">
+            <a:avLst/>
+          </a:prstGeom>
+          <a:ln>
+            <a:noFill/>
+          </a:ln>
+          <a:effectLst>
+            <a:softEdge rad="0"/>
+          </a:effectLst>
+          <a:extLst>
+            <a:ext uri="{909E8E84-426E-40DD-AFC4-6F175D3DCCD1}">
+              <a14:hiddenFill xmlns:a14="http://schemas.microsoft.com/office/drawing/2010/main">
+                <a:solidFill>
+                  <a:srgbClr val="FFFFFF"/>
+                </a:solidFill>
+              </a14:hiddenFill>
+            </a:ext>
+          </a:extLst>
+        </p:spPr>
+      </p:pic>
+      <p:sp>
+        <p:nvSpPr>
+          <p:cNvPr id="9" name="Rectangle 8">
+            <a:extLst>
+              <a:ext uri="{FF2B5EF4-FFF2-40B4-BE49-F238E27FC236}">
+                <a16:creationId xmlns:a16="http://schemas.microsoft.com/office/drawing/2014/main" id="{668B602B-73C8-CBF6-C3E7-516CFD73D8BE}"/>
+              </a:ext>
+            </a:extLst>
+          </p:cNvPr>
+          <p:cNvSpPr/>
+          <p:nvPr/>
+        </p:nvSpPr>
+        <p:spPr>
+          <a:xfrm>
+            <a:off x="237906" y="1280671"/>
+            <a:ext cx="1711225" cy="412335"/>
+          </a:xfrm>
+          <a:prstGeom prst="rect">
+            <a:avLst/>
+          </a:prstGeom>
+          <a:solidFill>
+            <a:srgbClr val="364652"/>
+          </a:solidFill>
+          <a:ln>
+            <a:noFill/>
+          </a:ln>
+        </p:spPr>
+        <p:style>
+          <a:lnRef idx="2">
+            <a:schemeClr val="accent1">
+              <a:shade val="50000"/>
+            </a:schemeClr>
+          </a:lnRef>
+          <a:fillRef idx="1">
+            <a:schemeClr val="accent1"/>
+          </a:fillRef>
+          <a:effectRef idx="0">
+            <a:schemeClr val="accent1"/>
+          </a:effectRef>
+          <a:fontRef idx="minor">
+            <a:schemeClr val="lt1"/>
+          </a:fontRef>
+        </p:style>
+        <p:txBody>
+          <a:bodyPr rtlCol="0" anchor="ctr"/>
+          <a:lstStyle/>
+          <a:p>
+            <a:pPr marL="0" marR="0" lvl="0" indent="0" algn="ctr" defTabSz="914400" rtl="0" eaLnBrk="1" fontAlgn="auto" latinLnBrk="0" hangingPunct="1">
+              <a:lnSpc>
+                <a:spcPct val="100000"/>
+              </a:lnSpc>
+              <a:spcBef>
+                <a:spcPts val="0"/>
+              </a:spcBef>
+              <a:spcAft>
+                <a:spcPts val="0"/>
+              </a:spcAft>
+              <a:buClrTx/>
+              <a:buSzTx/>
+              <a:buFontTx/>
+              <a:buNone/>
+              <a:tabLst/>
+              <a:defRPr/>
+            </a:pPr>
+            <a:r>
+              <a:rPr kumimoji="0" lang="en-GB" sz="2400" b="0" i="0" u="none" strike="noStrike" kern="1200" cap="none" spc="0" normalizeH="0" baseline="0" noProof="0" dirty="0">
+                <a:ln>
+                  <a:noFill/>
+                </a:ln>
+                <a:solidFill>
+                  <a:prstClr val="white"/>
+                </a:solidFill>
+                <a:effectLst/>
+                <a:uLnTx/>
+                <a:uFillTx/>
+                <a:latin typeface="Calibri" panose="020F0502020204030204"/>
+                <a:ea typeface="+mn-ea"/>
+                <a:cs typeface="+mn-cs"/>
+              </a:rPr>
+              <a:t>FA</a:t>
+            </a:r>
+          </a:p>
+        </p:txBody>
+      </p:sp>
+      <p:sp>
+        <p:nvSpPr>
+          <p:cNvPr id="10" name="Rectangle 9">
+            <a:extLst>
+              <a:ext uri="{FF2B5EF4-FFF2-40B4-BE49-F238E27FC236}">
+                <a16:creationId xmlns:a16="http://schemas.microsoft.com/office/drawing/2014/main" id="{92520BA6-A46C-C1DE-E267-A9852BF86176}"/>
+              </a:ext>
+            </a:extLst>
+          </p:cNvPr>
+          <p:cNvSpPr/>
+          <p:nvPr/>
+        </p:nvSpPr>
+        <p:spPr>
+          <a:xfrm>
+            <a:off x="488816" y="1598505"/>
+            <a:ext cx="1209404" cy="282516"/>
+          </a:xfrm>
+          <a:prstGeom prst="rect">
+            <a:avLst/>
+          </a:prstGeom>
+          <a:solidFill>
+            <a:srgbClr val="364652"/>
+          </a:solidFill>
+          <a:ln>
+            <a:noFill/>
+          </a:ln>
+        </p:spPr>
+        <p:style>
+          <a:lnRef idx="2">
+            <a:schemeClr val="accent1">
+              <a:shade val="50000"/>
+            </a:schemeClr>
+          </a:lnRef>
+          <a:fillRef idx="1">
+            <a:schemeClr val="accent1"/>
+          </a:fillRef>
+          <a:effectRef idx="0">
+            <a:schemeClr val="accent1"/>
+          </a:effectRef>
+          <a:fontRef idx="minor">
+            <a:schemeClr val="lt1"/>
+          </a:fontRef>
+        </p:style>
+        <p:txBody>
+          <a:bodyPr rtlCol="0" anchor="ctr"/>
+          <a:lstStyle/>
+          <a:p>
+            <a:pPr marL="0" marR="0" lvl="0" indent="0" algn="ctr" defTabSz="914400" rtl="0" eaLnBrk="1" fontAlgn="auto" latinLnBrk="0" hangingPunct="1">
+              <a:lnSpc>
+                <a:spcPct val="100000"/>
+              </a:lnSpc>
+              <a:spcBef>
+                <a:spcPts val="0"/>
+              </a:spcBef>
+              <a:spcAft>
+                <a:spcPts val="0"/>
+              </a:spcAft>
+              <a:buClrTx/>
+              <a:buSzTx/>
+              <a:buFontTx/>
+              <a:buNone/>
+              <a:tabLst/>
+              <a:defRPr/>
+            </a:pPr>
+            <a:r>
+              <a:rPr kumimoji="0" lang="en-GB" sz="1200" b="0" i="0" u="none" strike="noStrike" kern="1200" cap="none" spc="0" normalizeH="0" baseline="0" noProof="0" dirty="0">
+                <a:ln>
+                  <a:noFill/>
+                </a:ln>
+                <a:solidFill>
+                  <a:prstClr val="white"/>
+                </a:solidFill>
+                <a:effectLst/>
+                <a:uLnTx/>
+                <a:uFillTx/>
+                <a:latin typeface="Calibri" panose="020F0502020204030204"/>
+                <a:ea typeface="+mn-ea"/>
+                <a:cs typeface="+mn-cs"/>
+              </a:rPr>
+              <a:t>Edit Profile</a:t>
+            </a:r>
+          </a:p>
+        </p:txBody>
+      </p:sp>
+      <p:sp>
+        <p:nvSpPr>
+          <p:cNvPr id="11" name="Rectangle 10">
+            <a:hlinkClick r:id="rId5" action="ppaction://hlinksldjump"/>
+            <a:extLst>
+              <a:ext uri="{FF2B5EF4-FFF2-40B4-BE49-F238E27FC236}">
+                <a16:creationId xmlns:a16="http://schemas.microsoft.com/office/drawing/2014/main" id="{74C6045E-BE40-0F48-BA51-E94FB4196BE1}"/>
+              </a:ext>
+            </a:extLst>
+          </p:cNvPr>
+          <p:cNvSpPr/>
+          <p:nvPr/>
+        </p:nvSpPr>
+        <p:spPr>
+          <a:xfrm>
+            <a:off x="771909" y="2080652"/>
+            <a:ext cx="728460" cy="282516"/>
+          </a:xfrm>
+          <a:prstGeom prst="rect">
+            <a:avLst/>
+          </a:prstGeom>
+          <a:solidFill>
+            <a:srgbClr val="364652"/>
+          </a:solidFill>
+          <a:ln>
+            <a:noFill/>
+          </a:ln>
+        </p:spPr>
+        <p:style>
+          <a:lnRef idx="2">
+            <a:schemeClr val="accent1">
+              <a:shade val="50000"/>
+            </a:schemeClr>
+          </a:lnRef>
+          <a:fillRef idx="1">
+            <a:schemeClr val="accent1"/>
+          </a:fillRef>
+          <a:effectRef idx="0">
+            <a:schemeClr val="accent1"/>
+          </a:effectRef>
+          <a:fontRef idx="minor">
+            <a:schemeClr val="lt1"/>
+          </a:fontRef>
+        </p:style>
+        <p:txBody>
+          <a:bodyPr rtlCol="0" anchor="ctr"/>
+          <a:lstStyle/>
+          <a:p>
+            <a:pPr marL="0" marR="0" lvl="0" indent="0" algn="ctr" defTabSz="914400" rtl="0" eaLnBrk="1" fontAlgn="auto" latinLnBrk="0" hangingPunct="1">
+              <a:lnSpc>
+                <a:spcPct val="100000"/>
+              </a:lnSpc>
+              <a:spcBef>
+                <a:spcPts val="0"/>
+              </a:spcBef>
+              <a:spcAft>
+                <a:spcPts val="0"/>
+              </a:spcAft>
+              <a:buClrTx/>
+              <a:buSzTx/>
+              <a:buFontTx/>
+              <a:buNone/>
+              <a:tabLst/>
+              <a:defRPr/>
+            </a:pPr>
+            <a:r>
+              <a:rPr kumimoji="0" lang="en-GB" sz="1600" b="0" i="0" u="none" strike="noStrike" kern="1200" cap="none" spc="0" normalizeH="0" baseline="0" noProof="0" dirty="0">
+                <a:ln>
+                  <a:noFill/>
+                </a:ln>
+                <a:solidFill>
+                  <a:prstClr val="white"/>
+                </a:solidFill>
+                <a:effectLst/>
+                <a:uLnTx/>
+                <a:uFillTx/>
+                <a:latin typeface="Calibri" panose="020F0502020204030204"/>
+                <a:ea typeface="+mn-ea"/>
+                <a:cs typeface="+mn-cs"/>
+              </a:rPr>
+              <a:t>Home</a:t>
+            </a:r>
+          </a:p>
+        </p:txBody>
+      </p:sp>
+      <p:sp>
+        <p:nvSpPr>
+          <p:cNvPr id="15" name="Rectangle 14">
+            <a:extLst>
+              <a:ext uri="{FF2B5EF4-FFF2-40B4-BE49-F238E27FC236}">
+                <a16:creationId xmlns:a16="http://schemas.microsoft.com/office/drawing/2014/main" id="{C5E351D2-55CF-BB85-1B12-3954F5A4393C}"/>
+              </a:ext>
+            </a:extLst>
+          </p:cNvPr>
+          <p:cNvSpPr/>
+          <p:nvPr/>
+        </p:nvSpPr>
+        <p:spPr>
+          <a:xfrm>
+            <a:off x="718850" y="1845879"/>
+            <a:ext cx="728460" cy="223158"/>
+          </a:xfrm>
+          <a:prstGeom prst="rect">
+            <a:avLst/>
+          </a:prstGeom>
+          <a:solidFill>
+            <a:srgbClr val="364652"/>
+          </a:solidFill>
+          <a:ln>
+            <a:solidFill>
+              <a:srgbClr val="364652"/>
+            </a:solidFill>
+          </a:ln>
+        </p:spPr>
+        <p:style>
+          <a:lnRef idx="2">
+            <a:schemeClr val="accent1">
+              <a:shade val="50000"/>
+            </a:schemeClr>
+          </a:lnRef>
+          <a:fillRef idx="1">
+            <a:schemeClr val="accent1"/>
+          </a:fillRef>
+          <a:effectRef idx="0">
+            <a:schemeClr val="accent1"/>
+          </a:effectRef>
+          <a:fontRef idx="minor">
+            <a:schemeClr val="lt1"/>
+          </a:fontRef>
+        </p:style>
+        <p:txBody>
+          <a:bodyPr rtlCol="0" anchor="ctr"/>
+          <a:lstStyle/>
+          <a:p>
+            <a:pPr marL="0" marR="0" lvl="0" indent="0" algn="ctr" defTabSz="914400" rtl="0" eaLnBrk="1" fontAlgn="auto" latinLnBrk="0" hangingPunct="1">
+              <a:lnSpc>
+                <a:spcPct val="100000"/>
+              </a:lnSpc>
+              <a:spcBef>
+                <a:spcPts val="0"/>
+              </a:spcBef>
+              <a:spcAft>
+                <a:spcPts val="0"/>
+              </a:spcAft>
+              <a:buClrTx/>
+              <a:buSzTx/>
+              <a:buFontTx/>
+              <a:buNone/>
+              <a:tabLst/>
+              <a:defRPr/>
+            </a:pPr>
+            <a:endParaRPr kumimoji="0" lang="en-GB" sz="1800" b="0" i="0" u="none" strike="noStrike" kern="1200" cap="none" spc="0" normalizeH="0" baseline="0" noProof="0">
+              <a:ln>
+                <a:noFill/>
+              </a:ln>
+              <a:solidFill>
+                <a:prstClr val="white"/>
+              </a:solidFill>
+              <a:effectLst/>
+              <a:uLnTx/>
+              <a:uFillTx/>
+              <a:latin typeface="Calibri" panose="020F0502020204030204"/>
+              <a:ea typeface="+mn-ea"/>
+              <a:cs typeface="+mn-cs"/>
+            </a:endParaRPr>
+          </a:p>
+        </p:txBody>
+      </p:sp>
+      <p:sp>
+        <p:nvSpPr>
+          <p:cNvPr id="4" name="Rectangle 3">
+            <a:hlinkClick r:id="rId6" action="ppaction://hlinksldjump"/>
+            <a:extLst>
+              <a:ext uri="{FF2B5EF4-FFF2-40B4-BE49-F238E27FC236}">
+                <a16:creationId xmlns:a16="http://schemas.microsoft.com/office/drawing/2014/main" id="{DC1C43C2-D829-4368-0518-5EE6180DE9E1}"/>
+              </a:ext>
+            </a:extLst>
+          </p:cNvPr>
+          <p:cNvSpPr/>
+          <p:nvPr/>
+        </p:nvSpPr>
+        <p:spPr>
+          <a:xfrm>
+            <a:off x="68580" y="2367233"/>
+            <a:ext cx="2125980" cy="282516"/>
+          </a:xfrm>
+          <a:prstGeom prst="rect">
+            <a:avLst/>
+          </a:prstGeom>
+          <a:solidFill>
+            <a:srgbClr val="364652"/>
+          </a:solidFill>
+          <a:ln>
+            <a:noFill/>
+          </a:ln>
+        </p:spPr>
+        <p:style>
+          <a:lnRef idx="2">
+            <a:schemeClr val="accent1">
+              <a:shade val="50000"/>
+            </a:schemeClr>
+          </a:lnRef>
+          <a:fillRef idx="1">
+            <a:schemeClr val="accent1"/>
+          </a:fillRef>
+          <a:effectRef idx="0">
+            <a:schemeClr val="accent1"/>
+          </a:effectRef>
+          <a:fontRef idx="minor">
+            <a:schemeClr val="lt1"/>
+          </a:fontRef>
+        </p:style>
+        <p:txBody>
+          <a:bodyPr rtlCol="0" anchor="ctr"/>
+          <a:lstStyle/>
+          <a:p>
+            <a:pPr marL="0" marR="0" lvl="0" indent="0" algn="ctr" defTabSz="914400" rtl="0" eaLnBrk="1" fontAlgn="auto" latinLnBrk="0" hangingPunct="1">
+              <a:lnSpc>
+                <a:spcPct val="100000"/>
+              </a:lnSpc>
+              <a:spcBef>
+                <a:spcPts val="0"/>
+              </a:spcBef>
+              <a:spcAft>
+                <a:spcPts val="0"/>
+              </a:spcAft>
+              <a:buClrTx/>
+              <a:buSzTx/>
+              <a:buFontTx/>
+              <a:buNone/>
+              <a:tabLst/>
+              <a:defRPr/>
+            </a:pPr>
+            <a:r>
+              <a:rPr kumimoji="0" lang="en-GB" sz="1600" b="0" i="0" u="none" strike="noStrike" kern="1200" cap="none" spc="0" normalizeH="0" baseline="0" noProof="0" dirty="0">
+                <a:ln>
+                  <a:noFill/>
+                </a:ln>
+                <a:solidFill>
+                  <a:prstClr val="white"/>
+                </a:solidFill>
+                <a:effectLst/>
+                <a:uLnTx/>
+                <a:uFillTx/>
+                <a:latin typeface="Calibri" panose="020F0502020204030204"/>
+                <a:ea typeface="+mn-ea"/>
+                <a:cs typeface="+mn-cs"/>
+              </a:rPr>
+              <a:t>Create Idea</a:t>
+            </a:r>
+          </a:p>
+        </p:txBody>
+      </p:sp>
+      <p:sp>
+        <p:nvSpPr>
+          <p:cNvPr id="21" name="Rectangle 20">
+            <a:extLst>
+              <a:ext uri="{FF2B5EF4-FFF2-40B4-BE49-F238E27FC236}">
+                <a16:creationId xmlns:a16="http://schemas.microsoft.com/office/drawing/2014/main" id="{E75903B6-FE09-8DB9-390C-9EDCE635C3FF}"/>
+              </a:ext>
+            </a:extLst>
+          </p:cNvPr>
+          <p:cNvSpPr/>
+          <p:nvPr/>
+        </p:nvSpPr>
+        <p:spPr>
+          <a:xfrm>
+            <a:off x="63296" y="2649749"/>
+            <a:ext cx="2125980" cy="282516"/>
+          </a:xfrm>
+          <a:prstGeom prst="rect">
+            <a:avLst/>
+          </a:prstGeom>
+          <a:solidFill>
+            <a:srgbClr val="364652"/>
+          </a:solidFill>
+          <a:ln>
+            <a:noFill/>
+          </a:ln>
+        </p:spPr>
+        <p:style>
+          <a:lnRef idx="2">
+            <a:schemeClr val="accent1">
+              <a:shade val="50000"/>
+            </a:schemeClr>
+          </a:lnRef>
+          <a:fillRef idx="1">
+            <a:schemeClr val="accent1"/>
+          </a:fillRef>
+          <a:effectRef idx="0">
+            <a:schemeClr val="accent1"/>
+          </a:effectRef>
+          <a:fontRef idx="minor">
+            <a:schemeClr val="lt1"/>
+          </a:fontRef>
+        </p:style>
+        <p:txBody>
+          <a:bodyPr rtlCol="0" anchor="ctr"/>
+          <a:lstStyle/>
+          <a:p>
+            <a:pPr marL="0" marR="0" lvl="0" indent="0" algn="ctr" defTabSz="914400" rtl="0" eaLnBrk="1" fontAlgn="auto" latinLnBrk="0" hangingPunct="1">
+              <a:lnSpc>
+                <a:spcPct val="100000"/>
+              </a:lnSpc>
+              <a:spcBef>
+                <a:spcPts val="0"/>
+              </a:spcBef>
+              <a:spcAft>
+                <a:spcPts val="0"/>
+              </a:spcAft>
+              <a:buClrTx/>
+              <a:buSzTx/>
+              <a:buFontTx/>
+              <a:buNone/>
+              <a:tabLst/>
+              <a:defRPr/>
+            </a:pPr>
+            <a:r>
+              <a:rPr lang="en-GB" sz="1600" dirty="0">
+                <a:solidFill>
+                  <a:prstClr val="white"/>
+                </a:solidFill>
+                <a:latin typeface="Calibri" panose="020F0502020204030204"/>
+              </a:rPr>
+              <a:t>Logout</a:t>
+            </a:r>
+            <a:endParaRPr kumimoji="0" lang="en-GB" sz="1600" b="0" i="0" u="none" strike="noStrike" kern="1200" cap="none" spc="0" normalizeH="0" baseline="0" noProof="0" dirty="0">
+              <a:ln>
+                <a:noFill/>
+              </a:ln>
+              <a:solidFill>
+                <a:prstClr val="white"/>
+              </a:solidFill>
+              <a:effectLst/>
+              <a:uLnTx/>
+              <a:uFillTx/>
+              <a:latin typeface="Calibri" panose="020F0502020204030204"/>
+              <a:ea typeface="+mn-ea"/>
+              <a:cs typeface="+mn-cs"/>
+            </a:endParaRPr>
+          </a:p>
+        </p:txBody>
+      </p:sp>
+      <p:sp>
+        <p:nvSpPr>
+          <p:cNvPr id="22" name="Rectangle 21">
+            <a:extLst>
+              <a:ext uri="{FF2B5EF4-FFF2-40B4-BE49-F238E27FC236}">
+                <a16:creationId xmlns:a16="http://schemas.microsoft.com/office/drawing/2014/main" id="{D2A812A1-C5D7-5CBB-3235-E0D914697DFC}"/>
+              </a:ext>
+            </a:extLst>
+          </p:cNvPr>
+          <p:cNvSpPr/>
+          <p:nvPr/>
+        </p:nvSpPr>
+        <p:spPr>
+          <a:xfrm>
+            <a:off x="4392039" y="1330828"/>
+            <a:ext cx="3389745" cy="664174"/>
+          </a:xfrm>
+          <a:prstGeom prst="rect">
+            <a:avLst/>
+          </a:prstGeom>
+          <a:solidFill>
+            <a:schemeClr val="bg1"/>
+          </a:solidFill>
+          <a:ln>
+            <a:noFill/>
+          </a:ln>
+        </p:spPr>
+        <p:style>
+          <a:lnRef idx="2">
+            <a:schemeClr val="accent1">
+              <a:shade val="50000"/>
+            </a:schemeClr>
+          </a:lnRef>
+          <a:fillRef idx="1">
+            <a:schemeClr val="accent1"/>
+          </a:fillRef>
+          <a:effectRef idx="0">
+            <a:schemeClr val="accent1"/>
+          </a:effectRef>
+          <a:fontRef idx="minor">
+            <a:schemeClr val="lt1"/>
+          </a:fontRef>
+        </p:style>
+        <p:txBody>
+          <a:bodyPr rtlCol="0" anchor="ctr"/>
+          <a:lstStyle/>
+          <a:p>
+            <a:pPr algn="ctr"/>
+            <a:r>
+              <a:rPr lang="en-GB" sz="1400" dirty="0">
+                <a:solidFill>
+                  <a:schemeClr val="tx1"/>
+                </a:solidFill>
+              </a:rPr>
+              <a:t>Technology</a:t>
+            </a:r>
+          </a:p>
+          <a:p>
+            <a:pPr algn="ctr"/>
+            <a:r>
+              <a:rPr lang="en-GB" sz="1400" dirty="0">
+                <a:solidFill>
+                  <a:schemeClr val="tx1"/>
+                </a:solidFill>
+              </a:rPr>
+              <a:t>Healthcare</a:t>
+            </a:r>
+          </a:p>
+          <a:p>
+            <a:pPr algn="ctr"/>
+            <a:endParaRPr lang="en-GB" sz="1400" dirty="0">
+              <a:solidFill>
+                <a:schemeClr val="tx1"/>
+              </a:solidFill>
+            </a:endParaRPr>
+          </a:p>
+        </p:txBody>
+      </p:sp>
+      <p:sp>
+        <p:nvSpPr>
+          <p:cNvPr id="29" name="Rectangle 28">
+            <a:extLst>
+              <a:ext uri="{FF2B5EF4-FFF2-40B4-BE49-F238E27FC236}">
+                <a16:creationId xmlns:a16="http://schemas.microsoft.com/office/drawing/2014/main" id="{CDB66353-ABA9-AAC4-F503-149AA9249BEA}"/>
+              </a:ext>
+            </a:extLst>
+          </p:cNvPr>
+          <p:cNvSpPr/>
+          <p:nvPr/>
+        </p:nvSpPr>
+        <p:spPr>
+          <a:xfrm>
+            <a:off x="7887623" y="1328146"/>
+            <a:ext cx="1689570" cy="279842"/>
+          </a:xfrm>
+          <a:prstGeom prst="rect">
+            <a:avLst/>
+          </a:prstGeom>
+          <a:solidFill>
+            <a:schemeClr val="bg1"/>
+          </a:solidFill>
+          <a:ln>
+            <a:noFill/>
+          </a:ln>
+        </p:spPr>
+        <p:style>
+          <a:lnRef idx="2">
+            <a:schemeClr val="accent1">
+              <a:shade val="50000"/>
+            </a:schemeClr>
+          </a:lnRef>
+          <a:fillRef idx="1">
+            <a:schemeClr val="accent1"/>
+          </a:fillRef>
+          <a:effectRef idx="0">
+            <a:schemeClr val="accent1"/>
+          </a:effectRef>
+          <a:fontRef idx="minor">
+            <a:schemeClr val="lt1"/>
+          </a:fontRef>
+        </p:style>
+        <p:txBody>
+          <a:bodyPr rtlCol="0" anchor="ctr"/>
+          <a:lstStyle/>
+          <a:p>
+            <a:pPr algn="ctr"/>
+            <a:r>
+              <a:rPr lang="en-GB" sz="1400" dirty="0">
+                <a:solidFill>
+                  <a:schemeClr val="tx1"/>
+                </a:solidFill>
+              </a:rPr>
+              <a:t>Financials</a:t>
+            </a:r>
+          </a:p>
+        </p:txBody>
+      </p:sp>
+      <p:sp>
+        <p:nvSpPr>
+          <p:cNvPr id="30" name="Rectangle 29">
+            <a:extLst>
+              <a:ext uri="{FF2B5EF4-FFF2-40B4-BE49-F238E27FC236}">
+                <a16:creationId xmlns:a16="http://schemas.microsoft.com/office/drawing/2014/main" id="{E6B82B59-87A7-FF3C-29B5-7C70BB46EC98}"/>
+              </a:ext>
+            </a:extLst>
+          </p:cNvPr>
+          <p:cNvSpPr/>
+          <p:nvPr/>
+        </p:nvSpPr>
+        <p:spPr>
+          <a:xfrm rot="10800000">
+            <a:off x="9567090" y="1326851"/>
+            <a:ext cx="273487" cy="279840"/>
+          </a:xfrm>
+          <a:prstGeom prst="rect">
+            <a:avLst/>
+          </a:prstGeom>
+          <a:solidFill>
+            <a:schemeClr val="bg1">
+              <a:lumMod val="95000"/>
+            </a:schemeClr>
+          </a:solidFill>
+          <a:ln>
+            <a:solidFill>
+              <a:schemeClr val="bg2">
+                <a:lumMod val="90000"/>
+              </a:schemeClr>
+            </a:solidFill>
+          </a:ln>
+        </p:spPr>
+        <p:style>
+          <a:lnRef idx="2">
+            <a:schemeClr val="accent1">
+              <a:shade val="50000"/>
+            </a:schemeClr>
+          </a:lnRef>
+          <a:fillRef idx="1">
+            <a:schemeClr val="accent1"/>
+          </a:fillRef>
+          <a:effectRef idx="0">
+            <a:schemeClr val="accent1"/>
+          </a:effectRef>
+          <a:fontRef idx="minor">
+            <a:schemeClr val="lt1"/>
+          </a:fontRef>
+        </p:style>
+        <p:txBody>
+          <a:bodyPr rtlCol="0" anchor="ctr"/>
+          <a:lstStyle/>
+          <a:p>
+            <a:pPr marL="0" marR="0" lvl="0" indent="0" algn="ctr" defTabSz="914400" rtl="0" eaLnBrk="1" fontAlgn="auto" latinLnBrk="0" hangingPunct="1">
+              <a:lnSpc>
+                <a:spcPct val="100000"/>
+              </a:lnSpc>
+              <a:spcBef>
+                <a:spcPts val="0"/>
+              </a:spcBef>
+              <a:spcAft>
+                <a:spcPts val="0"/>
+              </a:spcAft>
+              <a:buClrTx/>
+              <a:buSzTx/>
+              <a:buFontTx/>
+              <a:buNone/>
+              <a:tabLst/>
+              <a:defRPr/>
+            </a:pPr>
+            <a:endParaRPr kumimoji="0" lang="en-GB" sz="1800" b="0" i="0" u="none" strike="noStrike" kern="1200" cap="none" spc="0" normalizeH="0" baseline="0" noProof="0">
+              <a:ln>
+                <a:noFill/>
+              </a:ln>
+              <a:solidFill>
+                <a:prstClr val="white"/>
+              </a:solidFill>
+              <a:effectLst/>
+              <a:uLnTx/>
+              <a:uFillTx/>
+              <a:latin typeface="Calibri" panose="020F0502020204030204"/>
+              <a:ea typeface="+mn-ea"/>
+              <a:cs typeface="+mn-cs"/>
+            </a:endParaRPr>
+          </a:p>
+        </p:txBody>
+      </p:sp>
+      <p:sp>
+        <p:nvSpPr>
+          <p:cNvPr id="31" name="Arrow: Chevron 30">
+            <a:extLst>
+              <a:ext uri="{FF2B5EF4-FFF2-40B4-BE49-F238E27FC236}">
+                <a16:creationId xmlns:a16="http://schemas.microsoft.com/office/drawing/2014/main" id="{8B92E358-02AA-4990-8115-B85B872CA4CB}"/>
+              </a:ext>
+            </a:extLst>
+          </p:cNvPr>
+          <p:cNvSpPr/>
+          <p:nvPr/>
+        </p:nvSpPr>
+        <p:spPr>
+          <a:xfrm rot="5400000">
+            <a:off x="9641377" y="1391516"/>
+            <a:ext cx="140349" cy="149654"/>
+          </a:xfrm>
+          <a:prstGeom prst="chevron">
+            <a:avLst/>
+          </a:prstGeom>
+          <a:solidFill>
+            <a:schemeClr val="bg1">
+              <a:lumMod val="50000"/>
+            </a:schemeClr>
+          </a:solidFill>
+          <a:ln>
+            <a:noFill/>
+          </a:ln>
+        </p:spPr>
+        <p:style>
+          <a:lnRef idx="2">
+            <a:schemeClr val="accent1">
+              <a:shade val="50000"/>
+            </a:schemeClr>
+          </a:lnRef>
+          <a:fillRef idx="1">
+            <a:schemeClr val="accent1"/>
+          </a:fillRef>
+          <a:effectRef idx="0">
+            <a:schemeClr val="accent1"/>
+          </a:effectRef>
+          <a:fontRef idx="minor">
+            <a:schemeClr val="lt1"/>
+          </a:fontRef>
+        </p:style>
+        <p:txBody>
+          <a:bodyPr rtlCol="0" anchor="ctr"/>
+          <a:lstStyle/>
+          <a:p>
+            <a:pPr marL="0" marR="0" lvl="0" indent="0" algn="ctr" defTabSz="914400" rtl="0" eaLnBrk="1" fontAlgn="auto" latinLnBrk="0" hangingPunct="1">
+              <a:lnSpc>
+                <a:spcPct val="100000"/>
+              </a:lnSpc>
+              <a:spcBef>
+                <a:spcPts val="0"/>
+              </a:spcBef>
+              <a:spcAft>
+                <a:spcPts val="0"/>
+              </a:spcAft>
+              <a:buClrTx/>
+              <a:buSzTx/>
+              <a:buFontTx/>
+              <a:buNone/>
+              <a:tabLst/>
+              <a:defRPr/>
+            </a:pPr>
+            <a:endParaRPr kumimoji="0" lang="en-GB" sz="1800" b="0" i="0" u="none" strike="noStrike" kern="1200" cap="none" spc="0" normalizeH="0" baseline="0" noProof="0">
+              <a:ln>
+                <a:noFill/>
+              </a:ln>
+              <a:solidFill>
+                <a:prstClr val="black"/>
+              </a:solidFill>
+              <a:effectLst/>
+              <a:uLnTx/>
+              <a:uFillTx/>
+              <a:latin typeface="Calibri" panose="020F0502020204030204"/>
+              <a:ea typeface="+mn-ea"/>
+              <a:cs typeface="+mn-cs"/>
+            </a:endParaRPr>
+          </a:p>
+        </p:txBody>
+      </p:sp>
+      <p:sp>
+        <p:nvSpPr>
+          <p:cNvPr id="32" name="AddButton1">
+            <a:extLst>
+              <a:ext uri="{FF2B5EF4-FFF2-40B4-BE49-F238E27FC236}">
+                <a16:creationId xmlns:a16="http://schemas.microsoft.com/office/drawing/2014/main" id="{5E9BC5F4-E5E7-0513-7065-F56CF0B64672}"/>
+              </a:ext>
+            </a:extLst>
+          </p:cNvPr>
+          <p:cNvSpPr/>
+          <p:nvPr/>
+        </p:nvSpPr>
+        <p:spPr>
+          <a:xfrm>
+            <a:off x="7887623" y="1712486"/>
+            <a:ext cx="912145" cy="282516"/>
+          </a:xfrm>
+          <a:prstGeom prst="rect">
+            <a:avLst/>
+          </a:prstGeom>
+          <a:solidFill>
+            <a:srgbClr val="364652"/>
+          </a:solidFill>
+          <a:ln>
+            <a:noFill/>
+          </a:ln>
+        </p:spPr>
+        <p:style>
+          <a:lnRef idx="2">
+            <a:schemeClr val="accent1">
+              <a:shade val="50000"/>
+            </a:schemeClr>
+          </a:lnRef>
+          <a:fillRef idx="1">
+            <a:schemeClr val="accent1"/>
+          </a:fillRef>
+          <a:effectRef idx="0">
+            <a:schemeClr val="accent1"/>
+          </a:effectRef>
+          <a:fontRef idx="minor">
+            <a:schemeClr val="lt1"/>
+          </a:fontRef>
+        </p:style>
+        <p:txBody>
+          <a:bodyPr rtlCol="0" anchor="ctr"/>
+          <a:lstStyle/>
+          <a:p>
+            <a:pPr algn="ctr"/>
+            <a:r>
+              <a:rPr lang="en-GB" sz="1400" dirty="0"/>
+              <a:t>Add</a:t>
+            </a:r>
+          </a:p>
+        </p:txBody>
+      </p:sp>
+      <p:sp>
+        <p:nvSpPr>
+          <p:cNvPr id="33" name="Rectangle 32">
+            <a:extLst>
+              <a:ext uri="{FF2B5EF4-FFF2-40B4-BE49-F238E27FC236}">
+                <a16:creationId xmlns:a16="http://schemas.microsoft.com/office/drawing/2014/main" id="{0C671FF1-32D3-F892-2FF9-9354BF97AF65}"/>
+              </a:ext>
+            </a:extLst>
+          </p:cNvPr>
+          <p:cNvSpPr/>
+          <p:nvPr/>
+        </p:nvSpPr>
+        <p:spPr>
+          <a:xfrm>
+            <a:off x="8852966" y="1712486"/>
+            <a:ext cx="987611" cy="282516"/>
+          </a:xfrm>
+          <a:prstGeom prst="rect">
+            <a:avLst/>
+          </a:prstGeom>
+          <a:solidFill>
+            <a:srgbClr val="364652"/>
+          </a:solidFill>
+          <a:ln>
+            <a:noFill/>
+          </a:ln>
+        </p:spPr>
+        <p:style>
+          <a:lnRef idx="2">
+            <a:schemeClr val="accent1">
+              <a:shade val="50000"/>
+            </a:schemeClr>
+          </a:lnRef>
+          <a:fillRef idx="1">
+            <a:schemeClr val="accent1"/>
+          </a:fillRef>
+          <a:effectRef idx="0">
+            <a:schemeClr val="accent1"/>
+          </a:effectRef>
+          <a:fontRef idx="minor">
+            <a:schemeClr val="lt1"/>
+          </a:fontRef>
+        </p:style>
+        <p:txBody>
+          <a:bodyPr rtlCol="0" anchor="ctr"/>
+          <a:lstStyle/>
+          <a:p>
+            <a:pPr algn="ctr"/>
+            <a:r>
+              <a:rPr lang="en-GB" sz="1400" dirty="0"/>
+              <a:t>Remove</a:t>
+            </a:r>
+          </a:p>
+        </p:txBody>
+      </p:sp>
+      <p:sp>
+        <p:nvSpPr>
+          <p:cNvPr id="35" name="TextBox 34">
+            <a:extLst>
+              <a:ext uri="{FF2B5EF4-FFF2-40B4-BE49-F238E27FC236}">
+                <a16:creationId xmlns:a16="http://schemas.microsoft.com/office/drawing/2014/main" id="{D7F006B4-D69A-4A81-5B8D-AC1BA4251795}"/>
+              </a:ext>
+            </a:extLst>
+          </p:cNvPr>
+          <p:cNvSpPr txBox="1"/>
+          <p:nvPr/>
+        </p:nvSpPr>
+        <p:spPr>
+          <a:xfrm>
+            <a:off x="4392039" y="986276"/>
+            <a:ext cx="5448538" cy="369332"/>
+          </a:xfrm>
+          <a:prstGeom prst="rect">
+            <a:avLst/>
+          </a:prstGeom>
+          <a:noFill/>
+        </p:spPr>
+        <p:txBody>
+          <a:bodyPr wrap="square" rtlCol="0">
+            <a:spAutoFit/>
+          </a:bodyPr>
+          <a:lstStyle/>
+          <a:p>
+            <a:r>
+              <a:rPr lang="en-GB" dirty="0">
+                <a:solidFill>
+                  <a:schemeClr val="bg1"/>
+                </a:solidFill>
+              </a:rPr>
+              <a:t>Industry Sector - Major</a:t>
+            </a:r>
+          </a:p>
+        </p:txBody>
+      </p:sp>
+      <p:sp>
+        <p:nvSpPr>
+          <p:cNvPr id="37" name="Rectangle 36">
+            <a:extLst>
+              <a:ext uri="{FF2B5EF4-FFF2-40B4-BE49-F238E27FC236}">
+                <a16:creationId xmlns:a16="http://schemas.microsoft.com/office/drawing/2014/main" id="{58E46B00-A313-48CE-DB29-AA0CE803CD42}"/>
+              </a:ext>
+            </a:extLst>
+          </p:cNvPr>
+          <p:cNvSpPr/>
+          <p:nvPr/>
+        </p:nvSpPr>
+        <p:spPr>
+          <a:xfrm>
+            <a:off x="4390072" y="2351879"/>
+            <a:ext cx="3389745" cy="1318600"/>
+          </a:xfrm>
+          <a:prstGeom prst="rect">
+            <a:avLst/>
+          </a:prstGeom>
+          <a:solidFill>
+            <a:schemeClr val="bg1"/>
+          </a:solidFill>
+          <a:ln>
+            <a:noFill/>
+          </a:ln>
+        </p:spPr>
+        <p:style>
+          <a:lnRef idx="2">
+            <a:schemeClr val="accent1">
+              <a:shade val="50000"/>
+            </a:schemeClr>
+          </a:lnRef>
+          <a:fillRef idx="1">
+            <a:schemeClr val="accent1"/>
+          </a:fillRef>
+          <a:effectRef idx="0">
+            <a:schemeClr val="accent1"/>
+          </a:effectRef>
+          <a:fontRef idx="minor">
+            <a:schemeClr val="lt1"/>
+          </a:fontRef>
+        </p:style>
+        <p:txBody>
+          <a:bodyPr rtlCol="0" anchor="ctr"/>
+          <a:lstStyle/>
+          <a:p>
+            <a:pPr algn="ctr"/>
+            <a:r>
+              <a:rPr lang="en-GB" sz="1400" dirty="0">
+                <a:solidFill>
+                  <a:schemeClr val="tx1"/>
+                </a:solidFill>
+              </a:rPr>
+              <a:t>Gaming</a:t>
+            </a:r>
+          </a:p>
+          <a:p>
+            <a:pPr algn="ctr"/>
+            <a:r>
+              <a:rPr lang="en-GB" sz="1400" dirty="0">
+                <a:solidFill>
+                  <a:schemeClr val="tx1"/>
+                </a:solidFill>
+              </a:rPr>
+              <a:t>Renewable Energies</a:t>
+            </a:r>
+          </a:p>
+          <a:p>
+            <a:pPr algn="ctr"/>
+            <a:r>
+              <a:rPr lang="en-GB" sz="1400" dirty="0">
+                <a:solidFill>
+                  <a:schemeClr val="tx1"/>
+                </a:solidFill>
+              </a:rPr>
+              <a:t>Pharmaceuticals</a:t>
+            </a:r>
+          </a:p>
+          <a:p>
+            <a:pPr algn="ctr"/>
+            <a:endParaRPr lang="en-GB" sz="1400" dirty="0">
+              <a:solidFill>
+                <a:schemeClr val="tx1"/>
+              </a:solidFill>
+            </a:endParaRPr>
+          </a:p>
+          <a:p>
+            <a:pPr algn="ctr"/>
+            <a:endParaRPr lang="en-GB" sz="1400" dirty="0">
+              <a:solidFill>
+                <a:schemeClr val="tx1"/>
+              </a:solidFill>
+            </a:endParaRPr>
+          </a:p>
+          <a:p>
+            <a:pPr algn="ctr"/>
+            <a:endParaRPr lang="en-GB" sz="1400" dirty="0">
+              <a:solidFill>
+                <a:schemeClr val="tx1"/>
+              </a:solidFill>
+            </a:endParaRPr>
+          </a:p>
+        </p:txBody>
+      </p:sp>
+      <p:sp>
+        <p:nvSpPr>
+          <p:cNvPr id="38" name="Rectangle 37">
+            <a:extLst>
+              <a:ext uri="{FF2B5EF4-FFF2-40B4-BE49-F238E27FC236}">
+                <a16:creationId xmlns:a16="http://schemas.microsoft.com/office/drawing/2014/main" id="{4F5A460B-6486-9C0D-6345-BA6F66B691FE}"/>
+              </a:ext>
+            </a:extLst>
+          </p:cNvPr>
+          <p:cNvSpPr/>
+          <p:nvPr/>
+        </p:nvSpPr>
+        <p:spPr>
+          <a:xfrm>
+            <a:off x="7885656" y="2349197"/>
+            <a:ext cx="1689570" cy="279842"/>
+          </a:xfrm>
+          <a:prstGeom prst="rect">
+            <a:avLst/>
+          </a:prstGeom>
+          <a:solidFill>
+            <a:schemeClr val="bg1"/>
+          </a:solidFill>
+          <a:ln>
+            <a:noFill/>
+          </a:ln>
+        </p:spPr>
+        <p:style>
+          <a:lnRef idx="2">
+            <a:schemeClr val="accent1">
+              <a:shade val="50000"/>
+            </a:schemeClr>
+          </a:lnRef>
+          <a:fillRef idx="1">
+            <a:schemeClr val="accent1"/>
+          </a:fillRef>
+          <a:effectRef idx="0">
+            <a:schemeClr val="accent1"/>
+          </a:effectRef>
+          <a:fontRef idx="minor">
+            <a:schemeClr val="lt1"/>
+          </a:fontRef>
+        </p:style>
+        <p:txBody>
+          <a:bodyPr rtlCol="0" anchor="ctr"/>
+          <a:lstStyle/>
+          <a:p>
+            <a:pPr algn="ctr"/>
+            <a:r>
+              <a:rPr lang="en-GB" sz="1400" dirty="0">
+                <a:solidFill>
+                  <a:schemeClr val="tx1"/>
+                </a:solidFill>
+              </a:rPr>
+              <a:t>Pharmaceuticals</a:t>
+            </a:r>
+          </a:p>
+        </p:txBody>
+      </p:sp>
+      <p:sp>
+        <p:nvSpPr>
+          <p:cNvPr id="41" name="AddButton2">
+            <a:extLst>
+              <a:ext uri="{FF2B5EF4-FFF2-40B4-BE49-F238E27FC236}">
+                <a16:creationId xmlns:a16="http://schemas.microsoft.com/office/drawing/2014/main" id="{8A9B99E9-8723-6935-308E-A637A0564670}"/>
+              </a:ext>
+            </a:extLst>
+          </p:cNvPr>
+          <p:cNvSpPr/>
+          <p:nvPr/>
+        </p:nvSpPr>
+        <p:spPr>
+          <a:xfrm>
+            <a:off x="7885656" y="2733537"/>
+            <a:ext cx="912145" cy="282516"/>
+          </a:xfrm>
+          <a:prstGeom prst="rect">
+            <a:avLst/>
+          </a:prstGeom>
+          <a:solidFill>
+            <a:srgbClr val="364652"/>
+          </a:solidFill>
+          <a:ln>
+            <a:noFill/>
+          </a:ln>
+        </p:spPr>
+        <p:style>
+          <a:lnRef idx="2">
+            <a:schemeClr val="accent1">
+              <a:shade val="50000"/>
+            </a:schemeClr>
+          </a:lnRef>
+          <a:fillRef idx="1">
+            <a:schemeClr val="accent1"/>
+          </a:fillRef>
+          <a:effectRef idx="0">
+            <a:schemeClr val="accent1"/>
+          </a:effectRef>
+          <a:fontRef idx="minor">
+            <a:schemeClr val="lt1"/>
+          </a:fontRef>
+        </p:style>
+        <p:txBody>
+          <a:bodyPr rtlCol="0" anchor="ctr"/>
+          <a:lstStyle/>
+          <a:p>
+            <a:pPr algn="ctr"/>
+            <a:r>
+              <a:rPr lang="en-GB" sz="1400" dirty="0"/>
+              <a:t>Add</a:t>
+            </a:r>
+          </a:p>
+        </p:txBody>
+      </p:sp>
+      <p:sp>
+        <p:nvSpPr>
+          <p:cNvPr id="42" name="Rectangle 41">
+            <a:extLst>
+              <a:ext uri="{FF2B5EF4-FFF2-40B4-BE49-F238E27FC236}">
+                <a16:creationId xmlns:a16="http://schemas.microsoft.com/office/drawing/2014/main" id="{EA26089F-D2EB-44B3-D676-0970E80F9FE6}"/>
+              </a:ext>
+            </a:extLst>
+          </p:cNvPr>
+          <p:cNvSpPr/>
+          <p:nvPr/>
+        </p:nvSpPr>
+        <p:spPr>
+          <a:xfrm>
+            <a:off x="8850999" y="2733537"/>
+            <a:ext cx="987611" cy="282516"/>
+          </a:xfrm>
+          <a:prstGeom prst="rect">
+            <a:avLst/>
+          </a:prstGeom>
+          <a:solidFill>
+            <a:srgbClr val="364652"/>
+          </a:solidFill>
+          <a:ln>
+            <a:noFill/>
+          </a:ln>
+        </p:spPr>
+        <p:style>
+          <a:lnRef idx="2">
+            <a:schemeClr val="accent1">
+              <a:shade val="50000"/>
+            </a:schemeClr>
+          </a:lnRef>
+          <a:fillRef idx="1">
+            <a:schemeClr val="accent1"/>
+          </a:fillRef>
+          <a:effectRef idx="0">
+            <a:schemeClr val="accent1"/>
+          </a:effectRef>
+          <a:fontRef idx="minor">
+            <a:schemeClr val="lt1"/>
+          </a:fontRef>
+        </p:style>
+        <p:txBody>
+          <a:bodyPr rtlCol="0" anchor="ctr"/>
+          <a:lstStyle/>
+          <a:p>
+            <a:pPr algn="ctr"/>
+            <a:r>
+              <a:rPr lang="en-GB" sz="1400" dirty="0"/>
+              <a:t>Remove</a:t>
+            </a:r>
+          </a:p>
+        </p:txBody>
+      </p:sp>
+      <p:sp>
+        <p:nvSpPr>
+          <p:cNvPr id="43" name="TextBox 42">
+            <a:extLst>
+              <a:ext uri="{FF2B5EF4-FFF2-40B4-BE49-F238E27FC236}">
+                <a16:creationId xmlns:a16="http://schemas.microsoft.com/office/drawing/2014/main" id="{67B051E9-FB21-B379-ECFF-8FA37147050C}"/>
+              </a:ext>
+            </a:extLst>
+          </p:cNvPr>
+          <p:cNvSpPr txBox="1"/>
+          <p:nvPr/>
+        </p:nvSpPr>
+        <p:spPr>
+          <a:xfrm>
+            <a:off x="4390072" y="2007327"/>
+            <a:ext cx="5448538" cy="369332"/>
+          </a:xfrm>
+          <a:prstGeom prst="rect">
+            <a:avLst/>
+          </a:prstGeom>
+          <a:noFill/>
+        </p:spPr>
+        <p:txBody>
+          <a:bodyPr wrap="square" rtlCol="0">
+            <a:spAutoFit/>
+          </a:bodyPr>
+          <a:lstStyle/>
+          <a:p>
+            <a:r>
+              <a:rPr lang="en-GB" dirty="0">
+                <a:solidFill>
+                  <a:schemeClr val="bg1"/>
+                </a:solidFill>
+              </a:rPr>
+              <a:t>Industry Sector - Minor</a:t>
+            </a:r>
+          </a:p>
+        </p:txBody>
+      </p:sp>
+      <p:sp>
+        <p:nvSpPr>
+          <p:cNvPr id="51" name="Rectangle 50">
+            <a:extLst>
+              <a:ext uri="{FF2B5EF4-FFF2-40B4-BE49-F238E27FC236}">
+                <a16:creationId xmlns:a16="http://schemas.microsoft.com/office/drawing/2014/main" id="{B519EB00-291E-9396-3101-DEAE0992D5AB}"/>
+              </a:ext>
+            </a:extLst>
+          </p:cNvPr>
+          <p:cNvSpPr/>
+          <p:nvPr/>
+        </p:nvSpPr>
+        <p:spPr>
+          <a:xfrm>
+            <a:off x="4394544" y="1330253"/>
+            <a:ext cx="3389745" cy="664174"/>
+          </a:xfrm>
+          <a:prstGeom prst="rect">
+            <a:avLst/>
+          </a:prstGeom>
+          <a:solidFill>
+            <a:schemeClr val="bg1"/>
+          </a:solidFill>
+          <a:ln>
+            <a:noFill/>
+          </a:ln>
+        </p:spPr>
+        <p:style>
+          <a:lnRef idx="2">
+            <a:schemeClr val="accent1">
+              <a:shade val="50000"/>
+            </a:schemeClr>
+          </a:lnRef>
+          <a:fillRef idx="1">
+            <a:schemeClr val="accent1"/>
+          </a:fillRef>
+          <a:effectRef idx="0">
+            <a:schemeClr val="accent1"/>
+          </a:effectRef>
+          <a:fontRef idx="minor">
+            <a:schemeClr val="lt1"/>
+          </a:fontRef>
+        </p:style>
+        <p:txBody>
+          <a:bodyPr rtlCol="0" anchor="ctr"/>
+          <a:lstStyle/>
+          <a:p>
+            <a:pPr algn="ctr"/>
+            <a:r>
+              <a:rPr lang="en-GB" sz="1400" dirty="0">
+                <a:solidFill>
+                  <a:schemeClr val="tx1"/>
+                </a:solidFill>
+              </a:rPr>
+              <a:t>Technology</a:t>
+            </a:r>
+          </a:p>
+          <a:p>
+            <a:pPr algn="ctr"/>
+            <a:r>
+              <a:rPr lang="en-GB" sz="1400" dirty="0">
+                <a:solidFill>
+                  <a:schemeClr val="tx1"/>
+                </a:solidFill>
+              </a:rPr>
+              <a:t>Healthcare</a:t>
+            </a:r>
+          </a:p>
+          <a:p>
+            <a:pPr algn="ctr"/>
+            <a:r>
+              <a:rPr lang="en-GB" sz="1400" dirty="0">
+                <a:solidFill>
+                  <a:schemeClr val="tx1"/>
+                </a:solidFill>
+              </a:rPr>
+              <a:t>Financials</a:t>
+            </a:r>
+          </a:p>
+        </p:txBody>
+      </p:sp>
+      <p:grpSp>
+        <p:nvGrpSpPr>
+          <p:cNvPr id="34" name="Scroll1">
+            <a:extLst>
+              <a:ext uri="{FF2B5EF4-FFF2-40B4-BE49-F238E27FC236}">
+                <a16:creationId xmlns:a16="http://schemas.microsoft.com/office/drawing/2014/main" id="{A6012654-F7C1-E027-B8C6-A92759228DB2}"/>
+              </a:ext>
+            </a:extLst>
+          </p:cNvPr>
+          <p:cNvGrpSpPr/>
+          <p:nvPr/>
+        </p:nvGrpSpPr>
+        <p:grpSpPr>
+          <a:xfrm>
+            <a:off x="7549181" y="1328146"/>
+            <a:ext cx="231620" cy="666856"/>
+            <a:chOff x="7549181" y="1328146"/>
+            <a:chExt cx="231620" cy="666856"/>
+          </a:xfrm>
+        </p:grpSpPr>
+        <p:sp>
+          <p:nvSpPr>
+            <p:cNvPr id="24" name="Rectangle 23">
+              <a:extLst>
+                <a:ext uri="{FF2B5EF4-FFF2-40B4-BE49-F238E27FC236}">
+                  <a16:creationId xmlns:a16="http://schemas.microsoft.com/office/drawing/2014/main" id="{7DED2C61-86C1-37DC-D0EA-62BEBAC28F89}"/>
+                </a:ext>
+              </a:extLst>
+            </p:cNvPr>
+            <p:cNvSpPr/>
+            <p:nvPr/>
+          </p:nvSpPr>
+          <p:spPr>
+            <a:xfrm>
+              <a:off x="7550165" y="1330828"/>
+              <a:ext cx="230636" cy="664174"/>
+            </a:xfrm>
+            <a:prstGeom prst="rect">
+              <a:avLst/>
+            </a:prstGeom>
+            <a:solidFill>
+              <a:schemeClr val="bg1">
+                <a:lumMod val="95000"/>
+              </a:schemeClr>
+            </a:solidFill>
+            <a:ln>
+              <a:noFill/>
+            </a:ln>
+          </p:spPr>
+          <p:style>
+            <a:lnRef idx="2">
+              <a:schemeClr val="accent1">
+                <a:shade val="50000"/>
+              </a:schemeClr>
+            </a:lnRef>
+            <a:fillRef idx="1">
+              <a:schemeClr val="accent1"/>
+            </a:fillRef>
+            <a:effectRef idx="0">
+              <a:schemeClr val="accent1"/>
+            </a:effectRef>
+            <a:fontRef idx="minor">
+              <a:schemeClr val="lt1"/>
+            </a:fontRef>
+          </p:style>
+          <p:txBody>
+            <a:bodyPr rtlCol="0" anchor="ctr"/>
+            <a:lstStyle/>
+            <a:p>
+              <a:pPr marL="0" marR="0" lvl="0" indent="0" algn="ctr" defTabSz="914400" rtl="0" eaLnBrk="1" fontAlgn="auto" latinLnBrk="0" hangingPunct="1">
+                <a:lnSpc>
+                  <a:spcPct val="100000"/>
+                </a:lnSpc>
+                <a:spcBef>
+                  <a:spcPts val="0"/>
+                </a:spcBef>
+                <a:spcAft>
+                  <a:spcPts val="0"/>
+                </a:spcAft>
+                <a:buClrTx/>
+                <a:buSzTx/>
+                <a:buFontTx/>
+                <a:buNone/>
+                <a:tabLst/>
+                <a:defRPr/>
+              </a:pPr>
+              <a:endParaRPr kumimoji="0" lang="en-GB" sz="1800" b="0" i="0" u="none" strike="noStrike" kern="1200" cap="none" spc="0" normalizeH="0" baseline="0" noProof="0">
+                <a:ln>
+                  <a:noFill/>
+                </a:ln>
+                <a:solidFill>
+                  <a:prstClr val="white"/>
+                </a:solidFill>
+                <a:effectLst/>
+                <a:uLnTx/>
+                <a:uFillTx/>
+                <a:latin typeface="Calibri" panose="020F0502020204030204"/>
+                <a:ea typeface="+mn-ea"/>
+                <a:cs typeface="+mn-cs"/>
+              </a:endParaRPr>
+            </a:p>
+          </p:txBody>
+        </p:sp>
+        <p:sp>
+          <p:nvSpPr>
+            <p:cNvPr id="25" name="Rectangle 24">
+              <a:extLst>
+                <a:ext uri="{FF2B5EF4-FFF2-40B4-BE49-F238E27FC236}">
+                  <a16:creationId xmlns:a16="http://schemas.microsoft.com/office/drawing/2014/main" id="{C9C358F8-3091-01FC-56DC-85834D370090}"/>
+                </a:ext>
+              </a:extLst>
+            </p:cNvPr>
+            <p:cNvSpPr/>
+            <p:nvPr/>
+          </p:nvSpPr>
+          <p:spPr>
+            <a:xfrm>
+              <a:off x="7549181" y="1328146"/>
+              <a:ext cx="230636" cy="223157"/>
+            </a:xfrm>
+            <a:prstGeom prst="rect">
+              <a:avLst/>
+            </a:prstGeom>
+            <a:solidFill>
+              <a:schemeClr val="bg1">
+                <a:lumMod val="95000"/>
+              </a:schemeClr>
+            </a:solidFill>
+            <a:ln>
+              <a:solidFill>
+                <a:schemeClr val="bg2">
+                  <a:lumMod val="90000"/>
+                </a:schemeClr>
+              </a:solidFill>
+            </a:ln>
+          </p:spPr>
+          <p:style>
+            <a:lnRef idx="2">
+              <a:schemeClr val="accent1">
+                <a:shade val="50000"/>
+              </a:schemeClr>
+            </a:lnRef>
+            <a:fillRef idx="1">
+              <a:schemeClr val="accent1"/>
+            </a:fillRef>
+            <a:effectRef idx="0">
+              <a:schemeClr val="accent1"/>
+            </a:effectRef>
+            <a:fontRef idx="minor">
+              <a:schemeClr val="lt1"/>
+            </a:fontRef>
+          </p:style>
+          <p:txBody>
+            <a:bodyPr rtlCol="0" anchor="ctr"/>
+            <a:lstStyle/>
+            <a:p>
+              <a:pPr marL="0" marR="0" lvl="0" indent="0" algn="ctr" defTabSz="914400" rtl="0" eaLnBrk="1" fontAlgn="auto" latinLnBrk="0" hangingPunct="1">
+                <a:lnSpc>
+                  <a:spcPct val="100000"/>
+                </a:lnSpc>
+                <a:spcBef>
+                  <a:spcPts val="0"/>
+                </a:spcBef>
+                <a:spcAft>
+                  <a:spcPts val="0"/>
+                </a:spcAft>
+                <a:buClrTx/>
+                <a:buSzTx/>
+                <a:buFontTx/>
+                <a:buNone/>
+                <a:tabLst/>
+                <a:defRPr/>
+              </a:pPr>
+              <a:endParaRPr kumimoji="0" lang="en-GB" sz="1800" b="0" i="0" u="none" strike="noStrike" kern="1200" cap="none" spc="0" normalizeH="0" baseline="0" noProof="0">
+                <a:ln>
+                  <a:noFill/>
+                </a:ln>
+                <a:solidFill>
+                  <a:prstClr val="white"/>
+                </a:solidFill>
+                <a:effectLst/>
+                <a:uLnTx/>
+                <a:uFillTx/>
+                <a:latin typeface="Calibri" panose="020F0502020204030204"/>
+                <a:ea typeface="+mn-ea"/>
+                <a:cs typeface="+mn-cs"/>
+              </a:endParaRPr>
+            </a:p>
+          </p:txBody>
+        </p:sp>
+        <p:sp>
+          <p:nvSpPr>
+            <p:cNvPr id="26" name="Arrow: Chevron 25">
+              <a:extLst>
+                <a:ext uri="{FF2B5EF4-FFF2-40B4-BE49-F238E27FC236}">
+                  <a16:creationId xmlns:a16="http://schemas.microsoft.com/office/drawing/2014/main" id="{E73F21EF-6EB9-48C9-9BB9-0804EB16554B}"/>
+                </a:ext>
+              </a:extLst>
+            </p:cNvPr>
+            <p:cNvSpPr/>
+            <p:nvPr/>
+          </p:nvSpPr>
+          <p:spPr>
+            <a:xfrm rot="16200000">
+              <a:off x="7608540" y="1372503"/>
+              <a:ext cx="111919" cy="126206"/>
+            </a:xfrm>
+            <a:prstGeom prst="chevron">
+              <a:avLst/>
+            </a:prstGeom>
+            <a:solidFill>
+              <a:schemeClr val="bg1">
+                <a:lumMod val="50000"/>
+              </a:schemeClr>
+            </a:solidFill>
+            <a:ln>
+              <a:noFill/>
+            </a:ln>
+          </p:spPr>
+          <p:style>
+            <a:lnRef idx="2">
+              <a:schemeClr val="accent1">
+                <a:shade val="50000"/>
+              </a:schemeClr>
+            </a:lnRef>
+            <a:fillRef idx="1">
+              <a:schemeClr val="accent1"/>
+            </a:fillRef>
+            <a:effectRef idx="0">
+              <a:schemeClr val="accent1"/>
+            </a:effectRef>
+            <a:fontRef idx="minor">
+              <a:schemeClr val="lt1"/>
+            </a:fontRef>
+          </p:style>
+          <p:txBody>
+            <a:bodyPr rtlCol="0" anchor="ctr"/>
+            <a:lstStyle/>
+            <a:p>
+              <a:pPr marL="0" marR="0" lvl="0" indent="0" algn="ctr" defTabSz="914400" rtl="0" eaLnBrk="1" fontAlgn="auto" latinLnBrk="0" hangingPunct="1">
+                <a:lnSpc>
+                  <a:spcPct val="100000"/>
+                </a:lnSpc>
+                <a:spcBef>
+                  <a:spcPts val="0"/>
+                </a:spcBef>
+                <a:spcAft>
+                  <a:spcPts val="0"/>
+                </a:spcAft>
+                <a:buClrTx/>
+                <a:buSzTx/>
+                <a:buFontTx/>
+                <a:buNone/>
+                <a:tabLst/>
+                <a:defRPr/>
+              </a:pPr>
+              <a:endParaRPr kumimoji="0" lang="en-GB" sz="1800" b="0" i="0" u="none" strike="noStrike" kern="1200" cap="none" spc="0" normalizeH="0" baseline="0" noProof="0">
+                <a:ln>
+                  <a:noFill/>
+                </a:ln>
+                <a:solidFill>
+                  <a:prstClr val="black"/>
+                </a:solidFill>
+                <a:effectLst/>
+                <a:uLnTx/>
+                <a:uFillTx/>
+                <a:latin typeface="Calibri" panose="020F0502020204030204"/>
+                <a:ea typeface="+mn-ea"/>
+                <a:cs typeface="+mn-cs"/>
+              </a:endParaRPr>
+            </a:p>
+          </p:txBody>
+        </p:sp>
+        <p:sp>
+          <p:nvSpPr>
+            <p:cNvPr id="27" name="Rectangle 26">
+              <a:extLst>
+                <a:ext uri="{FF2B5EF4-FFF2-40B4-BE49-F238E27FC236}">
+                  <a16:creationId xmlns:a16="http://schemas.microsoft.com/office/drawing/2014/main" id="{4859A158-1F11-73B6-663A-4818AB5C0F56}"/>
+                </a:ext>
+              </a:extLst>
+            </p:cNvPr>
+            <p:cNvSpPr/>
+            <p:nvPr/>
+          </p:nvSpPr>
+          <p:spPr>
+            <a:xfrm rot="10800000">
+              <a:off x="7550165" y="1763544"/>
+              <a:ext cx="230636" cy="223157"/>
+            </a:xfrm>
+            <a:prstGeom prst="rect">
+              <a:avLst/>
+            </a:prstGeom>
+            <a:solidFill>
+              <a:schemeClr val="bg1">
+                <a:lumMod val="95000"/>
+              </a:schemeClr>
+            </a:solidFill>
+            <a:ln>
+              <a:solidFill>
+                <a:schemeClr val="bg2">
+                  <a:lumMod val="90000"/>
+                </a:schemeClr>
+              </a:solidFill>
+            </a:ln>
+          </p:spPr>
+          <p:style>
+            <a:lnRef idx="2">
+              <a:schemeClr val="accent1">
+                <a:shade val="50000"/>
+              </a:schemeClr>
+            </a:lnRef>
+            <a:fillRef idx="1">
+              <a:schemeClr val="accent1"/>
+            </a:fillRef>
+            <a:effectRef idx="0">
+              <a:schemeClr val="accent1"/>
+            </a:effectRef>
+            <a:fontRef idx="minor">
+              <a:schemeClr val="lt1"/>
+            </a:fontRef>
+          </p:style>
+          <p:txBody>
+            <a:bodyPr rtlCol="0" anchor="ctr"/>
+            <a:lstStyle/>
+            <a:p>
+              <a:pPr marL="0" marR="0" lvl="0" indent="0" algn="ctr" defTabSz="914400" rtl="0" eaLnBrk="1" fontAlgn="auto" latinLnBrk="0" hangingPunct="1">
+                <a:lnSpc>
+                  <a:spcPct val="100000"/>
+                </a:lnSpc>
+                <a:spcBef>
+                  <a:spcPts val="0"/>
+                </a:spcBef>
+                <a:spcAft>
+                  <a:spcPts val="0"/>
+                </a:spcAft>
+                <a:buClrTx/>
+                <a:buSzTx/>
+                <a:buFontTx/>
+                <a:buNone/>
+                <a:tabLst/>
+                <a:defRPr/>
+              </a:pPr>
+              <a:endParaRPr kumimoji="0" lang="en-GB" sz="1800" b="0" i="0" u="none" strike="noStrike" kern="1200" cap="none" spc="0" normalizeH="0" baseline="0" noProof="0">
+                <a:ln>
+                  <a:noFill/>
+                </a:ln>
+                <a:solidFill>
+                  <a:prstClr val="white"/>
+                </a:solidFill>
+                <a:effectLst/>
+                <a:uLnTx/>
+                <a:uFillTx/>
+                <a:latin typeface="Calibri" panose="020F0502020204030204"/>
+                <a:ea typeface="+mn-ea"/>
+                <a:cs typeface="+mn-cs"/>
+              </a:endParaRPr>
+            </a:p>
+          </p:txBody>
+        </p:sp>
+        <p:sp>
+          <p:nvSpPr>
+            <p:cNvPr id="28" name="Arrow: Chevron 27">
+              <a:extLst>
+                <a:ext uri="{FF2B5EF4-FFF2-40B4-BE49-F238E27FC236}">
+                  <a16:creationId xmlns:a16="http://schemas.microsoft.com/office/drawing/2014/main" id="{77E3369A-63EF-F702-AD8B-466240A78B61}"/>
+                </a:ext>
+              </a:extLst>
+            </p:cNvPr>
+            <p:cNvSpPr/>
+            <p:nvPr/>
+          </p:nvSpPr>
+          <p:spPr>
+            <a:xfrm rot="5400000">
+              <a:off x="7609524" y="1807901"/>
+              <a:ext cx="111919" cy="126206"/>
+            </a:xfrm>
+            <a:prstGeom prst="chevron">
+              <a:avLst/>
+            </a:prstGeom>
+            <a:solidFill>
+              <a:schemeClr val="bg1">
+                <a:lumMod val="50000"/>
+              </a:schemeClr>
+            </a:solidFill>
+            <a:ln>
+              <a:noFill/>
+            </a:ln>
+          </p:spPr>
+          <p:style>
+            <a:lnRef idx="2">
+              <a:schemeClr val="accent1">
+                <a:shade val="50000"/>
+              </a:schemeClr>
+            </a:lnRef>
+            <a:fillRef idx="1">
+              <a:schemeClr val="accent1"/>
+            </a:fillRef>
+            <a:effectRef idx="0">
+              <a:schemeClr val="accent1"/>
+            </a:effectRef>
+            <a:fontRef idx="minor">
+              <a:schemeClr val="lt1"/>
+            </a:fontRef>
+          </p:style>
+          <p:txBody>
+            <a:bodyPr rtlCol="0" anchor="ctr"/>
+            <a:lstStyle/>
+            <a:p>
+              <a:pPr marL="0" marR="0" lvl="0" indent="0" algn="ctr" defTabSz="914400" rtl="0" eaLnBrk="1" fontAlgn="auto" latinLnBrk="0" hangingPunct="1">
+                <a:lnSpc>
+                  <a:spcPct val="100000"/>
+                </a:lnSpc>
+                <a:spcBef>
+                  <a:spcPts val="0"/>
+                </a:spcBef>
+                <a:spcAft>
+                  <a:spcPts val="0"/>
+                </a:spcAft>
+                <a:buClrTx/>
+                <a:buSzTx/>
+                <a:buFontTx/>
+                <a:buNone/>
+                <a:tabLst/>
+                <a:defRPr/>
+              </a:pPr>
+              <a:endParaRPr kumimoji="0" lang="en-GB" sz="1800" b="0" i="0" u="none" strike="noStrike" kern="1200" cap="none" spc="0" normalizeH="0" baseline="0" noProof="0">
+                <a:ln>
+                  <a:noFill/>
+                </a:ln>
+                <a:solidFill>
+                  <a:prstClr val="black"/>
+                </a:solidFill>
+                <a:effectLst/>
+                <a:uLnTx/>
+                <a:uFillTx/>
+                <a:latin typeface="Calibri" panose="020F0502020204030204"/>
+                <a:ea typeface="+mn-ea"/>
+                <a:cs typeface="+mn-cs"/>
+              </a:endParaRPr>
+            </a:p>
+          </p:txBody>
+        </p:sp>
+      </p:grpSp>
+      <p:sp>
+        <p:nvSpPr>
+          <p:cNvPr id="54" name="Rectangle 53">
+            <a:extLst>
+              <a:ext uri="{FF2B5EF4-FFF2-40B4-BE49-F238E27FC236}">
+                <a16:creationId xmlns:a16="http://schemas.microsoft.com/office/drawing/2014/main" id="{C5C16BCE-0DCA-F305-0756-BF779435BE96}"/>
+              </a:ext>
+            </a:extLst>
+          </p:cNvPr>
+          <p:cNvSpPr/>
+          <p:nvPr/>
+        </p:nvSpPr>
+        <p:spPr>
+          <a:xfrm>
+            <a:off x="4398622" y="4020569"/>
+            <a:ext cx="3389745" cy="664174"/>
+          </a:xfrm>
+          <a:prstGeom prst="rect">
+            <a:avLst/>
+          </a:prstGeom>
+          <a:solidFill>
+            <a:schemeClr val="bg1"/>
+          </a:solidFill>
+          <a:ln>
+            <a:noFill/>
+          </a:ln>
+        </p:spPr>
+        <p:style>
+          <a:lnRef idx="2">
+            <a:schemeClr val="accent1">
+              <a:shade val="50000"/>
+            </a:schemeClr>
+          </a:lnRef>
+          <a:fillRef idx="1">
+            <a:schemeClr val="accent1"/>
+          </a:fillRef>
+          <a:effectRef idx="0">
+            <a:schemeClr val="accent1"/>
+          </a:effectRef>
+          <a:fontRef idx="minor">
+            <a:schemeClr val="lt1"/>
+          </a:fontRef>
+        </p:style>
+        <p:txBody>
+          <a:bodyPr rtlCol="0" anchor="ctr"/>
+          <a:lstStyle/>
+          <a:p>
+            <a:pPr algn="ctr"/>
+            <a:r>
+              <a:rPr lang="en-GB" sz="1400" dirty="0">
+                <a:solidFill>
+                  <a:schemeClr val="tx1"/>
+                </a:solidFill>
+              </a:rPr>
+              <a:t>Technology</a:t>
+            </a:r>
+          </a:p>
+          <a:p>
+            <a:pPr algn="ctr"/>
+            <a:r>
+              <a:rPr lang="en-GB" sz="1400" dirty="0">
+                <a:solidFill>
+                  <a:schemeClr val="tx1"/>
+                </a:solidFill>
+              </a:rPr>
+              <a:t>Healthcare</a:t>
+            </a:r>
+          </a:p>
+          <a:p>
+            <a:pPr algn="ctr"/>
+            <a:endParaRPr lang="en-GB" sz="1400" dirty="0">
+              <a:solidFill>
+                <a:schemeClr val="tx1"/>
+              </a:solidFill>
+            </a:endParaRPr>
+          </a:p>
+        </p:txBody>
+      </p:sp>
+      <p:sp>
+        <p:nvSpPr>
+          <p:cNvPr id="55" name="Rectangle 54">
+            <a:extLst>
+              <a:ext uri="{FF2B5EF4-FFF2-40B4-BE49-F238E27FC236}">
+                <a16:creationId xmlns:a16="http://schemas.microsoft.com/office/drawing/2014/main" id="{62B5A8FC-E86E-6FB6-183E-8101AB6344F7}"/>
+              </a:ext>
+            </a:extLst>
+          </p:cNvPr>
+          <p:cNvSpPr/>
+          <p:nvPr/>
+        </p:nvSpPr>
+        <p:spPr>
+          <a:xfrm>
+            <a:off x="4401127" y="4019994"/>
+            <a:ext cx="3389745" cy="664174"/>
+          </a:xfrm>
+          <a:prstGeom prst="rect">
+            <a:avLst/>
+          </a:prstGeom>
+          <a:solidFill>
+            <a:schemeClr val="bg1"/>
+          </a:solidFill>
+          <a:ln>
+            <a:noFill/>
+          </a:ln>
+        </p:spPr>
+        <p:style>
+          <a:lnRef idx="2">
+            <a:schemeClr val="accent1">
+              <a:shade val="50000"/>
+            </a:schemeClr>
+          </a:lnRef>
+          <a:fillRef idx="1">
+            <a:schemeClr val="accent1"/>
+          </a:fillRef>
+          <a:effectRef idx="0">
+            <a:schemeClr val="accent1"/>
+          </a:effectRef>
+          <a:fontRef idx="minor">
+            <a:schemeClr val="lt1"/>
+          </a:fontRef>
+        </p:style>
+        <p:txBody>
+          <a:bodyPr rtlCol="0" anchor="ctr"/>
+          <a:lstStyle/>
+          <a:p>
+            <a:pPr algn="ctr"/>
+            <a:r>
+              <a:rPr lang="en-GB" sz="1400" dirty="0">
+                <a:solidFill>
+                  <a:schemeClr val="tx1"/>
+                </a:solidFill>
+              </a:rPr>
+              <a:t>GBP</a:t>
+            </a:r>
+          </a:p>
+          <a:p>
+            <a:pPr algn="ctr"/>
+            <a:r>
+              <a:rPr lang="en-GB" sz="1400" dirty="0">
+                <a:solidFill>
+                  <a:schemeClr val="tx1"/>
+                </a:solidFill>
+              </a:rPr>
+              <a:t>USD</a:t>
+            </a:r>
+          </a:p>
+          <a:p>
+            <a:pPr algn="ctr"/>
+            <a:r>
+              <a:rPr lang="en-GB" sz="1400" dirty="0">
+                <a:solidFill>
+                  <a:schemeClr val="tx1"/>
+                </a:solidFill>
+              </a:rPr>
+              <a:t>EUR</a:t>
+            </a:r>
+          </a:p>
+        </p:txBody>
+      </p:sp>
+      <p:grpSp>
+        <p:nvGrpSpPr>
+          <p:cNvPr id="56" name="Scroll1">
+            <a:extLst>
+              <a:ext uri="{FF2B5EF4-FFF2-40B4-BE49-F238E27FC236}">
+                <a16:creationId xmlns:a16="http://schemas.microsoft.com/office/drawing/2014/main" id="{47D73212-EE54-CF66-F236-D0754EE67E9D}"/>
+              </a:ext>
+            </a:extLst>
+          </p:cNvPr>
+          <p:cNvGrpSpPr/>
+          <p:nvPr/>
+        </p:nvGrpSpPr>
+        <p:grpSpPr>
+          <a:xfrm>
+            <a:off x="7555764" y="4017887"/>
+            <a:ext cx="231620" cy="666856"/>
+            <a:chOff x="7549181" y="1328146"/>
+            <a:chExt cx="231620" cy="666856"/>
+          </a:xfrm>
+        </p:grpSpPr>
+        <p:sp>
+          <p:nvSpPr>
+            <p:cNvPr id="57" name="Rectangle 56">
+              <a:extLst>
+                <a:ext uri="{FF2B5EF4-FFF2-40B4-BE49-F238E27FC236}">
+                  <a16:creationId xmlns:a16="http://schemas.microsoft.com/office/drawing/2014/main" id="{5FAD6074-66E0-D9A3-C028-04B4ED56ABC7}"/>
+                </a:ext>
+              </a:extLst>
+            </p:cNvPr>
+            <p:cNvSpPr/>
+            <p:nvPr/>
+          </p:nvSpPr>
+          <p:spPr>
+            <a:xfrm>
+              <a:off x="7550165" y="1330828"/>
+              <a:ext cx="230636" cy="664174"/>
+            </a:xfrm>
+            <a:prstGeom prst="rect">
+              <a:avLst/>
+            </a:prstGeom>
+            <a:solidFill>
+              <a:schemeClr val="bg1">
+                <a:lumMod val="95000"/>
+              </a:schemeClr>
+            </a:solidFill>
+            <a:ln>
+              <a:noFill/>
+            </a:ln>
+          </p:spPr>
+          <p:style>
+            <a:lnRef idx="2">
+              <a:schemeClr val="accent1">
+                <a:shade val="50000"/>
+              </a:schemeClr>
+            </a:lnRef>
+            <a:fillRef idx="1">
+              <a:schemeClr val="accent1"/>
+            </a:fillRef>
+            <a:effectRef idx="0">
+              <a:schemeClr val="accent1"/>
+            </a:effectRef>
+            <a:fontRef idx="minor">
+              <a:schemeClr val="lt1"/>
+            </a:fontRef>
+          </p:style>
+          <p:txBody>
+            <a:bodyPr rtlCol="0" anchor="ctr"/>
+            <a:lstStyle/>
+            <a:p>
+              <a:pPr marL="0" marR="0" lvl="0" indent="0" algn="ctr" defTabSz="914400" rtl="0" eaLnBrk="1" fontAlgn="auto" latinLnBrk="0" hangingPunct="1">
+                <a:lnSpc>
+                  <a:spcPct val="100000"/>
+                </a:lnSpc>
+                <a:spcBef>
+                  <a:spcPts val="0"/>
+                </a:spcBef>
+                <a:spcAft>
+                  <a:spcPts val="0"/>
+                </a:spcAft>
+                <a:buClrTx/>
+                <a:buSzTx/>
+                <a:buFontTx/>
+                <a:buNone/>
+                <a:tabLst/>
+                <a:defRPr/>
+              </a:pPr>
+              <a:endParaRPr kumimoji="0" lang="en-GB" sz="1800" b="0" i="0" u="none" strike="noStrike" kern="1200" cap="none" spc="0" normalizeH="0" baseline="0" noProof="0">
+                <a:ln>
+                  <a:noFill/>
+                </a:ln>
+                <a:solidFill>
+                  <a:prstClr val="white"/>
+                </a:solidFill>
+                <a:effectLst/>
+                <a:uLnTx/>
+                <a:uFillTx/>
+                <a:latin typeface="Calibri" panose="020F0502020204030204"/>
+                <a:ea typeface="+mn-ea"/>
+                <a:cs typeface="+mn-cs"/>
+              </a:endParaRPr>
+            </a:p>
+          </p:txBody>
+        </p:sp>
+        <p:sp>
+          <p:nvSpPr>
+            <p:cNvPr id="58" name="Rectangle 57">
+              <a:extLst>
+                <a:ext uri="{FF2B5EF4-FFF2-40B4-BE49-F238E27FC236}">
+                  <a16:creationId xmlns:a16="http://schemas.microsoft.com/office/drawing/2014/main" id="{34242AB3-118F-E95D-0912-9DD83AA26401}"/>
+                </a:ext>
+              </a:extLst>
+            </p:cNvPr>
+            <p:cNvSpPr/>
+            <p:nvPr/>
+          </p:nvSpPr>
+          <p:spPr>
+            <a:xfrm>
+              <a:off x="7549181" y="1328146"/>
+              <a:ext cx="230636" cy="223157"/>
+            </a:xfrm>
+            <a:prstGeom prst="rect">
+              <a:avLst/>
+            </a:prstGeom>
+            <a:solidFill>
+              <a:schemeClr val="bg1">
+                <a:lumMod val="95000"/>
+              </a:schemeClr>
+            </a:solidFill>
+            <a:ln>
+              <a:solidFill>
+                <a:schemeClr val="bg2">
+                  <a:lumMod val="90000"/>
+                </a:schemeClr>
+              </a:solidFill>
+            </a:ln>
+          </p:spPr>
+          <p:style>
+            <a:lnRef idx="2">
+              <a:schemeClr val="accent1">
+                <a:shade val="50000"/>
+              </a:schemeClr>
+            </a:lnRef>
+            <a:fillRef idx="1">
+              <a:schemeClr val="accent1"/>
+            </a:fillRef>
+            <a:effectRef idx="0">
+              <a:schemeClr val="accent1"/>
+            </a:effectRef>
+            <a:fontRef idx="minor">
+              <a:schemeClr val="lt1"/>
+            </a:fontRef>
+          </p:style>
+          <p:txBody>
+            <a:bodyPr rtlCol="0" anchor="ctr"/>
+            <a:lstStyle/>
+            <a:p>
+              <a:pPr marL="0" marR="0" lvl="0" indent="0" algn="ctr" defTabSz="914400" rtl="0" eaLnBrk="1" fontAlgn="auto" latinLnBrk="0" hangingPunct="1">
+                <a:lnSpc>
+                  <a:spcPct val="100000"/>
+                </a:lnSpc>
+                <a:spcBef>
+                  <a:spcPts val="0"/>
+                </a:spcBef>
+                <a:spcAft>
+                  <a:spcPts val="0"/>
+                </a:spcAft>
+                <a:buClrTx/>
+                <a:buSzTx/>
+                <a:buFontTx/>
+                <a:buNone/>
+                <a:tabLst/>
+                <a:defRPr/>
+              </a:pPr>
+              <a:endParaRPr kumimoji="0" lang="en-GB" sz="1800" b="0" i="0" u="none" strike="noStrike" kern="1200" cap="none" spc="0" normalizeH="0" baseline="0" noProof="0">
+                <a:ln>
+                  <a:noFill/>
+                </a:ln>
+                <a:solidFill>
+                  <a:prstClr val="white"/>
+                </a:solidFill>
+                <a:effectLst/>
+                <a:uLnTx/>
+                <a:uFillTx/>
+                <a:latin typeface="Calibri" panose="020F0502020204030204"/>
+                <a:ea typeface="+mn-ea"/>
+                <a:cs typeface="+mn-cs"/>
+              </a:endParaRPr>
+            </a:p>
+          </p:txBody>
+        </p:sp>
+        <p:sp>
+          <p:nvSpPr>
+            <p:cNvPr id="59" name="Arrow: Chevron 58">
+              <a:extLst>
+                <a:ext uri="{FF2B5EF4-FFF2-40B4-BE49-F238E27FC236}">
+                  <a16:creationId xmlns:a16="http://schemas.microsoft.com/office/drawing/2014/main" id="{21F0FC23-9BF2-1D76-E51B-21AABC233B47}"/>
+                </a:ext>
+              </a:extLst>
+            </p:cNvPr>
+            <p:cNvSpPr/>
+            <p:nvPr/>
+          </p:nvSpPr>
+          <p:spPr>
+            <a:xfrm rot="16200000">
+              <a:off x="7608540" y="1372503"/>
+              <a:ext cx="111919" cy="126206"/>
+            </a:xfrm>
+            <a:prstGeom prst="chevron">
+              <a:avLst/>
+            </a:prstGeom>
+            <a:solidFill>
+              <a:schemeClr val="bg1">
+                <a:lumMod val="50000"/>
+              </a:schemeClr>
+            </a:solidFill>
+            <a:ln>
+              <a:noFill/>
+            </a:ln>
+          </p:spPr>
+          <p:style>
+            <a:lnRef idx="2">
+              <a:schemeClr val="accent1">
+                <a:shade val="50000"/>
+              </a:schemeClr>
+            </a:lnRef>
+            <a:fillRef idx="1">
+              <a:schemeClr val="accent1"/>
+            </a:fillRef>
+            <a:effectRef idx="0">
+              <a:schemeClr val="accent1"/>
+            </a:effectRef>
+            <a:fontRef idx="minor">
+              <a:schemeClr val="lt1"/>
+            </a:fontRef>
+          </p:style>
+          <p:txBody>
+            <a:bodyPr rtlCol="0" anchor="ctr"/>
+            <a:lstStyle/>
+            <a:p>
+              <a:pPr marL="0" marR="0" lvl="0" indent="0" algn="ctr" defTabSz="914400" rtl="0" eaLnBrk="1" fontAlgn="auto" latinLnBrk="0" hangingPunct="1">
+                <a:lnSpc>
+                  <a:spcPct val="100000"/>
+                </a:lnSpc>
+                <a:spcBef>
+                  <a:spcPts val="0"/>
+                </a:spcBef>
+                <a:spcAft>
+                  <a:spcPts val="0"/>
+                </a:spcAft>
+                <a:buClrTx/>
+                <a:buSzTx/>
+                <a:buFontTx/>
+                <a:buNone/>
+                <a:tabLst/>
+                <a:defRPr/>
+              </a:pPr>
+              <a:endParaRPr kumimoji="0" lang="en-GB" sz="1800" b="0" i="0" u="none" strike="noStrike" kern="1200" cap="none" spc="0" normalizeH="0" baseline="0" noProof="0">
+                <a:ln>
+                  <a:noFill/>
+                </a:ln>
+                <a:solidFill>
+                  <a:prstClr val="black"/>
+                </a:solidFill>
+                <a:effectLst/>
+                <a:uLnTx/>
+                <a:uFillTx/>
+                <a:latin typeface="Calibri" panose="020F0502020204030204"/>
+                <a:ea typeface="+mn-ea"/>
+                <a:cs typeface="+mn-cs"/>
+              </a:endParaRPr>
+            </a:p>
+          </p:txBody>
+        </p:sp>
+        <p:sp>
+          <p:nvSpPr>
+            <p:cNvPr id="60" name="Rectangle 59">
+              <a:extLst>
+                <a:ext uri="{FF2B5EF4-FFF2-40B4-BE49-F238E27FC236}">
+                  <a16:creationId xmlns:a16="http://schemas.microsoft.com/office/drawing/2014/main" id="{C9A6A658-2D4F-AD1B-C8DD-4D63FFE2FBEB}"/>
+                </a:ext>
+              </a:extLst>
+            </p:cNvPr>
+            <p:cNvSpPr/>
+            <p:nvPr/>
+          </p:nvSpPr>
+          <p:spPr>
+            <a:xfrm rot="10800000">
+              <a:off x="7550165" y="1763544"/>
+              <a:ext cx="230636" cy="223157"/>
+            </a:xfrm>
+            <a:prstGeom prst="rect">
+              <a:avLst/>
+            </a:prstGeom>
+            <a:solidFill>
+              <a:schemeClr val="bg1">
+                <a:lumMod val="95000"/>
+              </a:schemeClr>
+            </a:solidFill>
+            <a:ln>
+              <a:solidFill>
+                <a:schemeClr val="bg2">
+                  <a:lumMod val="90000"/>
+                </a:schemeClr>
+              </a:solidFill>
+            </a:ln>
+          </p:spPr>
+          <p:style>
+            <a:lnRef idx="2">
+              <a:schemeClr val="accent1">
+                <a:shade val="50000"/>
+              </a:schemeClr>
+            </a:lnRef>
+            <a:fillRef idx="1">
+              <a:schemeClr val="accent1"/>
+            </a:fillRef>
+            <a:effectRef idx="0">
+              <a:schemeClr val="accent1"/>
+            </a:effectRef>
+            <a:fontRef idx="minor">
+              <a:schemeClr val="lt1"/>
+            </a:fontRef>
+          </p:style>
+          <p:txBody>
+            <a:bodyPr rtlCol="0" anchor="ctr"/>
+            <a:lstStyle/>
+            <a:p>
+              <a:pPr marL="0" marR="0" lvl="0" indent="0" algn="ctr" defTabSz="914400" rtl="0" eaLnBrk="1" fontAlgn="auto" latinLnBrk="0" hangingPunct="1">
+                <a:lnSpc>
+                  <a:spcPct val="100000"/>
+                </a:lnSpc>
+                <a:spcBef>
+                  <a:spcPts val="0"/>
+                </a:spcBef>
+                <a:spcAft>
+                  <a:spcPts val="0"/>
+                </a:spcAft>
+                <a:buClrTx/>
+                <a:buSzTx/>
+                <a:buFontTx/>
+                <a:buNone/>
+                <a:tabLst/>
+                <a:defRPr/>
+              </a:pPr>
+              <a:endParaRPr kumimoji="0" lang="en-GB" sz="1800" b="0" i="0" u="none" strike="noStrike" kern="1200" cap="none" spc="0" normalizeH="0" baseline="0" noProof="0">
+                <a:ln>
+                  <a:noFill/>
+                </a:ln>
+                <a:solidFill>
+                  <a:prstClr val="white"/>
+                </a:solidFill>
+                <a:effectLst/>
+                <a:uLnTx/>
+                <a:uFillTx/>
+                <a:latin typeface="Calibri" panose="020F0502020204030204"/>
+                <a:ea typeface="+mn-ea"/>
+                <a:cs typeface="+mn-cs"/>
+              </a:endParaRPr>
+            </a:p>
+          </p:txBody>
+        </p:sp>
+        <p:sp>
+          <p:nvSpPr>
+            <p:cNvPr id="61" name="Arrow: Chevron 60">
+              <a:extLst>
+                <a:ext uri="{FF2B5EF4-FFF2-40B4-BE49-F238E27FC236}">
+                  <a16:creationId xmlns:a16="http://schemas.microsoft.com/office/drawing/2014/main" id="{3644CF1B-7E46-74D4-FF56-ADCDC9BD7AE4}"/>
+                </a:ext>
+              </a:extLst>
+            </p:cNvPr>
+            <p:cNvSpPr/>
+            <p:nvPr/>
+          </p:nvSpPr>
+          <p:spPr>
+            <a:xfrm rot="5400000">
+              <a:off x="7609524" y="1807901"/>
+              <a:ext cx="111919" cy="126206"/>
+            </a:xfrm>
+            <a:prstGeom prst="chevron">
+              <a:avLst/>
+            </a:prstGeom>
+            <a:solidFill>
+              <a:schemeClr val="bg1">
+                <a:lumMod val="50000"/>
+              </a:schemeClr>
+            </a:solidFill>
+            <a:ln>
+              <a:noFill/>
+            </a:ln>
+          </p:spPr>
+          <p:style>
+            <a:lnRef idx="2">
+              <a:schemeClr val="accent1">
+                <a:shade val="50000"/>
+              </a:schemeClr>
+            </a:lnRef>
+            <a:fillRef idx="1">
+              <a:schemeClr val="accent1"/>
+            </a:fillRef>
+            <a:effectRef idx="0">
+              <a:schemeClr val="accent1"/>
+            </a:effectRef>
+            <a:fontRef idx="minor">
+              <a:schemeClr val="lt1"/>
+            </a:fontRef>
+          </p:style>
+          <p:txBody>
+            <a:bodyPr rtlCol="0" anchor="ctr"/>
+            <a:lstStyle/>
+            <a:p>
+              <a:pPr marL="0" marR="0" lvl="0" indent="0" algn="ctr" defTabSz="914400" rtl="0" eaLnBrk="1" fontAlgn="auto" latinLnBrk="0" hangingPunct="1">
+                <a:lnSpc>
+                  <a:spcPct val="100000"/>
+                </a:lnSpc>
+                <a:spcBef>
+                  <a:spcPts val="0"/>
+                </a:spcBef>
+                <a:spcAft>
+                  <a:spcPts val="0"/>
+                </a:spcAft>
+                <a:buClrTx/>
+                <a:buSzTx/>
+                <a:buFontTx/>
+                <a:buNone/>
+                <a:tabLst/>
+                <a:defRPr/>
+              </a:pPr>
+              <a:endParaRPr kumimoji="0" lang="en-GB" sz="1800" b="0" i="0" u="none" strike="noStrike" kern="1200" cap="none" spc="0" normalizeH="0" baseline="0" noProof="0">
+                <a:ln>
+                  <a:noFill/>
+                </a:ln>
+                <a:solidFill>
+                  <a:prstClr val="black"/>
+                </a:solidFill>
+                <a:effectLst/>
+                <a:uLnTx/>
+                <a:uFillTx/>
+                <a:latin typeface="Calibri" panose="020F0502020204030204"/>
+                <a:ea typeface="+mn-ea"/>
+                <a:cs typeface="+mn-cs"/>
+              </a:endParaRPr>
+            </a:p>
+          </p:txBody>
+        </p:sp>
+      </p:grpSp>
+      <p:sp>
+        <p:nvSpPr>
+          <p:cNvPr id="62" name="TextBox 61">
+            <a:extLst>
+              <a:ext uri="{FF2B5EF4-FFF2-40B4-BE49-F238E27FC236}">
+                <a16:creationId xmlns:a16="http://schemas.microsoft.com/office/drawing/2014/main" id="{A8EC03D4-1596-5BF7-988F-5FA276E9B02E}"/>
+              </a:ext>
+            </a:extLst>
+          </p:cNvPr>
+          <p:cNvSpPr txBox="1"/>
+          <p:nvPr/>
+        </p:nvSpPr>
+        <p:spPr>
+          <a:xfrm>
+            <a:off x="4388105" y="3648844"/>
+            <a:ext cx="5448538" cy="369332"/>
+          </a:xfrm>
+          <a:prstGeom prst="rect">
+            <a:avLst/>
+          </a:prstGeom>
+          <a:noFill/>
+        </p:spPr>
+        <p:txBody>
+          <a:bodyPr wrap="square" rtlCol="0">
+            <a:spAutoFit/>
+          </a:bodyPr>
+          <a:lstStyle/>
+          <a:p>
+            <a:r>
+              <a:rPr lang="en-GB" dirty="0">
+                <a:solidFill>
+                  <a:schemeClr val="bg1"/>
+                </a:solidFill>
+              </a:rPr>
+              <a:t>Currency</a:t>
+            </a:r>
+          </a:p>
+        </p:txBody>
+      </p:sp>
+      <p:sp>
+        <p:nvSpPr>
+          <p:cNvPr id="63" name="Rectangle 62">
+            <a:extLst>
+              <a:ext uri="{FF2B5EF4-FFF2-40B4-BE49-F238E27FC236}">
+                <a16:creationId xmlns:a16="http://schemas.microsoft.com/office/drawing/2014/main" id="{4BFF5A7F-427F-1D36-0B8F-8F423BE2985E}"/>
+              </a:ext>
+            </a:extLst>
+          </p:cNvPr>
+          <p:cNvSpPr/>
+          <p:nvPr/>
+        </p:nvSpPr>
+        <p:spPr>
+          <a:xfrm>
+            <a:off x="7885656" y="4017143"/>
+            <a:ext cx="1689570" cy="279842"/>
+          </a:xfrm>
+          <a:prstGeom prst="rect">
+            <a:avLst/>
+          </a:prstGeom>
+          <a:solidFill>
+            <a:schemeClr val="bg1"/>
+          </a:solidFill>
+          <a:ln>
+            <a:noFill/>
+          </a:ln>
+        </p:spPr>
+        <p:style>
+          <a:lnRef idx="2">
+            <a:schemeClr val="accent1">
+              <a:shade val="50000"/>
+            </a:schemeClr>
+          </a:lnRef>
+          <a:fillRef idx="1">
+            <a:schemeClr val="accent1"/>
+          </a:fillRef>
+          <a:effectRef idx="0">
+            <a:schemeClr val="accent1"/>
+          </a:effectRef>
+          <a:fontRef idx="minor">
+            <a:schemeClr val="lt1"/>
+          </a:fontRef>
+        </p:style>
+        <p:txBody>
+          <a:bodyPr rtlCol="0" anchor="ctr"/>
+          <a:lstStyle/>
+          <a:p>
+            <a:pPr algn="ctr"/>
+            <a:r>
+              <a:rPr lang="en-GB" sz="1400" dirty="0">
+                <a:solidFill>
+                  <a:schemeClr val="tx1"/>
+                </a:solidFill>
+              </a:rPr>
+              <a:t>AUD</a:t>
+            </a:r>
+          </a:p>
+        </p:txBody>
+      </p:sp>
+      <p:sp>
+        <p:nvSpPr>
+          <p:cNvPr id="64" name="Rectangle 63">
+            <a:extLst>
+              <a:ext uri="{FF2B5EF4-FFF2-40B4-BE49-F238E27FC236}">
+                <a16:creationId xmlns:a16="http://schemas.microsoft.com/office/drawing/2014/main" id="{58A0D3A8-123E-1EA6-2E9A-6181A6CAA9D4}"/>
+              </a:ext>
+            </a:extLst>
+          </p:cNvPr>
+          <p:cNvSpPr/>
+          <p:nvPr/>
+        </p:nvSpPr>
+        <p:spPr>
+          <a:xfrm rot="10800000">
+            <a:off x="9565123" y="4015848"/>
+            <a:ext cx="273487" cy="279840"/>
+          </a:xfrm>
+          <a:prstGeom prst="rect">
+            <a:avLst/>
+          </a:prstGeom>
+          <a:solidFill>
+            <a:schemeClr val="bg1">
+              <a:lumMod val="95000"/>
+            </a:schemeClr>
+          </a:solidFill>
+          <a:ln>
+            <a:solidFill>
+              <a:schemeClr val="bg2">
+                <a:lumMod val="90000"/>
+              </a:schemeClr>
+            </a:solidFill>
+          </a:ln>
+        </p:spPr>
+        <p:style>
+          <a:lnRef idx="2">
+            <a:schemeClr val="accent1">
+              <a:shade val="50000"/>
+            </a:schemeClr>
+          </a:lnRef>
+          <a:fillRef idx="1">
+            <a:schemeClr val="accent1"/>
+          </a:fillRef>
+          <a:effectRef idx="0">
+            <a:schemeClr val="accent1"/>
+          </a:effectRef>
+          <a:fontRef idx="minor">
+            <a:schemeClr val="lt1"/>
+          </a:fontRef>
+        </p:style>
+        <p:txBody>
+          <a:bodyPr rtlCol="0" anchor="ctr"/>
+          <a:lstStyle/>
+          <a:p>
+            <a:pPr marL="0" marR="0" lvl="0" indent="0" algn="ctr" defTabSz="914400" rtl="0" eaLnBrk="1" fontAlgn="auto" latinLnBrk="0" hangingPunct="1">
+              <a:lnSpc>
+                <a:spcPct val="100000"/>
+              </a:lnSpc>
+              <a:spcBef>
+                <a:spcPts val="0"/>
+              </a:spcBef>
+              <a:spcAft>
+                <a:spcPts val="0"/>
+              </a:spcAft>
+              <a:buClrTx/>
+              <a:buSzTx/>
+              <a:buFontTx/>
+              <a:buNone/>
+              <a:tabLst/>
+              <a:defRPr/>
+            </a:pPr>
+            <a:endParaRPr kumimoji="0" lang="en-GB" sz="1800" b="0" i="0" u="none" strike="noStrike" kern="1200" cap="none" spc="0" normalizeH="0" baseline="0" noProof="0">
+              <a:ln>
+                <a:noFill/>
+              </a:ln>
+              <a:solidFill>
+                <a:prstClr val="white"/>
+              </a:solidFill>
+              <a:effectLst/>
+              <a:uLnTx/>
+              <a:uFillTx/>
+              <a:latin typeface="Calibri" panose="020F0502020204030204"/>
+              <a:ea typeface="+mn-ea"/>
+              <a:cs typeface="+mn-cs"/>
+            </a:endParaRPr>
+          </a:p>
+        </p:txBody>
+      </p:sp>
+      <p:sp>
+        <p:nvSpPr>
+          <p:cNvPr id="65" name="Arrow: Chevron 64">
+            <a:extLst>
+              <a:ext uri="{FF2B5EF4-FFF2-40B4-BE49-F238E27FC236}">
+                <a16:creationId xmlns:a16="http://schemas.microsoft.com/office/drawing/2014/main" id="{F501CC4A-0F53-0328-4550-F3D03E4603E3}"/>
+              </a:ext>
+            </a:extLst>
+          </p:cNvPr>
+          <p:cNvSpPr/>
+          <p:nvPr/>
+        </p:nvSpPr>
+        <p:spPr>
+          <a:xfrm rot="5400000">
+            <a:off x="9639410" y="4080513"/>
+            <a:ext cx="140349" cy="149654"/>
+          </a:xfrm>
+          <a:prstGeom prst="chevron">
+            <a:avLst/>
+          </a:prstGeom>
+          <a:solidFill>
+            <a:schemeClr val="bg1">
+              <a:lumMod val="50000"/>
+            </a:schemeClr>
+          </a:solidFill>
+          <a:ln>
+            <a:noFill/>
+          </a:ln>
+        </p:spPr>
+        <p:style>
+          <a:lnRef idx="2">
+            <a:schemeClr val="accent1">
+              <a:shade val="50000"/>
+            </a:schemeClr>
+          </a:lnRef>
+          <a:fillRef idx="1">
+            <a:schemeClr val="accent1"/>
+          </a:fillRef>
+          <a:effectRef idx="0">
+            <a:schemeClr val="accent1"/>
+          </a:effectRef>
+          <a:fontRef idx="minor">
+            <a:schemeClr val="lt1"/>
+          </a:fontRef>
+        </p:style>
+        <p:txBody>
+          <a:bodyPr rtlCol="0" anchor="ctr"/>
+          <a:lstStyle/>
+          <a:p>
+            <a:pPr marL="0" marR="0" lvl="0" indent="0" algn="ctr" defTabSz="914400" rtl="0" eaLnBrk="1" fontAlgn="auto" latinLnBrk="0" hangingPunct="1">
+              <a:lnSpc>
+                <a:spcPct val="100000"/>
+              </a:lnSpc>
+              <a:spcBef>
+                <a:spcPts val="0"/>
+              </a:spcBef>
+              <a:spcAft>
+                <a:spcPts val="0"/>
+              </a:spcAft>
+              <a:buClrTx/>
+              <a:buSzTx/>
+              <a:buFontTx/>
+              <a:buNone/>
+              <a:tabLst/>
+              <a:defRPr/>
+            </a:pPr>
+            <a:endParaRPr kumimoji="0" lang="en-GB" sz="1800" b="0" i="0" u="none" strike="noStrike" kern="1200" cap="none" spc="0" normalizeH="0" baseline="0" noProof="0">
+              <a:ln>
+                <a:noFill/>
+              </a:ln>
+              <a:solidFill>
+                <a:prstClr val="black"/>
+              </a:solidFill>
+              <a:effectLst/>
+              <a:uLnTx/>
+              <a:uFillTx/>
+              <a:latin typeface="Calibri" panose="020F0502020204030204"/>
+              <a:ea typeface="+mn-ea"/>
+              <a:cs typeface="+mn-cs"/>
+            </a:endParaRPr>
+          </a:p>
+        </p:txBody>
+      </p:sp>
+      <p:sp>
+        <p:nvSpPr>
+          <p:cNvPr id="66" name="Rectangle 65">
+            <a:extLst>
+              <a:ext uri="{FF2B5EF4-FFF2-40B4-BE49-F238E27FC236}">
+                <a16:creationId xmlns:a16="http://schemas.microsoft.com/office/drawing/2014/main" id="{C33E2D96-2965-B342-2EC0-28A87FC8543A}"/>
+              </a:ext>
+            </a:extLst>
+          </p:cNvPr>
+          <p:cNvSpPr/>
+          <p:nvPr/>
+        </p:nvSpPr>
+        <p:spPr>
+          <a:xfrm>
+            <a:off x="7885656" y="4401652"/>
+            <a:ext cx="912145" cy="282516"/>
+          </a:xfrm>
+          <a:prstGeom prst="rect">
+            <a:avLst/>
+          </a:prstGeom>
+          <a:solidFill>
+            <a:srgbClr val="364652"/>
+          </a:solidFill>
+          <a:ln>
+            <a:noFill/>
+          </a:ln>
+        </p:spPr>
+        <p:style>
+          <a:lnRef idx="2">
+            <a:schemeClr val="accent1">
+              <a:shade val="50000"/>
+            </a:schemeClr>
+          </a:lnRef>
+          <a:fillRef idx="1">
+            <a:schemeClr val="accent1"/>
+          </a:fillRef>
+          <a:effectRef idx="0">
+            <a:schemeClr val="accent1"/>
+          </a:effectRef>
+          <a:fontRef idx="minor">
+            <a:schemeClr val="lt1"/>
+          </a:fontRef>
+        </p:style>
+        <p:txBody>
+          <a:bodyPr rtlCol="0" anchor="ctr"/>
+          <a:lstStyle/>
+          <a:p>
+            <a:pPr algn="ctr"/>
+            <a:r>
+              <a:rPr lang="en-GB" sz="1400" dirty="0"/>
+              <a:t>Add</a:t>
+            </a:r>
+          </a:p>
+        </p:txBody>
+      </p:sp>
+      <p:sp>
+        <p:nvSpPr>
+          <p:cNvPr id="67" name="Rectangle 66">
+            <a:extLst>
+              <a:ext uri="{FF2B5EF4-FFF2-40B4-BE49-F238E27FC236}">
+                <a16:creationId xmlns:a16="http://schemas.microsoft.com/office/drawing/2014/main" id="{AB483E26-908D-A09B-E4CA-46F837306C29}"/>
+              </a:ext>
+            </a:extLst>
+          </p:cNvPr>
+          <p:cNvSpPr/>
+          <p:nvPr/>
+        </p:nvSpPr>
+        <p:spPr>
+          <a:xfrm>
+            <a:off x="8850999" y="4401652"/>
+            <a:ext cx="987611" cy="282516"/>
+          </a:xfrm>
+          <a:prstGeom prst="rect">
+            <a:avLst/>
+          </a:prstGeom>
+          <a:solidFill>
+            <a:srgbClr val="364652"/>
+          </a:solidFill>
+          <a:ln>
+            <a:noFill/>
+          </a:ln>
+        </p:spPr>
+        <p:style>
+          <a:lnRef idx="2">
+            <a:schemeClr val="accent1">
+              <a:shade val="50000"/>
+            </a:schemeClr>
+          </a:lnRef>
+          <a:fillRef idx="1">
+            <a:schemeClr val="accent1"/>
+          </a:fillRef>
+          <a:effectRef idx="0">
+            <a:schemeClr val="accent1"/>
+          </a:effectRef>
+          <a:fontRef idx="minor">
+            <a:schemeClr val="lt1"/>
+          </a:fontRef>
+        </p:style>
+        <p:txBody>
+          <a:bodyPr rtlCol="0" anchor="ctr"/>
+          <a:lstStyle/>
+          <a:p>
+            <a:pPr algn="ctr"/>
+            <a:r>
+              <a:rPr lang="en-GB" sz="1400" dirty="0"/>
+              <a:t>Remove</a:t>
+            </a:r>
+          </a:p>
+        </p:txBody>
+      </p:sp>
+      <p:sp>
+        <p:nvSpPr>
+          <p:cNvPr id="68" name="TextBox 67">
+            <a:extLst>
+              <a:ext uri="{FF2B5EF4-FFF2-40B4-BE49-F238E27FC236}">
+                <a16:creationId xmlns:a16="http://schemas.microsoft.com/office/drawing/2014/main" id="{DB92FE20-231A-16F3-FED7-E51A95D4A314}"/>
+              </a:ext>
+            </a:extLst>
+          </p:cNvPr>
+          <p:cNvSpPr txBox="1"/>
+          <p:nvPr/>
+        </p:nvSpPr>
+        <p:spPr>
+          <a:xfrm>
+            <a:off x="4401127" y="677252"/>
+            <a:ext cx="5448538" cy="369332"/>
+          </a:xfrm>
+          <a:prstGeom prst="rect">
+            <a:avLst/>
+          </a:prstGeom>
+          <a:noFill/>
+        </p:spPr>
+        <p:txBody>
+          <a:bodyPr wrap="square" rtlCol="0">
+            <a:spAutoFit/>
+          </a:bodyPr>
+          <a:lstStyle/>
+          <a:p>
+            <a:r>
+              <a:rPr lang="en-GB" b="1" dirty="0">
+                <a:solidFill>
+                  <a:schemeClr val="bg1"/>
+                </a:solidFill>
+              </a:rPr>
+              <a:t>Filters</a:t>
+            </a:r>
+          </a:p>
+        </p:txBody>
+      </p:sp>
+      <p:sp>
+        <p:nvSpPr>
+          <p:cNvPr id="69" name="TextBox 68">
+            <a:extLst>
+              <a:ext uri="{FF2B5EF4-FFF2-40B4-BE49-F238E27FC236}">
+                <a16:creationId xmlns:a16="http://schemas.microsoft.com/office/drawing/2014/main" id="{0BE6365A-50A4-2270-2FFC-20726BBA2E59}"/>
+              </a:ext>
+            </a:extLst>
+          </p:cNvPr>
+          <p:cNvSpPr txBox="1"/>
+          <p:nvPr/>
+        </p:nvSpPr>
+        <p:spPr>
+          <a:xfrm>
+            <a:off x="3612570" y="4926405"/>
+            <a:ext cx="5448538" cy="369332"/>
+          </a:xfrm>
+          <a:prstGeom prst="rect">
+            <a:avLst/>
+          </a:prstGeom>
+          <a:noFill/>
+        </p:spPr>
+        <p:txBody>
+          <a:bodyPr wrap="square" rtlCol="0">
+            <a:spAutoFit/>
+          </a:bodyPr>
+          <a:lstStyle/>
+          <a:p>
+            <a:r>
+              <a:rPr lang="en-GB" b="1" dirty="0">
+                <a:solidFill>
+                  <a:schemeClr val="bg1"/>
+                </a:solidFill>
+              </a:rPr>
+              <a:t>Products</a:t>
+            </a:r>
+          </a:p>
+        </p:txBody>
+      </p:sp>
+      <p:sp>
+        <p:nvSpPr>
+          <p:cNvPr id="70" name="Rectangle 69">
+            <a:extLst>
+              <a:ext uri="{FF2B5EF4-FFF2-40B4-BE49-F238E27FC236}">
+                <a16:creationId xmlns:a16="http://schemas.microsoft.com/office/drawing/2014/main" id="{6ECAA21C-CE3A-4D45-3CED-20701BB9F337}"/>
+              </a:ext>
+            </a:extLst>
+          </p:cNvPr>
+          <p:cNvSpPr/>
+          <p:nvPr/>
+        </p:nvSpPr>
+        <p:spPr>
+          <a:xfrm>
+            <a:off x="3610065" y="5306105"/>
+            <a:ext cx="3389745" cy="1904793"/>
+          </a:xfrm>
+          <a:prstGeom prst="rect">
+            <a:avLst/>
+          </a:prstGeom>
+          <a:solidFill>
+            <a:schemeClr val="bg1"/>
+          </a:solidFill>
+          <a:ln>
+            <a:noFill/>
+          </a:ln>
+        </p:spPr>
+        <p:style>
+          <a:lnRef idx="2">
+            <a:schemeClr val="accent1">
+              <a:shade val="50000"/>
+            </a:schemeClr>
+          </a:lnRef>
+          <a:fillRef idx="1">
+            <a:schemeClr val="accent1"/>
+          </a:fillRef>
+          <a:effectRef idx="0">
+            <a:schemeClr val="accent1"/>
+          </a:effectRef>
+          <a:fontRef idx="minor">
+            <a:schemeClr val="lt1"/>
+          </a:fontRef>
+        </p:style>
+        <p:txBody>
+          <a:bodyPr rtlCol="0" anchor="ctr"/>
+          <a:lstStyle/>
+          <a:p>
+            <a:pPr algn="ctr"/>
+            <a:r>
+              <a:rPr lang="en-GB" sz="1400" dirty="0">
+                <a:solidFill>
+                  <a:schemeClr val="tx1"/>
+                </a:solidFill>
+              </a:rPr>
+              <a:t>Huadong Instrument Stock</a:t>
+            </a:r>
+          </a:p>
+          <a:p>
+            <a:pPr algn="ctr"/>
+            <a:r>
+              <a:rPr lang="en-GB" sz="1400" dirty="0">
+                <a:solidFill>
+                  <a:schemeClr val="tx1"/>
+                </a:solidFill>
+              </a:rPr>
+              <a:t>Amazon Web Services Stock</a:t>
+            </a:r>
+          </a:p>
+          <a:p>
+            <a:pPr algn="ctr"/>
+            <a:r>
+              <a:rPr lang="en-GB" sz="1400" dirty="0" err="1">
+                <a:solidFill>
+                  <a:schemeClr val="tx1"/>
+                </a:solidFill>
+              </a:rPr>
+              <a:t>Atlantica</a:t>
+            </a:r>
+            <a:r>
+              <a:rPr lang="en-GB" sz="1400" dirty="0">
+                <a:solidFill>
+                  <a:schemeClr val="tx1"/>
+                </a:solidFill>
+              </a:rPr>
+              <a:t> Sustainable Green Notes</a:t>
+            </a:r>
+          </a:p>
+          <a:p>
+            <a:pPr algn="ctr"/>
+            <a:r>
+              <a:rPr lang="en-GB" sz="1400" dirty="0">
+                <a:solidFill>
+                  <a:schemeClr val="tx1"/>
+                </a:solidFill>
+              </a:rPr>
+              <a:t>ChargePoint Holdings Common Stock</a:t>
+            </a:r>
+          </a:p>
+          <a:p>
+            <a:pPr algn="ctr"/>
+            <a:endParaRPr lang="en-GB" sz="1400" dirty="0">
+              <a:solidFill>
+                <a:schemeClr val="tx1"/>
+              </a:solidFill>
+            </a:endParaRPr>
+          </a:p>
+          <a:p>
+            <a:pPr algn="ctr"/>
+            <a:endParaRPr lang="en-GB" sz="1400" dirty="0">
+              <a:solidFill>
+                <a:schemeClr val="tx1"/>
+              </a:solidFill>
+            </a:endParaRPr>
+          </a:p>
+          <a:p>
+            <a:pPr algn="ctr"/>
+            <a:endParaRPr lang="en-GB" sz="1400" dirty="0">
+              <a:solidFill>
+                <a:schemeClr val="tx1"/>
+              </a:solidFill>
+            </a:endParaRPr>
+          </a:p>
+          <a:p>
+            <a:pPr algn="ctr"/>
+            <a:endParaRPr lang="en-GB" sz="1400" dirty="0">
+              <a:solidFill>
+                <a:schemeClr val="tx1"/>
+              </a:solidFill>
+            </a:endParaRPr>
+          </a:p>
+          <a:p>
+            <a:pPr algn="ctr"/>
+            <a:endParaRPr lang="en-GB" sz="1400" dirty="0">
+              <a:solidFill>
+                <a:schemeClr val="tx1"/>
+              </a:solidFill>
+            </a:endParaRPr>
+          </a:p>
+        </p:txBody>
+      </p:sp>
+      <p:sp>
+        <p:nvSpPr>
+          <p:cNvPr id="78" name="Rectangle 77">
+            <a:extLst>
+              <a:ext uri="{FF2B5EF4-FFF2-40B4-BE49-F238E27FC236}">
+                <a16:creationId xmlns:a16="http://schemas.microsoft.com/office/drawing/2014/main" id="{18D819F6-F5A3-7F8B-3D3F-245FA191F439}"/>
+              </a:ext>
+            </a:extLst>
+          </p:cNvPr>
+          <p:cNvSpPr/>
+          <p:nvPr/>
+        </p:nvSpPr>
+        <p:spPr>
+          <a:xfrm>
+            <a:off x="7097099" y="5302680"/>
+            <a:ext cx="2919844" cy="279842"/>
+          </a:xfrm>
+          <a:prstGeom prst="rect">
+            <a:avLst/>
+          </a:prstGeom>
+          <a:solidFill>
+            <a:schemeClr val="bg1"/>
+          </a:solidFill>
+          <a:ln>
+            <a:noFill/>
+          </a:ln>
+        </p:spPr>
+        <p:style>
+          <a:lnRef idx="2">
+            <a:schemeClr val="accent1">
+              <a:shade val="50000"/>
+            </a:schemeClr>
+          </a:lnRef>
+          <a:fillRef idx="1">
+            <a:schemeClr val="accent1"/>
+          </a:fillRef>
+          <a:effectRef idx="0">
+            <a:schemeClr val="accent1"/>
+          </a:effectRef>
+          <a:fontRef idx="minor">
+            <a:schemeClr val="lt1"/>
+          </a:fontRef>
+        </p:style>
+        <p:txBody>
+          <a:bodyPr rtlCol="0" anchor="ctr"/>
+          <a:lstStyle/>
+          <a:p>
+            <a:pPr algn="ctr"/>
+            <a:r>
+              <a:rPr lang="en-GB" sz="1400" dirty="0">
+                <a:solidFill>
+                  <a:schemeClr val="tx1"/>
+                </a:solidFill>
+              </a:rPr>
+              <a:t>Huadong Instrument Stock</a:t>
+            </a:r>
+          </a:p>
+        </p:txBody>
+      </p:sp>
+      <p:sp>
+        <p:nvSpPr>
+          <p:cNvPr id="79" name="Rectangle 78">
+            <a:extLst>
+              <a:ext uri="{FF2B5EF4-FFF2-40B4-BE49-F238E27FC236}">
+                <a16:creationId xmlns:a16="http://schemas.microsoft.com/office/drawing/2014/main" id="{F351ABE9-D1B8-CEB0-5CF5-AA8906601265}"/>
+              </a:ext>
+            </a:extLst>
+          </p:cNvPr>
+          <p:cNvSpPr/>
+          <p:nvPr/>
+        </p:nvSpPr>
+        <p:spPr>
+          <a:xfrm rot="10800000">
+            <a:off x="10021415" y="5303739"/>
+            <a:ext cx="273487" cy="279840"/>
+          </a:xfrm>
+          <a:prstGeom prst="rect">
+            <a:avLst/>
+          </a:prstGeom>
+          <a:solidFill>
+            <a:schemeClr val="bg1">
+              <a:lumMod val="95000"/>
+            </a:schemeClr>
+          </a:solidFill>
+          <a:ln>
+            <a:solidFill>
+              <a:schemeClr val="bg2">
+                <a:lumMod val="90000"/>
+              </a:schemeClr>
+            </a:solidFill>
+          </a:ln>
+        </p:spPr>
+        <p:style>
+          <a:lnRef idx="2">
+            <a:schemeClr val="accent1">
+              <a:shade val="50000"/>
+            </a:schemeClr>
+          </a:lnRef>
+          <a:fillRef idx="1">
+            <a:schemeClr val="accent1"/>
+          </a:fillRef>
+          <a:effectRef idx="0">
+            <a:schemeClr val="accent1"/>
+          </a:effectRef>
+          <a:fontRef idx="minor">
+            <a:schemeClr val="lt1"/>
+          </a:fontRef>
+        </p:style>
+        <p:txBody>
+          <a:bodyPr rtlCol="0" anchor="ctr"/>
+          <a:lstStyle/>
+          <a:p>
+            <a:pPr marL="0" marR="0" lvl="0" indent="0" algn="ctr" defTabSz="914400" rtl="0" eaLnBrk="1" fontAlgn="auto" latinLnBrk="0" hangingPunct="1">
+              <a:lnSpc>
+                <a:spcPct val="100000"/>
+              </a:lnSpc>
+              <a:spcBef>
+                <a:spcPts val="0"/>
+              </a:spcBef>
+              <a:spcAft>
+                <a:spcPts val="0"/>
+              </a:spcAft>
+              <a:buClrTx/>
+              <a:buSzTx/>
+              <a:buFontTx/>
+              <a:buNone/>
+              <a:tabLst/>
+              <a:defRPr/>
+            </a:pPr>
+            <a:endParaRPr kumimoji="0" lang="en-GB" sz="1800" b="0" i="0" u="none" strike="noStrike" kern="1200" cap="none" spc="0" normalizeH="0" baseline="0" noProof="0">
+              <a:ln>
+                <a:noFill/>
+              </a:ln>
+              <a:solidFill>
+                <a:prstClr val="white"/>
+              </a:solidFill>
+              <a:effectLst/>
+              <a:uLnTx/>
+              <a:uFillTx/>
+              <a:latin typeface="Calibri" panose="020F0502020204030204"/>
+              <a:ea typeface="+mn-ea"/>
+              <a:cs typeface="+mn-cs"/>
+            </a:endParaRPr>
+          </a:p>
+        </p:txBody>
+      </p:sp>
+      <p:sp>
+        <p:nvSpPr>
+          <p:cNvPr id="80" name="Arrow: Chevron 79">
+            <a:extLst>
+              <a:ext uri="{FF2B5EF4-FFF2-40B4-BE49-F238E27FC236}">
+                <a16:creationId xmlns:a16="http://schemas.microsoft.com/office/drawing/2014/main" id="{1302EFF2-C0CA-892A-0A10-0B1E08F621B7}"/>
+              </a:ext>
+            </a:extLst>
+          </p:cNvPr>
+          <p:cNvSpPr/>
+          <p:nvPr/>
+        </p:nvSpPr>
+        <p:spPr>
+          <a:xfrm rot="5400000">
+            <a:off x="10095702" y="5368404"/>
+            <a:ext cx="140349" cy="149654"/>
+          </a:xfrm>
+          <a:prstGeom prst="chevron">
+            <a:avLst/>
+          </a:prstGeom>
+          <a:solidFill>
+            <a:schemeClr val="bg1">
+              <a:lumMod val="50000"/>
+            </a:schemeClr>
+          </a:solidFill>
+          <a:ln>
+            <a:noFill/>
+          </a:ln>
+        </p:spPr>
+        <p:style>
+          <a:lnRef idx="2">
+            <a:schemeClr val="accent1">
+              <a:shade val="50000"/>
+            </a:schemeClr>
+          </a:lnRef>
+          <a:fillRef idx="1">
+            <a:schemeClr val="accent1"/>
+          </a:fillRef>
+          <a:effectRef idx="0">
+            <a:schemeClr val="accent1"/>
+          </a:effectRef>
+          <a:fontRef idx="minor">
+            <a:schemeClr val="lt1"/>
+          </a:fontRef>
+        </p:style>
+        <p:txBody>
+          <a:bodyPr rtlCol="0" anchor="ctr"/>
+          <a:lstStyle/>
+          <a:p>
+            <a:pPr marL="0" marR="0" lvl="0" indent="0" algn="ctr" defTabSz="914400" rtl="0" eaLnBrk="1" fontAlgn="auto" latinLnBrk="0" hangingPunct="1">
+              <a:lnSpc>
+                <a:spcPct val="100000"/>
+              </a:lnSpc>
+              <a:spcBef>
+                <a:spcPts val="0"/>
+              </a:spcBef>
+              <a:spcAft>
+                <a:spcPts val="0"/>
+              </a:spcAft>
+              <a:buClrTx/>
+              <a:buSzTx/>
+              <a:buFontTx/>
+              <a:buNone/>
+              <a:tabLst/>
+              <a:defRPr/>
+            </a:pPr>
+            <a:endParaRPr kumimoji="0" lang="en-GB" sz="1800" b="0" i="0" u="none" strike="noStrike" kern="1200" cap="none" spc="0" normalizeH="0" baseline="0" noProof="0">
+              <a:ln>
+                <a:noFill/>
+              </a:ln>
+              <a:solidFill>
+                <a:prstClr val="black"/>
+              </a:solidFill>
+              <a:effectLst/>
+              <a:uLnTx/>
+              <a:uFillTx/>
+              <a:latin typeface="Calibri" panose="020F0502020204030204"/>
+              <a:ea typeface="+mn-ea"/>
+              <a:cs typeface="+mn-cs"/>
+            </a:endParaRPr>
+          </a:p>
+        </p:txBody>
+      </p:sp>
+      <p:sp>
+        <p:nvSpPr>
+          <p:cNvPr id="81" name="Rectangle 80">
+            <a:extLst>
+              <a:ext uri="{FF2B5EF4-FFF2-40B4-BE49-F238E27FC236}">
+                <a16:creationId xmlns:a16="http://schemas.microsoft.com/office/drawing/2014/main" id="{E7FDBB66-48E3-06DF-13F8-A1448AF69358}"/>
+              </a:ext>
+            </a:extLst>
+          </p:cNvPr>
+          <p:cNvSpPr/>
+          <p:nvPr/>
+        </p:nvSpPr>
+        <p:spPr>
+          <a:xfrm>
+            <a:off x="7097099" y="5674489"/>
+            <a:ext cx="1637355" cy="282516"/>
+          </a:xfrm>
+          <a:prstGeom prst="rect">
+            <a:avLst/>
+          </a:prstGeom>
+          <a:solidFill>
+            <a:srgbClr val="364652"/>
+          </a:solidFill>
+          <a:ln>
+            <a:noFill/>
+          </a:ln>
+        </p:spPr>
+        <p:style>
+          <a:lnRef idx="2">
+            <a:schemeClr val="accent1">
+              <a:shade val="50000"/>
+            </a:schemeClr>
+          </a:lnRef>
+          <a:fillRef idx="1">
+            <a:schemeClr val="accent1"/>
+          </a:fillRef>
+          <a:effectRef idx="0">
+            <a:schemeClr val="accent1"/>
+          </a:effectRef>
+          <a:fontRef idx="minor">
+            <a:schemeClr val="lt1"/>
+          </a:fontRef>
+        </p:style>
+        <p:txBody>
+          <a:bodyPr rtlCol="0" anchor="ctr"/>
+          <a:lstStyle/>
+          <a:p>
+            <a:pPr algn="ctr"/>
+            <a:r>
+              <a:rPr lang="en-GB" sz="1400" dirty="0"/>
+              <a:t>Add</a:t>
+            </a:r>
+          </a:p>
+        </p:txBody>
+      </p:sp>
+      <p:sp>
+        <p:nvSpPr>
+          <p:cNvPr id="82" name="Rectangle 81">
+            <a:extLst>
+              <a:ext uri="{FF2B5EF4-FFF2-40B4-BE49-F238E27FC236}">
+                <a16:creationId xmlns:a16="http://schemas.microsoft.com/office/drawing/2014/main" id="{C2D3F12D-F1DC-1697-2404-9D1BB5074EA7}"/>
+              </a:ext>
+            </a:extLst>
+          </p:cNvPr>
+          <p:cNvSpPr/>
+          <p:nvPr/>
+        </p:nvSpPr>
+        <p:spPr>
+          <a:xfrm>
+            <a:off x="8786669" y="5670276"/>
+            <a:ext cx="1508233" cy="282516"/>
+          </a:xfrm>
+          <a:prstGeom prst="rect">
+            <a:avLst/>
+          </a:prstGeom>
+          <a:solidFill>
+            <a:srgbClr val="364652"/>
+          </a:solidFill>
+          <a:ln>
+            <a:noFill/>
+          </a:ln>
+        </p:spPr>
+        <p:style>
+          <a:lnRef idx="2">
+            <a:schemeClr val="accent1">
+              <a:shade val="50000"/>
+            </a:schemeClr>
+          </a:lnRef>
+          <a:fillRef idx="1">
+            <a:schemeClr val="accent1"/>
+          </a:fillRef>
+          <a:effectRef idx="0">
+            <a:schemeClr val="accent1"/>
+          </a:effectRef>
+          <a:fontRef idx="minor">
+            <a:schemeClr val="lt1"/>
+          </a:fontRef>
+        </p:style>
+        <p:txBody>
+          <a:bodyPr rtlCol="0" anchor="ctr"/>
+          <a:lstStyle/>
+          <a:p>
+            <a:pPr algn="ctr"/>
+            <a:r>
+              <a:rPr lang="en-GB" sz="1400" dirty="0"/>
+              <a:t>Remove</a:t>
+            </a:r>
+          </a:p>
+        </p:txBody>
+      </p:sp>
+      <p:sp>
+        <p:nvSpPr>
+          <p:cNvPr id="83" name="Rectangle 82">
+            <a:extLst>
+              <a:ext uri="{FF2B5EF4-FFF2-40B4-BE49-F238E27FC236}">
+                <a16:creationId xmlns:a16="http://schemas.microsoft.com/office/drawing/2014/main" id="{7CBAC2AE-7172-6793-1000-4BA3A7B13BC1}"/>
+              </a:ext>
+            </a:extLst>
+          </p:cNvPr>
+          <p:cNvSpPr/>
+          <p:nvPr/>
+        </p:nvSpPr>
+        <p:spPr>
+          <a:xfrm>
+            <a:off x="7885656" y="2351305"/>
+            <a:ext cx="1689570" cy="279842"/>
+          </a:xfrm>
+          <a:prstGeom prst="rect">
+            <a:avLst/>
+          </a:prstGeom>
+          <a:solidFill>
+            <a:schemeClr val="bg1"/>
+          </a:solidFill>
+          <a:ln>
+            <a:noFill/>
+          </a:ln>
+        </p:spPr>
+        <p:style>
+          <a:lnRef idx="2">
+            <a:schemeClr val="accent1">
+              <a:shade val="50000"/>
+            </a:schemeClr>
+          </a:lnRef>
+          <a:fillRef idx="1">
+            <a:schemeClr val="accent1"/>
+          </a:fillRef>
+          <a:effectRef idx="0">
+            <a:schemeClr val="accent1"/>
+          </a:effectRef>
+          <a:fontRef idx="minor">
+            <a:schemeClr val="lt1"/>
+          </a:fontRef>
+        </p:style>
+        <p:txBody>
+          <a:bodyPr rtlCol="0" anchor="ctr"/>
+          <a:lstStyle/>
+          <a:p>
+            <a:pPr algn="ctr"/>
+            <a:r>
+              <a:rPr lang="en-GB" sz="1400" dirty="0">
+                <a:solidFill>
+                  <a:schemeClr val="tx1"/>
+                </a:solidFill>
+              </a:rPr>
+              <a:t>Bonds</a:t>
+            </a:r>
+          </a:p>
+        </p:txBody>
+      </p:sp>
+      <p:sp>
+        <p:nvSpPr>
+          <p:cNvPr id="39" name="Rectangle 38">
+            <a:extLst>
+              <a:ext uri="{FF2B5EF4-FFF2-40B4-BE49-F238E27FC236}">
+                <a16:creationId xmlns:a16="http://schemas.microsoft.com/office/drawing/2014/main" id="{19192F5A-B6A6-F6EA-FBEF-6BC1208EB4B9}"/>
+              </a:ext>
+            </a:extLst>
+          </p:cNvPr>
+          <p:cNvSpPr/>
+          <p:nvPr/>
+        </p:nvSpPr>
+        <p:spPr>
+          <a:xfrm rot="10800000">
+            <a:off x="9565123" y="2347902"/>
+            <a:ext cx="273487" cy="279840"/>
+          </a:xfrm>
+          <a:prstGeom prst="rect">
+            <a:avLst/>
+          </a:prstGeom>
+          <a:solidFill>
+            <a:schemeClr val="bg1">
+              <a:lumMod val="95000"/>
+            </a:schemeClr>
+          </a:solidFill>
+          <a:ln>
+            <a:solidFill>
+              <a:schemeClr val="bg2">
+                <a:lumMod val="90000"/>
+              </a:schemeClr>
+            </a:solidFill>
+          </a:ln>
+        </p:spPr>
+        <p:style>
+          <a:lnRef idx="2">
+            <a:schemeClr val="accent1">
+              <a:shade val="50000"/>
+            </a:schemeClr>
+          </a:lnRef>
+          <a:fillRef idx="1">
+            <a:schemeClr val="accent1"/>
+          </a:fillRef>
+          <a:effectRef idx="0">
+            <a:schemeClr val="accent1"/>
+          </a:effectRef>
+          <a:fontRef idx="minor">
+            <a:schemeClr val="lt1"/>
+          </a:fontRef>
+        </p:style>
+        <p:txBody>
+          <a:bodyPr rtlCol="0" anchor="ctr"/>
+          <a:lstStyle/>
+          <a:p>
+            <a:pPr marL="0" marR="0" lvl="0" indent="0" algn="ctr" defTabSz="914400" rtl="0" eaLnBrk="1" fontAlgn="auto" latinLnBrk="0" hangingPunct="1">
+              <a:lnSpc>
+                <a:spcPct val="100000"/>
+              </a:lnSpc>
+              <a:spcBef>
+                <a:spcPts val="0"/>
+              </a:spcBef>
+              <a:spcAft>
+                <a:spcPts val="0"/>
+              </a:spcAft>
+              <a:buClrTx/>
+              <a:buSzTx/>
+              <a:buFontTx/>
+              <a:buNone/>
+              <a:tabLst/>
+              <a:defRPr/>
+            </a:pPr>
+            <a:endParaRPr kumimoji="0" lang="en-GB" sz="1800" b="0" i="0" u="none" strike="noStrike" kern="1200" cap="none" spc="0" normalizeH="0" baseline="0" noProof="0">
+              <a:ln>
+                <a:noFill/>
+              </a:ln>
+              <a:solidFill>
+                <a:prstClr val="white"/>
+              </a:solidFill>
+              <a:effectLst/>
+              <a:uLnTx/>
+              <a:uFillTx/>
+              <a:latin typeface="Calibri" panose="020F0502020204030204"/>
+              <a:ea typeface="+mn-ea"/>
+              <a:cs typeface="+mn-cs"/>
+            </a:endParaRPr>
+          </a:p>
+        </p:txBody>
+      </p:sp>
+      <p:sp>
+        <p:nvSpPr>
+          <p:cNvPr id="40" name="Arrow: Chevron 39">
+            <a:extLst>
+              <a:ext uri="{FF2B5EF4-FFF2-40B4-BE49-F238E27FC236}">
+                <a16:creationId xmlns:a16="http://schemas.microsoft.com/office/drawing/2014/main" id="{F587A194-114C-037B-D80D-3886360AB76B}"/>
+              </a:ext>
+            </a:extLst>
+          </p:cNvPr>
+          <p:cNvSpPr/>
+          <p:nvPr/>
+        </p:nvSpPr>
+        <p:spPr>
+          <a:xfrm rot="5400000">
+            <a:off x="9639410" y="2412567"/>
+            <a:ext cx="140349" cy="149654"/>
+          </a:xfrm>
+          <a:prstGeom prst="chevron">
+            <a:avLst/>
+          </a:prstGeom>
+          <a:solidFill>
+            <a:schemeClr val="bg1">
+              <a:lumMod val="50000"/>
+            </a:schemeClr>
+          </a:solidFill>
+          <a:ln>
+            <a:noFill/>
+          </a:ln>
+        </p:spPr>
+        <p:style>
+          <a:lnRef idx="2">
+            <a:schemeClr val="accent1">
+              <a:shade val="50000"/>
+            </a:schemeClr>
+          </a:lnRef>
+          <a:fillRef idx="1">
+            <a:schemeClr val="accent1"/>
+          </a:fillRef>
+          <a:effectRef idx="0">
+            <a:schemeClr val="accent1"/>
+          </a:effectRef>
+          <a:fontRef idx="minor">
+            <a:schemeClr val="lt1"/>
+          </a:fontRef>
+        </p:style>
+        <p:txBody>
+          <a:bodyPr rtlCol="0" anchor="ctr"/>
+          <a:lstStyle/>
+          <a:p>
+            <a:pPr marL="0" marR="0" lvl="0" indent="0" algn="ctr" defTabSz="914400" rtl="0" eaLnBrk="1" fontAlgn="auto" latinLnBrk="0" hangingPunct="1">
+              <a:lnSpc>
+                <a:spcPct val="100000"/>
+              </a:lnSpc>
+              <a:spcBef>
+                <a:spcPts val="0"/>
+              </a:spcBef>
+              <a:spcAft>
+                <a:spcPts val="0"/>
+              </a:spcAft>
+              <a:buClrTx/>
+              <a:buSzTx/>
+              <a:buFontTx/>
+              <a:buNone/>
+              <a:tabLst/>
+              <a:defRPr/>
+            </a:pPr>
+            <a:endParaRPr kumimoji="0" lang="en-GB" sz="1800" b="0" i="0" u="none" strike="noStrike" kern="1200" cap="none" spc="0" normalizeH="0" baseline="0" noProof="0">
+              <a:ln>
+                <a:noFill/>
+              </a:ln>
+              <a:solidFill>
+                <a:prstClr val="black"/>
+              </a:solidFill>
+              <a:effectLst/>
+              <a:uLnTx/>
+              <a:uFillTx/>
+              <a:latin typeface="Calibri" panose="020F0502020204030204"/>
+              <a:ea typeface="+mn-ea"/>
+              <a:cs typeface="+mn-cs"/>
+            </a:endParaRPr>
+          </a:p>
+        </p:txBody>
+      </p:sp>
+      <p:sp>
+        <p:nvSpPr>
+          <p:cNvPr id="85" name="Rectangle 84">
+            <a:extLst>
+              <a:ext uri="{FF2B5EF4-FFF2-40B4-BE49-F238E27FC236}">
+                <a16:creationId xmlns:a16="http://schemas.microsoft.com/office/drawing/2014/main" id="{FB4B8323-410C-A7EF-AEDC-C950309D80C6}"/>
+              </a:ext>
+            </a:extLst>
+          </p:cNvPr>
+          <p:cNvSpPr/>
+          <p:nvPr/>
+        </p:nvSpPr>
+        <p:spPr>
+          <a:xfrm>
+            <a:off x="4386138" y="2347901"/>
+            <a:ext cx="3389745" cy="1318600"/>
+          </a:xfrm>
+          <a:prstGeom prst="rect">
+            <a:avLst/>
+          </a:prstGeom>
+          <a:solidFill>
+            <a:schemeClr val="bg1"/>
+          </a:solidFill>
+          <a:ln>
+            <a:noFill/>
+          </a:ln>
+        </p:spPr>
+        <p:style>
+          <a:lnRef idx="2">
+            <a:schemeClr val="accent1">
+              <a:shade val="50000"/>
+            </a:schemeClr>
+          </a:lnRef>
+          <a:fillRef idx="1">
+            <a:schemeClr val="accent1"/>
+          </a:fillRef>
+          <a:effectRef idx="0">
+            <a:schemeClr val="accent1"/>
+          </a:effectRef>
+          <a:fontRef idx="minor">
+            <a:schemeClr val="lt1"/>
+          </a:fontRef>
+        </p:style>
+        <p:txBody>
+          <a:bodyPr rtlCol="0" anchor="ctr"/>
+          <a:lstStyle/>
+          <a:p>
+            <a:pPr algn="ctr"/>
+            <a:r>
+              <a:rPr lang="en-GB" sz="1400" dirty="0">
+                <a:solidFill>
+                  <a:schemeClr val="tx1"/>
+                </a:solidFill>
+              </a:rPr>
+              <a:t>Gaming</a:t>
+            </a:r>
+          </a:p>
+          <a:p>
+            <a:pPr algn="ctr"/>
+            <a:r>
+              <a:rPr lang="en-GB" sz="1400" dirty="0">
+                <a:solidFill>
+                  <a:schemeClr val="tx1"/>
+                </a:solidFill>
+              </a:rPr>
+              <a:t>Renewable Energies</a:t>
+            </a:r>
+          </a:p>
+          <a:p>
+            <a:pPr algn="ctr"/>
+            <a:r>
+              <a:rPr lang="en-GB" sz="1400" dirty="0">
+                <a:solidFill>
+                  <a:schemeClr val="tx1"/>
+                </a:solidFill>
+              </a:rPr>
+              <a:t>Pharmaceuticals</a:t>
+            </a:r>
+          </a:p>
+          <a:p>
+            <a:pPr algn="ctr"/>
+            <a:r>
+              <a:rPr lang="en-GB" sz="1400" dirty="0">
+                <a:solidFill>
+                  <a:schemeClr val="tx1"/>
+                </a:solidFill>
+              </a:rPr>
+              <a:t>Bonds</a:t>
+            </a:r>
+          </a:p>
+          <a:p>
+            <a:pPr algn="ctr"/>
+            <a:endParaRPr lang="en-GB" sz="1400" dirty="0">
+              <a:solidFill>
+                <a:schemeClr val="tx1"/>
+              </a:solidFill>
+            </a:endParaRPr>
+          </a:p>
+          <a:p>
+            <a:pPr algn="ctr"/>
+            <a:endParaRPr lang="en-GB" sz="1400" dirty="0">
+              <a:solidFill>
+                <a:schemeClr val="tx1"/>
+              </a:solidFill>
+            </a:endParaRPr>
+          </a:p>
+        </p:txBody>
+      </p:sp>
+      <p:grpSp>
+        <p:nvGrpSpPr>
+          <p:cNvPr id="52" name="Scroll 2">
+            <a:extLst>
+              <a:ext uri="{FF2B5EF4-FFF2-40B4-BE49-F238E27FC236}">
+                <a16:creationId xmlns:a16="http://schemas.microsoft.com/office/drawing/2014/main" id="{02A1839D-79B4-F269-2F78-10A5C6134887}"/>
+              </a:ext>
+            </a:extLst>
+          </p:cNvPr>
+          <p:cNvGrpSpPr/>
+          <p:nvPr/>
+        </p:nvGrpSpPr>
+        <p:grpSpPr>
+          <a:xfrm>
+            <a:off x="7547214" y="2349197"/>
+            <a:ext cx="231620" cy="1321994"/>
+            <a:chOff x="7547214" y="2349197"/>
+            <a:chExt cx="231620" cy="1321994"/>
+          </a:xfrm>
+        </p:grpSpPr>
+        <p:sp>
+          <p:nvSpPr>
+            <p:cNvPr id="46" name="Rectangle 45">
+              <a:extLst>
+                <a:ext uri="{FF2B5EF4-FFF2-40B4-BE49-F238E27FC236}">
+                  <a16:creationId xmlns:a16="http://schemas.microsoft.com/office/drawing/2014/main" id="{BBBCBAD5-C26E-685F-FFEC-B0E4C2497174}"/>
+                </a:ext>
+              </a:extLst>
+            </p:cNvPr>
+            <p:cNvSpPr/>
+            <p:nvPr/>
+          </p:nvSpPr>
+          <p:spPr>
+            <a:xfrm>
+              <a:off x="7548198" y="2351878"/>
+              <a:ext cx="230636" cy="1095443"/>
+            </a:xfrm>
+            <a:prstGeom prst="rect">
+              <a:avLst/>
+            </a:prstGeom>
+            <a:solidFill>
+              <a:schemeClr val="bg1">
+                <a:lumMod val="95000"/>
+              </a:schemeClr>
+            </a:solidFill>
+            <a:ln>
+              <a:noFill/>
+            </a:ln>
+          </p:spPr>
+          <p:style>
+            <a:lnRef idx="2">
+              <a:schemeClr val="accent1">
+                <a:shade val="50000"/>
+              </a:schemeClr>
+            </a:lnRef>
+            <a:fillRef idx="1">
+              <a:schemeClr val="accent1"/>
+            </a:fillRef>
+            <a:effectRef idx="0">
+              <a:schemeClr val="accent1"/>
+            </a:effectRef>
+            <a:fontRef idx="minor">
+              <a:schemeClr val="lt1"/>
+            </a:fontRef>
+          </p:style>
+          <p:txBody>
+            <a:bodyPr rtlCol="0" anchor="ctr"/>
+            <a:lstStyle/>
+            <a:p>
+              <a:pPr marL="0" marR="0" lvl="0" indent="0" algn="ctr" defTabSz="914400" rtl="0" eaLnBrk="1" fontAlgn="auto" latinLnBrk="0" hangingPunct="1">
+                <a:lnSpc>
+                  <a:spcPct val="100000"/>
+                </a:lnSpc>
+                <a:spcBef>
+                  <a:spcPts val="0"/>
+                </a:spcBef>
+                <a:spcAft>
+                  <a:spcPts val="0"/>
+                </a:spcAft>
+                <a:buClrTx/>
+                <a:buSzTx/>
+                <a:buFontTx/>
+                <a:buNone/>
+                <a:tabLst/>
+                <a:defRPr/>
+              </a:pPr>
+              <a:endParaRPr kumimoji="0" lang="en-GB" sz="1800" b="0" i="0" u="none" strike="noStrike" kern="1200" cap="none" spc="0" normalizeH="0" baseline="0" noProof="0">
+                <a:ln>
+                  <a:noFill/>
+                </a:ln>
+                <a:solidFill>
+                  <a:prstClr val="white"/>
+                </a:solidFill>
+                <a:effectLst/>
+                <a:uLnTx/>
+                <a:uFillTx/>
+                <a:latin typeface="Calibri" panose="020F0502020204030204"/>
+                <a:ea typeface="+mn-ea"/>
+                <a:cs typeface="+mn-cs"/>
+              </a:endParaRPr>
+            </a:p>
+          </p:txBody>
+        </p:sp>
+        <p:sp>
+          <p:nvSpPr>
+            <p:cNvPr id="47" name="Rectangle 46">
+              <a:extLst>
+                <a:ext uri="{FF2B5EF4-FFF2-40B4-BE49-F238E27FC236}">
+                  <a16:creationId xmlns:a16="http://schemas.microsoft.com/office/drawing/2014/main" id="{65897A56-063C-B82A-5C51-E91EE9DD25B2}"/>
+                </a:ext>
+              </a:extLst>
+            </p:cNvPr>
+            <p:cNvSpPr/>
+            <p:nvPr/>
+          </p:nvSpPr>
+          <p:spPr>
+            <a:xfrm>
+              <a:off x="7547214" y="2349197"/>
+              <a:ext cx="230636" cy="223157"/>
+            </a:xfrm>
+            <a:prstGeom prst="rect">
+              <a:avLst/>
+            </a:prstGeom>
+            <a:solidFill>
+              <a:schemeClr val="bg1">
+                <a:lumMod val="95000"/>
+              </a:schemeClr>
+            </a:solidFill>
+            <a:ln>
+              <a:solidFill>
+                <a:schemeClr val="bg2">
+                  <a:lumMod val="90000"/>
+                </a:schemeClr>
+              </a:solidFill>
+            </a:ln>
+          </p:spPr>
+          <p:style>
+            <a:lnRef idx="2">
+              <a:schemeClr val="accent1">
+                <a:shade val="50000"/>
+              </a:schemeClr>
+            </a:lnRef>
+            <a:fillRef idx="1">
+              <a:schemeClr val="accent1"/>
+            </a:fillRef>
+            <a:effectRef idx="0">
+              <a:schemeClr val="accent1"/>
+            </a:effectRef>
+            <a:fontRef idx="minor">
+              <a:schemeClr val="lt1"/>
+            </a:fontRef>
+          </p:style>
+          <p:txBody>
+            <a:bodyPr rtlCol="0" anchor="ctr"/>
+            <a:lstStyle/>
+            <a:p>
+              <a:pPr marL="0" marR="0" lvl="0" indent="0" algn="ctr" defTabSz="914400" rtl="0" eaLnBrk="1" fontAlgn="auto" latinLnBrk="0" hangingPunct="1">
+                <a:lnSpc>
+                  <a:spcPct val="100000"/>
+                </a:lnSpc>
+                <a:spcBef>
+                  <a:spcPts val="0"/>
+                </a:spcBef>
+                <a:spcAft>
+                  <a:spcPts val="0"/>
+                </a:spcAft>
+                <a:buClrTx/>
+                <a:buSzTx/>
+                <a:buFontTx/>
+                <a:buNone/>
+                <a:tabLst/>
+                <a:defRPr/>
+              </a:pPr>
+              <a:endParaRPr kumimoji="0" lang="en-GB" sz="1800" b="0" i="0" u="none" strike="noStrike" kern="1200" cap="none" spc="0" normalizeH="0" baseline="0" noProof="0">
+                <a:ln>
+                  <a:noFill/>
+                </a:ln>
+                <a:solidFill>
+                  <a:prstClr val="white"/>
+                </a:solidFill>
+                <a:effectLst/>
+                <a:uLnTx/>
+                <a:uFillTx/>
+                <a:latin typeface="Calibri" panose="020F0502020204030204"/>
+                <a:ea typeface="+mn-ea"/>
+                <a:cs typeface="+mn-cs"/>
+              </a:endParaRPr>
+            </a:p>
+          </p:txBody>
+        </p:sp>
+        <p:sp>
+          <p:nvSpPr>
+            <p:cNvPr id="48" name="Arrow: Chevron 47">
+              <a:extLst>
+                <a:ext uri="{FF2B5EF4-FFF2-40B4-BE49-F238E27FC236}">
+                  <a16:creationId xmlns:a16="http://schemas.microsoft.com/office/drawing/2014/main" id="{3BE96103-4459-63E3-0729-C2E63D2347E8}"/>
+                </a:ext>
+              </a:extLst>
+            </p:cNvPr>
+            <p:cNvSpPr/>
+            <p:nvPr/>
+          </p:nvSpPr>
+          <p:spPr>
+            <a:xfrm rot="16200000">
+              <a:off x="7606573" y="2393554"/>
+              <a:ext cx="111919" cy="126206"/>
+            </a:xfrm>
+            <a:prstGeom prst="chevron">
+              <a:avLst/>
+            </a:prstGeom>
+            <a:solidFill>
+              <a:schemeClr val="bg1">
+                <a:lumMod val="50000"/>
+              </a:schemeClr>
+            </a:solidFill>
+            <a:ln>
+              <a:noFill/>
+            </a:ln>
+          </p:spPr>
+          <p:style>
+            <a:lnRef idx="2">
+              <a:schemeClr val="accent1">
+                <a:shade val="50000"/>
+              </a:schemeClr>
+            </a:lnRef>
+            <a:fillRef idx="1">
+              <a:schemeClr val="accent1"/>
+            </a:fillRef>
+            <a:effectRef idx="0">
+              <a:schemeClr val="accent1"/>
+            </a:effectRef>
+            <a:fontRef idx="minor">
+              <a:schemeClr val="lt1"/>
+            </a:fontRef>
+          </p:style>
+          <p:txBody>
+            <a:bodyPr rtlCol="0" anchor="ctr"/>
+            <a:lstStyle/>
+            <a:p>
+              <a:pPr marL="0" marR="0" lvl="0" indent="0" algn="ctr" defTabSz="914400" rtl="0" eaLnBrk="1" fontAlgn="auto" latinLnBrk="0" hangingPunct="1">
+                <a:lnSpc>
+                  <a:spcPct val="100000"/>
+                </a:lnSpc>
+                <a:spcBef>
+                  <a:spcPts val="0"/>
+                </a:spcBef>
+                <a:spcAft>
+                  <a:spcPts val="0"/>
+                </a:spcAft>
+                <a:buClrTx/>
+                <a:buSzTx/>
+                <a:buFontTx/>
+                <a:buNone/>
+                <a:tabLst/>
+                <a:defRPr/>
+              </a:pPr>
+              <a:endParaRPr kumimoji="0" lang="en-GB" sz="1800" b="0" i="0" u="none" strike="noStrike" kern="1200" cap="none" spc="0" normalizeH="0" baseline="0" noProof="0">
+                <a:ln>
+                  <a:noFill/>
+                </a:ln>
+                <a:solidFill>
+                  <a:prstClr val="black"/>
+                </a:solidFill>
+                <a:effectLst/>
+                <a:uLnTx/>
+                <a:uFillTx/>
+                <a:latin typeface="Calibri" panose="020F0502020204030204"/>
+                <a:ea typeface="+mn-ea"/>
+                <a:cs typeface="+mn-cs"/>
+              </a:endParaRPr>
+            </a:p>
+          </p:txBody>
+        </p:sp>
+        <p:sp>
+          <p:nvSpPr>
+            <p:cNvPr id="49" name="Rectangle 48">
+              <a:extLst>
+                <a:ext uri="{FF2B5EF4-FFF2-40B4-BE49-F238E27FC236}">
+                  <a16:creationId xmlns:a16="http://schemas.microsoft.com/office/drawing/2014/main" id="{1659A09B-FCB4-A898-A8B4-2CC717526709}"/>
+                </a:ext>
+              </a:extLst>
+            </p:cNvPr>
+            <p:cNvSpPr/>
+            <p:nvPr/>
+          </p:nvSpPr>
+          <p:spPr>
+            <a:xfrm rot="10800000">
+              <a:off x="7547214" y="3448034"/>
+              <a:ext cx="230636" cy="223157"/>
+            </a:xfrm>
+            <a:prstGeom prst="rect">
+              <a:avLst/>
+            </a:prstGeom>
+            <a:solidFill>
+              <a:schemeClr val="bg1">
+                <a:lumMod val="95000"/>
+              </a:schemeClr>
+            </a:solidFill>
+            <a:ln>
+              <a:solidFill>
+                <a:schemeClr val="bg2">
+                  <a:lumMod val="90000"/>
+                </a:schemeClr>
+              </a:solidFill>
+            </a:ln>
+          </p:spPr>
+          <p:style>
+            <a:lnRef idx="2">
+              <a:schemeClr val="accent1">
+                <a:shade val="50000"/>
+              </a:schemeClr>
+            </a:lnRef>
+            <a:fillRef idx="1">
+              <a:schemeClr val="accent1"/>
+            </a:fillRef>
+            <a:effectRef idx="0">
+              <a:schemeClr val="accent1"/>
+            </a:effectRef>
+            <a:fontRef idx="minor">
+              <a:schemeClr val="lt1"/>
+            </a:fontRef>
+          </p:style>
+          <p:txBody>
+            <a:bodyPr rtlCol="0" anchor="ctr"/>
+            <a:lstStyle/>
+            <a:p>
+              <a:pPr marL="0" marR="0" lvl="0" indent="0" algn="ctr" defTabSz="914400" rtl="0" eaLnBrk="1" fontAlgn="auto" latinLnBrk="0" hangingPunct="1">
+                <a:lnSpc>
+                  <a:spcPct val="100000"/>
+                </a:lnSpc>
+                <a:spcBef>
+                  <a:spcPts val="0"/>
+                </a:spcBef>
+                <a:spcAft>
+                  <a:spcPts val="0"/>
+                </a:spcAft>
+                <a:buClrTx/>
+                <a:buSzTx/>
+                <a:buFontTx/>
+                <a:buNone/>
+                <a:tabLst/>
+                <a:defRPr/>
+              </a:pPr>
+              <a:endParaRPr kumimoji="0" lang="en-GB" sz="1800" b="0" i="0" u="none" strike="noStrike" kern="1200" cap="none" spc="0" normalizeH="0" baseline="0" noProof="0">
+                <a:ln>
+                  <a:noFill/>
+                </a:ln>
+                <a:solidFill>
+                  <a:prstClr val="white"/>
+                </a:solidFill>
+                <a:effectLst/>
+                <a:uLnTx/>
+                <a:uFillTx/>
+                <a:latin typeface="Calibri" panose="020F0502020204030204"/>
+                <a:ea typeface="+mn-ea"/>
+                <a:cs typeface="+mn-cs"/>
+              </a:endParaRPr>
+            </a:p>
+          </p:txBody>
+        </p:sp>
+        <p:sp>
+          <p:nvSpPr>
+            <p:cNvPr id="50" name="Arrow: Chevron 49">
+              <a:extLst>
+                <a:ext uri="{FF2B5EF4-FFF2-40B4-BE49-F238E27FC236}">
+                  <a16:creationId xmlns:a16="http://schemas.microsoft.com/office/drawing/2014/main" id="{05EF1FC4-3172-B5B4-E0B4-FC3FE79907B9}"/>
+                </a:ext>
+              </a:extLst>
+            </p:cNvPr>
+            <p:cNvSpPr/>
+            <p:nvPr/>
+          </p:nvSpPr>
+          <p:spPr>
+            <a:xfrm rot="5400000">
+              <a:off x="7606573" y="3492391"/>
+              <a:ext cx="111919" cy="126206"/>
+            </a:xfrm>
+            <a:prstGeom prst="chevron">
+              <a:avLst/>
+            </a:prstGeom>
+            <a:solidFill>
+              <a:schemeClr val="bg1">
+                <a:lumMod val="50000"/>
+              </a:schemeClr>
+            </a:solidFill>
+            <a:ln>
+              <a:noFill/>
+            </a:ln>
+          </p:spPr>
+          <p:style>
+            <a:lnRef idx="2">
+              <a:schemeClr val="accent1">
+                <a:shade val="50000"/>
+              </a:schemeClr>
+            </a:lnRef>
+            <a:fillRef idx="1">
+              <a:schemeClr val="accent1"/>
+            </a:fillRef>
+            <a:effectRef idx="0">
+              <a:schemeClr val="accent1"/>
+            </a:effectRef>
+            <a:fontRef idx="minor">
+              <a:schemeClr val="lt1"/>
+            </a:fontRef>
+          </p:style>
+          <p:txBody>
+            <a:bodyPr rtlCol="0" anchor="ctr"/>
+            <a:lstStyle/>
+            <a:p>
+              <a:pPr marL="0" marR="0" lvl="0" indent="0" algn="ctr" defTabSz="914400" rtl="0" eaLnBrk="1" fontAlgn="auto" latinLnBrk="0" hangingPunct="1">
+                <a:lnSpc>
+                  <a:spcPct val="100000"/>
+                </a:lnSpc>
+                <a:spcBef>
+                  <a:spcPts val="0"/>
+                </a:spcBef>
+                <a:spcAft>
+                  <a:spcPts val="0"/>
+                </a:spcAft>
+                <a:buClrTx/>
+                <a:buSzTx/>
+                <a:buFontTx/>
+                <a:buNone/>
+                <a:tabLst/>
+                <a:defRPr/>
+              </a:pPr>
+              <a:endParaRPr kumimoji="0" lang="en-GB" sz="1800" b="0" i="0" u="none" strike="noStrike" kern="1200" cap="none" spc="0" normalizeH="0" baseline="0" noProof="0">
+                <a:ln>
+                  <a:noFill/>
+                </a:ln>
+                <a:solidFill>
+                  <a:prstClr val="black"/>
+                </a:solidFill>
+                <a:effectLst/>
+                <a:uLnTx/>
+                <a:uFillTx/>
+                <a:latin typeface="Calibri" panose="020F0502020204030204"/>
+                <a:ea typeface="+mn-ea"/>
+                <a:cs typeface="+mn-cs"/>
+              </a:endParaRPr>
+            </a:p>
+          </p:txBody>
+        </p:sp>
+      </p:grpSp>
+      <p:sp>
+        <p:nvSpPr>
+          <p:cNvPr id="87" name="Rectangle 86">
+            <a:extLst>
+              <a:ext uri="{FF2B5EF4-FFF2-40B4-BE49-F238E27FC236}">
+                <a16:creationId xmlns:a16="http://schemas.microsoft.com/office/drawing/2014/main" id="{0A64C95B-5DBB-C4E8-015F-CD0ECC6E585A}"/>
+              </a:ext>
+            </a:extLst>
+          </p:cNvPr>
+          <p:cNvSpPr/>
+          <p:nvPr/>
+        </p:nvSpPr>
+        <p:spPr>
+          <a:xfrm>
+            <a:off x="3608098" y="5293781"/>
+            <a:ext cx="3389745" cy="1904793"/>
+          </a:xfrm>
+          <a:prstGeom prst="rect">
+            <a:avLst/>
+          </a:prstGeom>
+          <a:solidFill>
+            <a:schemeClr val="bg1"/>
+          </a:solidFill>
+          <a:ln>
+            <a:noFill/>
+          </a:ln>
+        </p:spPr>
+        <p:style>
+          <a:lnRef idx="2">
+            <a:schemeClr val="accent1">
+              <a:shade val="50000"/>
+            </a:schemeClr>
+          </a:lnRef>
+          <a:fillRef idx="1">
+            <a:schemeClr val="accent1"/>
+          </a:fillRef>
+          <a:effectRef idx="0">
+            <a:schemeClr val="accent1"/>
+          </a:effectRef>
+          <a:fontRef idx="minor">
+            <a:schemeClr val="lt1"/>
+          </a:fontRef>
+        </p:style>
+        <p:txBody>
+          <a:bodyPr rtlCol="0" anchor="ctr"/>
+          <a:lstStyle/>
+          <a:p>
+            <a:pPr algn="ctr"/>
+            <a:r>
+              <a:rPr lang="en-GB" sz="1400" dirty="0">
+                <a:solidFill>
+                  <a:schemeClr val="tx1"/>
+                </a:solidFill>
+              </a:rPr>
+              <a:t>Huadong Instrument Stock</a:t>
+            </a:r>
+          </a:p>
+          <a:p>
+            <a:pPr algn="ctr"/>
+            <a:r>
+              <a:rPr lang="en-GB" sz="1400" dirty="0">
+                <a:solidFill>
+                  <a:schemeClr val="tx1"/>
+                </a:solidFill>
+              </a:rPr>
+              <a:t>Amazon Web Services Stock</a:t>
+            </a:r>
+          </a:p>
+          <a:p>
+            <a:pPr algn="ctr"/>
+            <a:r>
+              <a:rPr lang="en-GB" sz="1400" dirty="0" err="1">
+                <a:solidFill>
+                  <a:schemeClr val="tx1"/>
+                </a:solidFill>
+              </a:rPr>
+              <a:t>Atlantica</a:t>
+            </a:r>
+            <a:r>
+              <a:rPr lang="en-GB" sz="1400" dirty="0">
+                <a:solidFill>
+                  <a:schemeClr val="tx1"/>
+                </a:solidFill>
+              </a:rPr>
+              <a:t> Sustainable Green Notes</a:t>
+            </a:r>
+          </a:p>
+          <a:p>
+            <a:pPr algn="ctr"/>
+            <a:r>
+              <a:rPr lang="en-GB" sz="1400" dirty="0">
+                <a:solidFill>
+                  <a:schemeClr val="tx1"/>
+                </a:solidFill>
+              </a:rPr>
+              <a:t>ChargePoint Holdings Common Stock</a:t>
+            </a:r>
+          </a:p>
+          <a:p>
+            <a:pPr algn="ctr"/>
+            <a:r>
+              <a:rPr lang="en-GB" sz="1400" dirty="0">
+                <a:solidFill>
+                  <a:schemeClr val="tx1"/>
+                </a:solidFill>
+              </a:rPr>
+              <a:t>National Savings Bonds</a:t>
+            </a:r>
+          </a:p>
+          <a:p>
+            <a:pPr algn="ctr"/>
+            <a:r>
+              <a:rPr lang="en-GB" sz="1400" dirty="0">
+                <a:solidFill>
+                  <a:schemeClr val="tx1"/>
+                </a:solidFill>
+              </a:rPr>
+              <a:t>German Government Bonds</a:t>
+            </a:r>
+          </a:p>
+          <a:p>
+            <a:pPr algn="ctr"/>
+            <a:endParaRPr lang="en-GB" sz="1400" dirty="0">
+              <a:solidFill>
+                <a:schemeClr val="tx1"/>
+              </a:solidFill>
+            </a:endParaRPr>
+          </a:p>
+          <a:p>
+            <a:pPr algn="ctr"/>
+            <a:endParaRPr lang="en-GB" sz="1400" dirty="0">
+              <a:solidFill>
+                <a:schemeClr val="tx1"/>
+              </a:solidFill>
+            </a:endParaRPr>
+          </a:p>
+          <a:p>
+            <a:pPr algn="ctr"/>
+            <a:endParaRPr lang="en-GB" sz="1400" dirty="0">
+              <a:solidFill>
+                <a:schemeClr val="tx1"/>
+              </a:solidFill>
+            </a:endParaRPr>
+          </a:p>
+        </p:txBody>
+      </p:sp>
+      <p:sp>
+        <p:nvSpPr>
+          <p:cNvPr id="73" name="Rectangle 72">
+            <a:extLst>
+              <a:ext uri="{FF2B5EF4-FFF2-40B4-BE49-F238E27FC236}">
+                <a16:creationId xmlns:a16="http://schemas.microsoft.com/office/drawing/2014/main" id="{0C6A7BBA-2605-8CCA-58E7-F14005702684}"/>
+              </a:ext>
+            </a:extLst>
+          </p:cNvPr>
+          <p:cNvSpPr/>
+          <p:nvPr/>
+        </p:nvSpPr>
+        <p:spPr>
+          <a:xfrm>
+            <a:off x="6768191" y="5306105"/>
+            <a:ext cx="230636" cy="1817559"/>
+          </a:xfrm>
+          <a:prstGeom prst="rect">
+            <a:avLst/>
+          </a:prstGeom>
+          <a:solidFill>
+            <a:schemeClr val="bg1">
+              <a:lumMod val="95000"/>
+            </a:schemeClr>
+          </a:solidFill>
+          <a:ln>
+            <a:noFill/>
+          </a:ln>
+        </p:spPr>
+        <p:style>
+          <a:lnRef idx="2">
+            <a:schemeClr val="accent1">
+              <a:shade val="50000"/>
+            </a:schemeClr>
+          </a:lnRef>
+          <a:fillRef idx="1">
+            <a:schemeClr val="accent1"/>
+          </a:fillRef>
+          <a:effectRef idx="0">
+            <a:schemeClr val="accent1"/>
+          </a:effectRef>
+          <a:fontRef idx="minor">
+            <a:schemeClr val="lt1"/>
+          </a:fontRef>
+        </p:style>
+        <p:txBody>
+          <a:bodyPr rtlCol="0" anchor="ctr"/>
+          <a:lstStyle/>
+          <a:p>
+            <a:pPr marL="0" marR="0" lvl="0" indent="0" algn="ctr" defTabSz="914400" rtl="0" eaLnBrk="1" fontAlgn="auto" latinLnBrk="0" hangingPunct="1">
+              <a:lnSpc>
+                <a:spcPct val="100000"/>
+              </a:lnSpc>
+              <a:spcBef>
+                <a:spcPts val="0"/>
+              </a:spcBef>
+              <a:spcAft>
+                <a:spcPts val="0"/>
+              </a:spcAft>
+              <a:buClrTx/>
+              <a:buSzTx/>
+              <a:buFontTx/>
+              <a:buNone/>
+              <a:tabLst/>
+              <a:defRPr/>
+            </a:pPr>
+            <a:endParaRPr kumimoji="0" lang="en-GB" sz="1800" b="0" i="0" u="none" strike="noStrike" kern="1200" cap="none" spc="0" normalizeH="0" baseline="0" noProof="0">
+              <a:ln>
+                <a:noFill/>
+              </a:ln>
+              <a:solidFill>
+                <a:prstClr val="white"/>
+              </a:solidFill>
+              <a:effectLst/>
+              <a:uLnTx/>
+              <a:uFillTx/>
+              <a:latin typeface="Calibri" panose="020F0502020204030204"/>
+              <a:ea typeface="+mn-ea"/>
+              <a:cs typeface="+mn-cs"/>
+            </a:endParaRPr>
+          </a:p>
+        </p:txBody>
+      </p:sp>
+      <p:sp>
+        <p:nvSpPr>
+          <p:cNvPr id="74" name="Rectangle 73">
+            <a:extLst>
+              <a:ext uri="{FF2B5EF4-FFF2-40B4-BE49-F238E27FC236}">
+                <a16:creationId xmlns:a16="http://schemas.microsoft.com/office/drawing/2014/main" id="{1FCD6711-2C26-109F-9C8C-27D8B62B8DD6}"/>
+              </a:ext>
+            </a:extLst>
+          </p:cNvPr>
+          <p:cNvSpPr/>
+          <p:nvPr/>
+        </p:nvSpPr>
+        <p:spPr>
+          <a:xfrm>
+            <a:off x="6767207" y="5303424"/>
+            <a:ext cx="230636" cy="223157"/>
+          </a:xfrm>
+          <a:prstGeom prst="rect">
+            <a:avLst/>
+          </a:prstGeom>
+          <a:solidFill>
+            <a:schemeClr val="bg1">
+              <a:lumMod val="95000"/>
+            </a:schemeClr>
+          </a:solidFill>
+          <a:ln>
+            <a:solidFill>
+              <a:schemeClr val="bg2">
+                <a:lumMod val="90000"/>
+              </a:schemeClr>
+            </a:solidFill>
+          </a:ln>
+        </p:spPr>
+        <p:style>
+          <a:lnRef idx="2">
+            <a:schemeClr val="accent1">
+              <a:shade val="50000"/>
+            </a:schemeClr>
+          </a:lnRef>
+          <a:fillRef idx="1">
+            <a:schemeClr val="accent1"/>
+          </a:fillRef>
+          <a:effectRef idx="0">
+            <a:schemeClr val="accent1"/>
+          </a:effectRef>
+          <a:fontRef idx="minor">
+            <a:schemeClr val="lt1"/>
+          </a:fontRef>
+        </p:style>
+        <p:txBody>
+          <a:bodyPr rtlCol="0" anchor="ctr"/>
+          <a:lstStyle/>
+          <a:p>
+            <a:pPr marL="0" marR="0" lvl="0" indent="0" algn="ctr" defTabSz="914400" rtl="0" eaLnBrk="1" fontAlgn="auto" latinLnBrk="0" hangingPunct="1">
+              <a:lnSpc>
+                <a:spcPct val="100000"/>
+              </a:lnSpc>
+              <a:spcBef>
+                <a:spcPts val="0"/>
+              </a:spcBef>
+              <a:spcAft>
+                <a:spcPts val="0"/>
+              </a:spcAft>
+              <a:buClrTx/>
+              <a:buSzTx/>
+              <a:buFontTx/>
+              <a:buNone/>
+              <a:tabLst/>
+              <a:defRPr/>
+            </a:pPr>
+            <a:endParaRPr kumimoji="0" lang="en-GB" sz="1800" b="0" i="0" u="none" strike="noStrike" kern="1200" cap="none" spc="0" normalizeH="0" baseline="0" noProof="0">
+              <a:ln>
+                <a:noFill/>
+              </a:ln>
+              <a:solidFill>
+                <a:prstClr val="white"/>
+              </a:solidFill>
+              <a:effectLst/>
+              <a:uLnTx/>
+              <a:uFillTx/>
+              <a:latin typeface="Calibri" panose="020F0502020204030204"/>
+              <a:ea typeface="+mn-ea"/>
+              <a:cs typeface="+mn-cs"/>
+            </a:endParaRPr>
+          </a:p>
+        </p:txBody>
+      </p:sp>
+      <p:sp>
+        <p:nvSpPr>
+          <p:cNvPr id="75" name="Arrow: Chevron 74">
+            <a:extLst>
+              <a:ext uri="{FF2B5EF4-FFF2-40B4-BE49-F238E27FC236}">
+                <a16:creationId xmlns:a16="http://schemas.microsoft.com/office/drawing/2014/main" id="{AE3FBB2C-F992-EB91-4FB9-5F3FAEE78298}"/>
+              </a:ext>
+            </a:extLst>
+          </p:cNvPr>
+          <p:cNvSpPr/>
+          <p:nvPr/>
+        </p:nvSpPr>
+        <p:spPr>
+          <a:xfrm rot="16200000">
+            <a:off x="6826566" y="5347781"/>
+            <a:ext cx="111919" cy="126206"/>
+          </a:xfrm>
+          <a:prstGeom prst="chevron">
+            <a:avLst/>
+          </a:prstGeom>
+          <a:solidFill>
+            <a:schemeClr val="bg1">
+              <a:lumMod val="50000"/>
+            </a:schemeClr>
+          </a:solidFill>
+          <a:ln>
+            <a:noFill/>
+          </a:ln>
+        </p:spPr>
+        <p:style>
+          <a:lnRef idx="2">
+            <a:schemeClr val="accent1">
+              <a:shade val="50000"/>
+            </a:schemeClr>
+          </a:lnRef>
+          <a:fillRef idx="1">
+            <a:schemeClr val="accent1"/>
+          </a:fillRef>
+          <a:effectRef idx="0">
+            <a:schemeClr val="accent1"/>
+          </a:effectRef>
+          <a:fontRef idx="minor">
+            <a:schemeClr val="lt1"/>
+          </a:fontRef>
+        </p:style>
+        <p:txBody>
+          <a:bodyPr rtlCol="0" anchor="ctr"/>
+          <a:lstStyle/>
+          <a:p>
+            <a:pPr marL="0" marR="0" lvl="0" indent="0" algn="ctr" defTabSz="914400" rtl="0" eaLnBrk="1" fontAlgn="auto" latinLnBrk="0" hangingPunct="1">
+              <a:lnSpc>
+                <a:spcPct val="100000"/>
+              </a:lnSpc>
+              <a:spcBef>
+                <a:spcPts val="0"/>
+              </a:spcBef>
+              <a:spcAft>
+                <a:spcPts val="0"/>
+              </a:spcAft>
+              <a:buClrTx/>
+              <a:buSzTx/>
+              <a:buFontTx/>
+              <a:buNone/>
+              <a:tabLst/>
+              <a:defRPr/>
+            </a:pPr>
+            <a:endParaRPr kumimoji="0" lang="en-GB" sz="1800" b="0" i="0" u="none" strike="noStrike" kern="1200" cap="none" spc="0" normalizeH="0" baseline="0" noProof="0">
+              <a:ln>
+                <a:noFill/>
+              </a:ln>
+              <a:solidFill>
+                <a:prstClr val="black"/>
+              </a:solidFill>
+              <a:effectLst/>
+              <a:uLnTx/>
+              <a:uFillTx/>
+              <a:latin typeface="Calibri" panose="020F0502020204030204"/>
+              <a:ea typeface="+mn-ea"/>
+              <a:cs typeface="+mn-cs"/>
+            </a:endParaRPr>
+          </a:p>
+        </p:txBody>
+      </p:sp>
+    </p:spTree>
+    <p:extLst>
+      <p:ext uri="{BB962C8B-B14F-4D97-AF65-F5344CB8AC3E}">
+        <p14:creationId xmlns:p14="http://schemas.microsoft.com/office/powerpoint/2010/main" val="89325673"/>
+      </p:ext>
+    </p:extLst>
+  </p:cSld>
+  <p:clrMapOvr>
+    <a:masterClrMapping/>
+  </p:clrMapOvr>
+  <p:timing>
+    <p:tnLst>
+      <p:par>
+        <p:cTn id="1" dur="indefinite" restart="never" nodeType="tmRoot">
+          <p:childTnLst>
+            <p:seq concurrent="1" nextAc="seek">
+              <p:cTn id="2" restart="whenNotActive" fill="hold" evtFilter="cancelBubble" nodeType="interactiveSeq">
+                <p:stCondLst>
+                  <p:cond evt="onClick" delay="0">
+                    <p:tgtEl>
+                      <p:spTgt spid="32"/>
+                    </p:tgtEl>
+                  </p:cond>
+                </p:stCondLst>
+                <p:endSync evt="end" delay="0">
+                  <p:rtn val="all"/>
+                </p:endSync>
+                <p:childTnLst>
+                  <p:par>
+                    <p:cTn id="3" fill="hold">
+                      <p:stCondLst>
+                        <p:cond delay="0"/>
+                      </p:stCondLst>
+                      <p:childTnLst>
+                        <p:par>
+                          <p:cTn id="4" fill="hold">
+                            <p:stCondLst>
+                              <p:cond delay="0"/>
+                            </p:stCondLst>
+                            <p:childTnLst>
+                              <p:par>
+                                <p:cTn id="5" presetID="1" presetClass="entr" presetSubtype="0" fill="hold" grpId="0" nodeType="clickEffect">
+                                  <p:stCondLst>
+                                    <p:cond delay="0"/>
+                                  </p:stCondLst>
+                                  <p:childTnLst>
+                                    <p:set>
+                                      <p:cBhvr>
+                                        <p:cTn id="6" dur="1" fill="hold">
+                                          <p:stCondLst>
+                                            <p:cond delay="0"/>
+                                          </p:stCondLst>
+                                        </p:cTn>
+                                        <p:tgtEl>
+                                          <p:spTgt spid="51"/>
+                                        </p:tgtEl>
+                                        <p:attrNameLst>
+                                          <p:attrName>style.visibility</p:attrName>
+                                        </p:attrNameLst>
+                                      </p:cBhvr>
+                                      <p:to>
+                                        <p:strVal val="visible"/>
+                                      </p:to>
+                                    </p:set>
+                                  </p:childTnLst>
+                                </p:cTn>
+                              </p:par>
+                              <p:par>
+                                <p:cTn id="7" presetID="1" presetClass="entr" presetSubtype="0" fill="hold" grpId="0" nodeType="withEffect">
+                                  <p:stCondLst>
+                                    <p:cond delay="0"/>
+                                  </p:stCondLst>
+                                  <p:childTnLst>
+                                    <p:set>
+                                      <p:cBhvr>
+                                        <p:cTn id="8" dur="1" fill="hold">
+                                          <p:stCondLst>
+                                            <p:cond delay="0"/>
+                                          </p:stCondLst>
+                                        </p:cTn>
+                                        <p:tgtEl>
+                                          <p:spTgt spid="83"/>
+                                        </p:tgtEl>
+                                        <p:attrNameLst>
+                                          <p:attrName>style.visibility</p:attrName>
+                                        </p:attrNameLst>
+                                      </p:cBhvr>
+                                      <p:to>
+                                        <p:strVal val="visible"/>
+                                      </p:to>
+                                    </p:set>
+                                  </p:childTnLst>
+                                </p:cTn>
+                              </p:par>
+                            </p:childTnLst>
+                          </p:cTn>
+                        </p:par>
+                      </p:childTnLst>
+                    </p:cTn>
+                  </p:par>
+                </p:childTnLst>
+              </p:cTn>
+              <p:nextCondLst>
+                <p:cond evt="onClick" delay="0">
+                  <p:tgtEl>
+                    <p:spTgt spid="32"/>
+                  </p:tgtEl>
+                </p:cond>
+              </p:nextCondLst>
+            </p:seq>
+            <p:seq concurrent="1" nextAc="seek">
+              <p:cTn id="9" restart="whenNotActive" fill="hold" evtFilter="cancelBubble" nodeType="interactiveSeq">
+                <p:stCondLst>
+                  <p:cond evt="onClick" delay="0">
+                    <p:tgtEl>
+                      <p:spTgt spid="41"/>
+                    </p:tgtEl>
+                  </p:cond>
+                </p:stCondLst>
+                <p:endSync evt="end" delay="0">
+                  <p:rtn val="all"/>
+                </p:endSync>
+                <p:childTnLst>
+                  <p:par>
+                    <p:cTn id="10" fill="hold">
+                      <p:stCondLst>
+                        <p:cond delay="0"/>
+                      </p:stCondLst>
+                      <p:childTnLst>
+                        <p:par>
+                          <p:cTn id="11" fill="hold">
+                            <p:stCondLst>
+                              <p:cond delay="0"/>
+                            </p:stCondLst>
+                            <p:childTnLst>
+                              <p:par>
+                                <p:cTn id="12" presetID="1" presetClass="entr" presetSubtype="0" fill="hold" grpId="0" nodeType="clickEffect">
+                                  <p:stCondLst>
+                                    <p:cond delay="0"/>
+                                  </p:stCondLst>
+                                  <p:childTnLst>
+                                    <p:set>
+                                      <p:cBhvr>
+                                        <p:cTn id="13" dur="1" fill="hold">
+                                          <p:stCondLst>
+                                            <p:cond delay="0"/>
+                                          </p:stCondLst>
+                                        </p:cTn>
+                                        <p:tgtEl>
+                                          <p:spTgt spid="87"/>
+                                        </p:tgtEl>
+                                        <p:attrNameLst>
+                                          <p:attrName>style.visibility</p:attrName>
+                                        </p:attrNameLst>
+                                      </p:cBhvr>
+                                      <p:to>
+                                        <p:strVal val="visible"/>
+                                      </p:to>
+                                    </p:set>
+                                  </p:childTnLst>
+                                </p:cTn>
+                              </p:par>
+                              <p:par>
+                                <p:cTn id="14" presetID="1" presetClass="entr" presetSubtype="0" fill="hold" grpId="0" nodeType="withEffect">
+                                  <p:stCondLst>
+                                    <p:cond delay="0"/>
+                                  </p:stCondLst>
+                                  <p:childTnLst>
+                                    <p:set>
+                                      <p:cBhvr>
+                                        <p:cTn id="15" dur="1" fill="hold">
+                                          <p:stCondLst>
+                                            <p:cond delay="0"/>
+                                          </p:stCondLst>
+                                        </p:cTn>
+                                        <p:tgtEl>
+                                          <p:spTgt spid="85"/>
+                                        </p:tgtEl>
+                                        <p:attrNameLst>
+                                          <p:attrName>style.visibility</p:attrName>
+                                        </p:attrNameLst>
+                                      </p:cBhvr>
+                                      <p:to>
+                                        <p:strVal val="visible"/>
+                                      </p:to>
+                                    </p:set>
+                                  </p:childTnLst>
+                                </p:cTn>
+                              </p:par>
+                            </p:childTnLst>
+                          </p:cTn>
+                        </p:par>
+                      </p:childTnLst>
+                    </p:cTn>
+                  </p:par>
+                </p:childTnLst>
+              </p:cTn>
+              <p:nextCondLst>
+                <p:cond evt="onClick" delay="0">
+                  <p:tgtEl>
+                    <p:spTgt spid="41"/>
+                  </p:tgtEl>
+                </p:cond>
+              </p:nextCondLst>
+            </p:seq>
+          </p:childTnLst>
+        </p:cTn>
+      </p:par>
+    </p:tnLst>
+    <p:bldLst>
+      <p:bldP spid="51" grpId="0" animBg="1"/>
+      <p:bldP spid="83" grpId="0" animBg="1"/>
+      <p:bldP spid="85" grpId="0" animBg="1"/>
+      <p:bldP spid="87" grpId="0" animBg="1"/>
+    </p:bldLst>
+  </p:timing>
 </p:sld>
 </file>
 
